--- a/Presentation Slides/DavidBaez-SeniorProject-FinalPresentation.pptx.pptx
+++ b/Presentation Slides/DavidBaez-SeniorProject-FinalPresentation.pptx.pptx
@@ -1,45 +1,31 @@
 
 <file path=ppt/presentation.xml><?xml version="1.0" encoding="utf-8"?>
-<p:presentation xmlns:a="http://schemas.openxmlformats.org/drawingml/2006/main" xmlns:r="http://schemas.openxmlformats.org/officeDocument/2006/relationships" xmlns:mc="http://schemas.openxmlformats.org/markup-compatibility/2006" xmlns:mv="urn:schemas-microsoft-com:mac:vml" xmlns:p="http://schemas.openxmlformats.org/presentationml/2006/main" xmlns:c="http://schemas.openxmlformats.org/drawingml/2006/chart" xmlns:dgm="http://schemas.openxmlformats.org/drawingml/2006/diagram" xmlns:o="urn:schemas-microsoft-com:office:office" xmlns:v="urn:schemas-microsoft-com:vml" xmlns:pvml="urn:schemas-microsoft-com:office:powerpoint" xmlns:com="http://schemas.openxmlformats.org/drawingml/2006/compatibility" xmlns:p14="http://schemas.microsoft.com/office/powerpoint/2010/main" autoCompressPictures="0" embedTrueTypeFonts="1" strictFirstAndLastChars="0" saveSubsetFonts="1">
+<p:presentation xmlns:a="http://schemas.openxmlformats.org/drawingml/2006/main" xmlns:r="http://schemas.openxmlformats.org/officeDocument/2006/relationships" xmlns:p="http://schemas.openxmlformats.org/presentationml/2006/main" strictFirstAndLastChars="0" embedTrueTypeFonts="1" saveSubsetFonts="1" autoCompressPictures="0">
   <p:sldMasterIdLst>
-    <p:sldMasterId id="2147483660" r:id="rId3"/>
+    <p:sldMasterId id="2147483660" r:id="rId1"/>
   </p:sldMasterIdLst>
   <p:notesMasterIdLst>
-    <p:notesMasterId r:id="rId4"/>
+    <p:notesMasterId r:id="rId15"/>
   </p:notesMasterIdLst>
   <p:sldIdLst>
-    <p:sldId id="256" r:id="rId5"/>
-    <p:sldId id="257" r:id="rId6"/>
-    <p:sldId id="258" r:id="rId7"/>
-    <p:sldId id="259" r:id="rId8"/>
-    <p:sldId id="260" r:id="rId9"/>
-    <p:sldId id="261" r:id="rId10"/>
-    <p:sldId id="262" r:id="rId11"/>
-    <p:sldId id="263" r:id="rId12"/>
-    <p:sldId id="264" r:id="rId13"/>
-    <p:sldId id="265" r:id="rId14"/>
-    <p:sldId id="266" r:id="rId15"/>
-    <p:sldId id="267" r:id="rId16"/>
-    <p:sldId id="268" r:id="rId17"/>
+    <p:sldId id="256" r:id="rId2"/>
+    <p:sldId id="257" r:id="rId3"/>
+    <p:sldId id="258" r:id="rId4"/>
+    <p:sldId id="259" r:id="rId5"/>
+    <p:sldId id="260" r:id="rId6"/>
+    <p:sldId id="261" r:id="rId7"/>
+    <p:sldId id="262" r:id="rId8"/>
+    <p:sldId id="263" r:id="rId9"/>
+    <p:sldId id="264" r:id="rId10"/>
+    <p:sldId id="265" r:id="rId11"/>
+    <p:sldId id="266" r:id="rId12"/>
+    <p:sldId id="267" r:id="rId13"/>
+    <p:sldId id="268" r:id="rId14"/>
   </p:sldIdLst>
-  <p:sldSz cy="6858000" cx="9144000"/>
+  <p:sldSz cx="9144000" cy="6858000" type="screen4x3"/>
   <p:notesSz cx="6858000" cy="9144000"/>
-  <p:embeddedFontLst>
-    <p:embeddedFont>
-      <p:font typeface="PT Sans Narrow"/>
-      <p:regular r:id="rId18"/>
-      <p:bold r:id="rId19"/>
-    </p:embeddedFont>
-    <p:embeddedFont>
-      <p:font typeface="Open Sans"/>
-      <p:regular r:id="rId20"/>
-      <p:bold r:id="rId21"/>
-      <p:italic r:id="rId22"/>
-      <p:boldItalic r:id="rId23"/>
-    </p:embeddedFont>
-  </p:embeddedFontLst>
   <p:defaultTextStyle>
-    <a:defPPr marR="0" rtl="0" algn="l">
+    <a:defPPr marR="0" algn="l" rtl="0">
       <a:lnSpc>
         <a:spcPct val="100000"/>
       </a:lnSpc>
@@ -50,7 +36,7 @@
         <a:spcPts val="0"/>
       </a:spcAft>
     </a:defPPr>
-    <a:lvl1pPr marR="0" rtl="0" algn="l">
+    <a:lvl1pPr marR="0" algn="l" rtl="0">
       <a:lnSpc>
         <a:spcPct val="100000"/>
       </a:lnSpc>
@@ -61,7 +47,7 @@
         <a:spcPts val="0"/>
       </a:spcAft>
       <a:buNone/>
-      <a:defRPr b="0" baseline="0" i="0" sz="1400" u="none" cap="none" strike="noStrike">
+      <a:defRPr sz="1400" b="0" i="0" u="none" strike="noStrike" cap="none" baseline="0">
         <a:solidFill>
           <a:srgbClr val="000000"/>
         </a:solidFill>
@@ -72,7 +58,7 @@
         <a:rtl val="0"/>
       </a:defRPr>
     </a:lvl1pPr>
-    <a:lvl2pPr marR="0" rtl="0" algn="l">
+    <a:lvl2pPr marR="0" algn="l" rtl="0">
       <a:lnSpc>
         <a:spcPct val="100000"/>
       </a:lnSpc>
@@ -83,7 +69,7 @@
         <a:spcPts val="0"/>
       </a:spcAft>
       <a:buNone/>
-      <a:defRPr b="0" baseline="0" i="0" sz="1400" u="none" cap="none" strike="noStrike">
+      <a:defRPr sz="1400" b="0" i="0" u="none" strike="noStrike" cap="none" baseline="0">
         <a:solidFill>
           <a:srgbClr val="000000"/>
         </a:solidFill>
@@ -94,7 +80,7 @@
         <a:rtl val="0"/>
       </a:defRPr>
     </a:lvl2pPr>
-    <a:lvl3pPr marR="0" rtl="0" algn="l">
+    <a:lvl3pPr marR="0" algn="l" rtl="0">
       <a:lnSpc>
         <a:spcPct val="100000"/>
       </a:lnSpc>
@@ -105,7 +91,7 @@
         <a:spcPts val="0"/>
       </a:spcAft>
       <a:buNone/>
-      <a:defRPr b="0" baseline="0" i="0" sz="1400" u="none" cap="none" strike="noStrike">
+      <a:defRPr sz="1400" b="0" i="0" u="none" strike="noStrike" cap="none" baseline="0">
         <a:solidFill>
           <a:srgbClr val="000000"/>
         </a:solidFill>
@@ -116,7 +102,7 @@
         <a:rtl val="0"/>
       </a:defRPr>
     </a:lvl3pPr>
-    <a:lvl4pPr marR="0" rtl="0" algn="l">
+    <a:lvl4pPr marR="0" algn="l" rtl="0">
       <a:lnSpc>
         <a:spcPct val="100000"/>
       </a:lnSpc>
@@ -127,7 +113,7 @@
         <a:spcPts val="0"/>
       </a:spcAft>
       <a:buNone/>
-      <a:defRPr b="0" baseline="0" i="0" sz="1400" u="none" cap="none" strike="noStrike">
+      <a:defRPr sz="1400" b="0" i="0" u="none" strike="noStrike" cap="none" baseline="0">
         <a:solidFill>
           <a:srgbClr val="000000"/>
         </a:solidFill>
@@ -138,7 +124,7 @@
         <a:rtl val="0"/>
       </a:defRPr>
     </a:lvl4pPr>
-    <a:lvl5pPr marR="0" rtl="0" algn="l">
+    <a:lvl5pPr marR="0" algn="l" rtl="0">
       <a:lnSpc>
         <a:spcPct val="100000"/>
       </a:lnSpc>
@@ -149,7 +135,7 @@
         <a:spcPts val="0"/>
       </a:spcAft>
       <a:buNone/>
-      <a:defRPr b="0" baseline="0" i="0" sz="1400" u="none" cap="none" strike="noStrike">
+      <a:defRPr sz="1400" b="0" i="0" u="none" strike="noStrike" cap="none" baseline="0">
         <a:solidFill>
           <a:srgbClr val="000000"/>
         </a:solidFill>
@@ -160,7 +146,7 @@
         <a:rtl val="0"/>
       </a:defRPr>
     </a:lvl5pPr>
-    <a:lvl6pPr marR="0" rtl="0" algn="l">
+    <a:lvl6pPr marR="0" algn="l" rtl="0">
       <a:lnSpc>
         <a:spcPct val="100000"/>
       </a:lnSpc>
@@ -171,7 +157,7 @@
         <a:spcPts val="0"/>
       </a:spcAft>
       <a:buNone/>
-      <a:defRPr b="0" baseline="0" i="0" sz="1400" u="none" cap="none" strike="noStrike">
+      <a:defRPr sz="1400" b="0" i="0" u="none" strike="noStrike" cap="none" baseline="0">
         <a:solidFill>
           <a:srgbClr val="000000"/>
         </a:solidFill>
@@ -182,7 +168,7 @@
         <a:rtl val="0"/>
       </a:defRPr>
     </a:lvl6pPr>
-    <a:lvl7pPr marR="0" rtl="0" algn="l">
+    <a:lvl7pPr marR="0" algn="l" rtl="0">
       <a:lnSpc>
         <a:spcPct val="100000"/>
       </a:lnSpc>
@@ -193,7 +179,7 @@
         <a:spcPts val="0"/>
       </a:spcAft>
       <a:buNone/>
-      <a:defRPr b="0" baseline="0" i="0" sz="1400" u="none" cap="none" strike="noStrike">
+      <a:defRPr sz="1400" b="0" i="0" u="none" strike="noStrike" cap="none" baseline="0">
         <a:solidFill>
           <a:srgbClr val="000000"/>
         </a:solidFill>
@@ -204,7 +190,7 @@
         <a:rtl val="0"/>
       </a:defRPr>
     </a:lvl7pPr>
-    <a:lvl8pPr marR="0" rtl="0" algn="l">
+    <a:lvl8pPr marR="0" algn="l" rtl="0">
       <a:lnSpc>
         <a:spcPct val="100000"/>
       </a:lnSpc>
@@ -215,7 +201,7 @@
         <a:spcPts val="0"/>
       </a:spcAft>
       <a:buNone/>
-      <a:defRPr b="0" baseline="0" i="0" sz="1400" u="none" cap="none" strike="noStrike">
+      <a:defRPr sz="1400" b="0" i="0" u="none" strike="noStrike" cap="none" baseline="0">
         <a:solidFill>
           <a:srgbClr val="000000"/>
         </a:solidFill>
@@ -226,7 +212,7 @@
         <a:rtl val="0"/>
       </a:defRPr>
     </a:lvl8pPr>
-    <a:lvl9pPr marR="0" rtl="0" algn="l">
+    <a:lvl9pPr marR="0" algn="l" rtl="0">
       <a:lnSpc>
         <a:spcPct val="100000"/>
       </a:lnSpc>
@@ -237,7 +223,7 @@
         <a:spcPts val="0"/>
       </a:spcAft>
       <a:buNone/>
-      <a:defRPr b="0" baseline="0" i="0" sz="1400" u="none" cap="none" strike="noStrike">
+      <a:defRPr sz="1400" b="0" i="0" u="none" strike="noStrike" cap="none" baseline="0">
         <a:solidFill>
           <a:srgbClr val="000000"/>
         </a:solidFill>
@@ -253,13 +239,14 @@
 </file>
 
 <file path=ppt/notesMasters/notesMaster1.xml><?xml version="1.0" encoding="utf-8"?>
-<p:notesMaster xmlns:a="http://schemas.openxmlformats.org/drawingml/2006/main" xmlns:r="http://schemas.openxmlformats.org/officeDocument/2006/relationships" xmlns:mc="http://schemas.openxmlformats.org/markup-compatibility/2006" xmlns:mv="urn:schemas-microsoft-com:mac:vml" xmlns:p="http://schemas.openxmlformats.org/presentationml/2006/main" xmlns:c="http://schemas.openxmlformats.org/drawingml/2006/chart" xmlns:dgm="http://schemas.openxmlformats.org/drawingml/2006/diagram" xmlns:o="urn:schemas-microsoft-com:office:office" xmlns:v="urn:schemas-microsoft-com:vml" xmlns:pvml="urn:schemas-microsoft-com:office:powerpoint" xmlns:com="http://schemas.openxmlformats.org/drawingml/2006/compatibility" xmlns:p14="http://schemas.microsoft.com/office/powerpoint/2010/main">
+<p:notesMaster xmlns:a="http://schemas.openxmlformats.org/drawingml/2006/main" xmlns:r="http://schemas.openxmlformats.org/officeDocument/2006/relationships" xmlns:p="http://schemas.openxmlformats.org/presentationml/2006/main">
   <p:cSld>
     <p:bg>
       <p:bgPr>
         <a:solidFill>
           <a:schemeClr val="lt1"/>
         </a:solidFill>
+        <a:effectLst/>
       </p:bgPr>
     </p:bg>
     <p:spTree>
@@ -279,9 +266,11 @@
       <p:sp>
         <p:nvSpPr>
           <p:cNvPr id="2" name="Shape 2"/>
-          <p:cNvSpPr txBox="1"/>
+          <p:cNvSpPr txBox="1">
+            <a:spLocks noGrp="1"/>
+          </p:cNvSpPr>
           <p:nvPr>
-            <p:ph idx="2" type="hdr"/>
+            <p:ph type="hdr" idx="2"/>
           </p:nvPr>
         </p:nvSpPr>
         <p:spPr>
@@ -298,16 +287,16 @@
           </a:ln>
         </p:spPr>
         <p:txBody>
-          <a:bodyPr anchorCtr="0" anchor="t" bIns="91425" lIns="91425" rIns="91425" tIns="91425"/>
+          <a:bodyPr lIns="91425" tIns="91425" rIns="91425" bIns="91425" anchor="t" anchorCtr="0"/>
           <a:lstStyle>
-            <a:lvl1pPr indent="0" marL="0" marR="0" rtl="0" algn="l">
-              <a:spcBef>
-                <a:spcPts val="0"/>
-              </a:spcBef>
-              <a:spcAft>
-                <a:spcPts val="0"/>
-              </a:spcAft>
-              <a:defRPr b="0" baseline="0" i="0" sz="1200" u="none" cap="none" strike="noStrike">
+            <a:lvl1pPr marL="0" marR="0" indent="0" algn="l" rtl="0">
+              <a:spcBef>
+                <a:spcPts val="0"/>
+              </a:spcBef>
+              <a:spcAft>
+                <a:spcPts val="0"/>
+              </a:spcAft>
+              <a:defRPr sz="1200" b="0" i="0" u="none" strike="noStrike" cap="none" baseline="0">
                 <a:solidFill>
                   <a:schemeClr val="dk1"/>
                 </a:solidFill>
@@ -317,14 +306,14 @@
                 <a:sym typeface="Arial"/>
               </a:defRPr>
             </a:lvl1pPr>
-            <a:lvl2pPr indent="0" marL="457200" marR="0" rtl="0" algn="l">
-              <a:spcBef>
-                <a:spcPts val="0"/>
-              </a:spcBef>
-              <a:spcAft>
-                <a:spcPts val="0"/>
-              </a:spcAft>
-              <a:defRPr b="0" baseline="0" i="0" sz="1800" u="none" cap="none" strike="noStrike">
+            <a:lvl2pPr marL="457200" marR="0" indent="0" algn="l" rtl="0">
+              <a:spcBef>
+                <a:spcPts val="0"/>
+              </a:spcBef>
+              <a:spcAft>
+                <a:spcPts val="0"/>
+              </a:spcAft>
+              <a:defRPr sz="1800" b="0" i="0" u="none" strike="noStrike" cap="none" baseline="0">
                 <a:solidFill>
                   <a:schemeClr val="dk1"/>
                 </a:solidFill>
@@ -334,14 +323,14 @@
                 <a:sym typeface="Arial"/>
               </a:defRPr>
             </a:lvl2pPr>
-            <a:lvl3pPr indent="0" marL="914400" marR="0" rtl="0" algn="l">
-              <a:spcBef>
-                <a:spcPts val="0"/>
-              </a:spcBef>
-              <a:spcAft>
-                <a:spcPts val="0"/>
-              </a:spcAft>
-              <a:defRPr b="0" baseline="0" i="0" sz="1800" u="none" cap="none" strike="noStrike">
+            <a:lvl3pPr marL="914400" marR="0" indent="0" algn="l" rtl="0">
+              <a:spcBef>
+                <a:spcPts val="0"/>
+              </a:spcBef>
+              <a:spcAft>
+                <a:spcPts val="0"/>
+              </a:spcAft>
+              <a:defRPr sz="1800" b="0" i="0" u="none" strike="noStrike" cap="none" baseline="0">
                 <a:solidFill>
                   <a:schemeClr val="dk1"/>
                 </a:solidFill>
@@ -351,14 +340,14 @@
                 <a:sym typeface="Arial"/>
               </a:defRPr>
             </a:lvl3pPr>
-            <a:lvl4pPr indent="0" marL="1371600" marR="0" rtl="0" algn="l">
-              <a:spcBef>
-                <a:spcPts val="0"/>
-              </a:spcBef>
-              <a:spcAft>
-                <a:spcPts val="0"/>
-              </a:spcAft>
-              <a:defRPr b="0" baseline="0" i="0" sz="1800" u="none" cap="none" strike="noStrike">
+            <a:lvl4pPr marL="1371600" marR="0" indent="0" algn="l" rtl="0">
+              <a:spcBef>
+                <a:spcPts val="0"/>
+              </a:spcBef>
+              <a:spcAft>
+                <a:spcPts val="0"/>
+              </a:spcAft>
+              <a:defRPr sz="1800" b="0" i="0" u="none" strike="noStrike" cap="none" baseline="0">
                 <a:solidFill>
                   <a:schemeClr val="dk1"/>
                 </a:solidFill>
@@ -368,14 +357,14 @@
                 <a:sym typeface="Arial"/>
               </a:defRPr>
             </a:lvl4pPr>
-            <a:lvl5pPr indent="0" marL="1828800" marR="0" rtl="0" algn="l">
-              <a:spcBef>
-                <a:spcPts val="0"/>
-              </a:spcBef>
-              <a:spcAft>
-                <a:spcPts val="0"/>
-              </a:spcAft>
-              <a:defRPr b="0" baseline="0" i="0" sz="1800" u="none" cap="none" strike="noStrike">
+            <a:lvl5pPr marL="1828800" marR="0" indent="0" algn="l" rtl="0">
+              <a:spcBef>
+                <a:spcPts val="0"/>
+              </a:spcBef>
+              <a:spcAft>
+                <a:spcPts val="0"/>
+              </a:spcAft>
+              <a:defRPr sz="1800" b="0" i="0" u="none" strike="noStrike" cap="none" baseline="0">
                 <a:solidFill>
                   <a:schemeClr val="dk1"/>
                 </a:solidFill>
@@ -385,11 +374,11 @@
                 <a:sym typeface="Arial"/>
               </a:defRPr>
             </a:lvl5pPr>
-            <a:lvl6pPr indent="0" marL="2286000" marR="0" rtl="0" algn="l">
-              <a:spcBef>
-                <a:spcPts val="0"/>
-              </a:spcBef>
-              <a:defRPr b="0" baseline="0" i="0" sz="1800" u="none" cap="none" strike="noStrike">
+            <a:lvl6pPr marL="2286000" marR="0" indent="0" algn="l" rtl="0">
+              <a:spcBef>
+                <a:spcPts val="0"/>
+              </a:spcBef>
+              <a:defRPr sz="1800" b="0" i="0" u="none" strike="noStrike" cap="none" baseline="0">
                 <a:solidFill>
                   <a:schemeClr val="dk1"/>
                 </a:solidFill>
@@ -399,11 +388,11 @@
                 <a:sym typeface="Arial"/>
               </a:defRPr>
             </a:lvl6pPr>
-            <a:lvl7pPr indent="0" marL="2743200" marR="0" rtl="0" algn="l">
-              <a:spcBef>
-                <a:spcPts val="0"/>
-              </a:spcBef>
-              <a:defRPr b="0" baseline="0" i="0" sz="1800" u="none" cap="none" strike="noStrike">
+            <a:lvl7pPr marL="2743200" marR="0" indent="0" algn="l" rtl="0">
+              <a:spcBef>
+                <a:spcPts val="0"/>
+              </a:spcBef>
+              <a:defRPr sz="1800" b="0" i="0" u="none" strike="noStrike" cap="none" baseline="0">
                 <a:solidFill>
                   <a:schemeClr val="dk1"/>
                 </a:solidFill>
@@ -413,11 +402,11 @@
                 <a:sym typeface="Arial"/>
               </a:defRPr>
             </a:lvl7pPr>
-            <a:lvl8pPr indent="0" marL="3200400" marR="0" rtl="0" algn="l">
-              <a:spcBef>
-                <a:spcPts val="0"/>
-              </a:spcBef>
-              <a:defRPr b="0" baseline="0" i="0" sz="1800" u="none" cap="none" strike="noStrike">
+            <a:lvl8pPr marL="3200400" marR="0" indent="0" algn="l" rtl="0">
+              <a:spcBef>
+                <a:spcPts val="0"/>
+              </a:spcBef>
+              <a:defRPr sz="1800" b="0" i="0" u="none" strike="noStrike" cap="none" baseline="0">
                 <a:solidFill>
                   <a:schemeClr val="dk1"/>
                 </a:solidFill>
@@ -427,11 +416,11 @@
                 <a:sym typeface="Arial"/>
               </a:defRPr>
             </a:lvl8pPr>
-            <a:lvl9pPr indent="0" marL="3657600" marR="0" rtl="0" algn="l">
-              <a:spcBef>
-                <a:spcPts val="0"/>
-              </a:spcBef>
-              <a:defRPr b="0" baseline="0" i="0" sz="1800" u="none" cap="none" strike="noStrike">
+            <a:lvl9pPr marL="3657600" marR="0" indent="0" algn="l" rtl="0">
+              <a:spcBef>
+                <a:spcPts val="0"/>
+              </a:spcBef>
+              <a:defRPr sz="1800" b="0" i="0" u="none" strike="noStrike" cap="none" baseline="0">
                 <a:solidFill>
                   <a:schemeClr val="dk1"/>
                 </a:solidFill>
@@ -442,15 +431,19 @@
               </a:defRPr>
             </a:lvl9pPr>
           </a:lstStyle>
-          <a:p/>
+          <a:p>
+            <a:endParaRPr/>
+          </a:p>
         </p:txBody>
       </p:sp>
       <p:sp>
         <p:nvSpPr>
           <p:cNvPr id="3" name="Shape 3"/>
-          <p:cNvSpPr txBox="1"/>
+          <p:cNvSpPr txBox="1">
+            <a:spLocks noGrp="1"/>
+          </p:cNvSpPr>
           <p:nvPr>
-            <p:ph idx="10" type="dt"/>
+            <p:ph type="dt" idx="10"/>
           </p:nvPr>
         </p:nvSpPr>
         <p:spPr>
@@ -467,16 +460,16 @@
           </a:ln>
         </p:spPr>
         <p:txBody>
-          <a:bodyPr anchorCtr="0" anchor="t" bIns="91425" lIns="91425" rIns="91425" tIns="91425"/>
+          <a:bodyPr lIns="91425" tIns="91425" rIns="91425" bIns="91425" anchor="t" anchorCtr="0"/>
           <a:lstStyle>
-            <a:lvl1pPr indent="0" marL="0" marR="0" rtl="0" algn="r">
-              <a:spcBef>
-                <a:spcPts val="0"/>
-              </a:spcBef>
-              <a:spcAft>
-                <a:spcPts val="0"/>
-              </a:spcAft>
-              <a:defRPr b="0" baseline="0" i="0" sz="1200" u="none" cap="none" strike="noStrike">
+            <a:lvl1pPr marL="0" marR="0" indent="0" algn="r" rtl="0">
+              <a:spcBef>
+                <a:spcPts val="0"/>
+              </a:spcBef>
+              <a:spcAft>
+                <a:spcPts val="0"/>
+              </a:spcAft>
+              <a:defRPr sz="1200" b="0" i="0" u="none" strike="noStrike" cap="none" baseline="0">
                 <a:solidFill>
                   <a:schemeClr val="dk1"/>
                 </a:solidFill>
@@ -486,14 +479,14 @@
                 <a:sym typeface="Arial"/>
               </a:defRPr>
             </a:lvl1pPr>
-            <a:lvl2pPr indent="0" marL="457200" marR="0" rtl="0" algn="l">
-              <a:spcBef>
-                <a:spcPts val="0"/>
-              </a:spcBef>
-              <a:spcAft>
-                <a:spcPts val="0"/>
-              </a:spcAft>
-              <a:defRPr b="0" baseline="0" i="0" sz="1800" u="none" cap="none" strike="noStrike">
+            <a:lvl2pPr marL="457200" marR="0" indent="0" algn="l" rtl="0">
+              <a:spcBef>
+                <a:spcPts val="0"/>
+              </a:spcBef>
+              <a:spcAft>
+                <a:spcPts val="0"/>
+              </a:spcAft>
+              <a:defRPr sz="1800" b="0" i="0" u="none" strike="noStrike" cap="none" baseline="0">
                 <a:solidFill>
                   <a:schemeClr val="dk1"/>
                 </a:solidFill>
@@ -503,14 +496,14 @@
                 <a:sym typeface="Arial"/>
               </a:defRPr>
             </a:lvl2pPr>
-            <a:lvl3pPr indent="0" marL="914400" marR="0" rtl="0" algn="l">
-              <a:spcBef>
-                <a:spcPts val="0"/>
-              </a:spcBef>
-              <a:spcAft>
-                <a:spcPts val="0"/>
-              </a:spcAft>
-              <a:defRPr b="0" baseline="0" i="0" sz="1800" u="none" cap="none" strike="noStrike">
+            <a:lvl3pPr marL="914400" marR="0" indent="0" algn="l" rtl="0">
+              <a:spcBef>
+                <a:spcPts val="0"/>
+              </a:spcBef>
+              <a:spcAft>
+                <a:spcPts val="0"/>
+              </a:spcAft>
+              <a:defRPr sz="1800" b="0" i="0" u="none" strike="noStrike" cap="none" baseline="0">
                 <a:solidFill>
                   <a:schemeClr val="dk1"/>
                 </a:solidFill>
@@ -520,14 +513,14 @@
                 <a:sym typeface="Arial"/>
               </a:defRPr>
             </a:lvl3pPr>
-            <a:lvl4pPr indent="0" marL="1371600" marR="0" rtl="0" algn="l">
-              <a:spcBef>
-                <a:spcPts val="0"/>
-              </a:spcBef>
-              <a:spcAft>
-                <a:spcPts val="0"/>
-              </a:spcAft>
-              <a:defRPr b="0" baseline="0" i="0" sz="1800" u="none" cap="none" strike="noStrike">
+            <a:lvl4pPr marL="1371600" marR="0" indent="0" algn="l" rtl="0">
+              <a:spcBef>
+                <a:spcPts val="0"/>
+              </a:spcBef>
+              <a:spcAft>
+                <a:spcPts val="0"/>
+              </a:spcAft>
+              <a:defRPr sz="1800" b="0" i="0" u="none" strike="noStrike" cap="none" baseline="0">
                 <a:solidFill>
                   <a:schemeClr val="dk1"/>
                 </a:solidFill>
@@ -537,14 +530,14 @@
                 <a:sym typeface="Arial"/>
               </a:defRPr>
             </a:lvl4pPr>
-            <a:lvl5pPr indent="0" marL="1828800" marR="0" rtl="0" algn="l">
-              <a:spcBef>
-                <a:spcPts val="0"/>
-              </a:spcBef>
-              <a:spcAft>
-                <a:spcPts val="0"/>
-              </a:spcAft>
-              <a:defRPr b="0" baseline="0" i="0" sz="1800" u="none" cap="none" strike="noStrike">
+            <a:lvl5pPr marL="1828800" marR="0" indent="0" algn="l" rtl="0">
+              <a:spcBef>
+                <a:spcPts val="0"/>
+              </a:spcBef>
+              <a:spcAft>
+                <a:spcPts val="0"/>
+              </a:spcAft>
+              <a:defRPr sz="1800" b="0" i="0" u="none" strike="noStrike" cap="none" baseline="0">
                 <a:solidFill>
                   <a:schemeClr val="dk1"/>
                 </a:solidFill>
@@ -554,11 +547,11 @@
                 <a:sym typeface="Arial"/>
               </a:defRPr>
             </a:lvl5pPr>
-            <a:lvl6pPr indent="0" marL="2286000" marR="0" rtl="0" algn="l">
-              <a:spcBef>
-                <a:spcPts val="0"/>
-              </a:spcBef>
-              <a:defRPr b="0" baseline="0" i="0" sz="1800" u="none" cap="none" strike="noStrike">
+            <a:lvl6pPr marL="2286000" marR="0" indent="0" algn="l" rtl="0">
+              <a:spcBef>
+                <a:spcPts val="0"/>
+              </a:spcBef>
+              <a:defRPr sz="1800" b="0" i="0" u="none" strike="noStrike" cap="none" baseline="0">
                 <a:solidFill>
                   <a:schemeClr val="dk1"/>
                 </a:solidFill>
@@ -568,11 +561,11 @@
                 <a:sym typeface="Arial"/>
               </a:defRPr>
             </a:lvl6pPr>
-            <a:lvl7pPr indent="0" marL="2743200" marR="0" rtl="0" algn="l">
-              <a:spcBef>
-                <a:spcPts val="0"/>
-              </a:spcBef>
-              <a:defRPr b="0" baseline="0" i="0" sz="1800" u="none" cap="none" strike="noStrike">
+            <a:lvl7pPr marL="2743200" marR="0" indent="0" algn="l" rtl="0">
+              <a:spcBef>
+                <a:spcPts val="0"/>
+              </a:spcBef>
+              <a:defRPr sz="1800" b="0" i="0" u="none" strike="noStrike" cap="none" baseline="0">
                 <a:solidFill>
                   <a:schemeClr val="dk1"/>
                 </a:solidFill>
@@ -582,11 +575,11 @@
                 <a:sym typeface="Arial"/>
               </a:defRPr>
             </a:lvl7pPr>
-            <a:lvl8pPr indent="0" marL="3200400" marR="0" rtl="0" algn="l">
-              <a:spcBef>
-                <a:spcPts val="0"/>
-              </a:spcBef>
-              <a:defRPr b="0" baseline="0" i="0" sz="1800" u="none" cap="none" strike="noStrike">
+            <a:lvl8pPr marL="3200400" marR="0" indent="0" algn="l" rtl="0">
+              <a:spcBef>
+                <a:spcPts val="0"/>
+              </a:spcBef>
+              <a:defRPr sz="1800" b="0" i="0" u="none" strike="noStrike" cap="none" baseline="0">
                 <a:solidFill>
                   <a:schemeClr val="dk1"/>
                 </a:solidFill>
@@ -596,11 +589,11 @@
                 <a:sym typeface="Arial"/>
               </a:defRPr>
             </a:lvl8pPr>
-            <a:lvl9pPr indent="0" marL="3657600" marR="0" rtl="0" algn="l">
-              <a:spcBef>
-                <a:spcPts val="0"/>
-              </a:spcBef>
-              <a:defRPr b="0" baseline="0" i="0" sz="1800" u="none" cap="none" strike="noStrike">
+            <a:lvl9pPr marL="3657600" marR="0" indent="0" algn="l" rtl="0">
+              <a:spcBef>
+                <a:spcPts val="0"/>
+              </a:spcBef>
+              <a:defRPr sz="1800" b="0" i="0" u="none" strike="noStrike" cap="none" baseline="0">
                 <a:solidFill>
                   <a:schemeClr val="dk1"/>
                 </a:solidFill>
@@ -611,15 +604,19 @@
               </a:defRPr>
             </a:lvl9pPr>
           </a:lstStyle>
-          <a:p/>
+          <a:p>
+            <a:endParaRPr/>
+          </a:p>
         </p:txBody>
       </p:sp>
       <p:sp>
         <p:nvSpPr>
           <p:cNvPr id="4" name="Shape 4"/>
-          <p:cNvSpPr/>
+          <p:cNvSpPr>
+            <a:spLocks noGrp="1" noRot="1" noChangeAspect="1"/>
+          </p:cNvSpPr>
           <p:nvPr>
-            <p:ph idx="3" type="sldImg"/>
+            <p:ph type="sldImg" idx="3"/>
           </p:nvPr>
         </p:nvSpPr>
         <p:spPr>
@@ -628,8 +625,13 @@
             <a:ext cx="4572000" cy="3429000"/>
           </a:xfrm>
           <a:custGeom>
+            <a:avLst/>
+            <a:gdLst/>
+            <a:ahLst/>
+            <a:cxnLst/>
+            <a:rect l="0" t="0" r="0" b="0"/>
             <a:pathLst>
-              <a:path extrusionOk="0" h="120000" w="120000">
+              <a:path w="120000" h="120000" extrusionOk="0">
                 <a:moveTo>
                   <a:pt x="0" y="0"/>
                 </a:moveTo>
@@ -647,23 +649,25 @@
             </a:pathLst>
           </a:custGeom>
           <a:noFill/>
-          <a:ln cap="flat" cmpd="sng" w="12700">
+          <a:ln w="12700" cap="flat" cmpd="sng">
             <a:solidFill>
               <a:srgbClr val="000000"/>
             </a:solidFill>
             <a:prstDash val="solid"/>
             <a:round/>
-            <a:headEnd len="med" w="med" type="none"/>
-            <a:tailEnd len="med" w="med" type="none"/>
+            <a:headEnd type="none" w="med" len="med"/>
+            <a:tailEnd type="none" w="med" len="med"/>
           </a:ln>
         </p:spPr>
       </p:sp>
       <p:sp>
         <p:nvSpPr>
           <p:cNvPr id="5" name="Shape 5"/>
-          <p:cNvSpPr txBox="1"/>
+          <p:cNvSpPr txBox="1">
+            <a:spLocks noGrp="1"/>
+          </p:cNvSpPr>
           <p:nvPr>
-            <p:ph idx="1" type="body"/>
+            <p:ph type="body" idx="1"/>
           </p:nvPr>
         </p:nvSpPr>
         <p:spPr>
@@ -680,16 +684,16 @@
           </a:ln>
         </p:spPr>
         <p:txBody>
-          <a:bodyPr anchorCtr="0" anchor="t" bIns="91425" lIns="91425" rIns="91425" tIns="91425"/>
+          <a:bodyPr lIns="91425" tIns="91425" rIns="91425" bIns="91425" anchor="t" anchorCtr="0"/>
           <a:lstStyle>
-            <a:lvl1pPr indent="0" marL="0" marR="0" rtl="0" algn="l">
+            <a:lvl1pPr marL="0" marR="0" indent="0" algn="l" rtl="0">
               <a:spcBef>
                 <a:spcPts val="360"/>
               </a:spcBef>
               <a:spcAft>
                 <a:spcPts val="0"/>
               </a:spcAft>
-              <a:defRPr b="0" baseline="0" i="0" sz="1200" u="none" cap="none" strike="noStrike">
+              <a:defRPr sz="1200" b="0" i="0" u="none" strike="noStrike" cap="none" baseline="0">
                 <a:solidFill>
                   <a:schemeClr val="dk1"/>
                 </a:solidFill>
@@ -699,14 +703,14 @@
                 <a:sym typeface="Calibri"/>
               </a:defRPr>
             </a:lvl1pPr>
-            <a:lvl2pPr indent="0" marL="457200" marR="0" rtl="0" algn="l">
+            <a:lvl2pPr marL="457200" marR="0" indent="0" algn="l" rtl="0">
               <a:spcBef>
                 <a:spcPts val="360"/>
               </a:spcBef>
               <a:spcAft>
                 <a:spcPts val="0"/>
               </a:spcAft>
-              <a:defRPr b="0" baseline="0" i="0" sz="1200" u="none" cap="none" strike="noStrike">
+              <a:defRPr sz="1200" b="0" i="0" u="none" strike="noStrike" cap="none" baseline="0">
                 <a:solidFill>
                   <a:schemeClr val="dk1"/>
                 </a:solidFill>
@@ -716,14 +720,14 @@
                 <a:sym typeface="Calibri"/>
               </a:defRPr>
             </a:lvl2pPr>
-            <a:lvl3pPr indent="0" marL="914400" marR="0" rtl="0" algn="l">
+            <a:lvl3pPr marL="914400" marR="0" indent="0" algn="l" rtl="0">
               <a:spcBef>
                 <a:spcPts val="360"/>
               </a:spcBef>
               <a:spcAft>
                 <a:spcPts val="0"/>
               </a:spcAft>
-              <a:defRPr b="0" baseline="0" i="0" sz="1200" u="none" cap="none" strike="noStrike">
+              <a:defRPr sz="1200" b="0" i="0" u="none" strike="noStrike" cap="none" baseline="0">
                 <a:solidFill>
                   <a:schemeClr val="dk1"/>
                 </a:solidFill>
@@ -733,14 +737,14 @@
                 <a:sym typeface="Calibri"/>
               </a:defRPr>
             </a:lvl3pPr>
-            <a:lvl4pPr indent="0" marL="1371600" marR="0" rtl="0" algn="l">
+            <a:lvl4pPr marL="1371600" marR="0" indent="0" algn="l" rtl="0">
               <a:spcBef>
                 <a:spcPts val="360"/>
               </a:spcBef>
               <a:spcAft>
                 <a:spcPts val="0"/>
               </a:spcAft>
-              <a:defRPr b="0" baseline="0" i="0" sz="1200" u="none" cap="none" strike="noStrike">
+              <a:defRPr sz="1200" b="0" i="0" u="none" strike="noStrike" cap="none" baseline="0">
                 <a:solidFill>
                   <a:schemeClr val="dk1"/>
                 </a:solidFill>
@@ -750,14 +754,14 @@
                 <a:sym typeface="Calibri"/>
               </a:defRPr>
             </a:lvl4pPr>
-            <a:lvl5pPr indent="0" marL="1828800" marR="0" rtl="0" algn="l">
+            <a:lvl5pPr marL="1828800" marR="0" indent="0" algn="l" rtl="0">
               <a:spcBef>
                 <a:spcPts val="360"/>
               </a:spcBef>
               <a:spcAft>
                 <a:spcPts val="0"/>
               </a:spcAft>
-              <a:defRPr b="0" baseline="0" i="0" sz="1200" u="none" cap="none" strike="noStrike">
+              <a:defRPr sz="1200" b="0" i="0" u="none" strike="noStrike" cap="none" baseline="0">
                 <a:solidFill>
                   <a:schemeClr val="dk1"/>
                 </a:solidFill>
@@ -767,11 +771,11 @@
                 <a:sym typeface="Calibri"/>
               </a:defRPr>
             </a:lvl5pPr>
-            <a:lvl6pPr indent="0" marL="2286000" marR="0" rtl="0" algn="l">
-              <a:spcBef>
-                <a:spcPts val="0"/>
-              </a:spcBef>
-              <a:defRPr b="0" baseline="0" i="0" sz="1200" u="none" cap="none" strike="noStrike">
+            <a:lvl6pPr marL="2286000" marR="0" indent="0" algn="l" rtl="0">
+              <a:spcBef>
+                <a:spcPts val="0"/>
+              </a:spcBef>
+              <a:defRPr sz="1200" b="0" i="0" u="none" strike="noStrike" cap="none" baseline="0">
                 <a:solidFill>
                   <a:schemeClr val="dk1"/>
                 </a:solidFill>
@@ -781,11 +785,11 @@
                 <a:sym typeface="Calibri"/>
               </a:defRPr>
             </a:lvl6pPr>
-            <a:lvl7pPr indent="0" marL="2743200" marR="0" rtl="0" algn="l">
-              <a:spcBef>
-                <a:spcPts val="0"/>
-              </a:spcBef>
-              <a:defRPr b="0" baseline="0" i="0" sz="1200" u="none" cap="none" strike="noStrike">
+            <a:lvl7pPr marL="2743200" marR="0" indent="0" algn="l" rtl="0">
+              <a:spcBef>
+                <a:spcPts val="0"/>
+              </a:spcBef>
+              <a:defRPr sz="1200" b="0" i="0" u="none" strike="noStrike" cap="none" baseline="0">
                 <a:solidFill>
                   <a:schemeClr val="dk1"/>
                 </a:solidFill>
@@ -795,11 +799,11 @@
                 <a:sym typeface="Calibri"/>
               </a:defRPr>
             </a:lvl7pPr>
-            <a:lvl8pPr indent="0" marL="3200400" marR="0" rtl="0" algn="l">
-              <a:spcBef>
-                <a:spcPts val="0"/>
-              </a:spcBef>
-              <a:defRPr b="0" baseline="0" i="0" sz="1200" u="none" cap="none" strike="noStrike">
+            <a:lvl8pPr marL="3200400" marR="0" indent="0" algn="l" rtl="0">
+              <a:spcBef>
+                <a:spcPts val="0"/>
+              </a:spcBef>
+              <a:defRPr sz="1200" b="0" i="0" u="none" strike="noStrike" cap="none" baseline="0">
                 <a:solidFill>
                   <a:schemeClr val="dk1"/>
                 </a:solidFill>
@@ -809,11 +813,11 @@
                 <a:sym typeface="Calibri"/>
               </a:defRPr>
             </a:lvl8pPr>
-            <a:lvl9pPr indent="0" marL="3657600" marR="0" rtl="0" algn="l">
-              <a:spcBef>
-                <a:spcPts val="0"/>
-              </a:spcBef>
-              <a:defRPr b="0" baseline="0" i="0" sz="1200" u="none" cap="none" strike="noStrike">
+            <a:lvl9pPr marL="3657600" marR="0" indent="0" algn="l" rtl="0">
+              <a:spcBef>
+                <a:spcPts val="0"/>
+              </a:spcBef>
+              <a:defRPr sz="1200" b="0" i="0" u="none" strike="noStrike" cap="none" baseline="0">
                 <a:solidFill>
                   <a:schemeClr val="dk1"/>
                 </a:solidFill>
@@ -824,15 +828,19 @@
               </a:defRPr>
             </a:lvl9pPr>
           </a:lstStyle>
-          <a:p/>
+          <a:p>
+            <a:endParaRPr/>
+          </a:p>
         </p:txBody>
       </p:sp>
       <p:sp>
         <p:nvSpPr>
           <p:cNvPr id="6" name="Shape 6"/>
-          <p:cNvSpPr txBox="1"/>
+          <p:cNvSpPr txBox="1">
+            <a:spLocks noGrp="1"/>
+          </p:cNvSpPr>
           <p:nvPr>
-            <p:ph idx="11" type="ftr"/>
+            <p:ph type="ftr" idx="11"/>
           </p:nvPr>
         </p:nvSpPr>
         <p:spPr>
@@ -849,16 +857,16 @@
           </a:ln>
         </p:spPr>
         <p:txBody>
-          <a:bodyPr anchorCtr="0" anchor="b" bIns="91425" lIns="91425" rIns="91425" tIns="91425"/>
+          <a:bodyPr lIns="91425" tIns="91425" rIns="91425" bIns="91425" anchor="b" anchorCtr="0"/>
           <a:lstStyle>
-            <a:lvl1pPr indent="0" marL="0" marR="0" rtl="0" algn="l">
-              <a:spcBef>
-                <a:spcPts val="0"/>
-              </a:spcBef>
-              <a:spcAft>
-                <a:spcPts val="0"/>
-              </a:spcAft>
-              <a:defRPr b="0" baseline="0" i="0" sz="1200" u="none" cap="none" strike="noStrike">
+            <a:lvl1pPr marL="0" marR="0" indent="0" algn="l" rtl="0">
+              <a:spcBef>
+                <a:spcPts val="0"/>
+              </a:spcBef>
+              <a:spcAft>
+                <a:spcPts val="0"/>
+              </a:spcAft>
+              <a:defRPr sz="1200" b="0" i="0" u="none" strike="noStrike" cap="none" baseline="0">
                 <a:solidFill>
                   <a:schemeClr val="dk1"/>
                 </a:solidFill>
@@ -868,14 +876,14 @@
                 <a:sym typeface="Arial"/>
               </a:defRPr>
             </a:lvl1pPr>
-            <a:lvl2pPr indent="0" marL="457200" marR="0" rtl="0" algn="l">
-              <a:spcBef>
-                <a:spcPts val="0"/>
-              </a:spcBef>
-              <a:spcAft>
-                <a:spcPts val="0"/>
-              </a:spcAft>
-              <a:defRPr b="0" baseline="0" i="0" sz="1800" u="none" cap="none" strike="noStrike">
+            <a:lvl2pPr marL="457200" marR="0" indent="0" algn="l" rtl="0">
+              <a:spcBef>
+                <a:spcPts val="0"/>
+              </a:spcBef>
+              <a:spcAft>
+                <a:spcPts val="0"/>
+              </a:spcAft>
+              <a:defRPr sz="1800" b="0" i="0" u="none" strike="noStrike" cap="none" baseline="0">
                 <a:solidFill>
                   <a:schemeClr val="dk1"/>
                 </a:solidFill>
@@ -885,14 +893,14 @@
                 <a:sym typeface="Arial"/>
               </a:defRPr>
             </a:lvl2pPr>
-            <a:lvl3pPr indent="0" marL="914400" marR="0" rtl="0" algn="l">
-              <a:spcBef>
-                <a:spcPts val="0"/>
-              </a:spcBef>
-              <a:spcAft>
-                <a:spcPts val="0"/>
-              </a:spcAft>
-              <a:defRPr b="0" baseline="0" i="0" sz="1800" u="none" cap="none" strike="noStrike">
+            <a:lvl3pPr marL="914400" marR="0" indent="0" algn="l" rtl="0">
+              <a:spcBef>
+                <a:spcPts val="0"/>
+              </a:spcBef>
+              <a:spcAft>
+                <a:spcPts val="0"/>
+              </a:spcAft>
+              <a:defRPr sz="1800" b="0" i="0" u="none" strike="noStrike" cap="none" baseline="0">
                 <a:solidFill>
                   <a:schemeClr val="dk1"/>
                 </a:solidFill>
@@ -902,14 +910,14 @@
                 <a:sym typeface="Arial"/>
               </a:defRPr>
             </a:lvl3pPr>
-            <a:lvl4pPr indent="0" marL="1371600" marR="0" rtl="0" algn="l">
-              <a:spcBef>
-                <a:spcPts val="0"/>
-              </a:spcBef>
-              <a:spcAft>
-                <a:spcPts val="0"/>
-              </a:spcAft>
-              <a:defRPr b="0" baseline="0" i="0" sz="1800" u="none" cap="none" strike="noStrike">
+            <a:lvl4pPr marL="1371600" marR="0" indent="0" algn="l" rtl="0">
+              <a:spcBef>
+                <a:spcPts val="0"/>
+              </a:spcBef>
+              <a:spcAft>
+                <a:spcPts val="0"/>
+              </a:spcAft>
+              <a:defRPr sz="1800" b="0" i="0" u="none" strike="noStrike" cap="none" baseline="0">
                 <a:solidFill>
                   <a:schemeClr val="dk1"/>
                 </a:solidFill>
@@ -919,14 +927,14 @@
                 <a:sym typeface="Arial"/>
               </a:defRPr>
             </a:lvl4pPr>
-            <a:lvl5pPr indent="0" marL="1828800" marR="0" rtl="0" algn="l">
-              <a:spcBef>
-                <a:spcPts val="0"/>
-              </a:spcBef>
-              <a:spcAft>
-                <a:spcPts val="0"/>
-              </a:spcAft>
-              <a:defRPr b="0" baseline="0" i="0" sz="1800" u="none" cap="none" strike="noStrike">
+            <a:lvl5pPr marL="1828800" marR="0" indent="0" algn="l" rtl="0">
+              <a:spcBef>
+                <a:spcPts val="0"/>
+              </a:spcBef>
+              <a:spcAft>
+                <a:spcPts val="0"/>
+              </a:spcAft>
+              <a:defRPr sz="1800" b="0" i="0" u="none" strike="noStrike" cap="none" baseline="0">
                 <a:solidFill>
                   <a:schemeClr val="dk1"/>
                 </a:solidFill>
@@ -936,11 +944,11 @@
                 <a:sym typeface="Arial"/>
               </a:defRPr>
             </a:lvl5pPr>
-            <a:lvl6pPr indent="0" marL="2286000" marR="0" rtl="0" algn="l">
-              <a:spcBef>
-                <a:spcPts val="0"/>
-              </a:spcBef>
-              <a:defRPr b="0" baseline="0" i="0" sz="1800" u="none" cap="none" strike="noStrike">
+            <a:lvl6pPr marL="2286000" marR="0" indent="0" algn="l" rtl="0">
+              <a:spcBef>
+                <a:spcPts val="0"/>
+              </a:spcBef>
+              <a:defRPr sz="1800" b="0" i="0" u="none" strike="noStrike" cap="none" baseline="0">
                 <a:solidFill>
                   <a:schemeClr val="dk1"/>
                 </a:solidFill>
@@ -950,11 +958,11 @@
                 <a:sym typeface="Arial"/>
               </a:defRPr>
             </a:lvl6pPr>
-            <a:lvl7pPr indent="0" marL="2743200" marR="0" rtl="0" algn="l">
-              <a:spcBef>
-                <a:spcPts val="0"/>
-              </a:spcBef>
-              <a:defRPr b="0" baseline="0" i="0" sz="1800" u="none" cap="none" strike="noStrike">
+            <a:lvl7pPr marL="2743200" marR="0" indent="0" algn="l" rtl="0">
+              <a:spcBef>
+                <a:spcPts val="0"/>
+              </a:spcBef>
+              <a:defRPr sz="1800" b="0" i="0" u="none" strike="noStrike" cap="none" baseline="0">
                 <a:solidFill>
                   <a:schemeClr val="dk1"/>
                 </a:solidFill>
@@ -964,11 +972,11 @@
                 <a:sym typeface="Arial"/>
               </a:defRPr>
             </a:lvl7pPr>
-            <a:lvl8pPr indent="0" marL="3200400" marR="0" rtl="0" algn="l">
-              <a:spcBef>
-                <a:spcPts val="0"/>
-              </a:spcBef>
-              <a:defRPr b="0" baseline="0" i="0" sz="1800" u="none" cap="none" strike="noStrike">
+            <a:lvl8pPr marL="3200400" marR="0" indent="0" algn="l" rtl="0">
+              <a:spcBef>
+                <a:spcPts val="0"/>
+              </a:spcBef>
+              <a:defRPr sz="1800" b="0" i="0" u="none" strike="noStrike" cap="none" baseline="0">
                 <a:solidFill>
                   <a:schemeClr val="dk1"/>
                 </a:solidFill>
@@ -978,11 +986,11 @@
                 <a:sym typeface="Arial"/>
               </a:defRPr>
             </a:lvl8pPr>
-            <a:lvl9pPr indent="0" marL="3657600" marR="0" rtl="0" algn="l">
-              <a:spcBef>
-                <a:spcPts val="0"/>
-              </a:spcBef>
-              <a:defRPr b="0" baseline="0" i="0" sz="1800" u="none" cap="none" strike="noStrike">
+            <a:lvl9pPr marL="3657600" marR="0" indent="0" algn="l" rtl="0">
+              <a:spcBef>
+                <a:spcPts val="0"/>
+              </a:spcBef>
+              <a:defRPr sz="1800" b="0" i="0" u="none" strike="noStrike" cap="none" baseline="0">
                 <a:solidFill>
                   <a:schemeClr val="dk1"/>
                 </a:solidFill>
@@ -993,15 +1001,19 @@
               </a:defRPr>
             </a:lvl9pPr>
           </a:lstStyle>
-          <a:p/>
+          <a:p>
+            <a:endParaRPr/>
+          </a:p>
         </p:txBody>
       </p:sp>
       <p:sp>
         <p:nvSpPr>
           <p:cNvPr id="7" name="Shape 7"/>
-          <p:cNvSpPr txBox="1"/>
+          <p:cNvSpPr txBox="1">
+            <a:spLocks noGrp="1"/>
+          </p:cNvSpPr>
           <p:nvPr>
-            <p:ph idx="12" type="sldNum"/>
+            <p:ph type="sldNum" idx="12"/>
           </p:nvPr>
         </p:nvSpPr>
         <p:spPr>
@@ -1018,12 +1030,12 @@
           </a:ln>
         </p:spPr>
         <p:txBody>
-          <a:bodyPr anchorCtr="0" anchor="b" bIns="45700" lIns="91425" rIns="91425" tIns="45700">
+          <a:bodyPr lIns="91425" tIns="45700" rIns="91425" bIns="45700" anchor="b" anchorCtr="0">
             <a:noAutofit/>
           </a:bodyPr>
           <a:lstStyle/>
           <a:p>
-            <a:pPr indent="0" lvl="0" marL="0" marR="0" rtl="0" algn="r">
+            <a:pPr marL="0" marR="0" lvl="0" indent="0" algn="r" rtl="0">
               <a:spcBef>
                 <a:spcPts val="0"/>
               </a:spcBef>
@@ -1034,7 +1046,7 @@
               <a:buNone/>
             </a:pPr>
             <a:fld id="{00000000-1234-1234-1234-123412341234}" type="slidenum">
-              <a:rPr b="0" baseline="0" i="0" lang="en-US" sz="1200" u="none" cap="none" strike="noStrike">
+              <a:rPr lang="en-US" sz="1200" b="0" i="0" u="none" strike="noStrike" cap="none" baseline="0">
                 <a:solidFill>
                   <a:schemeClr val="dk1"/>
                 </a:solidFill>
@@ -1045,21 +1057,127 @@
               </a:rPr>
               <a:t>‹#›</a:t>
             </a:fld>
+            <a:endParaRPr lang="en-US" sz="1200" b="0" i="0" u="none" strike="noStrike" cap="none" baseline="0">
+              <a:solidFill>
+                <a:schemeClr val="dk1"/>
+              </a:solidFill>
+              <a:latin typeface="Arial"/>
+              <a:ea typeface="Arial"/>
+              <a:cs typeface="Arial"/>
+              <a:sym typeface="Arial"/>
+            </a:endParaRPr>
           </a:p>
         </p:txBody>
       </p:sp>
     </p:spTree>
+    <p:extLst>
+      <p:ext uri="{BB962C8B-B14F-4D97-AF65-F5344CB8AC3E}">
+        <p14:creationId xmlns:p14="http://schemas.microsoft.com/office/powerpoint/2010/main" val="497319954"/>
+      </p:ext>
+    </p:extLst>
   </p:cSld>
-  <p:clrMap accent1="accent1" accent2="accent2" accent3="accent3" accent4="accent4" accent5="accent5" accent6="accent6" bg1="lt1" bg2="dk2" tx1="dk1" tx2="lt2" folHlink="folHlink" hlink="hlink"/>
+  <p:clrMap bg1="lt1" tx1="dk1" bg2="dk2" tx2="lt2" accent1="accent1" accent2="accent2" accent3="accent3" accent4="accent4" accent5="accent5" accent6="accent6" hlink="hlink" folHlink="folHlink"/>
+  <p:notesStyle>
+    <a:lvl1pPr marL="0" algn="l" defTabSz="457200" rtl="0" eaLnBrk="1" latinLnBrk="0" hangingPunct="1">
+      <a:defRPr sz="1200" kern="1200">
+        <a:solidFill>
+          <a:schemeClr val="tx1"/>
+        </a:solidFill>
+        <a:latin typeface="+mn-lt"/>
+        <a:ea typeface="+mn-ea"/>
+        <a:cs typeface="+mn-cs"/>
+      </a:defRPr>
+    </a:lvl1pPr>
+    <a:lvl2pPr marL="457200" algn="l" defTabSz="457200" rtl="0" eaLnBrk="1" latinLnBrk="0" hangingPunct="1">
+      <a:defRPr sz="1200" kern="1200">
+        <a:solidFill>
+          <a:schemeClr val="tx1"/>
+        </a:solidFill>
+        <a:latin typeface="+mn-lt"/>
+        <a:ea typeface="+mn-ea"/>
+        <a:cs typeface="+mn-cs"/>
+      </a:defRPr>
+    </a:lvl2pPr>
+    <a:lvl3pPr marL="914400" algn="l" defTabSz="457200" rtl="0" eaLnBrk="1" latinLnBrk="0" hangingPunct="1">
+      <a:defRPr sz="1200" kern="1200">
+        <a:solidFill>
+          <a:schemeClr val="tx1"/>
+        </a:solidFill>
+        <a:latin typeface="+mn-lt"/>
+        <a:ea typeface="+mn-ea"/>
+        <a:cs typeface="+mn-cs"/>
+      </a:defRPr>
+    </a:lvl3pPr>
+    <a:lvl4pPr marL="1371600" algn="l" defTabSz="457200" rtl="0" eaLnBrk="1" latinLnBrk="0" hangingPunct="1">
+      <a:defRPr sz="1200" kern="1200">
+        <a:solidFill>
+          <a:schemeClr val="tx1"/>
+        </a:solidFill>
+        <a:latin typeface="+mn-lt"/>
+        <a:ea typeface="+mn-ea"/>
+        <a:cs typeface="+mn-cs"/>
+      </a:defRPr>
+    </a:lvl4pPr>
+    <a:lvl5pPr marL="1828800" algn="l" defTabSz="457200" rtl="0" eaLnBrk="1" latinLnBrk="0" hangingPunct="1">
+      <a:defRPr sz="1200" kern="1200">
+        <a:solidFill>
+          <a:schemeClr val="tx1"/>
+        </a:solidFill>
+        <a:latin typeface="+mn-lt"/>
+        <a:ea typeface="+mn-ea"/>
+        <a:cs typeface="+mn-cs"/>
+      </a:defRPr>
+    </a:lvl5pPr>
+    <a:lvl6pPr marL="2286000" algn="l" defTabSz="457200" rtl="0" eaLnBrk="1" latinLnBrk="0" hangingPunct="1">
+      <a:defRPr sz="1200" kern="1200">
+        <a:solidFill>
+          <a:schemeClr val="tx1"/>
+        </a:solidFill>
+        <a:latin typeface="+mn-lt"/>
+        <a:ea typeface="+mn-ea"/>
+        <a:cs typeface="+mn-cs"/>
+      </a:defRPr>
+    </a:lvl6pPr>
+    <a:lvl7pPr marL="2743200" algn="l" defTabSz="457200" rtl="0" eaLnBrk="1" latinLnBrk="0" hangingPunct="1">
+      <a:defRPr sz="1200" kern="1200">
+        <a:solidFill>
+          <a:schemeClr val="tx1"/>
+        </a:solidFill>
+        <a:latin typeface="+mn-lt"/>
+        <a:ea typeface="+mn-ea"/>
+        <a:cs typeface="+mn-cs"/>
+      </a:defRPr>
+    </a:lvl7pPr>
+    <a:lvl8pPr marL="3200400" algn="l" defTabSz="457200" rtl="0" eaLnBrk="1" latinLnBrk="0" hangingPunct="1">
+      <a:defRPr sz="1200" kern="1200">
+        <a:solidFill>
+          <a:schemeClr val="tx1"/>
+        </a:solidFill>
+        <a:latin typeface="+mn-lt"/>
+        <a:ea typeface="+mn-ea"/>
+        <a:cs typeface="+mn-cs"/>
+      </a:defRPr>
+    </a:lvl8pPr>
+    <a:lvl9pPr marL="3657600" algn="l" defTabSz="457200" rtl="0" eaLnBrk="1" latinLnBrk="0" hangingPunct="1">
+      <a:defRPr sz="1200" kern="1200">
+        <a:solidFill>
+          <a:schemeClr val="tx1"/>
+        </a:solidFill>
+        <a:latin typeface="+mn-lt"/>
+        <a:ea typeface="+mn-ea"/>
+        <a:cs typeface="+mn-cs"/>
+      </a:defRPr>
+    </a:lvl9pPr>
+  </p:notesStyle>
 </p:notesMaster>
 </file>
 
 <file path=ppt/notesSlides/notesSlide1.xml><?xml version="1.0" encoding="utf-8"?>
-<p:notes xmlns:a="http://schemas.openxmlformats.org/drawingml/2006/main" xmlns:r="http://schemas.openxmlformats.org/officeDocument/2006/relationships" xmlns:mc="http://schemas.openxmlformats.org/markup-compatibility/2006" xmlns:mv="urn:schemas-microsoft-com:mac:vml" xmlns:p="http://schemas.openxmlformats.org/presentationml/2006/main" xmlns:c="http://schemas.openxmlformats.org/drawingml/2006/chart" xmlns:dgm="http://schemas.openxmlformats.org/drawingml/2006/diagram" xmlns:o="urn:schemas-microsoft-com:office:office" xmlns:v="urn:schemas-microsoft-com:vml" xmlns:pvml="urn:schemas-microsoft-com:office:powerpoint" xmlns:com="http://schemas.openxmlformats.org/drawingml/2006/compatibility" xmlns:p14="http://schemas.microsoft.com/office/powerpoint/2010/main" showMasterPhAnim="0" showMasterSp="0">
+<p:notes xmlns:a="http://schemas.openxmlformats.org/drawingml/2006/main" xmlns:r="http://schemas.openxmlformats.org/officeDocument/2006/relationships" xmlns:p="http://schemas.openxmlformats.org/presentationml/2006/main" showMasterSp="0" showMasterPhAnim="0">
   <p:cSld>
     <p:spTree>
       <p:nvGrpSpPr>
-        <p:cNvPr id="72" name="Shape 72"/>
+        <p:cNvPr id="1" name="Shape 72"/>
         <p:cNvGrpSpPr/>
         <p:nvPr/>
       </p:nvGrpSpPr>
@@ -1074,9 +1192,11 @@
       <p:sp>
         <p:nvSpPr>
           <p:cNvPr id="73" name="Shape 73"/>
-          <p:cNvSpPr/>
+          <p:cNvSpPr>
+            <a:spLocks noGrp="1" noRot="1" noChangeAspect="1"/>
+          </p:cNvSpPr>
           <p:nvPr>
-            <p:ph idx="2" type="sldImg"/>
+            <p:ph type="sldImg" idx="2"/>
           </p:nvPr>
         </p:nvSpPr>
         <p:spPr>
@@ -1085,8 +1205,13 @@
             <a:ext cx="4572000" cy="3429000"/>
           </a:xfrm>
           <a:custGeom>
+            <a:avLst/>
+            <a:gdLst/>
+            <a:ahLst/>
+            <a:cxnLst/>
+            <a:rect l="0" t="0" r="0" b="0"/>
             <a:pathLst>
-              <a:path extrusionOk="0" h="120000" w="120000">
+              <a:path w="120000" h="120000" extrusionOk="0">
                 <a:moveTo>
                   <a:pt x="0" y="0"/>
                 </a:moveTo>
@@ -1104,23 +1229,25 @@
             </a:pathLst>
           </a:custGeom>
           <a:noFill/>
-          <a:ln cap="flat" cmpd="sng" w="12700">
+          <a:ln w="12700" cap="flat" cmpd="sng">
             <a:solidFill>
               <a:srgbClr val="000000"/>
             </a:solidFill>
             <a:prstDash val="solid"/>
             <a:round/>
-            <a:headEnd len="med" w="med" type="none"/>
-            <a:tailEnd len="med" w="med" type="none"/>
+            <a:headEnd type="none" w="med" len="med"/>
+            <a:tailEnd type="none" w="med" len="med"/>
           </a:ln>
         </p:spPr>
       </p:sp>
       <p:sp>
         <p:nvSpPr>
           <p:cNvPr id="74" name="Shape 74"/>
-          <p:cNvSpPr txBox="1"/>
+          <p:cNvSpPr txBox="1">
+            <a:spLocks noGrp="1"/>
+          </p:cNvSpPr>
           <p:nvPr>
-            <p:ph idx="1" type="body"/>
+            <p:ph type="body" idx="1"/>
           </p:nvPr>
         </p:nvSpPr>
         <p:spPr>
@@ -1137,12 +1264,12 @@
           </a:ln>
         </p:spPr>
         <p:txBody>
-          <a:bodyPr anchorCtr="0" anchor="t" bIns="45700" lIns="91425" rIns="91425" tIns="45700">
+          <a:bodyPr lIns="91425" tIns="45700" rIns="91425" bIns="45700" anchor="t" anchorCtr="0">
             <a:noAutofit/>
           </a:bodyPr>
           <a:lstStyle/>
           <a:p>
-            <a:pPr indent="0" lvl="0" marL="0" marR="0" rtl="0" algn="l">
+            <a:pPr marL="0" marR="0" lvl="0" indent="0" algn="l" rtl="0">
               <a:spcBef>
                 <a:spcPts val="0"/>
               </a:spcBef>
@@ -1153,7 +1280,7 @@
               <a:buNone/>
             </a:pPr>
             <a:r>
-              <a:rPr b="0" baseline="0" i="0" lang="en-US" sz="1200" u="none" cap="none" strike="noStrike">
+              <a:rPr lang="en-US" sz="1200" b="0" i="0" u="none" strike="noStrike" cap="none" baseline="0">
                 <a:solidFill>
                   <a:schemeClr val="dk1"/>
                 </a:solidFill>
@@ -1166,7 +1293,7 @@
             </a:r>
           </a:p>
           <a:p>
-            <a:pPr indent="0" lvl="0" marL="0" marR="0" rtl="0" algn="l">
+            <a:pPr marL="0" marR="0" lvl="0" indent="0" algn="l" rtl="0">
               <a:spcBef>
                 <a:spcPts val="360"/>
               </a:spcBef>
@@ -1175,10 +1302,7 @@
               </a:spcAft>
               <a:buNone/>
             </a:pPr>
-            <a:r>
-              <a:t/>
-            </a:r>
-            <a:endParaRPr b="0" baseline="0" i="0" sz="1200" u="none" cap="none" strike="noStrike">
+            <a:endParaRPr sz="1200" b="0" i="0" u="none" strike="noStrike" cap="none" baseline="0">
               <a:solidFill>
                 <a:schemeClr val="dk1"/>
               </a:solidFill>
@@ -1193,9 +1317,11 @@
       <p:sp>
         <p:nvSpPr>
           <p:cNvPr id="75" name="Shape 75"/>
-          <p:cNvSpPr txBox="1"/>
+          <p:cNvSpPr txBox="1">
+            <a:spLocks noGrp="1"/>
+          </p:cNvSpPr>
           <p:nvPr>
-            <p:ph idx="12" type="sldNum"/>
+            <p:ph type="sldNum" idx="12"/>
           </p:nvPr>
         </p:nvSpPr>
         <p:spPr>
@@ -1212,12 +1338,12 @@
           </a:ln>
         </p:spPr>
         <p:txBody>
-          <a:bodyPr anchorCtr="0" anchor="b" bIns="45700" lIns="91425" rIns="91425" tIns="45700">
+          <a:bodyPr lIns="91425" tIns="45700" rIns="91425" bIns="45700" anchor="b" anchorCtr="0">
             <a:noAutofit/>
           </a:bodyPr>
           <a:lstStyle/>
           <a:p>
-            <a:pPr indent="0" lvl="0" marL="0" marR="0" rtl="0" algn="r">
+            <a:pPr marL="0" marR="0" lvl="0" indent="0" algn="r" rtl="0">
               <a:spcBef>
                 <a:spcPts val="0"/>
               </a:spcBef>
@@ -1228,7 +1354,7 @@
               <a:buNone/>
             </a:pPr>
             <a:fld id="{00000000-1234-1234-1234-123412341234}" type="slidenum">
-              <a:rPr b="0" baseline="0" i="0" lang="en-US" sz="1200" u="none" cap="none" strike="noStrike">
+              <a:rPr lang="en-US" sz="1200" b="0" i="0" u="none" strike="noStrike" cap="none" baseline="0">
                 <a:solidFill>
                   <a:schemeClr val="dk1"/>
                 </a:solidFill>
@@ -1237,8 +1363,17 @@
                 <a:cs typeface="Arial"/>
                 <a:sym typeface="Arial"/>
               </a:rPr>
-              <a:t>‹#›</a:t>
+              <a:t>1</a:t>
             </a:fld>
+            <a:endParaRPr lang="en-US" sz="1200" b="0" i="0" u="none" strike="noStrike" cap="none" baseline="0">
+              <a:solidFill>
+                <a:schemeClr val="dk1"/>
+              </a:solidFill>
+              <a:latin typeface="Arial"/>
+              <a:ea typeface="Arial"/>
+              <a:cs typeface="Arial"/>
+              <a:sym typeface="Arial"/>
+            </a:endParaRPr>
           </a:p>
         </p:txBody>
       </p:sp>
@@ -1251,11 +1386,11 @@
 </file>
 
 <file path=ppt/notesSlides/notesSlide10.xml><?xml version="1.0" encoding="utf-8"?>
-<p:notes xmlns:a="http://schemas.openxmlformats.org/drawingml/2006/main" xmlns:r="http://schemas.openxmlformats.org/officeDocument/2006/relationships" xmlns:mc="http://schemas.openxmlformats.org/markup-compatibility/2006" xmlns:mv="urn:schemas-microsoft-com:mac:vml" xmlns:p="http://schemas.openxmlformats.org/presentationml/2006/main" xmlns:c="http://schemas.openxmlformats.org/drawingml/2006/chart" xmlns:dgm="http://schemas.openxmlformats.org/drawingml/2006/diagram" xmlns:o="urn:schemas-microsoft-com:office:office" xmlns:v="urn:schemas-microsoft-com:vml" xmlns:pvml="urn:schemas-microsoft-com:office:powerpoint" xmlns:com="http://schemas.openxmlformats.org/drawingml/2006/compatibility" xmlns:p14="http://schemas.microsoft.com/office/powerpoint/2010/main" showMasterPhAnim="0" showMasterSp="0">
+<p:notes xmlns:a="http://schemas.openxmlformats.org/drawingml/2006/main" xmlns:r="http://schemas.openxmlformats.org/officeDocument/2006/relationships" xmlns:p="http://schemas.openxmlformats.org/presentationml/2006/main" showMasterSp="0" showMasterPhAnim="0">
   <p:cSld>
     <p:spTree>
       <p:nvGrpSpPr>
-        <p:cNvPr id="160" name="Shape 160"/>
+        <p:cNvPr id="1" name="Shape 160"/>
         <p:cNvGrpSpPr/>
         <p:nvPr/>
       </p:nvGrpSpPr>
@@ -1270,9 +1405,11 @@
       <p:sp>
         <p:nvSpPr>
           <p:cNvPr id="161" name="Shape 161"/>
-          <p:cNvSpPr/>
+          <p:cNvSpPr>
+            <a:spLocks noGrp="1" noRot="1" noChangeAspect="1"/>
+          </p:cNvSpPr>
           <p:nvPr>
-            <p:ph idx="2" type="sldImg"/>
+            <p:ph type="sldImg" idx="2"/>
           </p:nvPr>
         </p:nvSpPr>
         <p:spPr>
@@ -1281,8 +1418,13 @@
             <a:ext cx="4572000" cy="3429000"/>
           </a:xfrm>
           <a:custGeom>
+            <a:avLst/>
+            <a:gdLst/>
+            <a:ahLst/>
+            <a:cxnLst/>
+            <a:rect l="0" t="0" r="0" b="0"/>
             <a:pathLst>
-              <a:path extrusionOk="0" h="120000" w="120000">
+              <a:path w="120000" h="120000" extrusionOk="0">
                 <a:moveTo>
                   <a:pt x="0" y="0"/>
                 </a:moveTo>
@@ -1300,23 +1442,25 @@
             </a:pathLst>
           </a:custGeom>
           <a:noFill/>
-          <a:ln cap="flat" cmpd="sng" w="12700">
+          <a:ln w="12700" cap="flat" cmpd="sng">
             <a:solidFill>
               <a:srgbClr val="000000"/>
             </a:solidFill>
             <a:prstDash val="solid"/>
             <a:round/>
-            <a:headEnd len="med" w="med" type="none"/>
-            <a:tailEnd len="med" w="med" type="none"/>
+            <a:headEnd type="none" w="med" len="med"/>
+            <a:tailEnd type="none" w="med" len="med"/>
           </a:ln>
         </p:spPr>
       </p:sp>
       <p:sp>
         <p:nvSpPr>
           <p:cNvPr id="162" name="Shape 162"/>
-          <p:cNvSpPr txBox="1"/>
+          <p:cNvSpPr txBox="1">
+            <a:spLocks noGrp="1"/>
+          </p:cNvSpPr>
           <p:nvPr>
-            <p:ph idx="1" type="body"/>
+            <p:ph type="body" idx="1"/>
           </p:nvPr>
         </p:nvSpPr>
         <p:spPr>
@@ -1333,12 +1477,12 @@
           </a:ln>
         </p:spPr>
         <p:txBody>
-          <a:bodyPr anchorCtr="0" anchor="t" bIns="45700" lIns="91425" rIns="91425" tIns="45700">
+          <a:bodyPr lIns="91425" tIns="45700" rIns="91425" bIns="45700" anchor="t" anchorCtr="0">
             <a:noAutofit/>
           </a:bodyPr>
           <a:lstStyle/>
           <a:p>
-            <a:pPr indent="0" lvl="0" marL="0" marR="0" rtl="0" algn="l">
+            <a:pPr marL="0" marR="0" lvl="0" indent="0" algn="l" rtl="0">
               <a:spcBef>
                 <a:spcPts val="0"/>
               </a:spcBef>
@@ -1349,7 +1493,7 @@
               <a:buNone/>
             </a:pPr>
             <a:r>
-              <a:rPr b="0" baseline="0" i="0" lang="en-US" sz="1200" u="none" cap="none" strike="noStrike">
+              <a:rPr lang="en-US" sz="1200" b="0" i="0" u="none" strike="noStrike" cap="none" baseline="0">
                 <a:solidFill>
                   <a:schemeClr val="dk1"/>
                 </a:solidFill>
@@ -1362,7 +1506,7 @@
             </a:r>
           </a:p>
           <a:p>
-            <a:pPr indent="0" lvl="0" marL="0" marR="0" rtl="0" algn="l">
+            <a:pPr marL="0" marR="0" lvl="0" indent="0" algn="l" rtl="0">
               <a:spcBef>
                 <a:spcPts val="360"/>
               </a:spcBef>
@@ -1373,7 +1517,7 @@
               <a:buNone/>
             </a:pPr>
             <a:r>
-              <a:rPr b="0" baseline="0" i="0" lang="en-US" sz="1200" u="none" cap="none" strike="noStrike">
+              <a:rPr lang="en-US" sz="1200" b="0" i="0" u="none" strike="noStrike" cap="none" baseline="0">
                 <a:solidFill>
                   <a:schemeClr val="dk1"/>
                 </a:solidFill>
@@ -1386,7 +1530,7 @@
             </a:r>
           </a:p>
           <a:p>
-            <a:pPr indent="0" lvl="0" marL="0" marR="0" rtl="0" algn="l">
+            <a:pPr marL="0" marR="0" lvl="0" indent="0" algn="l" rtl="0">
               <a:spcBef>
                 <a:spcPts val="360"/>
               </a:spcBef>
@@ -1397,7 +1541,7 @@
               <a:buNone/>
             </a:pPr>
             <a:r>
-              <a:rPr b="0" baseline="0" i="0" lang="en-US" sz="1200" u="none" cap="none" strike="noStrike">
+              <a:rPr lang="en-US" sz="1200" b="0" i="0" u="none" strike="noStrike" cap="none" baseline="0">
                 <a:solidFill>
                   <a:schemeClr val="dk1"/>
                 </a:solidFill>
@@ -1410,7 +1554,7 @@
             </a:r>
           </a:p>
           <a:p>
-            <a:pPr indent="0" lvl="0" marL="0" marR="0" rtl="0" algn="l">
+            <a:pPr marL="0" marR="0" lvl="0" indent="0" algn="l" rtl="0">
               <a:spcBef>
                 <a:spcPts val="360"/>
               </a:spcBef>
@@ -1421,7 +1565,7 @@
               <a:buNone/>
             </a:pPr>
             <a:r>
-              <a:rPr b="0" baseline="0" i="0" lang="en-US" sz="1200" u="none" cap="none" strike="noStrike">
+              <a:rPr lang="en-US" sz="1200" b="0" i="0" u="none" strike="noStrike" cap="none" baseline="0">
                 <a:solidFill>
                   <a:schemeClr val="dk1"/>
                 </a:solidFill>
@@ -1434,7 +1578,7 @@
             </a:r>
           </a:p>
           <a:p>
-            <a:pPr indent="0" lvl="0" marL="0" marR="0" rtl="0" algn="l">
+            <a:pPr marL="0" marR="0" lvl="0" indent="0" algn="l" rtl="0">
               <a:spcBef>
                 <a:spcPts val="360"/>
               </a:spcBef>
@@ -1445,7 +1589,7 @@
               <a:buNone/>
             </a:pPr>
             <a:r>
-              <a:rPr b="0" baseline="0" i="0" lang="en-US" sz="1200" u="none" cap="none" strike="noStrike">
+              <a:rPr lang="en-US" sz="1200" b="0" i="0" u="none" strike="noStrike" cap="none" baseline="0">
                 <a:solidFill>
                   <a:schemeClr val="dk1"/>
                 </a:solidFill>
@@ -1458,7 +1602,7 @@
             </a:r>
           </a:p>
           <a:p>
-            <a:pPr indent="0" lvl="0" marL="0" marR="0" rtl="0" algn="l">
+            <a:pPr marL="0" marR="0" lvl="0" indent="0" algn="l" rtl="0">
               <a:spcBef>
                 <a:spcPts val="360"/>
               </a:spcBef>
@@ -1467,10 +1611,7 @@
               </a:spcAft>
               <a:buNone/>
             </a:pPr>
-            <a:r>
-              <a:t/>
-            </a:r>
-            <a:endParaRPr b="0" baseline="0" i="0" sz="1200" u="none" cap="none" strike="noStrike">
+            <a:endParaRPr sz="1200" b="0" i="0" u="none" strike="noStrike" cap="none" baseline="0">
               <a:solidFill>
                 <a:schemeClr val="dk1"/>
               </a:solidFill>
@@ -1485,9 +1626,11 @@
       <p:sp>
         <p:nvSpPr>
           <p:cNvPr id="163" name="Shape 163"/>
-          <p:cNvSpPr txBox="1"/>
+          <p:cNvSpPr txBox="1">
+            <a:spLocks noGrp="1"/>
+          </p:cNvSpPr>
           <p:nvPr>
-            <p:ph idx="12" type="sldNum"/>
+            <p:ph type="sldNum" idx="12"/>
           </p:nvPr>
         </p:nvSpPr>
         <p:spPr>
@@ -1504,12 +1647,12 @@
           </a:ln>
         </p:spPr>
         <p:txBody>
-          <a:bodyPr anchorCtr="0" anchor="b" bIns="45700" lIns="91425" rIns="91425" tIns="45700">
+          <a:bodyPr lIns="91425" tIns="45700" rIns="91425" bIns="45700" anchor="b" anchorCtr="0">
             <a:noAutofit/>
           </a:bodyPr>
           <a:lstStyle/>
           <a:p>
-            <a:pPr indent="0" lvl="0" marL="0" marR="0" rtl="0" algn="r">
+            <a:pPr marL="0" marR="0" lvl="0" indent="0" algn="r" rtl="0">
               <a:spcBef>
                 <a:spcPts val="0"/>
               </a:spcBef>
@@ -1520,7 +1663,7 @@
               <a:buNone/>
             </a:pPr>
             <a:fld id="{00000000-1234-1234-1234-123412341234}" type="slidenum">
-              <a:rPr b="0" baseline="0" i="0" lang="en-US" sz="1200" u="none" cap="none" strike="noStrike">
+              <a:rPr lang="en-US" sz="1200" b="0" i="0" u="none" strike="noStrike" cap="none" baseline="0">
                 <a:solidFill>
                   <a:schemeClr val="dk1"/>
                 </a:solidFill>
@@ -1529,8 +1672,17 @@
                 <a:cs typeface="Arial"/>
                 <a:sym typeface="Arial"/>
               </a:rPr>
-              <a:t>‹#›</a:t>
+              <a:t>10</a:t>
             </a:fld>
+            <a:endParaRPr lang="en-US" sz="1200" b="0" i="0" u="none" strike="noStrike" cap="none" baseline="0">
+              <a:solidFill>
+                <a:schemeClr val="dk1"/>
+              </a:solidFill>
+              <a:latin typeface="Arial"/>
+              <a:ea typeface="Arial"/>
+              <a:cs typeface="Arial"/>
+              <a:sym typeface="Arial"/>
+            </a:endParaRPr>
           </a:p>
         </p:txBody>
       </p:sp>
@@ -1543,11 +1695,11 @@
 </file>
 
 <file path=ppt/notesSlides/notesSlide11.xml><?xml version="1.0" encoding="utf-8"?>
-<p:notes xmlns:a="http://schemas.openxmlformats.org/drawingml/2006/main" xmlns:r="http://schemas.openxmlformats.org/officeDocument/2006/relationships" xmlns:mc="http://schemas.openxmlformats.org/markup-compatibility/2006" xmlns:mv="urn:schemas-microsoft-com:mac:vml" xmlns:p="http://schemas.openxmlformats.org/presentationml/2006/main" xmlns:c="http://schemas.openxmlformats.org/drawingml/2006/chart" xmlns:dgm="http://schemas.openxmlformats.org/drawingml/2006/diagram" xmlns:o="urn:schemas-microsoft-com:office:office" xmlns:v="urn:schemas-microsoft-com:vml" xmlns:pvml="urn:schemas-microsoft-com:office:powerpoint" xmlns:com="http://schemas.openxmlformats.org/drawingml/2006/compatibility" xmlns:p14="http://schemas.microsoft.com/office/powerpoint/2010/main" showMasterPhAnim="0" showMasterSp="0">
+<p:notes xmlns:a="http://schemas.openxmlformats.org/drawingml/2006/main" xmlns:r="http://schemas.openxmlformats.org/officeDocument/2006/relationships" xmlns:p="http://schemas.openxmlformats.org/presentationml/2006/main" showMasterSp="0" showMasterPhAnim="0">
   <p:cSld>
     <p:spTree>
       <p:nvGrpSpPr>
-        <p:cNvPr id="168" name="Shape 168"/>
+        <p:cNvPr id="1" name="Shape 168"/>
         <p:cNvGrpSpPr/>
         <p:nvPr/>
       </p:nvGrpSpPr>
@@ -1562,9 +1714,11 @@
       <p:sp>
         <p:nvSpPr>
           <p:cNvPr id="169" name="Shape 169"/>
-          <p:cNvSpPr/>
+          <p:cNvSpPr>
+            <a:spLocks noGrp="1" noRot="1" noChangeAspect="1"/>
+          </p:cNvSpPr>
           <p:nvPr>
-            <p:ph idx="2" type="sldImg"/>
+            <p:ph type="sldImg" idx="2"/>
           </p:nvPr>
         </p:nvSpPr>
         <p:spPr>
@@ -1573,8 +1727,13 @@
             <a:ext cx="4572000" cy="3429000"/>
           </a:xfrm>
           <a:custGeom>
+            <a:avLst/>
+            <a:gdLst/>
+            <a:ahLst/>
+            <a:cxnLst/>
+            <a:rect l="0" t="0" r="0" b="0"/>
             <a:pathLst>
-              <a:path extrusionOk="0" h="120000" w="120000">
+              <a:path w="120000" h="120000" extrusionOk="0">
                 <a:moveTo>
                   <a:pt x="0" y="0"/>
                 </a:moveTo>
@@ -1592,23 +1751,25 @@
             </a:pathLst>
           </a:custGeom>
           <a:noFill/>
-          <a:ln cap="flat" cmpd="sng" w="12700">
+          <a:ln w="12700" cap="flat" cmpd="sng">
             <a:solidFill>
               <a:srgbClr val="000000"/>
             </a:solidFill>
             <a:prstDash val="solid"/>
             <a:round/>
-            <a:headEnd len="med" w="med" type="none"/>
-            <a:tailEnd len="med" w="med" type="none"/>
+            <a:headEnd type="none" w="med" len="med"/>
+            <a:tailEnd type="none" w="med" len="med"/>
           </a:ln>
         </p:spPr>
       </p:sp>
       <p:sp>
         <p:nvSpPr>
           <p:cNvPr id="170" name="Shape 170"/>
-          <p:cNvSpPr txBox="1"/>
+          <p:cNvSpPr txBox="1">
+            <a:spLocks noGrp="1"/>
+          </p:cNvSpPr>
           <p:nvPr>
-            <p:ph idx="1" type="body"/>
+            <p:ph type="body" idx="1"/>
           </p:nvPr>
         </p:nvSpPr>
         <p:spPr>
@@ -1625,12 +1786,12 @@
           </a:ln>
         </p:spPr>
         <p:txBody>
-          <a:bodyPr anchorCtr="0" anchor="t" bIns="45700" lIns="91425" rIns="91425" tIns="45700">
+          <a:bodyPr lIns="91425" tIns="45700" rIns="91425" bIns="45700" anchor="t" anchorCtr="0">
             <a:noAutofit/>
           </a:bodyPr>
           <a:lstStyle/>
           <a:p>
-            <a:pPr indent="0" lvl="0" marL="0" marR="0" rtl="0" algn="l">
+            <a:pPr marL="0" marR="0" lvl="0" indent="0" algn="l" rtl="0">
               <a:spcBef>
                 <a:spcPts val="0"/>
               </a:spcBef>
@@ -1641,7 +1802,7 @@
               <a:buNone/>
             </a:pPr>
             <a:r>
-              <a:rPr b="0" baseline="0" i="0" lang="en-US" sz="1200" u="none" cap="none" strike="noStrike">
+              <a:rPr lang="en-US" sz="1200" b="0" i="0" u="none" strike="noStrike" cap="none" baseline="0">
                 <a:solidFill>
                   <a:schemeClr val="dk1"/>
                 </a:solidFill>
@@ -1654,7 +1815,7 @@
             </a:r>
           </a:p>
           <a:p>
-            <a:pPr indent="0" lvl="0" marL="0" marR="0" rtl="0" algn="l">
+            <a:pPr marL="0" marR="0" lvl="0" indent="0" algn="l" rtl="0">
               <a:spcBef>
                 <a:spcPts val="360"/>
               </a:spcBef>
@@ -1665,7 +1826,7 @@
               <a:buNone/>
             </a:pPr>
             <a:r>
-              <a:rPr b="0" baseline="0" i="0" lang="en-US" sz="1200" u="none" cap="none" strike="noStrike">
+              <a:rPr lang="en-US" sz="1200" b="0" i="0" u="none" strike="noStrike" cap="none" baseline="0">
                 <a:solidFill>
                   <a:schemeClr val="dk1"/>
                 </a:solidFill>
@@ -1678,7 +1839,7 @@
             </a:r>
           </a:p>
           <a:p>
-            <a:pPr indent="0" lvl="0" marL="0" marR="0" rtl="0" algn="l">
+            <a:pPr marL="0" marR="0" lvl="0" indent="0" algn="l" rtl="0">
               <a:spcBef>
                 <a:spcPts val="360"/>
               </a:spcBef>
@@ -1689,7 +1850,7 @@
               <a:buNone/>
             </a:pPr>
             <a:r>
-              <a:rPr b="0" baseline="0" i="0" lang="en-US" sz="1200" u="none" cap="none" strike="noStrike">
+              <a:rPr lang="en-US" sz="1200" b="0" i="0" u="none" strike="noStrike" cap="none" baseline="0">
                 <a:solidFill>
                   <a:schemeClr val="dk1"/>
                 </a:solidFill>
@@ -1702,7 +1863,7 @@
             </a:r>
           </a:p>
           <a:p>
-            <a:pPr indent="0" lvl="0" marL="0" marR="0" rtl="0" algn="l">
+            <a:pPr marL="0" marR="0" lvl="0" indent="0" algn="l" rtl="0">
               <a:spcBef>
                 <a:spcPts val="360"/>
               </a:spcBef>
@@ -1713,7 +1874,7 @@
               <a:buNone/>
             </a:pPr>
             <a:r>
-              <a:rPr b="0" baseline="0" i="0" lang="en-US" sz="1200" u="none" cap="none" strike="noStrike">
+              <a:rPr lang="en-US" sz="1200" b="0" i="0" u="none" strike="noStrike" cap="none" baseline="0">
                 <a:solidFill>
                   <a:schemeClr val="dk1"/>
                 </a:solidFill>
@@ -1726,7 +1887,7 @@
             </a:r>
           </a:p>
           <a:p>
-            <a:pPr indent="0" lvl="0" marL="0" marR="0" rtl="0" algn="l">
+            <a:pPr marL="0" marR="0" lvl="0" indent="0" algn="l" rtl="0">
               <a:spcBef>
                 <a:spcPts val="360"/>
               </a:spcBef>
@@ -1735,10 +1896,7 @@
               </a:spcAft>
               <a:buNone/>
             </a:pPr>
-            <a:r>
-              <a:t/>
-            </a:r>
-            <a:endParaRPr b="0" baseline="0" i="0" sz="1200" u="none" cap="none" strike="noStrike">
+            <a:endParaRPr sz="1200" b="0" i="0" u="none" strike="noStrike" cap="none" baseline="0">
               <a:solidFill>
                 <a:schemeClr val="dk1"/>
               </a:solidFill>
@@ -1753,9 +1911,11 @@
       <p:sp>
         <p:nvSpPr>
           <p:cNvPr id="171" name="Shape 171"/>
-          <p:cNvSpPr txBox="1"/>
+          <p:cNvSpPr txBox="1">
+            <a:spLocks noGrp="1"/>
+          </p:cNvSpPr>
           <p:nvPr>
-            <p:ph idx="12" type="sldNum"/>
+            <p:ph type="sldNum" idx="12"/>
           </p:nvPr>
         </p:nvSpPr>
         <p:spPr>
@@ -1772,12 +1932,12 @@
           </a:ln>
         </p:spPr>
         <p:txBody>
-          <a:bodyPr anchorCtr="0" anchor="b" bIns="45700" lIns="91425" rIns="91425" tIns="45700">
+          <a:bodyPr lIns="91425" tIns="45700" rIns="91425" bIns="45700" anchor="b" anchorCtr="0">
             <a:noAutofit/>
           </a:bodyPr>
           <a:lstStyle/>
           <a:p>
-            <a:pPr indent="0" lvl="0" marL="0" marR="0" rtl="0" algn="r">
+            <a:pPr marL="0" marR="0" lvl="0" indent="0" algn="r" rtl="0">
               <a:spcBef>
                 <a:spcPts val="0"/>
               </a:spcBef>
@@ -1788,7 +1948,7 @@
               <a:buNone/>
             </a:pPr>
             <a:fld id="{00000000-1234-1234-1234-123412341234}" type="slidenum">
-              <a:rPr b="0" baseline="0" i="0" lang="en-US" sz="1200" u="none" cap="none" strike="noStrike">
+              <a:rPr lang="en-US" sz="1200" b="0" i="0" u="none" strike="noStrike" cap="none" baseline="0">
                 <a:solidFill>
                   <a:schemeClr val="dk1"/>
                 </a:solidFill>
@@ -1797,8 +1957,17 @@
                 <a:cs typeface="Arial"/>
                 <a:sym typeface="Arial"/>
               </a:rPr>
-              <a:t>‹#›</a:t>
+              <a:t>11</a:t>
             </a:fld>
+            <a:endParaRPr lang="en-US" sz="1200" b="0" i="0" u="none" strike="noStrike" cap="none" baseline="0">
+              <a:solidFill>
+                <a:schemeClr val="dk1"/>
+              </a:solidFill>
+              <a:latin typeface="Arial"/>
+              <a:ea typeface="Arial"/>
+              <a:cs typeface="Arial"/>
+              <a:sym typeface="Arial"/>
+            </a:endParaRPr>
           </a:p>
         </p:txBody>
       </p:sp>
@@ -1811,11 +1980,11 @@
 </file>
 
 <file path=ppt/notesSlides/notesSlide12.xml><?xml version="1.0" encoding="utf-8"?>
-<p:notes xmlns:a="http://schemas.openxmlformats.org/drawingml/2006/main" xmlns:r="http://schemas.openxmlformats.org/officeDocument/2006/relationships" xmlns:mc="http://schemas.openxmlformats.org/markup-compatibility/2006" xmlns:mv="urn:schemas-microsoft-com:mac:vml" xmlns:p="http://schemas.openxmlformats.org/presentationml/2006/main" xmlns:c="http://schemas.openxmlformats.org/drawingml/2006/chart" xmlns:dgm="http://schemas.openxmlformats.org/drawingml/2006/diagram" xmlns:o="urn:schemas-microsoft-com:office:office" xmlns:v="urn:schemas-microsoft-com:vml" xmlns:pvml="urn:schemas-microsoft-com:office:powerpoint" xmlns:com="http://schemas.openxmlformats.org/drawingml/2006/compatibility" xmlns:p14="http://schemas.microsoft.com/office/powerpoint/2010/main" showMasterPhAnim="0" showMasterSp="0">
+<p:notes xmlns:a="http://schemas.openxmlformats.org/drawingml/2006/main" xmlns:r="http://schemas.openxmlformats.org/officeDocument/2006/relationships" xmlns:p="http://schemas.openxmlformats.org/presentationml/2006/main" showMasterSp="0" showMasterPhAnim="0">
   <p:cSld>
     <p:spTree>
       <p:nvGrpSpPr>
-        <p:cNvPr id="176" name="Shape 176"/>
+        <p:cNvPr id="1" name="Shape 176"/>
         <p:cNvGrpSpPr/>
         <p:nvPr/>
       </p:nvGrpSpPr>
@@ -1830,9 +1999,11 @@
       <p:sp>
         <p:nvSpPr>
           <p:cNvPr id="177" name="Shape 177"/>
-          <p:cNvSpPr/>
+          <p:cNvSpPr>
+            <a:spLocks noGrp="1" noRot="1" noChangeAspect="1"/>
+          </p:cNvSpPr>
           <p:nvPr>
-            <p:ph idx="2" type="sldImg"/>
+            <p:ph type="sldImg" idx="2"/>
           </p:nvPr>
         </p:nvSpPr>
         <p:spPr>
@@ -1841,8 +2012,13 @@
             <a:ext cx="4572000" cy="3429000"/>
           </a:xfrm>
           <a:custGeom>
+            <a:avLst/>
+            <a:gdLst/>
+            <a:ahLst/>
+            <a:cxnLst/>
+            <a:rect l="0" t="0" r="0" b="0"/>
             <a:pathLst>
-              <a:path extrusionOk="0" h="120000" w="120000">
+              <a:path w="120000" h="120000" extrusionOk="0">
                 <a:moveTo>
                   <a:pt x="0" y="0"/>
                 </a:moveTo>
@@ -1860,23 +2036,25 @@
             </a:pathLst>
           </a:custGeom>
           <a:noFill/>
-          <a:ln cap="flat" cmpd="sng" w="12700">
+          <a:ln w="12700" cap="flat" cmpd="sng">
             <a:solidFill>
               <a:srgbClr val="000000"/>
             </a:solidFill>
             <a:prstDash val="solid"/>
             <a:round/>
-            <a:headEnd len="med" w="med" type="none"/>
-            <a:tailEnd len="med" w="med" type="none"/>
+            <a:headEnd type="none" w="med" len="med"/>
+            <a:tailEnd type="none" w="med" len="med"/>
           </a:ln>
         </p:spPr>
       </p:sp>
       <p:sp>
         <p:nvSpPr>
           <p:cNvPr id="178" name="Shape 178"/>
-          <p:cNvSpPr txBox="1"/>
+          <p:cNvSpPr txBox="1">
+            <a:spLocks noGrp="1"/>
+          </p:cNvSpPr>
           <p:nvPr>
-            <p:ph idx="1" type="body"/>
+            <p:ph type="body" idx="1"/>
           </p:nvPr>
         </p:nvSpPr>
         <p:spPr>
@@ -1893,12 +2071,12 @@
           </a:ln>
         </p:spPr>
         <p:txBody>
-          <a:bodyPr anchorCtr="0" anchor="t" bIns="45700" lIns="91425" rIns="91425" tIns="45700">
+          <a:bodyPr lIns="91425" tIns="45700" rIns="91425" bIns="45700" anchor="t" anchorCtr="0">
             <a:noAutofit/>
           </a:bodyPr>
           <a:lstStyle/>
           <a:p>
-            <a:pPr indent="0" lvl="0" marL="0" marR="0" rtl="0" algn="l">
+            <a:pPr marL="0" marR="0" lvl="0" indent="0" algn="l" rtl="0">
               <a:spcBef>
                 <a:spcPts val="0"/>
               </a:spcBef>
@@ -1909,7 +2087,7 @@
               <a:buNone/>
             </a:pPr>
             <a:r>
-              <a:rPr b="0" baseline="0" i="0" lang="en-US" sz="1200" u="none" cap="none" strike="noStrike">
+              <a:rPr lang="en-US" sz="1200" b="0" i="0" u="none" strike="noStrike" cap="none" baseline="0">
                 <a:solidFill>
                   <a:schemeClr val="dk1"/>
                 </a:solidFill>
@@ -1922,7 +2100,7 @@
             </a:r>
           </a:p>
           <a:p>
-            <a:pPr indent="0" lvl="0" marL="0" marR="0" rtl="0" algn="l">
+            <a:pPr marL="0" marR="0" lvl="0" indent="0" algn="l" rtl="0">
               <a:spcBef>
                 <a:spcPts val="360"/>
               </a:spcBef>
@@ -1933,7 +2111,7 @@
               <a:buNone/>
             </a:pPr>
             <a:r>
-              <a:rPr b="0" baseline="0" i="0" lang="en-US" sz="1200" u="none" cap="none" strike="noStrike">
+              <a:rPr lang="en-US" sz="1200" b="0" i="0" u="none" strike="noStrike" cap="none" baseline="0">
                 <a:solidFill>
                   <a:schemeClr val="dk1"/>
                 </a:solidFill>
@@ -1946,7 +2124,7 @@
             </a:r>
           </a:p>
           <a:p>
-            <a:pPr indent="0" lvl="0" marL="0" marR="0" rtl="0" algn="l">
+            <a:pPr marL="0" marR="0" lvl="0" indent="0" algn="l" rtl="0">
               <a:spcBef>
                 <a:spcPts val="360"/>
               </a:spcBef>
@@ -1957,7 +2135,7 @@
               <a:buNone/>
             </a:pPr>
             <a:r>
-              <a:rPr b="0" baseline="0" i="0" lang="en-US" sz="1200" u="none" cap="none" strike="noStrike">
+              <a:rPr lang="en-US" sz="1200" b="0" i="0" u="none" strike="noStrike" cap="none" baseline="0">
                 <a:solidFill>
                   <a:schemeClr val="dk1"/>
                 </a:solidFill>
@@ -1970,7 +2148,7 @@
             </a:r>
           </a:p>
           <a:p>
-            <a:pPr indent="0" lvl="0" marL="0" marR="0" rtl="0" algn="l">
+            <a:pPr marL="0" marR="0" lvl="0" indent="0" algn="l" rtl="0">
               <a:spcBef>
                 <a:spcPts val="360"/>
               </a:spcBef>
@@ -1979,10 +2157,7 @@
               </a:spcAft>
               <a:buNone/>
             </a:pPr>
-            <a:r>
-              <a:t/>
-            </a:r>
-            <a:endParaRPr b="0" baseline="0" i="0" sz="1200" u="none" cap="none" strike="noStrike">
+            <a:endParaRPr sz="1200" b="0" i="0" u="none" strike="noStrike" cap="none" baseline="0">
               <a:solidFill>
                 <a:schemeClr val="dk1"/>
               </a:solidFill>
@@ -1997,9 +2172,11 @@
       <p:sp>
         <p:nvSpPr>
           <p:cNvPr id="179" name="Shape 179"/>
-          <p:cNvSpPr txBox="1"/>
+          <p:cNvSpPr txBox="1">
+            <a:spLocks noGrp="1"/>
+          </p:cNvSpPr>
           <p:nvPr>
-            <p:ph idx="12" type="sldNum"/>
+            <p:ph type="sldNum" idx="12"/>
           </p:nvPr>
         </p:nvSpPr>
         <p:spPr>
@@ -2016,12 +2193,12 @@
           </a:ln>
         </p:spPr>
         <p:txBody>
-          <a:bodyPr anchorCtr="0" anchor="b" bIns="45700" lIns="91425" rIns="91425" tIns="45700">
+          <a:bodyPr lIns="91425" tIns="45700" rIns="91425" bIns="45700" anchor="b" anchorCtr="0">
             <a:noAutofit/>
           </a:bodyPr>
           <a:lstStyle/>
           <a:p>
-            <a:pPr indent="0" lvl="0" marL="0" marR="0" rtl="0" algn="r">
+            <a:pPr marL="0" marR="0" lvl="0" indent="0" algn="r" rtl="0">
               <a:spcBef>
                 <a:spcPts val="0"/>
               </a:spcBef>
@@ -2032,7 +2209,7 @@
               <a:buNone/>
             </a:pPr>
             <a:fld id="{00000000-1234-1234-1234-123412341234}" type="slidenum">
-              <a:rPr b="0" baseline="0" i="0" lang="en-US" sz="1200" u="none" cap="none" strike="noStrike">
+              <a:rPr lang="en-US" sz="1200" b="0" i="0" u="none" strike="noStrike" cap="none" baseline="0">
                 <a:solidFill>
                   <a:schemeClr val="dk1"/>
                 </a:solidFill>
@@ -2041,8 +2218,17 @@
                 <a:cs typeface="Arial"/>
                 <a:sym typeface="Arial"/>
               </a:rPr>
-              <a:t>‹#›</a:t>
+              <a:t>12</a:t>
             </a:fld>
+            <a:endParaRPr lang="en-US" sz="1200" b="0" i="0" u="none" strike="noStrike" cap="none" baseline="0">
+              <a:solidFill>
+                <a:schemeClr val="dk1"/>
+              </a:solidFill>
+              <a:latin typeface="Arial"/>
+              <a:ea typeface="Arial"/>
+              <a:cs typeface="Arial"/>
+              <a:sym typeface="Arial"/>
+            </a:endParaRPr>
           </a:p>
         </p:txBody>
       </p:sp>
@@ -2055,11 +2241,11 @@
 </file>
 
 <file path=ppt/notesSlides/notesSlide13.xml><?xml version="1.0" encoding="utf-8"?>
-<p:notes xmlns:a="http://schemas.openxmlformats.org/drawingml/2006/main" xmlns:r="http://schemas.openxmlformats.org/officeDocument/2006/relationships" xmlns:mc="http://schemas.openxmlformats.org/markup-compatibility/2006" xmlns:mv="urn:schemas-microsoft-com:mac:vml" xmlns:p="http://schemas.openxmlformats.org/presentationml/2006/main" xmlns:c="http://schemas.openxmlformats.org/drawingml/2006/chart" xmlns:dgm="http://schemas.openxmlformats.org/drawingml/2006/diagram" xmlns:o="urn:schemas-microsoft-com:office:office" xmlns:v="urn:schemas-microsoft-com:vml" xmlns:pvml="urn:schemas-microsoft-com:office:powerpoint" xmlns:com="http://schemas.openxmlformats.org/drawingml/2006/compatibility" xmlns:p14="http://schemas.microsoft.com/office/powerpoint/2010/main" showMasterPhAnim="0" showMasterSp="0">
+<p:notes xmlns:a="http://schemas.openxmlformats.org/drawingml/2006/main" xmlns:r="http://schemas.openxmlformats.org/officeDocument/2006/relationships" xmlns:p="http://schemas.openxmlformats.org/presentationml/2006/main" showMasterSp="0" showMasterPhAnim="0">
   <p:cSld>
     <p:spTree>
       <p:nvGrpSpPr>
-        <p:cNvPr id="184" name="Shape 184"/>
+        <p:cNvPr id="1" name="Shape 184"/>
         <p:cNvGrpSpPr/>
         <p:nvPr/>
       </p:nvGrpSpPr>
@@ -2074,9 +2260,11 @@
       <p:sp>
         <p:nvSpPr>
           <p:cNvPr id="185" name="Shape 185"/>
-          <p:cNvSpPr/>
+          <p:cNvSpPr>
+            <a:spLocks noGrp="1" noRot="1" noChangeAspect="1"/>
+          </p:cNvSpPr>
           <p:nvPr>
-            <p:ph idx="2" type="sldImg"/>
+            <p:ph type="sldImg" idx="2"/>
           </p:nvPr>
         </p:nvSpPr>
         <p:spPr>
@@ -2085,8 +2273,13 @@
             <a:ext cx="4572000" cy="3429000"/>
           </a:xfrm>
           <a:custGeom>
+            <a:avLst/>
+            <a:gdLst/>
+            <a:ahLst/>
+            <a:cxnLst/>
+            <a:rect l="0" t="0" r="0" b="0"/>
             <a:pathLst>
-              <a:path extrusionOk="0" h="120000" w="120000">
+              <a:path w="120000" h="120000" extrusionOk="0">
                 <a:moveTo>
                   <a:pt x="0" y="0"/>
                 </a:moveTo>
@@ -2104,23 +2297,25 @@
             </a:pathLst>
           </a:custGeom>
           <a:noFill/>
-          <a:ln cap="flat" cmpd="sng" w="12700">
+          <a:ln w="12700" cap="flat" cmpd="sng">
             <a:solidFill>
               <a:srgbClr val="000000"/>
             </a:solidFill>
             <a:prstDash val="solid"/>
             <a:round/>
-            <a:headEnd len="med" w="med" type="none"/>
-            <a:tailEnd len="med" w="med" type="none"/>
+            <a:headEnd type="none" w="med" len="med"/>
+            <a:tailEnd type="none" w="med" len="med"/>
           </a:ln>
         </p:spPr>
       </p:sp>
       <p:sp>
         <p:nvSpPr>
           <p:cNvPr id="186" name="Shape 186"/>
-          <p:cNvSpPr txBox="1"/>
+          <p:cNvSpPr txBox="1">
+            <a:spLocks noGrp="1"/>
+          </p:cNvSpPr>
           <p:nvPr>
-            <p:ph idx="1" type="body"/>
+            <p:ph type="body" idx="1"/>
           </p:nvPr>
         </p:nvSpPr>
         <p:spPr>
@@ -2137,12 +2332,12 @@
           </a:ln>
         </p:spPr>
         <p:txBody>
-          <a:bodyPr anchorCtr="0" anchor="t" bIns="45700" lIns="91425" rIns="91425" tIns="45700">
+          <a:bodyPr lIns="91425" tIns="45700" rIns="91425" bIns="45700" anchor="t" anchorCtr="0">
             <a:noAutofit/>
           </a:bodyPr>
           <a:lstStyle/>
           <a:p>
-            <a:pPr indent="0" lvl="0" marL="0" marR="0" rtl="0" algn="l">
+            <a:pPr marL="0" marR="0" lvl="0" indent="0" algn="l" rtl="0">
               <a:spcBef>
                 <a:spcPts val="0"/>
               </a:spcBef>
@@ -2153,7 +2348,7 @@
               <a:buNone/>
             </a:pPr>
             <a:r>
-              <a:rPr b="0" baseline="0" i="0" lang="en-US" sz="1200" u="none" cap="none" strike="noStrike">
+              <a:rPr lang="en-US" sz="1200" b="0" i="0" u="none" strike="noStrike" cap="none" baseline="0">
                 <a:solidFill>
                   <a:schemeClr val="dk1"/>
                 </a:solidFill>
@@ -2166,7 +2361,7 @@
             </a:r>
           </a:p>
           <a:p>
-            <a:pPr indent="0" lvl="0" marL="0" marR="0" rtl="0" algn="l">
+            <a:pPr marL="0" marR="0" lvl="0" indent="0" algn="l" rtl="0">
               <a:spcBef>
                 <a:spcPts val="360"/>
               </a:spcBef>
@@ -2177,7 +2372,7 @@
               <a:buNone/>
             </a:pPr>
             <a:r>
-              <a:rPr b="0" baseline="0" i="0" lang="en-US" sz="1200" u="none" cap="none" strike="noStrike">
+              <a:rPr lang="en-US" sz="1200" b="0" i="0" u="none" strike="noStrike" cap="none" baseline="0">
                 <a:solidFill>
                   <a:schemeClr val="dk1"/>
                 </a:solidFill>
@@ -2190,7 +2385,7 @@
             </a:r>
           </a:p>
           <a:p>
-            <a:pPr indent="0" lvl="0" marL="0" marR="0" rtl="0" algn="l">
+            <a:pPr marL="0" marR="0" lvl="0" indent="0" algn="l" rtl="0">
               <a:spcBef>
                 <a:spcPts val="360"/>
               </a:spcBef>
@@ -2201,7 +2396,7 @@
               <a:buNone/>
             </a:pPr>
             <a:r>
-              <a:rPr b="0" baseline="0" i="0" lang="en-US" sz="1200" u="none" cap="none" strike="noStrike">
+              <a:rPr lang="en-US" sz="1200" b="0" i="0" u="none" strike="noStrike" cap="none" baseline="0">
                 <a:solidFill>
                   <a:schemeClr val="dk1"/>
                 </a:solidFill>
@@ -2214,7 +2409,7 @@
             </a:r>
           </a:p>
           <a:p>
-            <a:pPr indent="0" lvl="0" marL="0" marR="0" rtl="0" algn="l">
+            <a:pPr marL="0" marR="0" lvl="0" indent="0" algn="l" rtl="0">
               <a:spcBef>
                 <a:spcPts val="360"/>
               </a:spcBef>
@@ -2225,7 +2420,7 @@
               <a:buNone/>
             </a:pPr>
             <a:r>
-              <a:rPr b="0" baseline="0" i="0" lang="en-US" sz="1200" u="none" cap="none" strike="noStrike">
+              <a:rPr lang="en-US" sz="1200" b="0" i="0" u="none" strike="noStrike" cap="none" baseline="0">
                 <a:solidFill>
                   <a:schemeClr val="dk1"/>
                 </a:solidFill>
@@ -2238,7 +2433,7 @@
             </a:r>
           </a:p>
           <a:p>
-            <a:pPr indent="0" lvl="0" marL="0" marR="0" rtl="0" algn="l">
+            <a:pPr marL="0" marR="0" lvl="0" indent="0" algn="l" rtl="0">
               <a:spcBef>
                 <a:spcPts val="360"/>
               </a:spcBef>
@@ -2247,10 +2442,7 @@
               </a:spcAft>
               <a:buNone/>
             </a:pPr>
-            <a:r>
-              <a:t/>
-            </a:r>
-            <a:endParaRPr b="0" baseline="0" i="0" sz="1200" u="none" cap="none" strike="noStrike">
+            <a:endParaRPr sz="1200" b="0" i="0" u="none" strike="noStrike" cap="none" baseline="0">
               <a:solidFill>
                 <a:schemeClr val="dk1"/>
               </a:solidFill>
@@ -2265,9 +2457,11 @@
       <p:sp>
         <p:nvSpPr>
           <p:cNvPr id="187" name="Shape 187"/>
-          <p:cNvSpPr txBox="1"/>
+          <p:cNvSpPr txBox="1">
+            <a:spLocks noGrp="1"/>
+          </p:cNvSpPr>
           <p:nvPr>
-            <p:ph idx="12" type="sldNum"/>
+            <p:ph type="sldNum" idx="12"/>
           </p:nvPr>
         </p:nvSpPr>
         <p:spPr>
@@ -2284,12 +2478,12 @@
           </a:ln>
         </p:spPr>
         <p:txBody>
-          <a:bodyPr anchorCtr="0" anchor="b" bIns="45700" lIns="91425" rIns="91425" tIns="45700">
+          <a:bodyPr lIns="91425" tIns="45700" rIns="91425" bIns="45700" anchor="b" anchorCtr="0">
             <a:noAutofit/>
           </a:bodyPr>
           <a:lstStyle/>
           <a:p>
-            <a:pPr indent="0" lvl="0" marL="0" marR="0" rtl="0" algn="r">
+            <a:pPr marL="0" marR="0" lvl="0" indent="0" algn="r" rtl="0">
               <a:spcBef>
                 <a:spcPts val="0"/>
               </a:spcBef>
@@ -2300,7 +2494,7 @@
               <a:buNone/>
             </a:pPr>
             <a:fld id="{00000000-1234-1234-1234-123412341234}" type="slidenum">
-              <a:rPr b="0" baseline="0" i="0" lang="en-US" sz="1200" u="none" cap="none" strike="noStrike">
+              <a:rPr lang="en-US" sz="1200" b="0" i="0" u="none" strike="noStrike" cap="none" baseline="0">
                 <a:solidFill>
                   <a:schemeClr val="dk1"/>
                 </a:solidFill>
@@ -2309,8 +2503,17 @@
                 <a:cs typeface="Arial"/>
                 <a:sym typeface="Arial"/>
               </a:rPr>
-              <a:t>‹#›</a:t>
+              <a:t>13</a:t>
             </a:fld>
+            <a:endParaRPr lang="en-US" sz="1200" b="0" i="0" u="none" strike="noStrike" cap="none" baseline="0">
+              <a:solidFill>
+                <a:schemeClr val="dk1"/>
+              </a:solidFill>
+              <a:latin typeface="Arial"/>
+              <a:ea typeface="Arial"/>
+              <a:cs typeface="Arial"/>
+              <a:sym typeface="Arial"/>
+            </a:endParaRPr>
           </a:p>
         </p:txBody>
       </p:sp>
@@ -2323,11 +2526,11 @@
 </file>
 
 <file path=ppt/notesSlides/notesSlide2.xml><?xml version="1.0" encoding="utf-8"?>
-<p:notes xmlns:a="http://schemas.openxmlformats.org/drawingml/2006/main" xmlns:r="http://schemas.openxmlformats.org/officeDocument/2006/relationships" xmlns:mc="http://schemas.openxmlformats.org/markup-compatibility/2006" xmlns:mv="urn:schemas-microsoft-com:mac:vml" xmlns:p="http://schemas.openxmlformats.org/presentationml/2006/main" xmlns:c="http://schemas.openxmlformats.org/drawingml/2006/chart" xmlns:dgm="http://schemas.openxmlformats.org/drawingml/2006/diagram" xmlns:o="urn:schemas-microsoft-com:office:office" xmlns:v="urn:schemas-microsoft-com:vml" xmlns:pvml="urn:schemas-microsoft-com:office:powerpoint" xmlns:com="http://schemas.openxmlformats.org/drawingml/2006/compatibility" xmlns:p14="http://schemas.microsoft.com/office/powerpoint/2010/main" showMasterPhAnim="0" showMasterSp="0">
+<p:notes xmlns:a="http://schemas.openxmlformats.org/drawingml/2006/main" xmlns:r="http://schemas.openxmlformats.org/officeDocument/2006/relationships" xmlns:p="http://schemas.openxmlformats.org/presentationml/2006/main" showMasterSp="0" showMasterPhAnim="0">
   <p:cSld>
     <p:spTree>
       <p:nvGrpSpPr>
-        <p:cNvPr id="81" name="Shape 81"/>
+        <p:cNvPr id="1" name="Shape 81"/>
         <p:cNvGrpSpPr/>
         <p:nvPr/>
       </p:nvGrpSpPr>
@@ -2342,9 +2545,11 @@
       <p:sp>
         <p:nvSpPr>
           <p:cNvPr id="82" name="Shape 82"/>
-          <p:cNvSpPr/>
+          <p:cNvSpPr>
+            <a:spLocks noGrp="1" noRot="1" noChangeAspect="1"/>
+          </p:cNvSpPr>
           <p:nvPr>
-            <p:ph idx="2" type="sldImg"/>
+            <p:ph type="sldImg" idx="2"/>
           </p:nvPr>
         </p:nvSpPr>
         <p:spPr>
@@ -2353,8 +2558,13 @@
             <a:ext cx="4572000" cy="3429000"/>
           </a:xfrm>
           <a:custGeom>
+            <a:avLst/>
+            <a:gdLst/>
+            <a:ahLst/>
+            <a:cxnLst/>
+            <a:rect l="0" t="0" r="0" b="0"/>
             <a:pathLst>
-              <a:path extrusionOk="0" h="120000" w="120000">
+              <a:path w="120000" h="120000" extrusionOk="0">
                 <a:moveTo>
                   <a:pt x="0" y="0"/>
                 </a:moveTo>
@@ -2372,23 +2582,25 @@
             </a:pathLst>
           </a:custGeom>
           <a:noFill/>
-          <a:ln cap="flat" cmpd="sng" w="12700">
+          <a:ln w="12700" cap="flat" cmpd="sng">
             <a:solidFill>
               <a:srgbClr val="000000"/>
             </a:solidFill>
             <a:prstDash val="solid"/>
             <a:round/>
-            <a:headEnd len="med" w="med" type="none"/>
-            <a:tailEnd len="med" w="med" type="none"/>
+            <a:headEnd type="none" w="med" len="med"/>
+            <a:tailEnd type="none" w="med" len="med"/>
           </a:ln>
         </p:spPr>
       </p:sp>
       <p:sp>
         <p:nvSpPr>
           <p:cNvPr id="83" name="Shape 83"/>
-          <p:cNvSpPr txBox="1"/>
+          <p:cNvSpPr txBox="1">
+            <a:spLocks noGrp="1"/>
+          </p:cNvSpPr>
           <p:nvPr>
-            <p:ph idx="1" type="body"/>
+            <p:ph type="body" idx="1"/>
           </p:nvPr>
         </p:nvSpPr>
         <p:spPr>
@@ -2405,12 +2617,12 @@
           </a:ln>
         </p:spPr>
         <p:txBody>
-          <a:bodyPr anchorCtr="0" anchor="t" bIns="45700" lIns="91425" rIns="91425" tIns="45700">
+          <a:bodyPr lIns="91425" tIns="45700" rIns="91425" bIns="45700" anchor="t" anchorCtr="0">
             <a:noAutofit/>
           </a:bodyPr>
           <a:lstStyle/>
           <a:p>
-            <a:pPr indent="0" lvl="0" marL="0" marR="0" rtl="0" algn="l">
+            <a:pPr marL="0" marR="0" lvl="0" indent="0" algn="l" rtl="0">
               <a:spcBef>
                 <a:spcPts val="0"/>
               </a:spcBef>
@@ -2421,7 +2633,7 @@
               <a:buNone/>
             </a:pPr>
             <a:r>
-              <a:rPr b="0" baseline="0" i="0" lang="en-US" sz="1200" u="none" cap="none" strike="noStrike">
+              <a:rPr lang="en-US" sz="1200" b="0" i="0" u="none" strike="noStrike" cap="none" baseline="0">
                 <a:solidFill>
                   <a:schemeClr val="dk1"/>
                 </a:solidFill>
@@ -2434,7 +2646,7 @@
             </a:r>
           </a:p>
           <a:p>
-            <a:pPr indent="0" lvl="0" marL="0" marR="0" rtl="0" algn="l">
+            <a:pPr marL="0" marR="0" lvl="0" indent="0" algn="l" rtl="0">
               <a:spcBef>
                 <a:spcPts val="360"/>
               </a:spcBef>
@@ -2443,10 +2655,7 @@
               </a:spcAft>
               <a:buNone/>
             </a:pPr>
-            <a:r>
-              <a:t/>
-            </a:r>
-            <a:endParaRPr b="0" baseline="0" i="0" sz="1200" u="none" cap="none" strike="noStrike">
+            <a:endParaRPr sz="1200" b="0" i="0" u="none" strike="noStrike" cap="none" baseline="0">
               <a:solidFill>
                 <a:schemeClr val="dk1"/>
               </a:solidFill>
@@ -2461,9 +2670,11 @@
       <p:sp>
         <p:nvSpPr>
           <p:cNvPr id="84" name="Shape 84"/>
-          <p:cNvSpPr txBox="1"/>
+          <p:cNvSpPr txBox="1">
+            <a:spLocks noGrp="1"/>
+          </p:cNvSpPr>
           <p:nvPr>
-            <p:ph idx="12" type="sldNum"/>
+            <p:ph type="sldNum" idx="12"/>
           </p:nvPr>
         </p:nvSpPr>
         <p:spPr>
@@ -2480,12 +2691,12 @@
           </a:ln>
         </p:spPr>
         <p:txBody>
-          <a:bodyPr anchorCtr="0" anchor="b" bIns="45700" lIns="91425" rIns="91425" tIns="45700">
+          <a:bodyPr lIns="91425" tIns="45700" rIns="91425" bIns="45700" anchor="b" anchorCtr="0">
             <a:noAutofit/>
           </a:bodyPr>
           <a:lstStyle/>
           <a:p>
-            <a:pPr indent="0" lvl="0" marL="0" marR="0" rtl="0" algn="r">
+            <a:pPr marL="0" marR="0" lvl="0" indent="0" algn="r" rtl="0">
               <a:spcBef>
                 <a:spcPts val="0"/>
               </a:spcBef>
@@ -2496,7 +2707,7 @@
               <a:buNone/>
             </a:pPr>
             <a:fld id="{00000000-1234-1234-1234-123412341234}" type="slidenum">
-              <a:rPr b="0" baseline="0" i="0" lang="en-US" sz="1200" u="none" cap="none" strike="noStrike">
+              <a:rPr lang="en-US" sz="1200" b="0" i="0" u="none" strike="noStrike" cap="none" baseline="0">
                 <a:solidFill>
                   <a:schemeClr val="dk1"/>
                 </a:solidFill>
@@ -2505,8 +2716,17 @@
                 <a:cs typeface="Arial"/>
                 <a:sym typeface="Arial"/>
               </a:rPr>
-              <a:t>‹#›</a:t>
+              <a:t>2</a:t>
             </a:fld>
+            <a:endParaRPr lang="en-US" sz="1200" b="0" i="0" u="none" strike="noStrike" cap="none" baseline="0">
+              <a:solidFill>
+                <a:schemeClr val="dk1"/>
+              </a:solidFill>
+              <a:latin typeface="Arial"/>
+              <a:ea typeface="Arial"/>
+              <a:cs typeface="Arial"/>
+              <a:sym typeface="Arial"/>
+            </a:endParaRPr>
           </a:p>
         </p:txBody>
       </p:sp>
@@ -2519,11 +2739,11 @@
 </file>
 
 <file path=ppt/notesSlides/notesSlide3.xml><?xml version="1.0" encoding="utf-8"?>
-<p:notes xmlns:a="http://schemas.openxmlformats.org/drawingml/2006/main" xmlns:r="http://schemas.openxmlformats.org/officeDocument/2006/relationships" xmlns:mc="http://schemas.openxmlformats.org/markup-compatibility/2006" xmlns:mv="urn:schemas-microsoft-com:mac:vml" xmlns:p="http://schemas.openxmlformats.org/presentationml/2006/main" xmlns:c="http://schemas.openxmlformats.org/drawingml/2006/chart" xmlns:dgm="http://schemas.openxmlformats.org/drawingml/2006/diagram" xmlns:o="urn:schemas-microsoft-com:office:office" xmlns:v="urn:schemas-microsoft-com:vml" xmlns:pvml="urn:schemas-microsoft-com:office:powerpoint" xmlns:com="http://schemas.openxmlformats.org/drawingml/2006/compatibility" xmlns:p14="http://schemas.microsoft.com/office/powerpoint/2010/main" showMasterPhAnim="0" showMasterSp="0">
+<p:notes xmlns:a="http://schemas.openxmlformats.org/drawingml/2006/main" xmlns:r="http://schemas.openxmlformats.org/officeDocument/2006/relationships" xmlns:p="http://schemas.openxmlformats.org/presentationml/2006/main" showMasterSp="0" showMasterPhAnim="0">
   <p:cSld>
     <p:spTree>
       <p:nvGrpSpPr>
-        <p:cNvPr id="89" name="Shape 89"/>
+        <p:cNvPr id="1" name="Shape 89"/>
         <p:cNvGrpSpPr/>
         <p:nvPr/>
       </p:nvGrpSpPr>
@@ -2538,9 +2758,11 @@
       <p:sp>
         <p:nvSpPr>
           <p:cNvPr id="90" name="Shape 90"/>
-          <p:cNvSpPr/>
+          <p:cNvSpPr>
+            <a:spLocks noGrp="1" noRot="1" noChangeAspect="1"/>
+          </p:cNvSpPr>
           <p:nvPr>
-            <p:ph idx="2" type="sldImg"/>
+            <p:ph type="sldImg" idx="2"/>
           </p:nvPr>
         </p:nvSpPr>
         <p:spPr>
@@ -2549,8 +2771,13 @@
             <a:ext cx="4572000" cy="3429000"/>
           </a:xfrm>
           <a:custGeom>
+            <a:avLst/>
+            <a:gdLst/>
+            <a:ahLst/>
+            <a:cxnLst/>
+            <a:rect l="0" t="0" r="0" b="0"/>
             <a:pathLst>
-              <a:path extrusionOk="0" h="120000" w="120000">
+              <a:path w="120000" h="120000" extrusionOk="0">
                 <a:moveTo>
                   <a:pt x="0" y="0"/>
                 </a:moveTo>
@@ -2568,23 +2795,25 @@
             </a:pathLst>
           </a:custGeom>
           <a:noFill/>
-          <a:ln cap="flat" cmpd="sng" w="12700">
+          <a:ln w="12700" cap="flat" cmpd="sng">
             <a:solidFill>
               <a:srgbClr val="000000"/>
             </a:solidFill>
             <a:prstDash val="solid"/>
             <a:round/>
-            <a:headEnd len="med" w="med" type="none"/>
-            <a:tailEnd len="med" w="med" type="none"/>
+            <a:headEnd type="none" w="med" len="med"/>
+            <a:tailEnd type="none" w="med" len="med"/>
           </a:ln>
         </p:spPr>
       </p:sp>
       <p:sp>
         <p:nvSpPr>
           <p:cNvPr id="91" name="Shape 91"/>
-          <p:cNvSpPr txBox="1"/>
+          <p:cNvSpPr txBox="1">
+            <a:spLocks noGrp="1"/>
+          </p:cNvSpPr>
           <p:nvPr>
-            <p:ph idx="1" type="body"/>
+            <p:ph type="body" idx="1"/>
           </p:nvPr>
         </p:nvSpPr>
         <p:spPr>
@@ -2601,12 +2830,12 @@
           </a:ln>
         </p:spPr>
         <p:txBody>
-          <a:bodyPr anchorCtr="0" anchor="t" bIns="45700" lIns="91425" rIns="91425" tIns="45700">
+          <a:bodyPr lIns="91425" tIns="45700" rIns="91425" bIns="45700" anchor="t" anchorCtr="0">
             <a:noAutofit/>
           </a:bodyPr>
           <a:lstStyle/>
           <a:p>
-            <a:pPr indent="0" lvl="0" marL="0" marR="0" rtl="0" algn="l">
+            <a:pPr marL="0" marR="0" lvl="0" indent="0" algn="l" rtl="0">
               <a:spcBef>
                 <a:spcPts val="0"/>
               </a:spcBef>
@@ -2617,7 +2846,7 @@
               <a:buNone/>
             </a:pPr>
             <a:r>
-              <a:rPr b="0" baseline="0" i="0" lang="en-US" sz="1200" u="none" cap="none" strike="noStrike">
+              <a:rPr lang="en-US" sz="1200" b="0" i="0" u="none" strike="noStrike" cap="none" baseline="0">
                 <a:solidFill>
                   <a:schemeClr val="dk1"/>
                 </a:solidFill>
@@ -2634,9 +2863,11 @@
       <p:sp>
         <p:nvSpPr>
           <p:cNvPr id="92" name="Shape 92"/>
-          <p:cNvSpPr txBox="1"/>
+          <p:cNvSpPr txBox="1">
+            <a:spLocks noGrp="1"/>
+          </p:cNvSpPr>
           <p:nvPr>
-            <p:ph idx="12" type="sldNum"/>
+            <p:ph type="sldNum" idx="12"/>
           </p:nvPr>
         </p:nvSpPr>
         <p:spPr>
@@ -2653,12 +2884,12 @@
           </a:ln>
         </p:spPr>
         <p:txBody>
-          <a:bodyPr anchorCtr="0" anchor="b" bIns="45700" lIns="91425" rIns="91425" tIns="45700">
+          <a:bodyPr lIns="91425" tIns="45700" rIns="91425" bIns="45700" anchor="b" anchorCtr="0">
             <a:noAutofit/>
           </a:bodyPr>
           <a:lstStyle/>
           <a:p>
-            <a:pPr indent="0" lvl="0" marL="0" marR="0" rtl="0" algn="r">
+            <a:pPr marL="0" marR="0" lvl="0" indent="0" algn="r" rtl="0">
               <a:spcBef>
                 <a:spcPts val="0"/>
               </a:spcBef>
@@ -2669,7 +2900,7 @@
               <a:buNone/>
             </a:pPr>
             <a:fld id="{00000000-1234-1234-1234-123412341234}" type="slidenum">
-              <a:rPr b="0" baseline="0" i="0" lang="en-US" sz="1200" u="none" cap="none" strike="noStrike">
+              <a:rPr lang="en-US" sz="1200" b="0" i="0" u="none" strike="noStrike" cap="none" baseline="0">
                 <a:solidFill>
                   <a:schemeClr val="dk1"/>
                 </a:solidFill>
@@ -2678,8 +2909,17 @@
                 <a:cs typeface="Arial"/>
                 <a:sym typeface="Arial"/>
               </a:rPr>
-              <a:t>‹#›</a:t>
+              <a:t>3</a:t>
             </a:fld>
+            <a:endParaRPr lang="en-US" sz="1200" b="0" i="0" u="none" strike="noStrike" cap="none" baseline="0">
+              <a:solidFill>
+                <a:schemeClr val="dk1"/>
+              </a:solidFill>
+              <a:latin typeface="Arial"/>
+              <a:ea typeface="Arial"/>
+              <a:cs typeface="Arial"/>
+              <a:sym typeface="Arial"/>
+            </a:endParaRPr>
           </a:p>
         </p:txBody>
       </p:sp>
@@ -2692,11 +2932,11 @@
 </file>
 
 <file path=ppt/notesSlides/notesSlide4.xml><?xml version="1.0" encoding="utf-8"?>
-<p:notes xmlns:a="http://schemas.openxmlformats.org/drawingml/2006/main" xmlns:r="http://schemas.openxmlformats.org/officeDocument/2006/relationships" xmlns:mc="http://schemas.openxmlformats.org/markup-compatibility/2006" xmlns:mv="urn:schemas-microsoft-com:mac:vml" xmlns:p="http://schemas.openxmlformats.org/presentationml/2006/main" xmlns:c="http://schemas.openxmlformats.org/drawingml/2006/chart" xmlns:dgm="http://schemas.openxmlformats.org/drawingml/2006/diagram" xmlns:o="urn:schemas-microsoft-com:office:office" xmlns:v="urn:schemas-microsoft-com:vml" xmlns:pvml="urn:schemas-microsoft-com:office:powerpoint" xmlns:com="http://schemas.openxmlformats.org/drawingml/2006/compatibility" xmlns:p14="http://schemas.microsoft.com/office/powerpoint/2010/main" showMasterPhAnim="0" showMasterSp="0">
+<p:notes xmlns:a="http://schemas.openxmlformats.org/drawingml/2006/main" xmlns:r="http://schemas.openxmlformats.org/officeDocument/2006/relationships" xmlns:p="http://schemas.openxmlformats.org/presentationml/2006/main" showMasterSp="0" showMasterPhAnim="0">
   <p:cSld>
     <p:spTree>
       <p:nvGrpSpPr>
-        <p:cNvPr id="98" name="Shape 98"/>
+        <p:cNvPr id="1" name="Shape 98"/>
         <p:cNvGrpSpPr/>
         <p:nvPr/>
       </p:nvGrpSpPr>
@@ -2711,9 +2951,11 @@
       <p:sp>
         <p:nvSpPr>
           <p:cNvPr id="99" name="Shape 99"/>
-          <p:cNvSpPr/>
+          <p:cNvSpPr>
+            <a:spLocks noGrp="1" noRot="1" noChangeAspect="1"/>
+          </p:cNvSpPr>
           <p:nvPr>
-            <p:ph idx="2" type="sldImg"/>
+            <p:ph type="sldImg" idx="2"/>
           </p:nvPr>
         </p:nvSpPr>
         <p:spPr>
@@ -2722,8 +2964,13 @@
             <a:ext cx="4572000" cy="3429000"/>
           </a:xfrm>
           <a:custGeom>
+            <a:avLst/>
+            <a:gdLst/>
+            <a:ahLst/>
+            <a:cxnLst/>
+            <a:rect l="0" t="0" r="0" b="0"/>
             <a:pathLst>
-              <a:path extrusionOk="0" h="120000" w="120000">
+              <a:path w="120000" h="120000" extrusionOk="0">
                 <a:moveTo>
                   <a:pt x="0" y="0"/>
                 </a:moveTo>
@@ -2741,23 +2988,25 @@
             </a:pathLst>
           </a:custGeom>
           <a:noFill/>
-          <a:ln cap="flat" cmpd="sng" w="12700">
+          <a:ln w="12700" cap="flat" cmpd="sng">
             <a:solidFill>
               <a:srgbClr val="000000"/>
             </a:solidFill>
             <a:prstDash val="solid"/>
             <a:round/>
-            <a:headEnd len="med" w="med" type="none"/>
-            <a:tailEnd len="med" w="med" type="none"/>
+            <a:headEnd type="none" w="med" len="med"/>
+            <a:tailEnd type="none" w="med" len="med"/>
           </a:ln>
         </p:spPr>
       </p:sp>
       <p:sp>
         <p:nvSpPr>
           <p:cNvPr id="100" name="Shape 100"/>
-          <p:cNvSpPr txBox="1"/>
+          <p:cNvSpPr txBox="1">
+            <a:spLocks noGrp="1"/>
+          </p:cNvSpPr>
           <p:nvPr>
-            <p:ph idx="1" type="body"/>
+            <p:ph type="body" idx="1"/>
           </p:nvPr>
         </p:nvSpPr>
         <p:spPr>
@@ -2774,12 +3023,12 @@
           </a:ln>
         </p:spPr>
         <p:txBody>
-          <a:bodyPr anchorCtr="0" anchor="t" bIns="45700" lIns="91425" rIns="91425" tIns="45700">
+          <a:bodyPr lIns="91425" tIns="45700" rIns="91425" bIns="45700" anchor="t" anchorCtr="0">
             <a:noAutofit/>
           </a:bodyPr>
           <a:lstStyle/>
           <a:p>
-            <a:pPr indent="0" lvl="0" marL="0" marR="0" rtl="0" algn="l">
+            <a:pPr marL="0" marR="0" lvl="0" indent="0" algn="l" rtl="0">
               <a:spcBef>
                 <a:spcPts val="0"/>
               </a:spcBef>
@@ -2790,7 +3039,7 @@
               <a:buNone/>
             </a:pPr>
             <a:r>
-              <a:rPr b="0" baseline="0" i="0" lang="en-US" sz="1200" u="none" cap="none" strike="noStrike">
+              <a:rPr lang="en-US" sz="1200" b="0" i="0" u="none" strike="noStrike" cap="none" baseline="0">
                 <a:solidFill>
                   <a:schemeClr val="dk1"/>
                 </a:solidFill>
@@ -2803,7 +3052,7 @@
             </a:r>
           </a:p>
           <a:p>
-            <a:pPr indent="0" lvl="0" marL="0" marR="0" rtl="0" algn="l">
+            <a:pPr marL="0" marR="0" lvl="0" indent="0" algn="l" rtl="0">
               <a:spcBef>
                 <a:spcPts val="360"/>
               </a:spcBef>
@@ -2814,7 +3063,7 @@
               <a:buNone/>
             </a:pPr>
             <a:r>
-              <a:rPr b="0" baseline="0" i="0" lang="en-US" sz="1200" u="none" cap="none" strike="noStrike">
+              <a:rPr lang="en-US" sz="1200" b="0" i="0" u="none" strike="noStrike" cap="none" baseline="0">
                 <a:solidFill>
                   <a:schemeClr val="dk1"/>
                 </a:solidFill>
@@ -2827,7 +3076,7 @@
             </a:r>
           </a:p>
           <a:p>
-            <a:pPr indent="0" lvl="0" marL="0" marR="0" rtl="0" algn="l">
+            <a:pPr marL="0" marR="0" lvl="0" indent="0" algn="l" rtl="0">
               <a:spcBef>
                 <a:spcPts val="360"/>
               </a:spcBef>
@@ -2838,7 +3087,7 @@
               <a:buNone/>
             </a:pPr>
             <a:r>
-              <a:rPr b="0" baseline="0" i="0" lang="en-US" sz="1200" u="none" cap="none" strike="noStrike">
+              <a:rPr lang="en-US" sz="1200" b="0" i="0" u="none" strike="noStrike" cap="none" baseline="0">
                 <a:solidFill>
                   <a:schemeClr val="dk1"/>
                 </a:solidFill>
@@ -2851,7 +3100,7 @@
             </a:r>
           </a:p>
           <a:p>
-            <a:pPr indent="0" lvl="0" marL="0" marR="0" rtl="0" algn="l">
+            <a:pPr marL="0" marR="0" lvl="0" indent="0" algn="l" rtl="0">
               <a:spcBef>
                 <a:spcPts val="360"/>
               </a:spcBef>
@@ -2862,7 +3111,7 @@
               <a:buNone/>
             </a:pPr>
             <a:r>
-              <a:rPr b="0" baseline="0" i="0" lang="en-US" sz="1200" u="none" cap="none" strike="noStrike">
+              <a:rPr lang="en-US" sz="1200" b="0" i="0" u="none" strike="noStrike" cap="none" baseline="0">
                 <a:solidFill>
                   <a:schemeClr val="dk1"/>
                 </a:solidFill>
@@ -2875,7 +3124,7 @@
             </a:r>
           </a:p>
           <a:p>
-            <a:pPr indent="0" lvl="0" marL="0" marR="0" rtl="0" algn="l">
+            <a:pPr marL="0" marR="0" lvl="0" indent="0" algn="l" rtl="0">
               <a:spcBef>
                 <a:spcPts val="360"/>
               </a:spcBef>
@@ -2884,10 +3133,7 @@
               </a:spcAft>
               <a:buNone/>
             </a:pPr>
-            <a:r>
-              <a:t/>
-            </a:r>
-            <a:endParaRPr b="0" baseline="0" i="0" sz="1200" u="none" cap="none" strike="noStrike">
+            <a:endParaRPr sz="1200" b="0" i="0" u="none" strike="noStrike" cap="none" baseline="0">
               <a:solidFill>
                 <a:schemeClr val="dk1"/>
               </a:solidFill>
@@ -2902,9 +3148,11 @@
       <p:sp>
         <p:nvSpPr>
           <p:cNvPr id="101" name="Shape 101"/>
-          <p:cNvSpPr txBox="1"/>
+          <p:cNvSpPr txBox="1">
+            <a:spLocks noGrp="1"/>
+          </p:cNvSpPr>
           <p:nvPr>
-            <p:ph idx="12" type="sldNum"/>
+            <p:ph type="sldNum" idx="12"/>
           </p:nvPr>
         </p:nvSpPr>
         <p:spPr>
@@ -2921,12 +3169,12 @@
           </a:ln>
         </p:spPr>
         <p:txBody>
-          <a:bodyPr anchorCtr="0" anchor="b" bIns="45700" lIns="91425" rIns="91425" tIns="45700">
+          <a:bodyPr lIns="91425" tIns="45700" rIns="91425" bIns="45700" anchor="b" anchorCtr="0">
             <a:noAutofit/>
           </a:bodyPr>
           <a:lstStyle/>
           <a:p>
-            <a:pPr indent="0" lvl="0" marL="0" marR="0" rtl="0" algn="r">
+            <a:pPr marL="0" marR="0" lvl="0" indent="0" algn="r" rtl="0">
               <a:spcBef>
                 <a:spcPts val="0"/>
               </a:spcBef>
@@ -2937,7 +3185,7 @@
               <a:buNone/>
             </a:pPr>
             <a:fld id="{00000000-1234-1234-1234-123412341234}" type="slidenum">
-              <a:rPr b="0" baseline="0" i="0" lang="en-US" sz="1200" u="none" cap="none" strike="noStrike">
+              <a:rPr lang="en-US" sz="1200" b="0" i="0" u="none" strike="noStrike" cap="none" baseline="0">
                 <a:solidFill>
                   <a:schemeClr val="dk1"/>
                 </a:solidFill>
@@ -2946,8 +3194,17 @@
                 <a:cs typeface="Arial"/>
                 <a:sym typeface="Arial"/>
               </a:rPr>
-              <a:t>‹#›</a:t>
+              <a:t>4</a:t>
             </a:fld>
+            <a:endParaRPr lang="en-US" sz="1200" b="0" i="0" u="none" strike="noStrike" cap="none" baseline="0">
+              <a:solidFill>
+                <a:schemeClr val="dk1"/>
+              </a:solidFill>
+              <a:latin typeface="Arial"/>
+              <a:ea typeface="Arial"/>
+              <a:cs typeface="Arial"/>
+              <a:sym typeface="Arial"/>
+            </a:endParaRPr>
           </a:p>
         </p:txBody>
       </p:sp>
@@ -2960,11 +3217,11 @@
 </file>
 
 <file path=ppt/notesSlides/notesSlide5.xml><?xml version="1.0" encoding="utf-8"?>
-<p:notes xmlns:a="http://schemas.openxmlformats.org/drawingml/2006/main" xmlns:r="http://schemas.openxmlformats.org/officeDocument/2006/relationships" xmlns:mc="http://schemas.openxmlformats.org/markup-compatibility/2006" xmlns:mv="urn:schemas-microsoft-com:mac:vml" xmlns:p="http://schemas.openxmlformats.org/presentationml/2006/main" xmlns:c="http://schemas.openxmlformats.org/drawingml/2006/chart" xmlns:dgm="http://schemas.openxmlformats.org/drawingml/2006/diagram" xmlns:o="urn:schemas-microsoft-com:office:office" xmlns:v="urn:schemas-microsoft-com:vml" xmlns:pvml="urn:schemas-microsoft-com:office:powerpoint" xmlns:com="http://schemas.openxmlformats.org/drawingml/2006/compatibility" xmlns:p14="http://schemas.microsoft.com/office/powerpoint/2010/main" showMasterPhAnim="0" showMasterSp="0">
+<p:notes xmlns:a="http://schemas.openxmlformats.org/drawingml/2006/main" xmlns:r="http://schemas.openxmlformats.org/officeDocument/2006/relationships" xmlns:p="http://schemas.openxmlformats.org/presentationml/2006/main" showMasterSp="0" showMasterPhAnim="0">
   <p:cSld>
     <p:spTree>
       <p:nvGrpSpPr>
-        <p:cNvPr id="106" name="Shape 106"/>
+        <p:cNvPr id="1" name="Shape 106"/>
         <p:cNvGrpSpPr/>
         <p:nvPr/>
       </p:nvGrpSpPr>
@@ -2979,9 +3236,11 @@
       <p:sp>
         <p:nvSpPr>
           <p:cNvPr id="107" name="Shape 107"/>
-          <p:cNvSpPr/>
+          <p:cNvSpPr>
+            <a:spLocks noGrp="1" noRot="1" noChangeAspect="1"/>
+          </p:cNvSpPr>
           <p:nvPr>
-            <p:ph idx="2" type="sldImg"/>
+            <p:ph type="sldImg" idx="2"/>
           </p:nvPr>
         </p:nvSpPr>
         <p:spPr>
@@ -2990,8 +3249,13 @@
             <a:ext cx="4572000" cy="3429000"/>
           </a:xfrm>
           <a:custGeom>
+            <a:avLst/>
+            <a:gdLst/>
+            <a:ahLst/>
+            <a:cxnLst/>
+            <a:rect l="0" t="0" r="0" b="0"/>
             <a:pathLst>
-              <a:path extrusionOk="0" h="120000" w="120000">
+              <a:path w="120000" h="120000" extrusionOk="0">
                 <a:moveTo>
                   <a:pt x="0" y="0"/>
                 </a:moveTo>
@@ -3009,23 +3273,25 @@
             </a:pathLst>
           </a:custGeom>
           <a:noFill/>
-          <a:ln cap="flat" cmpd="sng" w="12700">
+          <a:ln w="12700" cap="flat" cmpd="sng">
             <a:solidFill>
               <a:srgbClr val="000000"/>
             </a:solidFill>
             <a:prstDash val="solid"/>
             <a:round/>
-            <a:headEnd len="med" w="med" type="none"/>
-            <a:tailEnd len="med" w="med" type="none"/>
+            <a:headEnd type="none" w="med" len="med"/>
+            <a:tailEnd type="none" w="med" len="med"/>
           </a:ln>
         </p:spPr>
       </p:sp>
       <p:sp>
         <p:nvSpPr>
           <p:cNvPr id="108" name="Shape 108"/>
-          <p:cNvSpPr txBox="1"/>
+          <p:cNvSpPr txBox="1">
+            <a:spLocks noGrp="1"/>
+          </p:cNvSpPr>
           <p:nvPr>
-            <p:ph idx="1" type="body"/>
+            <p:ph type="body" idx="1"/>
           </p:nvPr>
         </p:nvSpPr>
         <p:spPr>
@@ -3042,12 +3308,12 @@
           </a:ln>
         </p:spPr>
         <p:txBody>
-          <a:bodyPr anchorCtr="0" anchor="t" bIns="45700" lIns="91425" rIns="91425" tIns="45700">
+          <a:bodyPr lIns="91425" tIns="45700" rIns="91425" bIns="45700" anchor="t" anchorCtr="0">
             <a:noAutofit/>
           </a:bodyPr>
           <a:lstStyle/>
           <a:p>
-            <a:pPr indent="0" lvl="0" marL="0" marR="0" rtl="0" algn="l">
+            <a:pPr marL="0" marR="0" lvl="0" indent="0" algn="l" rtl="0">
               <a:spcBef>
                 <a:spcPts val="0"/>
               </a:spcBef>
@@ -3058,7 +3324,7 @@
               <a:buNone/>
             </a:pPr>
             <a:r>
-              <a:rPr b="0" baseline="0" i="0" lang="en-US" sz="1200" u="none" cap="none" strike="noStrike">
+              <a:rPr lang="en-US" sz="1200" b="0" i="0" u="none" strike="noStrike" cap="none" baseline="0">
                 <a:solidFill>
                   <a:schemeClr val="dk1"/>
                 </a:solidFill>
@@ -3071,7 +3337,7 @@
             </a:r>
           </a:p>
           <a:p>
-            <a:pPr indent="0" lvl="0" marL="0" marR="0" rtl="0" algn="l">
+            <a:pPr marL="0" marR="0" lvl="0" indent="0" algn="l" rtl="0">
               <a:spcBef>
                 <a:spcPts val="360"/>
               </a:spcBef>
@@ -3082,7 +3348,7 @@
               <a:buNone/>
             </a:pPr>
             <a:r>
-              <a:rPr b="0" baseline="0" i="0" lang="en-US" sz="1200" u="none" cap="none" strike="noStrike">
+              <a:rPr lang="en-US" sz="1200" b="0" i="0" u="none" strike="noStrike" cap="none" baseline="0">
                 <a:solidFill>
                   <a:schemeClr val="dk1"/>
                 </a:solidFill>
@@ -3095,7 +3361,7 @@
             </a:r>
           </a:p>
           <a:p>
-            <a:pPr indent="0" lvl="0" marL="0" marR="0" rtl="0" algn="l">
+            <a:pPr marL="0" marR="0" lvl="0" indent="0" algn="l" rtl="0">
               <a:spcBef>
                 <a:spcPts val="360"/>
               </a:spcBef>
@@ -3106,7 +3372,7 @@
               <a:buNone/>
             </a:pPr>
             <a:r>
-              <a:rPr b="0" baseline="0" i="0" lang="en-US" sz="1200" u="none" cap="none" strike="noStrike">
+              <a:rPr lang="en-US" sz="1200" b="0" i="0" u="none" strike="noStrike" cap="none" baseline="0">
                 <a:solidFill>
                   <a:schemeClr val="dk1"/>
                 </a:solidFill>
@@ -3119,7 +3385,7 @@
             </a:r>
           </a:p>
           <a:p>
-            <a:pPr indent="0" lvl="0" marL="0" marR="0" rtl="0" algn="l">
+            <a:pPr marL="0" marR="0" lvl="0" indent="0" algn="l" rtl="0">
               <a:spcBef>
                 <a:spcPts val="360"/>
               </a:spcBef>
@@ -3130,7 +3396,7 @@
               <a:buNone/>
             </a:pPr>
             <a:r>
-              <a:rPr b="0" baseline="0" i="0" lang="en-US" sz="1200" u="none" cap="none" strike="noStrike">
+              <a:rPr lang="en-US" sz="1200" b="0" i="0" u="none" strike="noStrike" cap="none" baseline="0">
                 <a:solidFill>
                   <a:schemeClr val="dk1"/>
                 </a:solidFill>
@@ -3143,7 +3409,7 @@
             </a:r>
           </a:p>
           <a:p>
-            <a:pPr indent="0" lvl="0" marL="0" marR="0" rtl="0" algn="l">
+            <a:pPr marL="0" marR="0" lvl="0" indent="0" algn="l" rtl="0">
               <a:spcBef>
                 <a:spcPts val="360"/>
               </a:spcBef>
@@ -3152,10 +3418,7 @@
               </a:spcAft>
               <a:buNone/>
             </a:pPr>
-            <a:r>
-              <a:t/>
-            </a:r>
-            <a:endParaRPr b="0" baseline="0" i="0" sz="1200" u="none" cap="none" strike="noStrike">
+            <a:endParaRPr sz="1200" b="0" i="0" u="none" strike="noStrike" cap="none" baseline="0">
               <a:solidFill>
                 <a:schemeClr val="dk1"/>
               </a:solidFill>
@@ -3170,9 +3433,11 @@
       <p:sp>
         <p:nvSpPr>
           <p:cNvPr id="109" name="Shape 109"/>
-          <p:cNvSpPr txBox="1"/>
+          <p:cNvSpPr txBox="1">
+            <a:spLocks noGrp="1"/>
+          </p:cNvSpPr>
           <p:nvPr>
-            <p:ph idx="12" type="sldNum"/>
+            <p:ph type="sldNum" idx="12"/>
           </p:nvPr>
         </p:nvSpPr>
         <p:spPr>
@@ -3189,12 +3454,12 @@
           </a:ln>
         </p:spPr>
         <p:txBody>
-          <a:bodyPr anchorCtr="0" anchor="b" bIns="45700" lIns="91425" rIns="91425" tIns="45700">
+          <a:bodyPr lIns="91425" tIns="45700" rIns="91425" bIns="45700" anchor="b" anchorCtr="0">
             <a:noAutofit/>
           </a:bodyPr>
           <a:lstStyle/>
           <a:p>
-            <a:pPr indent="0" lvl="0" marL="0" marR="0" rtl="0" algn="r">
+            <a:pPr marL="0" marR="0" lvl="0" indent="0" algn="r" rtl="0">
               <a:spcBef>
                 <a:spcPts val="0"/>
               </a:spcBef>
@@ -3205,7 +3470,7 @@
               <a:buNone/>
             </a:pPr>
             <a:fld id="{00000000-1234-1234-1234-123412341234}" type="slidenum">
-              <a:rPr b="0" baseline="0" i="0" lang="en-US" sz="1200" u="none" cap="none" strike="noStrike">
+              <a:rPr lang="en-US" sz="1200" b="0" i="0" u="none" strike="noStrike" cap="none" baseline="0">
                 <a:solidFill>
                   <a:schemeClr val="dk1"/>
                 </a:solidFill>
@@ -3214,8 +3479,17 @@
                 <a:cs typeface="Arial"/>
                 <a:sym typeface="Arial"/>
               </a:rPr>
-              <a:t>‹#›</a:t>
+              <a:t>5</a:t>
             </a:fld>
+            <a:endParaRPr lang="en-US" sz="1200" b="0" i="0" u="none" strike="noStrike" cap="none" baseline="0">
+              <a:solidFill>
+                <a:schemeClr val="dk1"/>
+              </a:solidFill>
+              <a:latin typeface="Arial"/>
+              <a:ea typeface="Arial"/>
+              <a:cs typeface="Arial"/>
+              <a:sym typeface="Arial"/>
+            </a:endParaRPr>
           </a:p>
         </p:txBody>
       </p:sp>
@@ -3228,11 +3502,11 @@
 </file>
 
 <file path=ppt/notesSlides/notesSlide6.xml><?xml version="1.0" encoding="utf-8"?>
-<p:notes xmlns:a="http://schemas.openxmlformats.org/drawingml/2006/main" xmlns:r="http://schemas.openxmlformats.org/officeDocument/2006/relationships" xmlns:mc="http://schemas.openxmlformats.org/markup-compatibility/2006" xmlns:mv="urn:schemas-microsoft-com:mac:vml" xmlns:p="http://schemas.openxmlformats.org/presentationml/2006/main" xmlns:c="http://schemas.openxmlformats.org/drawingml/2006/chart" xmlns:dgm="http://schemas.openxmlformats.org/drawingml/2006/diagram" xmlns:o="urn:schemas-microsoft-com:office:office" xmlns:v="urn:schemas-microsoft-com:vml" xmlns:pvml="urn:schemas-microsoft-com:office:powerpoint" xmlns:com="http://schemas.openxmlformats.org/drawingml/2006/compatibility" xmlns:p14="http://schemas.microsoft.com/office/powerpoint/2010/main" showMasterPhAnim="0" showMasterSp="0">
+<p:notes xmlns:a="http://schemas.openxmlformats.org/drawingml/2006/main" xmlns:r="http://schemas.openxmlformats.org/officeDocument/2006/relationships" xmlns:p="http://schemas.openxmlformats.org/presentationml/2006/main" showMasterSp="0" showMasterPhAnim="0">
   <p:cSld>
     <p:spTree>
       <p:nvGrpSpPr>
-        <p:cNvPr id="119" name="Shape 119"/>
+        <p:cNvPr id="1" name="Shape 119"/>
         <p:cNvGrpSpPr/>
         <p:nvPr/>
       </p:nvGrpSpPr>
@@ -3247,9 +3521,11 @@
       <p:sp>
         <p:nvSpPr>
           <p:cNvPr id="120" name="Shape 120"/>
-          <p:cNvSpPr/>
+          <p:cNvSpPr>
+            <a:spLocks noGrp="1" noRot="1" noChangeAspect="1"/>
+          </p:cNvSpPr>
           <p:nvPr>
-            <p:ph idx="2" type="sldImg"/>
+            <p:ph type="sldImg" idx="2"/>
           </p:nvPr>
         </p:nvSpPr>
         <p:spPr>
@@ -3258,8 +3534,13 @@
             <a:ext cx="4572000" cy="3429000"/>
           </a:xfrm>
           <a:custGeom>
+            <a:avLst/>
+            <a:gdLst/>
+            <a:ahLst/>
+            <a:cxnLst/>
+            <a:rect l="0" t="0" r="0" b="0"/>
             <a:pathLst>
-              <a:path extrusionOk="0" h="120000" w="120000">
+              <a:path w="120000" h="120000" extrusionOk="0">
                 <a:moveTo>
                   <a:pt x="0" y="0"/>
                 </a:moveTo>
@@ -3277,23 +3558,25 @@
             </a:pathLst>
           </a:custGeom>
           <a:noFill/>
-          <a:ln cap="flat" cmpd="sng" w="12700">
+          <a:ln w="12700" cap="flat" cmpd="sng">
             <a:solidFill>
               <a:srgbClr val="000000"/>
             </a:solidFill>
             <a:prstDash val="solid"/>
             <a:round/>
-            <a:headEnd len="med" w="med" type="none"/>
-            <a:tailEnd len="med" w="med" type="none"/>
+            <a:headEnd type="none" w="med" len="med"/>
+            <a:tailEnd type="none" w="med" len="med"/>
           </a:ln>
         </p:spPr>
       </p:sp>
       <p:sp>
         <p:nvSpPr>
           <p:cNvPr id="121" name="Shape 121"/>
-          <p:cNvSpPr txBox="1"/>
+          <p:cNvSpPr txBox="1">
+            <a:spLocks noGrp="1"/>
+          </p:cNvSpPr>
           <p:nvPr>
-            <p:ph idx="1" type="body"/>
+            <p:ph type="body" idx="1"/>
           </p:nvPr>
         </p:nvSpPr>
         <p:spPr>
@@ -3310,12 +3593,12 @@
           </a:ln>
         </p:spPr>
         <p:txBody>
-          <a:bodyPr anchorCtr="0" anchor="t" bIns="45700" lIns="91425" rIns="91425" tIns="45700">
+          <a:bodyPr lIns="91425" tIns="45700" rIns="91425" bIns="45700" anchor="t" anchorCtr="0">
             <a:noAutofit/>
           </a:bodyPr>
           <a:lstStyle/>
           <a:p>
-            <a:pPr indent="0" lvl="0" marL="0" marR="0" rtl="0" algn="l">
+            <a:pPr marL="0" marR="0" lvl="0" indent="0" algn="l" rtl="0">
               <a:spcBef>
                 <a:spcPts val="0"/>
               </a:spcBef>
@@ -3326,7 +3609,7 @@
               <a:buNone/>
             </a:pPr>
             <a:r>
-              <a:rPr b="0" baseline="0" i="0" lang="en-US" sz="1200" u="none" cap="none" strike="noStrike">
+              <a:rPr lang="en-US" sz="1200" b="0" i="0" u="none" strike="noStrike" cap="none" baseline="0">
                 <a:solidFill>
                   <a:schemeClr val="dk1"/>
                 </a:solidFill>
@@ -3339,7 +3622,7 @@
             </a:r>
           </a:p>
           <a:p>
-            <a:pPr indent="0" lvl="0" marL="0" marR="0" rtl="0" algn="l">
+            <a:pPr marL="0" marR="0" lvl="0" indent="0" algn="l" rtl="0">
               <a:spcBef>
                 <a:spcPts val="360"/>
               </a:spcBef>
@@ -3350,7 +3633,7 @@
               <a:buNone/>
             </a:pPr>
             <a:r>
-              <a:rPr b="0" baseline="0" i="0" lang="en-US" sz="1200" u="none" cap="none" strike="noStrike">
+              <a:rPr lang="en-US" sz="1200" b="0" i="0" u="none" strike="noStrike" cap="none" baseline="0">
                 <a:solidFill>
                   <a:schemeClr val="dk1"/>
                 </a:solidFill>
@@ -3363,7 +3646,7 @@
             </a:r>
           </a:p>
           <a:p>
-            <a:pPr indent="0" lvl="0" marL="0" marR="0" rtl="0" algn="l">
+            <a:pPr marL="0" marR="0" lvl="0" indent="0" algn="l" rtl="0">
               <a:spcBef>
                 <a:spcPts val="360"/>
               </a:spcBef>
@@ -3374,7 +3657,7 @@
               <a:buNone/>
             </a:pPr>
             <a:r>
-              <a:rPr b="0" baseline="0" i="0" lang="en-US" sz="1200" u="none" cap="none" strike="noStrike">
+              <a:rPr lang="en-US" sz="1200" b="0" i="0" u="none" strike="noStrike" cap="none" baseline="0">
                 <a:solidFill>
                   <a:schemeClr val="dk1"/>
                 </a:solidFill>
@@ -3387,7 +3670,7 @@
             </a:r>
           </a:p>
           <a:p>
-            <a:pPr indent="0" lvl="0" marL="0" marR="0" rtl="0" algn="l">
+            <a:pPr marL="0" marR="0" lvl="0" indent="0" algn="l" rtl="0">
               <a:spcBef>
                 <a:spcPts val="360"/>
               </a:spcBef>
@@ -3398,7 +3681,7 @@
               <a:buNone/>
             </a:pPr>
             <a:r>
-              <a:rPr b="0" baseline="0" i="0" lang="en-US" sz="1200" u="none" cap="none" strike="noStrike">
+              <a:rPr lang="en-US" sz="1200" b="0" i="0" u="none" strike="noStrike" cap="none" baseline="0">
                 <a:solidFill>
                   <a:schemeClr val="dk1"/>
                 </a:solidFill>
@@ -3411,7 +3694,7 @@
             </a:r>
           </a:p>
           <a:p>
-            <a:pPr indent="0" lvl="0" marL="0" marR="0" rtl="0" algn="l">
+            <a:pPr marL="0" marR="0" lvl="0" indent="0" algn="l" rtl="0">
               <a:spcBef>
                 <a:spcPts val="360"/>
               </a:spcBef>
@@ -3420,10 +3703,7 @@
               </a:spcAft>
               <a:buNone/>
             </a:pPr>
-            <a:r>
-              <a:t/>
-            </a:r>
-            <a:endParaRPr b="0" baseline="0" i="0" sz="1200" u="none" cap="none" strike="noStrike">
+            <a:endParaRPr sz="1200" b="0" i="0" u="none" strike="noStrike" cap="none" baseline="0">
               <a:solidFill>
                 <a:schemeClr val="dk1"/>
               </a:solidFill>
@@ -3438,9 +3718,11 @@
       <p:sp>
         <p:nvSpPr>
           <p:cNvPr id="122" name="Shape 122"/>
-          <p:cNvSpPr txBox="1"/>
+          <p:cNvSpPr txBox="1">
+            <a:spLocks noGrp="1"/>
+          </p:cNvSpPr>
           <p:nvPr>
-            <p:ph idx="12" type="sldNum"/>
+            <p:ph type="sldNum" idx="12"/>
           </p:nvPr>
         </p:nvSpPr>
         <p:spPr>
@@ -3457,12 +3739,12 @@
           </a:ln>
         </p:spPr>
         <p:txBody>
-          <a:bodyPr anchorCtr="0" anchor="b" bIns="45700" lIns="91425" rIns="91425" tIns="45700">
+          <a:bodyPr lIns="91425" tIns="45700" rIns="91425" bIns="45700" anchor="b" anchorCtr="0">
             <a:noAutofit/>
           </a:bodyPr>
           <a:lstStyle/>
           <a:p>
-            <a:pPr indent="0" lvl="0" marL="0" marR="0" rtl="0" algn="r">
+            <a:pPr marL="0" marR="0" lvl="0" indent="0" algn="r" rtl="0">
               <a:spcBef>
                 <a:spcPts val="0"/>
               </a:spcBef>
@@ -3473,7 +3755,7 @@
               <a:buNone/>
             </a:pPr>
             <a:fld id="{00000000-1234-1234-1234-123412341234}" type="slidenum">
-              <a:rPr b="0" baseline="0" i="0" lang="en-US" sz="1200" u="none" cap="none" strike="noStrike">
+              <a:rPr lang="en-US" sz="1200" b="0" i="0" u="none" strike="noStrike" cap="none" baseline="0">
                 <a:solidFill>
                   <a:schemeClr val="dk1"/>
                 </a:solidFill>
@@ -3482,8 +3764,17 @@
                 <a:cs typeface="Arial"/>
                 <a:sym typeface="Arial"/>
               </a:rPr>
-              <a:t>‹#›</a:t>
+              <a:t>6</a:t>
             </a:fld>
+            <a:endParaRPr lang="en-US" sz="1200" b="0" i="0" u="none" strike="noStrike" cap="none" baseline="0">
+              <a:solidFill>
+                <a:schemeClr val="dk1"/>
+              </a:solidFill>
+              <a:latin typeface="Arial"/>
+              <a:ea typeface="Arial"/>
+              <a:cs typeface="Arial"/>
+              <a:sym typeface="Arial"/>
+            </a:endParaRPr>
           </a:p>
         </p:txBody>
       </p:sp>
@@ -3496,11 +3787,11 @@
 </file>
 
 <file path=ppt/notesSlides/notesSlide7.xml><?xml version="1.0" encoding="utf-8"?>
-<p:notes xmlns:a="http://schemas.openxmlformats.org/drawingml/2006/main" xmlns:r="http://schemas.openxmlformats.org/officeDocument/2006/relationships" xmlns:mc="http://schemas.openxmlformats.org/markup-compatibility/2006" xmlns:mv="urn:schemas-microsoft-com:mac:vml" xmlns:p="http://schemas.openxmlformats.org/presentationml/2006/main" xmlns:c="http://schemas.openxmlformats.org/drawingml/2006/chart" xmlns:dgm="http://schemas.openxmlformats.org/drawingml/2006/diagram" xmlns:o="urn:schemas-microsoft-com:office:office" xmlns:v="urn:schemas-microsoft-com:vml" xmlns:pvml="urn:schemas-microsoft-com:office:powerpoint" xmlns:com="http://schemas.openxmlformats.org/drawingml/2006/compatibility" xmlns:p14="http://schemas.microsoft.com/office/powerpoint/2010/main" showMasterPhAnim="0" showMasterSp="0">
+<p:notes xmlns:a="http://schemas.openxmlformats.org/drawingml/2006/main" xmlns:r="http://schemas.openxmlformats.org/officeDocument/2006/relationships" xmlns:p="http://schemas.openxmlformats.org/presentationml/2006/main" showMasterSp="0" showMasterPhAnim="0">
   <p:cSld>
     <p:spTree>
       <p:nvGrpSpPr>
-        <p:cNvPr id="133" name="Shape 133"/>
+        <p:cNvPr id="1" name="Shape 133"/>
         <p:cNvGrpSpPr/>
         <p:nvPr/>
       </p:nvGrpSpPr>
@@ -3515,9 +3806,11 @@
       <p:sp>
         <p:nvSpPr>
           <p:cNvPr id="134" name="Shape 134"/>
-          <p:cNvSpPr/>
+          <p:cNvSpPr>
+            <a:spLocks noGrp="1" noRot="1" noChangeAspect="1"/>
+          </p:cNvSpPr>
           <p:nvPr>
-            <p:ph idx="2" type="sldImg"/>
+            <p:ph type="sldImg" idx="2"/>
           </p:nvPr>
         </p:nvSpPr>
         <p:spPr>
@@ -3526,8 +3819,13 @@
             <a:ext cx="4572000" cy="3429000"/>
           </a:xfrm>
           <a:custGeom>
+            <a:avLst/>
+            <a:gdLst/>
+            <a:ahLst/>
+            <a:cxnLst/>
+            <a:rect l="0" t="0" r="0" b="0"/>
             <a:pathLst>
-              <a:path extrusionOk="0" h="120000" w="120000">
+              <a:path w="120000" h="120000" extrusionOk="0">
                 <a:moveTo>
                   <a:pt x="0" y="0"/>
                 </a:moveTo>
@@ -3545,23 +3843,25 @@
             </a:pathLst>
           </a:custGeom>
           <a:noFill/>
-          <a:ln cap="flat" cmpd="sng" w="12700">
+          <a:ln w="12700" cap="flat" cmpd="sng">
             <a:solidFill>
               <a:srgbClr val="000000"/>
             </a:solidFill>
             <a:prstDash val="solid"/>
             <a:round/>
-            <a:headEnd len="med" w="med" type="none"/>
-            <a:tailEnd len="med" w="med" type="none"/>
+            <a:headEnd type="none" w="med" len="med"/>
+            <a:tailEnd type="none" w="med" len="med"/>
           </a:ln>
         </p:spPr>
       </p:sp>
       <p:sp>
         <p:nvSpPr>
           <p:cNvPr id="135" name="Shape 135"/>
-          <p:cNvSpPr txBox="1"/>
+          <p:cNvSpPr txBox="1">
+            <a:spLocks noGrp="1"/>
+          </p:cNvSpPr>
           <p:nvPr>
-            <p:ph idx="1" type="body"/>
+            <p:ph type="body" idx="1"/>
           </p:nvPr>
         </p:nvSpPr>
         <p:spPr>
@@ -3578,12 +3878,12 @@
           </a:ln>
         </p:spPr>
         <p:txBody>
-          <a:bodyPr anchorCtr="0" anchor="t" bIns="45700" lIns="91425" rIns="91425" tIns="45700">
+          <a:bodyPr lIns="91425" tIns="45700" rIns="91425" bIns="45700" anchor="t" anchorCtr="0">
             <a:noAutofit/>
           </a:bodyPr>
           <a:lstStyle/>
           <a:p>
-            <a:pPr indent="0" lvl="0" marL="0" marR="0" rtl="0" algn="l">
+            <a:pPr marL="0" marR="0" lvl="0" indent="0" algn="l" rtl="0">
               <a:spcBef>
                 <a:spcPts val="0"/>
               </a:spcBef>
@@ -3594,7 +3894,7 @@
               <a:buNone/>
             </a:pPr>
             <a:r>
-              <a:rPr b="0" baseline="0" i="0" lang="en-US" sz="1200" u="none" cap="none" strike="noStrike">
+              <a:rPr lang="en-US" sz="1200" b="0" i="0" u="none" strike="noStrike" cap="none" baseline="0">
                 <a:solidFill>
                   <a:schemeClr val="dk1"/>
                 </a:solidFill>
@@ -3607,7 +3907,7 @@
             </a:r>
           </a:p>
           <a:p>
-            <a:pPr indent="0" lvl="0" marL="0" marR="0" rtl="0" algn="l">
+            <a:pPr marL="0" marR="0" lvl="0" indent="0" algn="l" rtl="0">
               <a:spcBef>
                 <a:spcPts val="360"/>
               </a:spcBef>
@@ -3618,7 +3918,7 @@
               <a:buNone/>
             </a:pPr>
             <a:r>
-              <a:rPr b="0" baseline="0" i="0" lang="en-US" sz="1200" u="none" cap="none" strike="noStrike">
+              <a:rPr lang="en-US" sz="1200" b="0" i="0" u="none" strike="noStrike" cap="none" baseline="0">
                 <a:solidFill>
                   <a:schemeClr val="dk1"/>
                 </a:solidFill>
@@ -3631,7 +3931,7 @@
             </a:r>
           </a:p>
           <a:p>
-            <a:pPr indent="0" lvl="0" marL="0" marR="0" rtl="0" algn="l">
+            <a:pPr marL="0" marR="0" lvl="0" indent="0" algn="l" rtl="0">
               <a:spcBef>
                 <a:spcPts val="360"/>
               </a:spcBef>
@@ -3642,7 +3942,7 @@
               <a:buNone/>
             </a:pPr>
             <a:r>
-              <a:rPr b="0" baseline="0" i="0" lang="en-US" sz="1200" u="none" cap="none" strike="noStrike">
+              <a:rPr lang="en-US" sz="1200" b="0" i="0" u="none" strike="noStrike" cap="none" baseline="0">
                 <a:solidFill>
                   <a:schemeClr val="dk1"/>
                 </a:solidFill>
@@ -3655,7 +3955,7 @@
             </a:r>
           </a:p>
           <a:p>
-            <a:pPr indent="0" lvl="0" marL="0" marR="0" rtl="0" algn="l">
+            <a:pPr marL="0" marR="0" lvl="0" indent="0" algn="l" rtl="0">
               <a:spcBef>
                 <a:spcPts val="360"/>
               </a:spcBef>
@@ -3666,7 +3966,7 @@
               <a:buNone/>
             </a:pPr>
             <a:r>
-              <a:rPr b="0" baseline="0" i="0" lang="en-US" sz="1200" u="none" cap="none" strike="noStrike">
+              <a:rPr lang="en-US" sz="1200" b="0" i="0" u="none" strike="noStrike" cap="none" baseline="0">
                 <a:solidFill>
                   <a:schemeClr val="dk1"/>
                 </a:solidFill>
@@ -3679,7 +3979,7 @@
             </a:r>
           </a:p>
           <a:p>
-            <a:pPr indent="0" lvl="0" marL="0" marR="0" rtl="0" algn="l">
+            <a:pPr marL="0" marR="0" lvl="0" indent="0" algn="l" rtl="0">
               <a:spcBef>
                 <a:spcPts val="360"/>
               </a:spcBef>
@@ -3690,7 +3990,7 @@
               <a:buNone/>
             </a:pPr>
             <a:r>
-              <a:rPr b="0" baseline="0" i="0" lang="en-US" sz="1200" u="none" cap="none" strike="noStrike">
+              <a:rPr lang="en-US" sz="1200" b="0" i="0" u="none" strike="noStrike" cap="none" baseline="0">
                 <a:solidFill>
                   <a:schemeClr val="dk1"/>
                 </a:solidFill>
@@ -3703,7 +4003,7 @@
             </a:r>
           </a:p>
           <a:p>
-            <a:pPr indent="0" lvl="0" marL="0" marR="0" rtl="0" algn="l">
+            <a:pPr marL="0" marR="0" lvl="0" indent="0" algn="l" rtl="0">
               <a:spcBef>
                 <a:spcPts val="360"/>
               </a:spcBef>
@@ -3712,10 +4012,7 @@
               </a:spcAft>
               <a:buNone/>
             </a:pPr>
-            <a:r>
-              <a:t/>
-            </a:r>
-            <a:endParaRPr b="0" baseline="0" i="0" sz="1200" u="none" cap="none" strike="noStrike">
+            <a:endParaRPr sz="1200" b="0" i="0" u="none" strike="noStrike" cap="none" baseline="0">
               <a:solidFill>
                 <a:schemeClr val="dk1"/>
               </a:solidFill>
@@ -3730,9 +4027,11 @@
       <p:sp>
         <p:nvSpPr>
           <p:cNvPr id="136" name="Shape 136"/>
-          <p:cNvSpPr txBox="1"/>
+          <p:cNvSpPr txBox="1">
+            <a:spLocks noGrp="1"/>
+          </p:cNvSpPr>
           <p:nvPr>
-            <p:ph idx="12" type="sldNum"/>
+            <p:ph type="sldNum" idx="12"/>
           </p:nvPr>
         </p:nvSpPr>
         <p:spPr>
@@ -3749,12 +4048,12 @@
           </a:ln>
         </p:spPr>
         <p:txBody>
-          <a:bodyPr anchorCtr="0" anchor="b" bIns="45700" lIns="91425" rIns="91425" tIns="45700">
+          <a:bodyPr lIns="91425" tIns="45700" rIns="91425" bIns="45700" anchor="b" anchorCtr="0">
             <a:noAutofit/>
           </a:bodyPr>
           <a:lstStyle/>
           <a:p>
-            <a:pPr indent="0" lvl="0" marL="0" marR="0" rtl="0" algn="r">
+            <a:pPr marL="0" marR="0" lvl="0" indent="0" algn="r" rtl="0">
               <a:spcBef>
                 <a:spcPts val="0"/>
               </a:spcBef>
@@ -3765,7 +4064,7 @@
               <a:buNone/>
             </a:pPr>
             <a:fld id="{00000000-1234-1234-1234-123412341234}" type="slidenum">
-              <a:rPr b="0" baseline="0" i="0" lang="en-US" sz="1200" u="none" cap="none" strike="noStrike">
+              <a:rPr lang="en-US" sz="1200" b="0" i="0" u="none" strike="noStrike" cap="none" baseline="0">
                 <a:solidFill>
                   <a:schemeClr val="dk1"/>
                 </a:solidFill>
@@ -3774,8 +4073,17 @@
                 <a:cs typeface="Arial"/>
                 <a:sym typeface="Arial"/>
               </a:rPr>
-              <a:t>‹#›</a:t>
+              <a:t>7</a:t>
             </a:fld>
+            <a:endParaRPr lang="en-US" sz="1200" b="0" i="0" u="none" strike="noStrike" cap="none" baseline="0">
+              <a:solidFill>
+                <a:schemeClr val="dk1"/>
+              </a:solidFill>
+              <a:latin typeface="Arial"/>
+              <a:ea typeface="Arial"/>
+              <a:cs typeface="Arial"/>
+              <a:sym typeface="Arial"/>
+            </a:endParaRPr>
           </a:p>
         </p:txBody>
       </p:sp>
@@ -3788,11 +4096,11 @@
 </file>
 
 <file path=ppt/notesSlides/notesSlide8.xml><?xml version="1.0" encoding="utf-8"?>
-<p:notes xmlns:a="http://schemas.openxmlformats.org/drawingml/2006/main" xmlns:r="http://schemas.openxmlformats.org/officeDocument/2006/relationships" xmlns:mc="http://schemas.openxmlformats.org/markup-compatibility/2006" xmlns:mv="urn:schemas-microsoft-com:mac:vml" xmlns:p="http://schemas.openxmlformats.org/presentationml/2006/main" xmlns:c="http://schemas.openxmlformats.org/drawingml/2006/chart" xmlns:dgm="http://schemas.openxmlformats.org/drawingml/2006/diagram" xmlns:o="urn:schemas-microsoft-com:office:office" xmlns:v="urn:schemas-microsoft-com:vml" xmlns:pvml="urn:schemas-microsoft-com:office:powerpoint" xmlns:com="http://schemas.openxmlformats.org/drawingml/2006/compatibility" xmlns:p14="http://schemas.microsoft.com/office/powerpoint/2010/main" showMasterPhAnim="0" showMasterSp="0">
+<p:notes xmlns:a="http://schemas.openxmlformats.org/drawingml/2006/main" xmlns:r="http://schemas.openxmlformats.org/officeDocument/2006/relationships" xmlns:p="http://schemas.openxmlformats.org/presentationml/2006/main" showMasterSp="0" showMasterPhAnim="0">
   <p:cSld>
     <p:spTree>
       <p:nvGrpSpPr>
-        <p:cNvPr id="141" name="Shape 141"/>
+        <p:cNvPr id="1" name="Shape 141"/>
         <p:cNvGrpSpPr/>
         <p:nvPr/>
       </p:nvGrpSpPr>
@@ -3807,9 +4115,11 @@
       <p:sp>
         <p:nvSpPr>
           <p:cNvPr id="142" name="Shape 142"/>
-          <p:cNvSpPr/>
+          <p:cNvSpPr>
+            <a:spLocks noGrp="1" noRot="1" noChangeAspect="1"/>
+          </p:cNvSpPr>
           <p:nvPr>
-            <p:ph idx="2" type="sldImg"/>
+            <p:ph type="sldImg" idx="2"/>
           </p:nvPr>
         </p:nvSpPr>
         <p:spPr>
@@ -3818,8 +4128,13 @@
             <a:ext cx="4572000" cy="3429000"/>
           </a:xfrm>
           <a:custGeom>
+            <a:avLst/>
+            <a:gdLst/>
+            <a:ahLst/>
+            <a:cxnLst/>
+            <a:rect l="0" t="0" r="0" b="0"/>
             <a:pathLst>
-              <a:path extrusionOk="0" h="120000" w="120000">
+              <a:path w="120000" h="120000" extrusionOk="0">
                 <a:moveTo>
                   <a:pt x="0" y="0"/>
                 </a:moveTo>
@@ -3837,23 +4152,25 @@
             </a:pathLst>
           </a:custGeom>
           <a:noFill/>
-          <a:ln cap="flat" cmpd="sng" w="12700">
+          <a:ln w="12700" cap="flat" cmpd="sng">
             <a:solidFill>
               <a:srgbClr val="000000"/>
             </a:solidFill>
             <a:prstDash val="solid"/>
             <a:round/>
-            <a:headEnd len="med" w="med" type="none"/>
-            <a:tailEnd len="med" w="med" type="none"/>
+            <a:headEnd type="none" w="med" len="med"/>
+            <a:tailEnd type="none" w="med" len="med"/>
           </a:ln>
         </p:spPr>
       </p:sp>
       <p:sp>
         <p:nvSpPr>
           <p:cNvPr id="143" name="Shape 143"/>
-          <p:cNvSpPr txBox="1"/>
+          <p:cNvSpPr txBox="1">
+            <a:spLocks noGrp="1"/>
+          </p:cNvSpPr>
           <p:nvPr>
-            <p:ph idx="1" type="body"/>
+            <p:ph type="body" idx="1"/>
           </p:nvPr>
         </p:nvSpPr>
         <p:spPr>
@@ -3870,12 +4187,12 @@
           </a:ln>
         </p:spPr>
         <p:txBody>
-          <a:bodyPr anchorCtr="0" anchor="t" bIns="45700" lIns="91425" rIns="91425" tIns="45700">
+          <a:bodyPr lIns="91425" tIns="45700" rIns="91425" bIns="45700" anchor="t" anchorCtr="0">
             <a:noAutofit/>
           </a:bodyPr>
           <a:lstStyle/>
           <a:p>
-            <a:pPr indent="0" lvl="0" marL="0" marR="0" rtl="0" algn="l">
+            <a:pPr marL="0" marR="0" lvl="0" indent="0" algn="l" rtl="0">
               <a:spcBef>
                 <a:spcPts val="0"/>
               </a:spcBef>
@@ -3886,7 +4203,7 @@
               <a:buNone/>
             </a:pPr>
             <a:r>
-              <a:rPr b="0" baseline="0" i="0" lang="en-US" sz="1200" u="none" cap="none" strike="noStrike">
+              <a:rPr lang="en-US" sz="1200" b="0" i="0" u="none" strike="noStrike" cap="none" baseline="0">
                 <a:solidFill>
                   <a:schemeClr val="dk1"/>
                 </a:solidFill>
@@ -3899,7 +4216,7 @@
             </a:r>
           </a:p>
           <a:p>
-            <a:pPr indent="0" lvl="0" marL="0" marR="0" rtl="0" algn="l">
+            <a:pPr marL="0" marR="0" lvl="0" indent="0" algn="l" rtl="0">
               <a:spcBef>
                 <a:spcPts val="360"/>
               </a:spcBef>
@@ -3910,7 +4227,7 @@
               <a:buNone/>
             </a:pPr>
             <a:r>
-              <a:rPr b="0" baseline="0" i="0" lang="en-US" sz="1200" u="none" cap="none" strike="noStrike">
+              <a:rPr lang="en-US" sz="1200" b="0" i="0" u="none" strike="noStrike" cap="none" baseline="0">
                 <a:solidFill>
                   <a:schemeClr val="dk1"/>
                 </a:solidFill>
@@ -3923,7 +4240,7 @@
             </a:r>
           </a:p>
           <a:p>
-            <a:pPr indent="0" lvl="0" marL="0" marR="0" rtl="0" algn="l">
+            <a:pPr marL="0" marR="0" lvl="0" indent="0" algn="l" rtl="0">
               <a:spcBef>
                 <a:spcPts val="360"/>
               </a:spcBef>
@@ -3934,7 +4251,7 @@
               <a:buNone/>
             </a:pPr>
             <a:r>
-              <a:rPr b="0" baseline="0" i="0" lang="en-US" sz="1200" u="none" cap="none" strike="noStrike">
+              <a:rPr lang="en-US" sz="1200" b="0" i="0" u="none" strike="noStrike" cap="none" baseline="0">
                 <a:solidFill>
                   <a:schemeClr val="dk1"/>
                 </a:solidFill>
@@ -3947,7 +4264,7 @@
             </a:r>
           </a:p>
           <a:p>
-            <a:pPr indent="0" lvl="0" marL="0" marR="0" rtl="0" algn="l">
+            <a:pPr marL="0" marR="0" lvl="0" indent="0" algn="l" rtl="0">
               <a:spcBef>
                 <a:spcPts val="360"/>
               </a:spcBef>
@@ -3958,7 +4275,7 @@
               <a:buNone/>
             </a:pPr>
             <a:r>
-              <a:rPr b="0" baseline="0" i="0" lang="en-US" sz="1200" u="none" cap="none" strike="noStrike">
+              <a:rPr lang="en-US" sz="1200" b="0" i="0" u="none" strike="noStrike" cap="none" baseline="0">
                 <a:solidFill>
                   <a:schemeClr val="dk1"/>
                 </a:solidFill>
@@ -3971,7 +4288,7 @@
             </a:r>
           </a:p>
           <a:p>
-            <a:pPr indent="0" lvl="0" marL="0" marR="0" rtl="0" algn="l">
+            <a:pPr marL="0" marR="0" lvl="0" indent="0" algn="l" rtl="0">
               <a:spcBef>
                 <a:spcPts val="360"/>
               </a:spcBef>
@@ -3982,7 +4299,7 @@
               <a:buNone/>
             </a:pPr>
             <a:r>
-              <a:rPr b="0" baseline="0" i="0" lang="en-US" sz="1200" u="none" cap="none" strike="noStrike">
+              <a:rPr lang="en-US" sz="1200" b="0" i="0" u="none" strike="noStrike" cap="none" baseline="0">
                 <a:solidFill>
                   <a:schemeClr val="dk1"/>
                 </a:solidFill>
@@ -3995,7 +4312,7 @@
             </a:r>
           </a:p>
           <a:p>
-            <a:pPr indent="0" lvl="0" marL="0" marR="0" rtl="0" algn="l">
+            <a:pPr marL="0" marR="0" lvl="0" indent="0" algn="l" rtl="0">
               <a:spcBef>
                 <a:spcPts val="360"/>
               </a:spcBef>
@@ -4004,10 +4321,7 @@
               </a:spcAft>
               <a:buNone/>
             </a:pPr>
-            <a:r>
-              <a:t/>
-            </a:r>
-            <a:endParaRPr b="0" baseline="0" i="0" sz="1200" u="none" cap="none" strike="noStrike">
+            <a:endParaRPr sz="1200" b="0" i="0" u="none" strike="noStrike" cap="none" baseline="0">
               <a:solidFill>
                 <a:schemeClr val="dk1"/>
               </a:solidFill>
@@ -4022,9 +4336,11 @@
       <p:sp>
         <p:nvSpPr>
           <p:cNvPr id="144" name="Shape 144"/>
-          <p:cNvSpPr txBox="1"/>
+          <p:cNvSpPr txBox="1">
+            <a:spLocks noGrp="1"/>
+          </p:cNvSpPr>
           <p:nvPr>
-            <p:ph idx="12" type="sldNum"/>
+            <p:ph type="sldNum" idx="12"/>
           </p:nvPr>
         </p:nvSpPr>
         <p:spPr>
@@ -4041,12 +4357,12 @@
           </a:ln>
         </p:spPr>
         <p:txBody>
-          <a:bodyPr anchorCtr="0" anchor="b" bIns="45700" lIns="91425" rIns="91425" tIns="45700">
+          <a:bodyPr lIns="91425" tIns="45700" rIns="91425" bIns="45700" anchor="b" anchorCtr="0">
             <a:noAutofit/>
           </a:bodyPr>
           <a:lstStyle/>
           <a:p>
-            <a:pPr indent="0" lvl="0" marL="0" marR="0" rtl="0" algn="r">
+            <a:pPr marL="0" marR="0" lvl="0" indent="0" algn="r" rtl="0">
               <a:spcBef>
                 <a:spcPts val="0"/>
               </a:spcBef>
@@ -4057,7 +4373,7 @@
               <a:buNone/>
             </a:pPr>
             <a:fld id="{00000000-1234-1234-1234-123412341234}" type="slidenum">
-              <a:rPr b="0" baseline="0" i="0" lang="en-US" sz="1200" u="none" cap="none" strike="noStrike">
+              <a:rPr lang="en-US" sz="1200" b="0" i="0" u="none" strike="noStrike" cap="none" baseline="0">
                 <a:solidFill>
                   <a:schemeClr val="dk1"/>
                 </a:solidFill>
@@ -4066,8 +4382,17 @@
                 <a:cs typeface="Arial"/>
                 <a:sym typeface="Arial"/>
               </a:rPr>
-              <a:t>‹#›</a:t>
+              <a:t>8</a:t>
             </a:fld>
+            <a:endParaRPr lang="en-US" sz="1200" b="0" i="0" u="none" strike="noStrike" cap="none" baseline="0">
+              <a:solidFill>
+                <a:schemeClr val="dk1"/>
+              </a:solidFill>
+              <a:latin typeface="Arial"/>
+              <a:ea typeface="Arial"/>
+              <a:cs typeface="Arial"/>
+              <a:sym typeface="Arial"/>
+            </a:endParaRPr>
           </a:p>
         </p:txBody>
       </p:sp>
@@ -4080,11 +4405,11 @@
 </file>
 
 <file path=ppt/notesSlides/notesSlide9.xml><?xml version="1.0" encoding="utf-8"?>
-<p:notes xmlns:a="http://schemas.openxmlformats.org/drawingml/2006/main" xmlns:r="http://schemas.openxmlformats.org/officeDocument/2006/relationships" xmlns:mc="http://schemas.openxmlformats.org/markup-compatibility/2006" xmlns:mv="urn:schemas-microsoft-com:mac:vml" xmlns:p="http://schemas.openxmlformats.org/presentationml/2006/main" xmlns:c="http://schemas.openxmlformats.org/drawingml/2006/chart" xmlns:dgm="http://schemas.openxmlformats.org/drawingml/2006/diagram" xmlns:o="urn:schemas-microsoft-com:office:office" xmlns:v="urn:schemas-microsoft-com:vml" xmlns:pvml="urn:schemas-microsoft-com:office:powerpoint" xmlns:com="http://schemas.openxmlformats.org/drawingml/2006/compatibility" xmlns:p14="http://schemas.microsoft.com/office/powerpoint/2010/main" showMasterPhAnim="0" showMasterSp="0">
+<p:notes xmlns:a="http://schemas.openxmlformats.org/drawingml/2006/main" xmlns:r="http://schemas.openxmlformats.org/officeDocument/2006/relationships" xmlns:p="http://schemas.openxmlformats.org/presentationml/2006/main" showMasterSp="0" showMasterPhAnim="0">
   <p:cSld>
     <p:spTree>
       <p:nvGrpSpPr>
-        <p:cNvPr id="152" name="Shape 152"/>
+        <p:cNvPr id="1" name="Shape 152"/>
         <p:cNvGrpSpPr/>
         <p:nvPr/>
       </p:nvGrpSpPr>
@@ -4099,9 +4424,11 @@
       <p:sp>
         <p:nvSpPr>
           <p:cNvPr id="153" name="Shape 153"/>
-          <p:cNvSpPr/>
+          <p:cNvSpPr>
+            <a:spLocks noGrp="1" noRot="1" noChangeAspect="1"/>
+          </p:cNvSpPr>
           <p:nvPr>
-            <p:ph idx="2" type="sldImg"/>
+            <p:ph type="sldImg" idx="2"/>
           </p:nvPr>
         </p:nvSpPr>
         <p:spPr>
@@ -4110,8 +4437,13 @@
             <a:ext cx="4572000" cy="3429000"/>
           </a:xfrm>
           <a:custGeom>
+            <a:avLst/>
+            <a:gdLst/>
+            <a:ahLst/>
+            <a:cxnLst/>
+            <a:rect l="0" t="0" r="0" b="0"/>
             <a:pathLst>
-              <a:path extrusionOk="0" h="120000" w="120000">
+              <a:path w="120000" h="120000" extrusionOk="0">
                 <a:moveTo>
                   <a:pt x="0" y="0"/>
                 </a:moveTo>
@@ -4129,23 +4461,25 @@
             </a:pathLst>
           </a:custGeom>
           <a:noFill/>
-          <a:ln cap="flat" cmpd="sng" w="12700">
+          <a:ln w="12700" cap="flat" cmpd="sng">
             <a:solidFill>
               <a:srgbClr val="000000"/>
             </a:solidFill>
             <a:prstDash val="solid"/>
             <a:round/>
-            <a:headEnd len="med" w="med" type="none"/>
-            <a:tailEnd len="med" w="med" type="none"/>
+            <a:headEnd type="none" w="med" len="med"/>
+            <a:tailEnd type="none" w="med" len="med"/>
           </a:ln>
         </p:spPr>
       </p:sp>
       <p:sp>
         <p:nvSpPr>
           <p:cNvPr id="154" name="Shape 154"/>
-          <p:cNvSpPr txBox="1"/>
+          <p:cNvSpPr txBox="1">
+            <a:spLocks noGrp="1"/>
+          </p:cNvSpPr>
           <p:nvPr>
-            <p:ph idx="1" type="body"/>
+            <p:ph type="body" idx="1"/>
           </p:nvPr>
         </p:nvSpPr>
         <p:spPr>
@@ -4162,12 +4496,12 @@
           </a:ln>
         </p:spPr>
         <p:txBody>
-          <a:bodyPr anchorCtr="0" anchor="t" bIns="45700" lIns="91425" rIns="91425" tIns="45700">
+          <a:bodyPr lIns="91425" tIns="45700" rIns="91425" bIns="45700" anchor="t" anchorCtr="0">
             <a:noAutofit/>
           </a:bodyPr>
           <a:lstStyle/>
           <a:p>
-            <a:pPr indent="0" lvl="0" marL="0" marR="0" rtl="0" algn="l">
+            <a:pPr marL="0" marR="0" lvl="0" indent="0" algn="l" rtl="0">
               <a:spcBef>
                 <a:spcPts val="0"/>
               </a:spcBef>
@@ -4178,7 +4512,7 @@
               <a:buNone/>
             </a:pPr>
             <a:r>
-              <a:rPr b="0" baseline="0" i="0" lang="en-US" sz="1200" u="none" cap="none" strike="noStrike">
+              <a:rPr lang="en-US" sz="1200" b="0" i="0" u="none" strike="noStrike" cap="none" baseline="0">
                 <a:solidFill>
                   <a:schemeClr val="dk1"/>
                 </a:solidFill>
@@ -4191,7 +4525,7 @@
             </a:r>
           </a:p>
           <a:p>
-            <a:pPr indent="0" lvl="0" marL="0" marR="0" rtl="0" algn="l">
+            <a:pPr marL="0" marR="0" lvl="0" indent="0" algn="l" rtl="0">
               <a:spcBef>
                 <a:spcPts val="360"/>
               </a:spcBef>
@@ -4202,7 +4536,7 @@
               <a:buNone/>
             </a:pPr>
             <a:r>
-              <a:rPr b="0" baseline="0" i="0" lang="en-US" sz="1200" u="none" cap="none" strike="noStrike">
+              <a:rPr lang="en-US" sz="1200" b="0" i="0" u="none" strike="noStrike" cap="none" baseline="0">
                 <a:solidFill>
                   <a:schemeClr val="dk1"/>
                 </a:solidFill>
@@ -4215,7 +4549,7 @@
             </a:r>
           </a:p>
           <a:p>
-            <a:pPr indent="0" lvl="0" marL="0" marR="0" rtl="0" algn="l">
+            <a:pPr marL="0" marR="0" lvl="0" indent="0" algn="l" rtl="0">
               <a:spcBef>
                 <a:spcPts val="360"/>
               </a:spcBef>
@@ -4226,7 +4560,7 @@
               <a:buNone/>
             </a:pPr>
             <a:r>
-              <a:rPr b="0" baseline="0" i="0" lang="en-US" sz="1200" u="none" cap="none" strike="noStrike">
+              <a:rPr lang="en-US" sz="1200" b="0" i="0" u="none" strike="noStrike" cap="none" baseline="0">
                 <a:solidFill>
                   <a:schemeClr val="dk1"/>
                 </a:solidFill>
@@ -4239,7 +4573,7 @@
             </a:r>
           </a:p>
           <a:p>
-            <a:pPr indent="0" lvl="0" marL="0" marR="0" rtl="0" algn="l">
+            <a:pPr marL="0" marR="0" lvl="0" indent="0" algn="l" rtl="0">
               <a:spcBef>
                 <a:spcPts val="360"/>
               </a:spcBef>
@@ -4250,7 +4584,7 @@
               <a:buNone/>
             </a:pPr>
             <a:r>
-              <a:rPr b="0" baseline="0" i="0" lang="en-US" sz="1200" u="none" cap="none" strike="noStrike">
+              <a:rPr lang="en-US" sz="1200" b="0" i="0" u="none" strike="noStrike" cap="none" baseline="0">
                 <a:solidFill>
                   <a:schemeClr val="dk1"/>
                 </a:solidFill>
@@ -4263,7 +4597,7 @@
             </a:r>
           </a:p>
           <a:p>
-            <a:pPr indent="0" lvl="0" marL="0" marR="0" rtl="0" algn="l">
+            <a:pPr marL="0" marR="0" lvl="0" indent="0" algn="l" rtl="0">
               <a:spcBef>
                 <a:spcPts val="360"/>
               </a:spcBef>
@@ -4274,7 +4608,7 @@
               <a:buNone/>
             </a:pPr>
             <a:r>
-              <a:rPr b="0" baseline="0" i="0" lang="en-US" sz="1200" u="none" cap="none" strike="noStrike">
+              <a:rPr lang="en-US" sz="1200" b="0" i="0" u="none" strike="noStrike" cap="none" baseline="0">
                 <a:solidFill>
                   <a:schemeClr val="dk1"/>
                 </a:solidFill>
@@ -4287,7 +4621,7 @@
             </a:r>
           </a:p>
           <a:p>
-            <a:pPr indent="0" lvl="0" marL="0" marR="0" rtl="0" algn="l">
+            <a:pPr marL="0" marR="0" lvl="0" indent="0" algn="l" rtl="0">
               <a:spcBef>
                 <a:spcPts val="360"/>
               </a:spcBef>
@@ -4296,10 +4630,7 @@
               </a:spcAft>
               <a:buNone/>
             </a:pPr>
-            <a:r>
-              <a:t/>
-            </a:r>
-            <a:endParaRPr b="0" baseline="0" i="0" sz="1200" u="none" cap="none" strike="noStrike">
+            <a:endParaRPr sz="1200" b="0" i="0" u="none" strike="noStrike" cap="none" baseline="0">
               <a:solidFill>
                 <a:schemeClr val="dk1"/>
               </a:solidFill>
@@ -4314,9 +4645,11 @@
       <p:sp>
         <p:nvSpPr>
           <p:cNvPr id="155" name="Shape 155"/>
-          <p:cNvSpPr txBox="1"/>
+          <p:cNvSpPr txBox="1">
+            <a:spLocks noGrp="1"/>
+          </p:cNvSpPr>
           <p:nvPr>
-            <p:ph idx="12" type="sldNum"/>
+            <p:ph type="sldNum" idx="12"/>
           </p:nvPr>
         </p:nvSpPr>
         <p:spPr>
@@ -4333,12 +4666,12 @@
           </a:ln>
         </p:spPr>
         <p:txBody>
-          <a:bodyPr anchorCtr="0" anchor="b" bIns="45700" lIns="91425" rIns="91425" tIns="45700">
+          <a:bodyPr lIns="91425" tIns="45700" rIns="91425" bIns="45700" anchor="b" anchorCtr="0">
             <a:noAutofit/>
           </a:bodyPr>
           <a:lstStyle/>
           <a:p>
-            <a:pPr indent="0" lvl="0" marL="0" marR="0" rtl="0" algn="r">
+            <a:pPr marL="0" marR="0" lvl="0" indent="0" algn="r" rtl="0">
               <a:spcBef>
                 <a:spcPts val="0"/>
               </a:spcBef>
@@ -4349,7 +4682,7 @@
               <a:buNone/>
             </a:pPr>
             <a:fld id="{00000000-1234-1234-1234-123412341234}" type="slidenum">
-              <a:rPr b="0" baseline="0" i="0" lang="en-US" sz="1200" u="none" cap="none" strike="noStrike">
+              <a:rPr lang="en-US" sz="1200" b="0" i="0" u="none" strike="noStrike" cap="none" baseline="0">
                 <a:solidFill>
                   <a:schemeClr val="dk1"/>
                 </a:solidFill>
@@ -4358,8 +4691,17 @@
                 <a:cs typeface="Arial"/>
                 <a:sym typeface="Arial"/>
               </a:rPr>
-              <a:t>‹#›</a:t>
+              <a:t>9</a:t>
             </a:fld>
+            <a:endParaRPr lang="en-US" sz="1200" b="0" i="0" u="none" strike="noStrike" cap="none" baseline="0">
+              <a:solidFill>
+                <a:schemeClr val="dk1"/>
+              </a:solidFill>
+              <a:latin typeface="Arial"/>
+              <a:ea typeface="Arial"/>
+              <a:cs typeface="Arial"/>
+              <a:sym typeface="Arial"/>
+            </a:endParaRPr>
           </a:p>
         </p:txBody>
       </p:sp>
@@ -4372,11 +4714,11 @@
 </file>
 
 <file path=ppt/slideLayouts/slideLayout1.xml><?xml version="1.0" encoding="utf-8"?>
-<p:sldLayout xmlns:a="http://schemas.openxmlformats.org/drawingml/2006/main" xmlns:r="http://schemas.openxmlformats.org/officeDocument/2006/relationships" xmlns:mc="http://schemas.openxmlformats.org/markup-compatibility/2006" xmlns:mv="urn:schemas-microsoft-com:mac:vml" xmlns:p="http://schemas.openxmlformats.org/presentationml/2006/main" xmlns:c="http://schemas.openxmlformats.org/drawingml/2006/chart" xmlns:dgm="http://schemas.openxmlformats.org/drawingml/2006/diagram" xmlns:o="urn:schemas-microsoft-com:office:office" xmlns:v="urn:schemas-microsoft-com:vml" xmlns:pvml="urn:schemas-microsoft-com:office:powerpoint" xmlns:com="http://schemas.openxmlformats.org/drawingml/2006/compatibility" xmlns:p14="http://schemas.microsoft.com/office/powerpoint/2010/main" type="title">
+<p:sldLayout xmlns:a="http://schemas.openxmlformats.org/drawingml/2006/main" xmlns:r="http://schemas.openxmlformats.org/officeDocument/2006/relationships" xmlns:p="http://schemas.openxmlformats.org/presentationml/2006/main" type="title">
   <p:cSld name="Title slide">
     <p:spTree>
       <p:nvGrpSpPr>
-        <p:cNvPr id="12" name="Shape 12"/>
+        <p:cNvPr id="1" name="Shape 12"/>
         <p:cNvGrpSpPr/>
         <p:nvPr/>
       </p:nvGrpSpPr>
@@ -4403,14 +4745,14 @@
             <a:avLst/>
           </a:prstGeom>
           <a:noFill/>
-          <a:ln cap="flat" cmpd="sng" w="76200">
+          <a:ln w="76200" cap="flat" cmpd="sng">
             <a:solidFill>
               <a:schemeClr val="lt2"/>
             </a:solidFill>
             <a:prstDash val="solid"/>
             <a:round/>
-            <a:headEnd len="med" w="med" type="none"/>
-            <a:tailEnd len="med" w="med" type="none"/>
+            <a:headEnd type="none" w="med" len="med"/>
+            <a:tailEnd type="none" w="med" len="med"/>
           </a:ln>
         </p:spPr>
       </p:cxnSp>
@@ -4429,14 +4771,14 @@
             <a:avLst/>
           </a:prstGeom>
           <a:noFill/>
-          <a:ln cap="flat" cmpd="sng" w="76200">
+          <a:ln w="76200" cap="flat" cmpd="sng">
             <a:solidFill>
               <a:schemeClr val="lt2"/>
             </a:solidFill>
             <a:prstDash val="solid"/>
             <a:round/>
-            <a:headEnd len="med" w="med" type="none"/>
-            <a:tailEnd len="med" w="med" type="none"/>
+            <a:headEnd type="none" w="med" len="med"/>
+            <a:tailEnd type="none" w="med" len="med"/>
           </a:ln>
         </p:spPr>
       </p:cxnSp>
@@ -4469,14 +4811,14 @@
               <a:avLst/>
             </a:prstGeom>
             <a:noFill/>
-            <a:ln cap="flat" cmpd="sng" w="76200">
+            <a:ln w="76200" cap="flat" cmpd="sng">
               <a:solidFill>
                 <a:schemeClr val="accent3"/>
               </a:solidFill>
               <a:prstDash val="solid"/>
               <a:round/>
-              <a:headEnd len="med" w="med" type="none"/>
-              <a:tailEnd len="med" w="med" type="none"/>
+              <a:headEnd type="none" w="med" len="med"/>
+              <a:tailEnd type="none" w="med" len="med"/>
             </a:ln>
           </p:spPr>
         </p:cxnSp>
@@ -4495,14 +4837,14 @@
               <a:avLst/>
             </a:prstGeom>
             <a:noFill/>
-            <a:ln cap="flat" cmpd="sng" w="9525">
+            <a:ln w="9525" cap="flat" cmpd="sng">
               <a:solidFill>
                 <a:schemeClr val="accent3"/>
               </a:solidFill>
               <a:prstDash val="solid"/>
               <a:round/>
-              <a:headEnd len="med" w="med" type="none"/>
-              <a:tailEnd len="med" w="med" type="none"/>
+              <a:headEnd type="none" w="med" len="med"/>
+              <a:tailEnd type="none" w="med" len="med"/>
             </a:ln>
           </p:spPr>
         </p:cxnSp>
@@ -4536,14 +4878,14 @@
               <a:avLst/>
             </a:prstGeom>
             <a:noFill/>
-            <a:ln cap="flat" cmpd="sng" w="76200">
+            <a:ln w="76200" cap="flat" cmpd="sng">
               <a:solidFill>
                 <a:schemeClr val="accent3"/>
               </a:solidFill>
               <a:prstDash val="solid"/>
               <a:round/>
-              <a:headEnd len="med" w="med" type="none"/>
-              <a:tailEnd len="med" w="med" type="none"/>
+              <a:headEnd type="none" w="med" len="med"/>
+              <a:tailEnd type="none" w="med" len="med"/>
             </a:ln>
           </p:spPr>
         </p:cxnSp>
@@ -4562,14 +4904,14 @@
               <a:avLst/>
             </a:prstGeom>
             <a:noFill/>
-            <a:ln cap="flat" cmpd="sng" w="9525">
+            <a:ln w="9525" cap="flat" cmpd="sng">
               <a:solidFill>
                 <a:schemeClr val="accent3"/>
               </a:solidFill>
               <a:prstDash val="solid"/>
               <a:round/>
-              <a:headEnd len="med" w="med" type="none"/>
-              <a:tailEnd len="med" w="med" type="none"/>
+              <a:headEnd type="none" w="med" len="med"/>
+              <a:tailEnd type="none" w="med" len="med"/>
             </a:ln>
           </p:spPr>
         </p:cxnSp>
@@ -4577,7 +4919,9 @@
       <p:sp>
         <p:nvSpPr>
           <p:cNvPr id="21" name="Shape 21"/>
-          <p:cNvSpPr txBox="1"/>
+          <p:cNvSpPr txBox="1">
+            <a:spLocks noGrp="1"/>
+          </p:cNvSpPr>
           <p:nvPr>
             <p:ph type="ctrTitle"/>
           </p:nvPr>
@@ -4592,7 +4936,7 @@
           </a:prstGeom>
         </p:spPr>
         <p:txBody>
-          <a:bodyPr anchorCtr="0" anchor="b" bIns="91425" lIns="91425" rIns="91425" tIns="91425"/>
+          <a:bodyPr lIns="91425" tIns="91425" rIns="91425" bIns="91425" anchor="b" anchorCtr="0"/>
           <a:lstStyle>
             <a:lvl1pPr algn="ctr">
               <a:spcBef>
@@ -4658,15 +5002,19 @@
               <a:defRPr sz="5400"/>
             </a:lvl9pPr>
           </a:lstStyle>
-          <a:p/>
+          <a:p>
+            <a:endParaRPr/>
+          </a:p>
         </p:txBody>
       </p:sp>
       <p:sp>
         <p:nvSpPr>
           <p:cNvPr id="22" name="Shape 22"/>
-          <p:cNvSpPr txBox="1"/>
+          <p:cNvSpPr txBox="1">
+            <a:spLocks noGrp="1"/>
+          </p:cNvSpPr>
           <p:nvPr>
-            <p:ph idx="1" type="subTitle"/>
+            <p:ph type="subTitle" idx="1"/>
           </p:nvPr>
         </p:nvSpPr>
         <p:spPr>
@@ -4679,7 +5027,7 @@
           </a:prstGeom>
         </p:spPr>
         <p:txBody>
-          <a:bodyPr anchorCtr="0" anchor="t" bIns="91425" lIns="91425" rIns="91425" tIns="91425"/>
+          <a:bodyPr lIns="91425" tIns="91425" rIns="91425" bIns="91425" anchor="t" anchorCtr="0"/>
           <a:lstStyle>
             <a:lvl1pPr algn="ctr">
               <a:lnSpc>
@@ -4808,15 +5156,19 @@
               <a:defRPr sz="2400"/>
             </a:lvl9pPr>
           </a:lstStyle>
-          <a:p/>
+          <a:p>
+            <a:endParaRPr/>
+          </a:p>
         </p:txBody>
       </p:sp>
       <p:sp>
         <p:nvSpPr>
           <p:cNvPr id="23" name="Shape 23"/>
-          <p:cNvSpPr txBox="1"/>
+          <p:cNvSpPr txBox="1">
+            <a:spLocks noGrp="1"/>
+          </p:cNvSpPr>
           <p:nvPr>
-            <p:ph idx="12" type="sldNum"/>
+            <p:ph type="sldNum" idx="12"/>
           </p:nvPr>
         </p:nvSpPr>
         <p:spPr>
@@ -4829,7 +5181,7 @@
           </a:prstGeom>
         </p:spPr>
         <p:txBody>
-          <a:bodyPr anchorCtr="0" anchor="ctr" bIns="91425" lIns="91425" rIns="91425" tIns="91425">
+          <a:bodyPr lIns="91425" tIns="91425" rIns="91425" bIns="91425" anchor="ctr" anchorCtr="0">
             <a:noAutofit/>
           </a:bodyPr>
           <a:lstStyle/>
@@ -4844,6 +5196,7 @@
               <a:rPr lang="en-US"/>
               <a:t>‹#›</a:t>
             </a:fld>
+            <a:endParaRPr lang="en-US"/>
           </a:p>
         </p:txBody>
       </p:sp>
@@ -4856,11 +5209,11 @@
 </file>
 
 <file path=ppt/slideLayouts/slideLayout10.xml><?xml version="1.0" encoding="utf-8"?>
-<p:sldLayout xmlns:a="http://schemas.openxmlformats.org/drawingml/2006/main" xmlns:r="http://schemas.openxmlformats.org/officeDocument/2006/relationships" xmlns:mc="http://schemas.openxmlformats.org/markup-compatibility/2006" xmlns:mv="urn:schemas-microsoft-com:mac:vml" xmlns:p="http://schemas.openxmlformats.org/presentationml/2006/main" xmlns:c="http://schemas.openxmlformats.org/drawingml/2006/chart" xmlns:dgm="http://schemas.openxmlformats.org/drawingml/2006/diagram" xmlns:o="urn:schemas-microsoft-com:office:office" xmlns:v="urn:schemas-microsoft-com:vml" xmlns:pvml="urn:schemas-microsoft-com:office:powerpoint" xmlns:com="http://schemas.openxmlformats.org/drawingml/2006/compatibility" xmlns:p14="http://schemas.microsoft.com/office/powerpoint/2010/main">
+<p:sldLayout xmlns:a="http://schemas.openxmlformats.org/drawingml/2006/main" xmlns:r="http://schemas.openxmlformats.org/officeDocument/2006/relationships" xmlns:p="http://schemas.openxmlformats.org/presentationml/2006/main">
   <p:cSld name="Big number">
     <p:spTree>
       <p:nvGrpSpPr>
-        <p:cNvPr id="58" name="Shape 58"/>
+        <p:cNvPr id="1" name="Shape 58"/>
         <p:cNvGrpSpPr/>
         <p:nvPr/>
       </p:nvGrpSpPr>
@@ -4894,7 +5247,7 @@
           </a:ln>
         </p:spPr>
         <p:txBody>
-          <a:bodyPr anchorCtr="0" anchor="ctr" bIns="91425" lIns="91425" rIns="91425" tIns="91425">
+          <a:bodyPr lIns="91425" tIns="91425" rIns="91425" bIns="91425" anchor="ctr" anchorCtr="0">
             <a:noAutofit/>
           </a:bodyPr>
           <a:lstStyle/>
@@ -4905,9 +5258,6 @@
               </a:spcBef>
               <a:buNone/>
             </a:pPr>
-            <a:r>
-              <a:t/>
-            </a:r>
             <a:endParaRPr/>
           </a:p>
         </p:txBody>
@@ -4915,7 +5265,9 @@
       <p:sp>
         <p:nvSpPr>
           <p:cNvPr id="60" name="Shape 60"/>
-          <p:cNvSpPr txBox="1"/>
+          <p:cNvSpPr txBox="1">
+            <a:spLocks noGrp="1"/>
+          </p:cNvSpPr>
           <p:nvPr>
             <p:ph type="title"/>
           </p:nvPr>
@@ -4930,7 +5282,7 @@
           </a:prstGeom>
         </p:spPr>
         <p:txBody>
-          <a:bodyPr anchorCtr="0" anchor="ctr" bIns="91425" lIns="91425" rIns="91425" tIns="91425"/>
+          <a:bodyPr lIns="91425" tIns="91425" rIns="91425" bIns="91425" anchor="ctr" anchorCtr="0"/>
           <a:lstStyle>
             <a:lvl1pPr algn="ctr">
               <a:spcBef>
@@ -5059,15 +5411,19 @@
               </a:defRPr>
             </a:lvl9pPr>
           </a:lstStyle>
-          <a:p/>
+          <a:p>
+            <a:endParaRPr/>
+          </a:p>
         </p:txBody>
       </p:sp>
       <p:sp>
         <p:nvSpPr>
           <p:cNvPr id="61" name="Shape 61"/>
-          <p:cNvSpPr txBox="1"/>
+          <p:cNvSpPr txBox="1">
+            <a:spLocks noGrp="1"/>
+          </p:cNvSpPr>
           <p:nvPr>
-            <p:ph idx="1" type="body"/>
+            <p:ph type="body" idx="1"/>
           </p:nvPr>
         </p:nvSpPr>
         <p:spPr>
@@ -5080,7 +5436,7 @@
           </a:prstGeom>
         </p:spPr>
         <p:txBody>
-          <a:bodyPr anchorCtr="0" anchor="t" bIns="91425" lIns="91425" rIns="91425" tIns="91425"/>
+          <a:bodyPr lIns="91425" tIns="91425" rIns="91425" bIns="91425" anchor="t" anchorCtr="0"/>
           <a:lstStyle>
             <a:lvl1pPr algn="ctr">
               <a:spcBef>
@@ -5137,15 +5493,19 @@
               <a:defRPr/>
             </a:lvl9pPr>
           </a:lstStyle>
-          <a:p/>
+          <a:p>
+            <a:endParaRPr/>
+          </a:p>
         </p:txBody>
       </p:sp>
       <p:sp>
         <p:nvSpPr>
           <p:cNvPr id="62" name="Shape 62"/>
-          <p:cNvSpPr txBox="1"/>
+          <p:cNvSpPr txBox="1">
+            <a:spLocks noGrp="1"/>
+          </p:cNvSpPr>
           <p:nvPr>
-            <p:ph idx="12" type="sldNum"/>
+            <p:ph type="sldNum" idx="12"/>
           </p:nvPr>
         </p:nvSpPr>
         <p:spPr>
@@ -5158,7 +5518,7 @@
           </a:prstGeom>
         </p:spPr>
         <p:txBody>
-          <a:bodyPr anchorCtr="0" anchor="ctr" bIns="91425" lIns="91425" rIns="91425" tIns="91425">
+          <a:bodyPr lIns="91425" tIns="91425" rIns="91425" bIns="91425" anchor="ctr" anchorCtr="0">
             <a:noAutofit/>
           </a:bodyPr>
           <a:lstStyle/>
@@ -5173,6 +5533,7 @@
               <a:rPr lang="en-US"/>
               <a:t>‹#›</a:t>
             </a:fld>
+            <a:endParaRPr lang="en-US"/>
           </a:p>
         </p:txBody>
       </p:sp>
@@ -5185,11 +5546,11 @@
 </file>
 
 <file path=ppt/slideLayouts/slideLayout11.xml><?xml version="1.0" encoding="utf-8"?>
-<p:sldLayout xmlns:a="http://schemas.openxmlformats.org/drawingml/2006/main" xmlns:r="http://schemas.openxmlformats.org/officeDocument/2006/relationships" xmlns:mc="http://schemas.openxmlformats.org/markup-compatibility/2006" xmlns:mv="urn:schemas-microsoft-com:mac:vml" xmlns:p="http://schemas.openxmlformats.org/presentationml/2006/main" xmlns:c="http://schemas.openxmlformats.org/drawingml/2006/chart" xmlns:dgm="http://schemas.openxmlformats.org/drawingml/2006/diagram" xmlns:o="urn:schemas-microsoft-com:office:office" xmlns:v="urn:schemas-microsoft-com:vml" xmlns:pvml="urn:schemas-microsoft-com:office:powerpoint" xmlns:com="http://schemas.openxmlformats.org/drawingml/2006/compatibility" xmlns:p14="http://schemas.microsoft.com/office/powerpoint/2010/main" type="blank">
+<p:sldLayout xmlns:a="http://schemas.openxmlformats.org/drawingml/2006/main" xmlns:r="http://schemas.openxmlformats.org/officeDocument/2006/relationships" xmlns:p="http://schemas.openxmlformats.org/presentationml/2006/main" type="blank">
   <p:cSld name="Blank">
     <p:spTree>
       <p:nvGrpSpPr>
-        <p:cNvPr id="63" name="Shape 63"/>
+        <p:cNvPr id="1" name="Shape 63"/>
         <p:cNvGrpSpPr/>
         <p:nvPr/>
       </p:nvGrpSpPr>
@@ -5204,9 +5565,11 @@
       <p:sp>
         <p:nvSpPr>
           <p:cNvPr id="64" name="Shape 64"/>
-          <p:cNvSpPr txBox="1"/>
+          <p:cNvSpPr txBox="1">
+            <a:spLocks noGrp="1"/>
+          </p:cNvSpPr>
           <p:nvPr>
-            <p:ph idx="12" type="sldNum"/>
+            <p:ph type="sldNum" idx="12"/>
           </p:nvPr>
         </p:nvSpPr>
         <p:spPr>
@@ -5219,7 +5582,7 @@
           </a:prstGeom>
         </p:spPr>
         <p:txBody>
-          <a:bodyPr anchorCtr="0" anchor="ctr" bIns="91425" lIns="91425" rIns="91425" tIns="91425">
+          <a:bodyPr lIns="91425" tIns="91425" rIns="91425" bIns="91425" anchor="ctr" anchorCtr="0">
             <a:noAutofit/>
           </a:bodyPr>
           <a:lstStyle/>
@@ -5234,6 +5597,7 @@
               <a:rPr lang="en-US"/>
               <a:t>‹#›</a:t>
             </a:fld>
+            <a:endParaRPr lang="en-US"/>
           </a:p>
         </p:txBody>
       </p:sp>
@@ -5246,11 +5610,11 @@
 </file>
 
 <file path=ppt/slideLayouts/slideLayout12.xml><?xml version="1.0" encoding="utf-8"?>
-<p:sldLayout xmlns:a="http://schemas.openxmlformats.org/drawingml/2006/main" xmlns:r="http://schemas.openxmlformats.org/officeDocument/2006/relationships" xmlns:mc="http://schemas.openxmlformats.org/markup-compatibility/2006" xmlns:mv="urn:schemas-microsoft-com:mac:vml" xmlns:p="http://schemas.openxmlformats.org/presentationml/2006/main" xmlns:c="http://schemas.openxmlformats.org/drawingml/2006/chart" xmlns:dgm="http://schemas.openxmlformats.org/drawingml/2006/diagram" xmlns:o="urn:schemas-microsoft-com:office:office" xmlns:v="urn:schemas-microsoft-com:vml" xmlns:pvml="urn:schemas-microsoft-com:office:powerpoint" xmlns:com="http://schemas.openxmlformats.org/drawingml/2006/compatibility" xmlns:p14="http://schemas.microsoft.com/office/powerpoint/2010/main" type="obj">
+<p:sldLayout xmlns:a="http://schemas.openxmlformats.org/drawingml/2006/main" xmlns:r="http://schemas.openxmlformats.org/officeDocument/2006/relationships" xmlns:p="http://schemas.openxmlformats.org/presentationml/2006/main" type="obj">
   <p:cSld name="Title and Content">
     <p:spTree>
       <p:nvGrpSpPr>
-        <p:cNvPr id="65" name="Shape 65"/>
+        <p:cNvPr id="1" name="Shape 65"/>
         <p:cNvGrpSpPr/>
         <p:nvPr/>
       </p:nvGrpSpPr>
@@ -5272,7 +5636,7 @@
           <a:blip r:embed="rId2">
             <a:alphaModFix/>
           </a:blip>
-          <a:srcRect b="0" l="0" r="0" t="0"/>
+          <a:srcRect/>
           <a:stretch/>
         </p:blipFill>
         <p:spPr>
@@ -5292,7 +5656,9 @@
       <p:sp>
         <p:nvSpPr>
           <p:cNvPr id="67" name="Shape 67"/>
-          <p:cNvSpPr txBox="1"/>
+          <p:cNvSpPr txBox="1">
+            <a:spLocks noGrp="1"/>
+          </p:cNvSpPr>
           <p:nvPr>
             <p:ph type="title"/>
           </p:nvPr>
@@ -5311,9 +5677,9 @@
           </a:ln>
         </p:spPr>
         <p:txBody>
-          <a:bodyPr anchorCtr="0" anchor="b" bIns="91425" lIns="91425" rIns="91425" tIns="91425"/>
+          <a:bodyPr lIns="91425" tIns="91425" rIns="91425" bIns="91425" anchor="b" anchorCtr="0"/>
           <a:lstStyle>
-            <a:lvl1pPr rtl="0" algn="l">
+            <a:lvl1pPr algn="l" rtl="0">
               <a:spcBef>
                 <a:spcPts val="0"/>
               </a:spcBef>
@@ -5330,7 +5696,7 @@
                 <a:sym typeface="Trebuchet MS"/>
               </a:defRPr>
             </a:lvl1pPr>
-            <a:lvl2pPr rtl="0" algn="l">
+            <a:lvl2pPr algn="l" rtl="0">
               <a:spcBef>
                 <a:spcPts val="0"/>
               </a:spcBef>
@@ -5347,7 +5713,7 @@
                 <a:sym typeface="Trebuchet MS"/>
               </a:defRPr>
             </a:lvl2pPr>
-            <a:lvl3pPr rtl="0" algn="l">
+            <a:lvl3pPr algn="l" rtl="0">
               <a:spcBef>
                 <a:spcPts val="0"/>
               </a:spcBef>
@@ -5364,7 +5730,7 @@
                 <a:sym typeface="Trebuchet MS"/>
               </a:defRPr>
             </a:lvl3pPr>
-            <a:lvl4pPr rtl="0" algn="l">
+            <a:lvl4pPr algn="l" rtl="0">
               <a:spcBef>
                 <a:spcPts val="0"/>
               </a:spcBef>
@@ -5381,7 +5747,7 @@
                 <a:sym typeface="Trebuchet MS"/>
               </a:defRPr>
             </a:lvl4pPr>
-            <a:lvl5pPr rtl="0" algn="l">
+            <a:lvl5pPr algn="l" rtl="0">
               <a:spcBef>
                 <a:spcPts val="0"/>
               </a:spcBef>
@@ -5398,7 +5764,7 @@
                 <a:sym typeface="Trebuchet MS"/>
               </a:defRPr>
             </a:lvl5pPr>
-            <a:lvl6pPr marL="457200" rtl="0" algn="l">
+            <a:lvl6pPr marL="457200" algn="l" rtl="0">
               <a:spcBef>
                 <a:spcPts val="0"/>
               </a:spcBef>
@@ -5415,7 +5781,7 @@
                 <a:sym typeface="Trebuchet MS"/>
               </a:defRPr>
             </a:lvl6pPr>
-            <a:lvl7pPr marL="914400" rtl="0" algn="l">
+            <a:lvl7pPr marL="914400" algn="l" rtl="0">
               <a:spcBef>
                 <a:spcPts val="0"/>
               </a:spcBef>
@@ -5432,7 +5798,7 @@
                 <a:sym typeface="Trebuchet MS"/>
               </a:defRPr>
             </a:lvl7pPr>
-            <a:lvl8pPr marL="1371600" rtl="0" algn="l">
+            <a:lvl8pPr marL="1371600" algn="l" rtl="0">
               <a:spcBef>
                 <a:spcPts val="0"/>
               </a:spcBef>
@@ -5449,7 +5815,7 @@
                 <a:sym typeface="Trebuchet MS"/>
               </a:defRPr>
             </a:lvl8pPr>
-            <a:lvl9pPr marL="1828800" rtl="0" algn="l">
+            <a:lvl9pPr marL="1828800" algn="l" rtl="0">
               <a:spcBef>
                 <a:spcPts val="0"/>
               </a:spcBef>
@@ -5467,15 +5833,19 @@
               </a:defRPr>
             </a:lvl9pPr>
           </a:lstStyle>
-          <a:p/>
+          <a:p>
+            <a:endParaRPr/>
+          </a:p>
         </p:txBody>
       </p:sp>
       <p:sp>
         <p:nvSpPr>
           <p:cNvPr id="68" name="Shape 68"/>
-          <p:cNvSpPr txBox="1"/>
+          <p:cNvSpPr txBox="1">
+            <a:spLocks noGrp="1"/>
+          </p:cNvSpPr>
           <p:nvPr>
-            <p:ph idx="1" type="body"/>
+            <p:ph type="body" idx="1"/>
           </p:nvPr>
         </p:nvSpPr>
         <p:spPr>
@@ -5492,9 +5862,9 @@
           </a:ln>
         </p:spPr>
         <p:txBody>
-          <a:bodyPr anchorCtr="0" anchor="t" bIns="91425" lIns="91425" rIns="91425" tIns="91425"/>
+          <a:bodyPr lIns="91425" tIns="91425" rIns="91425" bIns="91425" anchor="t" anchorCtr="0"/>
           <a:lstStyle>
-            <a:lvl1pPr indent="-142875" marL="282575" rtl="0" algn="l">
+            <a:lvl1pPr marL="282575" indent="-142875" algn="l" rtl="0">
               <a:spcBef>
                 <a:spcPts val="2000"/>
               </a:spcBef>
@@ -5516,7 +5886,7 @@
                 <a:sym typeface="Trebuchet MS"/>
               </a:defRPr>
             </a:lvl1pPr>
-            <a:lvl2pPr indent="-171450" marL="577850" rtl="0" algn="l">
+            <a:lvl2pPr marL="577850" indent="-171450" algn="l" rtl="0">
               <a:spcBef>
                 <a:spcPts val="600"/>
               </a:spcBef>
@@ -5538,7 +5908,7 @@
                 <a:sym typeface="Trebuchet MS"/>
               </a:defRPr>
             </a:lvl2pPr>
-            <a:lvl3pPr indent="-174625" marL="860425" rtl="0" algn="l">
+            <a:lvl3pPr marL="860425" indent="-174625" algn="l" rtl="0">
               <a:spcBef>
                 <a:spcPts val="600"/>
               </a:spcBef>
@@ -5560,7 +5930,7 @@
                 <a:sym typeface="Trebuchet MS"/>
               </a:defRPr>
             </a:lvl3pPr>
-            <a:lvl4pPr indent="-177800" marL="1143000" rtl="0" algn="l">
+            <a:lvl4pPr marL="1143000" indent="-177800" algn="l" rtl="0">
               <a:spcBef>
                 <a:spcPts val="600"/>
               </a:spcBef>
@@ -5582,7 +5952,7 @@
                 <a:sym typeface="Trebuchet MS"/>
               </a:defRPr>
             </a:lvl4pPr>
-            <a:lvl5pPr indent="-168275" marL="1425575" rtl="0" algn="l">
+            <a:lvl5pPr marL="1425575" indent="-168275" algn="l" rtl="0">
               <a:spcBef>
                 <a:spcPts val="600"/>
               </a:spcBef>
@@ -5604,7 +5974,7 @@
                 <a:sym typeface="Trebuchet MS"/>
               </a:defRPr>
             </a:lvl5pPr>
-            <a:lvl6pPr indent="-101600" marL="2514600" rtl="0" algn="l">
+            <a:lvl6pPr marL="2514600" indent="-101600" algn="l" rtl="0">
               <a:spcBef>
                 <a:spcPts val="400"/>
               </a:spcBef>
@@ -5623,7 +5993,7 @@
                 <a:sym typeface="Trebuchet MS"/>
               </a:defRPr>
             </a:lvl6pPr>
-            <a:lvl7pPr indent="-101600" marL="2971800" rtl="0" algn="l">
+            <a:lvl7pPr marL="2971800" indent="-101600" algn="l" rtl="0">
               <a:spcBef>
                 <a:spcPts val="400"/>
               </a:spcBef>
@@ -5642,7 +6012,7 @@
                 <a:sym typeface="Trebuchet MS"/>
               </a:defRPr>
             </a:lvl7pPr>
-            <a:lvl8pPr indent="-101600" marL="3429000" rtl="0" algn="l">
+            <a:lvl8pPr marL="3429000" indent="-101600" algn="l" rtl="0">
               <a:spcBef>
                 <a:spcPts val="400"/>
               </a:spcBef>
@@ -5661,7 +6031,7 @@
                 <a:sym typeface="Trebuchet MS"/>
               </a:defRPr>
             </a:lvl8pPr>
-            <a:lvl9pPr indent="-101600" marL="3886200" rtl="0" algn="l">
+            <a:lvl9pPr marL="3886200" indent="-101600" algn="l" rtl="0">
               <a:spcBef>
                 <a:spcPts val="400"/>
               </a:spcBef>
@@ -5681,15 +6051,19 @@
               </a:defRPr>
             </a:lvl9pPr>
           </a:lstStyle>
-          <a:p/>
+          <a:p>
+            <a:endParaRPr/>
+          </a:p>
         </p:txBody>
       </p:sp>
       <p:sp>
         <p:nvSpPr>
           <p:cNvPr id="69" name="Shape 69"/>
-          <p:cNvSpPr txBox="1"/>
+          <p:cNvSpPr txBox="1">
+            <a:spLocks noGrp="1"/>
+          </p:cNvSpPr>
           <p:nvPr>
-            <p:ph idx="10" type="dt"/>
+            <p:ph type="dt" idx="10"/>
           </p:nvPr>
         </p:nvSpPr>
         <p:spPr>
@@ -5706,16 +6080,16 @@
           </a:ln>
         </p:spPr>
         <p:txBody>
-          <a:bodyPr anchorCtr="0" anchor="ctr" bIns="91425" lIns="91425" rIns="91425" tIns="91425"/>
+          <a:bodyPr lIns="91425" tIns="91425" rIns="91425" bIns="91425" anchor="ctr" anchorCtr="0"/>
           <a:lstStyle>
-            <a:lvl1pPr indent="0" marL="0" marR="0" rtl="0" algn="l">
-              <a:spcBef>
-                <a:spcPts val="0"/>
-              </a:spcBef>
-              <a:spcAft>
-                <a:spcPts val="0"/>
-              </a:spcAft>
-              <a:defRPr b="0" baseline="0" i="0" sz="1200" u="none" cap="none" strike="noStrike">
+            <a:lvl1pPr marL="0" marR="0" indent="0" algn="l" rtl="0">
+              <a:spcBef>
+                <a:spcPts val="0"/>
+              </a:spcBef>
+              <a:spcAft>
+                <a:spcPts val="0"/>
+              </a:spcAft>
+              <a:defRPr sz="1200" b="0" i="0" u="none" strike="noStrike" cap="none" baseline="0">
                 <a:solidFill>
                   <a:schemeClr val="lt2"/>
                 </a:solidFill>
@@ -5725,14 +6099,14 @@
                 <a:sym typeface="Trebuchet MS"/>
               </a:defRPr>
             </a:lvl1pPr>
-            <a:lvl2pPr indent="0" marL="457200" marR="0" rtl="0" algn="l">
-              <a:spcBef>
-                <a:spcPts val="0"/>
-              </a:spcBef>
-              <a:spcAft>
-                <a:spcPts val="0"/>
-              </a:spcAft>
-              <a:defRPr b="0" baseline="0" i="0" sz="1800" u="none" cap="none" strike="noStrike">
+            <a:lvl2pPr marL="457200" marR="0" indent="0" algn="l" rtl="0">
+              <a:spcBef>
+                <a:spcPts val="0"/>
+              </a:spcBef>
+              <a:spcAft>
+                <a:spcPts val="0"/>
+              </a:spcAft>
+              <a:defRPr sz="1800" b="0" i="0" u="none" strike="noStrike" cap="none" baseline="0">
                 <a:solidFill>
                   <a:schemeClr val="dk1"/>
                 </a:solidFill>
@@ -5742,14 +6116,14 @@
                 <a:sym typeface="Arial"/>
               </a:defRPr>
             </a:lvl2pPr>
-            <a:lvl3pPr indent="0" marL="914400" marR="0" rtl="0" algn="l">
-              <a:spcBef>
-                <a:spcPts val="0"/>
-              </a:spcBef>
-              <a:spcAft>
-                <a:spcPts val="0"/>
-              </a:spcAft>
-              <a:defRPr b="0" baseline="0" i="0" sz="1800" u="none" cap="none" strike="noStrike">
+            <a:lvl3pPr marL="914400" marR="0" indent="0" algn="l" rtl="0">
+              <a:spcBef>
+                <a:spcPts val="0"/>
+              </a:spcBef>
+              <a:spcAft>
+                <a:spcPts val="0"/>
+              </a:spcAft>
+              <a:defRPr sz="1800" b="0" i="0" u="none" strike="noStrike" cap="none" baseline="0">
                 <a:solidFill>
                   <a:schemeClr val="dk1"/>
                 </a:solidFill>
@@ -5759,14 +6133,14 @@
                 <a:sym typeface="Arial"/>
               </a:defRPr>
             </a:lvl3pPr>
-            <a:lvl4pPr indent="0" marL="1371600" marR="0" rtl="0" algn="l">
-              <a:spcBef>
-                <a:spcPts val="0"/>
-              </a:spcBef>
-              <a:spcAft>
-                <a:spcPts val="0"/>
-              </a:spcAft>
-              <a:defRPr b="0" baseline="0" i="0" sz="1800" u="none" cap="none" strike="noStrike">
+            <a:lvl4pPr marL="1371600" marR="0" indent="0" algn="l" rtl="0">
+              <a:spcBef>
+                <a:spcPts val="0"/>
+              </a:spcBef>
+              <a:spcAft>
+                <a:spcPts val="0"/>
+              </a:spcAft>
+              <a:defRPr sz="1800" b="0" i="0" u="none" strike="noStrike" cap="none" baseline="0">
                 <a:solidFill>
                   <a:schemeClr val="dk1"/>
                 </a:solidFill>
@@ -5776,14 +6150,14 @@
                 <a:sym typeface="Arial"/>
               </a:defRPr>
             </a:lvl4pPr>
-            <a:lvl5pPr indent="0" marL="1828800" marR="0" rtl="0" algn="l">
-              <a:spcBef>
-                <a:spcPts val="0"/>
-              </a:spcBef>
-              <a:spcAft>
-                <a:spcPts val="0"/>
-              </a:spcAft>
-              <a:defRPr b="0" baseline="0" i="0" sz="1800" u="none" cap="none" strike="noStrike">
+            <a:lvl5pPr marL="1828800" marR="0" indent="0" algn="l" rtl="0">
+              <a:spcBef>
+                <a:spcPts val="0"/>
+              </a:spcBef>
+              <a:spcAft>
+                <a:spcPts val="0"/>
+              </a:spcAft>
+              <a:defRPr sz="1800" b="0" i="0" u="none" strike="noStrike" cap="none" baseline="0">
                 <a:solidFill>
                   <a:schemeClr val="dk1"/>
                 </a:solidFill>
@@ -5793,11 +6167,11 @@
                 <a:sym typeface="Arial"/>
               </a:defRPr>
             </a:lvl5pPr>
-            <a:lvl6pPr indent="0" marL="2286000" marR="0" rtl="0" algn="l">
-              <a:spcBef>
-                <a:spcPts val="0"/>
-              </a:spcBef>
-              <a:defRPr b="0" baseline="0" i="0" sz="1800" u="none" cap="none" strike="noStrike">
+            <a:lvl6pPr marL="2286000" marR="0" indent="0" algn="l" rtl="0">
+              <a:spcBef>
+                <a:spcPts val="0"/>
+              </a:spcBef>
+              <a:defRPr sz="1800" b="0" i="0" u="none" strike="noStrike" cap="none" baseline="0">
                 <a:solidFill>
                   <a:schemeClr val="dk1"/>
                 </a:solidFill>
@@ -5807,11 +6181,11 @@
                 <a:sym typeface="Arial"/>
               </a:defRPr>
             </a:lvl6pPr>
-            <a:lvl7pPr indent="0" marL="2743200" marR="0" rtl="0" algn="l">
-              <a:spcBef>
-                <a:spcPts val="0"/>
-              </a:spcBef>
-              <a:defRPr b="0" baseline="0" i="0" sz="1800" u="none" cap="none" strike="noStrike">
+            <a:lvl7pPr marL="2743200" marR="0" indent="0" algn="l" rtl="0">
+              <a:spcBef>
+                <a:spcPts val="0"/>
+              </a:spcBef>
+              <a:defRPr sz="1800" b="0" i="0" u="none" strike="noStrike" cap="none" baseline="0">
                 <a:solidFill>
                   <a:schemeClr val="dk1"/>
                 </a:solidFill>
@@ -5821,11 +6195,11 @@
                 <a:sym typeface="Arial"/>
               </a:defRPr>
             </a:lvl7pPr>
-            <a:lvl8pPr indent="0" marL="3200400" marR="0" rtl="0" algn="l">
-              <a:spcBef>
-                <a:spcPts val="0"/>
-              </a:spcBef>
-              <a:defRPr b="0" baseline="0" i="0" sz="1800" u="none" cap="none" strike="noStrike">
+            <a:lvl8pPr marL="3200400" marR="0" indent="0" algn="l" rtl="0">
+              <a:spcBef>
+                <a:spcPts val="0"/>
+              </a:spcBef>
+              <a:defRPr sz="1800" b="0" i="0" u="none" strike="noStrike" cap="none" baseline="0">
                 <a:solidFill>
                   <a:schemeClr val="dk1"/>
                 </a:solidFill>
@@ -5835,11 +6209,11 @@
                 <a:sym typeface="Arial"/>
               </a:defRPr>
             </a:lvl8pPr>
-            <a:lvl9pPr indent="0" marL="3657600" marR="0" rtl="0" algn="l">
-              <a:spcBef>
-                <a:spcPts val="0"/>
-              </a:spcBef>
-              <a:defRPr b="0" baseline="0" i="0" sz="1800" u="none" cap="none" strike="noStrike">
+            <a:lvl9pPr marL="3657600" marR="0" indent="0" algn="l" rtl="0">
+              <a:spcBef>
+                <a:spcPts val="0"/>
+              </a:spcBef>
+              <a:defRPr sz="1800" b="0" i="0" u="none" strike="noStrike" cap="none" baseline="0">
                 <a:solidFill>
                   <a:schemeClr val="dk1"/>
                 </a:solidFill>
@@ -5850,15 +6224,19 @@
               </a:defRPr>
             </a:lvl9pPr>
           </a:lstStyle>
-          <a:p/>
+          <a:p>
+            <a:endParaRPr/>
+          </a:p>
         </p:txBody>
       </p:sp>
       <p:sp>
         <p:nvSpPr>
           <p:cNvPr id="70" name="Shape 70"/>
-          <p:cNvSpPr txBox="1"/>
+          <p:cNvSpPr txBox="1">
+            <a:spLocks noGrp="1"/>
+          </p:cNvSpPr>
           <p:nvPr>
-            <p:ph idx="11" type="ftr"/>
+            <p:ph type="ftr" idx="11"/>
           </p:nvPr>
         </p:nvSpPr>
         <p:spPr>
@@ -5875,16 +6253,16 @@
           </a:ln>
         </p:spPr>
         <p:txBody>
-          <a:bodyPr anchorCtr="0" anchor="ctr" bIns="91425" lIns="91425" rIns="91425" tIns="91425"/>
+          <a:bodyPr lIns="91425" tIns="91425" rIns="91425" bIns="91425" anchor="ctr" anchorCtr="0"/>
           <a:lstStyle>
-            <a:lvl1pPr indent="0" marL="0" marR="0" rtl="0" algn="r">
-              <a:spcBef>
-                <a:spcPts val="0"/>
-              </a:spcBef>
-              <a:spcAft>
-                <a:spcPts val="0"/>
-              </a:spcAft>
-              <a:defRPr b="0" baseline="0" i="0" sz="1200" u="none" cap="none" strike="noStrike">
+            <a:lvl1pPr marL="0" marR="0" indent="0" algn="r" rtl="0">
+              <a:spcBef>
+                <a:spcPts val="0"/>
+              </a:spcBef>
+              <a:spcAft>
+                <a:spcPts val="0"/>
+              </a:spcAft>
+              <a:defRPr sz="1200" b="0" i="0" u="none" strike="noStrike" cap="none" baseline="0">
                 <a:solidFill>
                   <a:schemeClr val="lt2"/>
                 </a:solidFill>
@@ -5894,14 +6272,14 @@
                 <a:sym typeface="Trebuchet MS"/>
               </a:defRPr>
             </a:lvl1pPr>
-            <a:lvl2pPr indent="0" marL="457200" marR="0" rtl="0" algn="l">
-              <a:spcBef>
-                <a:spcPts val="0"/>
-              </a:spcBef>
-              <a:spcAft>
-                <a:spcPts val="0"/>
-              </a:spcAft>
-              <a:defRPr b="0" baseline="0" i="0" sz="1800" u="none" cap="none" strike="noStrike">
+            <a:lvl2pPr marL="457200" marR="0" indent="0" algn="l" rtl="0">
+              <a:spcBef>
+                <a:spcPts val="0"/>
+              </a:spcBef>
+              <a:spcAft>
+                <a:spcPts val="0"/>
+              </a:spcAft>
+              <a:defRPr sz="1800" b="0" i="0" u="none" strike="noStrike" cap="none" baseline="0">
                 <a:solidFill>
                   <a:schemeClr val="dk1"/>
                 </a:solidFill>
@@ -5911,14 +6289,14 @@
                 <a:sym typeface="Arial"/>
               </a:defRPr>
             </a:lvl2pPr>
-            <a:lvl3pPr indent="0" marL="914400" marR="0" rtl="0" algn="l">
-              <a:spcBef>
-                <a:spcPts val="0"/>
-              </a:spcBef>
-              <a:spcAft>
-                <a:spcPts val="0"/>
-              </a:spcAft>
-              <a:defRPr b="0" baseline="0" i="0" sz="1800" u="none" cap="none" strike="noStrike">
+            <a:lvl3pPr marL="914400" marR="0" indent="0" algn="l" rtl="0">
+              <a:spcBef>
+                <a:spcPts val="0"/>
+              </a:spcBef>
+              <a:spcAft>
+                <a:spcPts val="0"/>
+              </a:spcAft>
+              <a:defRPr sz="1800" b="0" i="0" u="none" strike="noStrike" cap="none" baseline="0">
                 <a:solidFill>
                   <a:schemeClr val="dk1"/>
                 </a:solidFill>
@@ -5928,14 +6306,14 @@
                 <a:sym typeface="Arial"/>
               </a:defRPr>
             </a:lvl3pPr>
-            <a:lvl4pPr indent="0" marL="1371600" marR="0" rtl="0" algn="l">
-              <a:spcBef>
-                <a:spcPts val="0"/>
-              </a:spcBef>
-              <a:spcAft>
-                <a:spcPts val="0"/>
-              </a:spcAft>
-              <a:defRPr b="0" baseline="0" i="0" sz="1800" u="none" cap="none" strike="noStrike">
+            <a:lvl4pPr marL="1371600" marR="0" indent="0" algn="l" rtl="0">
+              <a:spcBef>
+                <a:spcPts val="0"/>
+              </a:spcBef>
+              <a:spcAft>
+                <a:spcPts val="0"/>
+              </a:spcAft>
+              <a:defRPr sz="1800" b="0" i="0" u="none" strike="noStrike" cap="none" baseline="0">
                 <a:solidFill>
                   <a:schemeClr val="dk1"/>
                 </a:solidFill>
@@ -5945,14 +6323,14 @@
                 <a:sym typeface="Arial"/>
               </a:defRPr>
             </a:lvl4pPr>
-            <a:lvl5pPr indent="0" marL="1828800" marR="0" rtl="0" algn="l">
-              <a:spcBef>
-                <a:spcPts val="0"/>
-              </a:spcBef>
-              <a:spcAft>
-                <a:spcPts val="0"/>
-              </a:spcAft>
-              <a:defRPr b="0" baseline="0" i="0" sz="1800" u="none" cap="none" strike="noStrike">
+            <a:lvl5pPr marL="1828800" marR="0" indent="0" algn="l" rtl="0">
+              <a:spcBef>
+                <a:spcPts val="0"/>
+              </a:spcBef>
+              <a:spcAft>
+                <a:spcPts val="0"/>
+              </a:spcAft>
+              <a:defRPr sz="1800" b="0" i="0" u="none" strike="noStrike" cap="none" baseline="0">
                 <a:solidFill>
                   <a:schemeClr val="dk1"/>
                 </a:solidFill>
@@ -5962,11 +6340,11 @@
                 <a:sym typeface="Arial"/>
               </a:defRPr>
             </a:lvl5pPr>
-            <a:lvl6pPr indent="0" marL="2286000" marR="0" rtl="0" algn="l">
-              <a:spcBef>
-                <a:spcPts val="0"/>
-              </a:spcBef>
-              <a:defRPr b="0" baseline="0" i="0" sz="1800" u="none" cap="none" strike="noStrike">
+            <a:lvl6pPr marL="2286000" marR="0" indent="0" algn="l" rtl="0">
+              <a:spcBef>
+                <a:spcPts val="0"/>
+              </a:spcBef>
+              <a:defRPr sz="1800" b="0" i="0" u="none" strike="noStrike" cap="none" baseline="0">
                 <a:solidFill>
                   <a:schemeClr val="dk1"/>
                 </a:solidFill>
@@ -5976,11 +6354,11 @@
                 <a:sym typeface="Arial"/>
               </a:defRPr>
             </a:lvl6pPr>
-            <a:lvl7pPr indent="0" marL="2743200" marR="0" rtl="0" algn="l">
-              <a:spcBef>
-                <a:spcPts val="0"/>
-              </a:spcBef>
-              <a:defRPr b="0" baseline="0" i="0" sz="1800" u="none" cap="none" strike="noStrike">
+            <a:lvl7pPr marL="2743200" marR="0" indent="0" algn="l" rtl="0">
+              <a:spcBef>
+                <a:spcPts val="0"/>
+              </a:spcBef>
+              <a:defRPr sz="1800" b="0" i="0" u="none" strike="noStrike" cap="none" baseline="0">
                 <a:solidFill>
                   <a:schemeClr val="dk1"/>
                 </a:solidFill>
@@ -5990,11 +6368,11 @@
                 <a:sym typeface="Arial"/>
               </a:defRPr>
             </a:lvl7pPr>
-            <a:lvl8pPr indent="0" marL="3200400" marR="0" rtl="0" algn="l">
-              <a:spcBef>
-                <a:spcPts val="0"/>
-              </a:spcBef>
-              <a:defRPr b="0" baseline="0" i="0" sz="1800" u="none" cap="none" strike="noStrike">
+            <a:lvl8pPr marL="3200400" marR="0" indent="0" algn="l" rtl="0">
+              <a:spcBef>
+                <a:spcPts val="0"/>
+              </a:spcBef>
+              <a:defRPr sz="1800" b="0" i="0" u="none" strike="noStrike" cap="none" baseline="0">
                 <a:solidFill>
                   <a:schemeClr val="dk1"/>
                 </a:solidFill>
@@ -6004,11 +6382,11 @@
                 <a:sym typeface="Arial"/>
               </a:defRPr>
             </a:lvl8pPr>
-            <a:lvl9pPr indent="0" marL="3657600" marR="0" rtl="0" algn="l">
-              <a:spcBef>
-                <a:spcPts val="0"/>
-              </a:spcBef>
-              <a:defRPr b="0" baseline="0" i="0" sz="1800" u="none" cap="none" strike="noStrike">
+            <a:lvl9pPr marL="3657600" marR="0" indent="0" algn="l" rtl="0">
+              <a:spcBef>
+                <a:spcPts val="0"/>
+              </a:spcBef>
+              <a:defRPr sz="1800" b="0" i="0" u="none" strike="noStrike" cap="none" baseline="0">
                 <a:solidFill>
                   <a:schemeClr val="dk1"/>
                 </a:solidFill>
@@ -6019,15 +6397,19 @@
               </a:defRPr>
             </a:lvl9pPr>
           </a:lstStyle>
-          <a:p/>
+          <a:p>
+            <a:endParaRPr/>
+          </a:p>
         </p:txBody>
       </p:sp>
       <p:sp>
         <p:nvSpPr>
           <p:cNvPr id="71" name="Shape 71"/>
-          <p:cNvSpPr txBox="1"/>
+          <p:cNvSpPr txBox="1">
+            <a:spLocks noGrp="1"/>
+          </p:cNvSpPr>
           <p:nvPr>
-            <p:ph idx="12" type="sldNum"/>
+            <p:ph type="sldNum" idx="12"/>
           </p:nvPr>
         </p:nvSpPr>
         <p:spPr>
@@ -6044,12 +6426,12 @@
           </a:ln>
         </p:spPr>
         <p:txBody>
-          <a:bodyPr anchorCtr="0" anchor="ctr" bIns="45700" lIns="91425" rIns="91425" tIns="45700">
+          <a:bodyPr lIns="91425" tIns="45700" rIns="91425" bIns="45700" anchor="ctr" anchorCtr="0">
             <a:noAutofit/>
           </a:bodyPr>
           <a:lstStyle/>
           <a:p>
-            <a:pPr indent="0" lvl="0" marL="0" marR="0" rtl="0" algn="r">
+            <a:pPr marL="0" marR="0" lvl="0" indent="0" algn="r" rtl="0">
               <a:spcBef>
                 <a:spcPts val="0"/>
               </a:spcBef>
@@ -6060,7 +6442,7 @@
               <a:buNone/>
             </a:pPr>
             <a:fld id="{00000000-1234-1234-1234-123412341234}" type="slidenum">
-              <a:rPr b="0" baseline="0" i="0" lang="en-US" sz="1200" u="none" cap="none" strike="noStrike">
+              <a:rPr lang="en-US" sz="1200" b="0" i="0" u="none" strike="noStrike" cap="none" baseline="0">
                 <a:solidFill>
                   <a:schemeClr val="dk2"/>
                 </a:solidFill>
@@ -6071,6 +6453,15 @@
               </a:rPr>
               <a:t>‹#›</a:t>
             </a:fld>
+            <a:endParaRPr lang="en-US" sz="1200" b="0" i="0" u="none" strike="noStrike" cap="none" baseline="0">
+              <a:solidFill>
+                <a:schemeClr val="dk2"/>
+              </a:solidFill>
+              <a:latin typeface="Trebuchet MS"/>
+              <a:ea typeface="Trebuchet MS"/>
+              <a:cs typeface="Trebuchet MS"/>
+              <a:sym typeface="Trebuchet MS"/>
+            </a:endParaRPr>
           </a:p>
         </p:txBody>
       </p:sp>
@@ -6083,11 +6474,11 @@
 </file>
 
 <file path=ppt/slideLayouts/slideLayout2.xml><?xml version="1.0" encoding="utf-8"?>
-<p:sldLayout xmlns:a="http://schemas.openxmlformats.org/drawingml/2006/main" xmlns:r="http://schemas.openxmlformats.org/officeDocument/2006/relationships" xmlns:mc="http://schemas.openxmlformats.org/markup-compatibility/2006" xmlns:mv="urn:schemas-microsoft-com:mac:vml" xmlns:p="http://schemas.openxmlformats.org/presentationml/2006/main" xmlns:c="http://schemas.openxmlformats.org/drawingml/2006/chart" xmlns:dgm="http://schemas.openxmlformats.org/drawingml/2006/diagram" xmlns:o="urn:schemas-microsoft-com:office:office" xmlns:v="urn:schemas-microsoft-com:vml" xmlns:pvml="urn:schemas-microsoft-com:office:powerpoint" xmlns:com="http://schemas.openxmlformats.org/drawingml/2006/compatibility" xmlns:p14="http://schemas.microsoft.com/office/powerpoint/2010/main" type="secHead">
+<p:sldLayout xmlns:a="http://schemas.openxmlformats.org/drawingml/2006/main" xmlns:r="http://schemas.openxmlformats.org/officeDocument/2006/relationships" xmlns:p="http://schemas.openxmlformats.org/presentationml/2006/main" type="secHead">
   <p:cSld name="Section title">
     <p:spTree>
       <p:nvGrpSpPr>
-        <p:cNvPr id="24" name="Shape 24"/>
+        <p:cNvPr id="1" name="Shape 24"/>
         <p:cNvGrpSpPr/>
         <p:nvPr/>
       </p:nvGrpSpPr>
@@ -6121,7 +6512,7 @@
           </a:ln>
         </p:spPr>
         <p:txBody>
-          <a:bodyPr anchorCtr="0" anchor="ctr" bIns="91425" lIns="91425" rIns="91425" tIns="91425">
+          <a:bodyPr lIns="91425" tIns="91425" rIns="91425" bIns="91425" anchor="ctr" anchorCtr="0">
             <a:noAutofit/>
           </a:bodyPr>
           <a:lstStyle/>
@@ -6132,9 +6523,6 @@
               </a:spcBef>
               <a:buNone/>
             </a:pPr>
-            <a:r>
-              <a:t/>
-            </a:r>
             <a:endParaRPr/>
           </a:p>
         </p:txBody>
@@ -6142,7 +6530,9 @@
       <p:sp>
         <p:nvSpPr>
           <p:cNvPr id="26" name="Shape 26"/>
-          <p:cNvSpPr txBox="1"/>
+          <p:cNvSpPr txBox="1">
+            <a:spLocks noGrp="1"/>
+          </p:cNvSpPr>
           <p:nvPr>
             <p:ph type="title"/>
           </p:nvPr>
@@ -6157,7 +6547,7 @@
           </a:prstGeom>
         </p:spPr>
         <p:txBody>
-          <a:bodyPr anchorCtr="0" anchor="ctr" bIns="91425" lIns="91425" rIns="91425" tIns="91425"/>
+          <a:bodyPr lIns="91425" tIns="91425" rIns="91425" bIns="91425" anchor="ctr" anchorCtr="0"/>
           <a:lstStyle>
             <a:lvl1pPr algn="ctr">
               <a:spcBef>
@@ -6214,15 +6604,19 @@
               <a:defRPr/>
             </a:lvl9pPr>
           </a:lstStyle>
-          <a:p/>
+          <a:p>
+            <a:endParaRPr/>
+          </a:p>
         </p:txBody>
       </p:sp>
       <p:sp>
         <p:nvSpPr>
           <p:cNvPr id="27" name="Shape 27"/>
-          <p:cNvSpPr txBox="1"/>
+          <p:cNvSpPr txBox="1">
+            <a:spLocks noGrp="1"/>
+          </p:cNvSpPr>
           <p:nvPr>
-            <p:ph idx="12" type="sldNum"/>
+            <p:ph type="sldNum" idx="12"/>
           </p:nvPr>
         </p:nvSpPr>
         <p:spPr>
@@ -6235,7 +6629,7 @@
           </a:prstGeom>
         </p:spPr>
         <p:txBody>
-          <a:bodyPr anchorCtr="0" anchor="ctr" bIns="91425" lIns="91425" rIns="91425" tIns="91425">
+          <a:bodyPr lIns="91425" tIns="91425" rIns="91425" bIns="91425" anchor="ctr" anchorCtr="0">
             <a:noAutofit/>
           </a:bodyPr>
           <a:lstStyle/>
@@ -6254,6 +6648,11 @@
               </a:rPr>
               <a:t>‹#›</a:t>
             </a:fld>
+            <a:endParaRPr lang="en-US">
+              <a:solidFill>
+                <a:schemeClr val="lt1"/>
+              </a:solidFill>
+            </a:endParaRPr>
           </a:p>
         </p:txBody>
       </p:sp>
@@ -6266,11 +6665,11 @@
 </file>
 
 <file path=ppt/slideLayouts/slideLayout3.xml><?xml version="1.0" encoding="utf-8"?>
-<p:sldLayout xmlns:a="http://schemas.openxmlformats.org/drawingml/2006/main" xmlns:r="http://schemas.openxmlformats.org/officeDocument/2006/relationships" xmlns:mc="http://schemas.openxmlformats.org/markup-compatibility/2006" xmlns:mv="urn:schemas-microsoft-com:mac:vml" xmlns:p="http://schemas.openxmlformats.org/presentationml/2006/main" xmlns:c="http://schemas.openxmlformats.org/drawingml/2006/chart" xmlns:dgm="http://schemas.openxmlformats.org/drawingml/2006/diagram" xmlns:o="urn:schemas-microsoft-com:office:office" xmlns:v="urn:schemas-microsoft-com:vml" xmlns:pvml="urn:schemas-microsoft-com:office:powerpoint" xmlns:com="http://schemas.openxmlformats.org/drawingml/2006/compatibility" xmlns:p14="http://schemas.microsoft.com/office/powerpoint/2010/main" type="tx">
+<p:sldLayout xmlns:a="http://schemas.openxmlformats.org/drawingml/2006/main" xmlns:r="http://schemas.openxmlformats.org/officeDocument/2006/relationships" xmlns:p="http://schemas.openxmlformats.org/presentationml/2006/main" type="tx">
   <p:cSld name="Title and body">
     <p:spTree>
       <p:nvGrpSpPr>
-        <p:cNvPr id="28" name="Shape 28"/>
+        <p:cNvPr id="1" name="Shape 28"/>
         <p:cNvGrpSpPr/>
         <p:nvPr/>
       </p:nvGrpSpPr>
@@ -6304,7 +6703,7 @@
           </a:ln>
         </p:spPr>
         <p:txBody>
-          <a:bodyPr anchorCtr="0" anchor="ctr" bIns="91425" lIns="91425" rIns="91425" tIns="91425">
+          <a:bodyPr lIns="91425" tIns="91425" rIns="91425" bIns="91425" anchor="ctr" anchorCtr="0">
             <a:noAutofit/>
           </a:bodyPr>
           <a:lstStyle/>
@@ -6315,9 +6714,6 @@
               </a:spcBef>
               <a:buNone/>
             </a:pPr>
-            <a:r>
-              <a:t/>
-            </a:r>
             <a:endParaRPr/>
           </a:p>
         </p:txBody>
@@ -6325,7 +6721,9 @@
       <p:sp>
         <p:nvSpPr>
           <p:cNvPr id="30" name="Shape 30"/>
-          <p:cNvSpPr txBox="1"/>
+          <p:cNvSpPr txBox="1">
+            <a:spLocks noGrp="1"/>
+          </p:cNvSpPr>
           <p:nvPr>
             <p:ph type="title"/>
           </p:nvPr>
@@ -6340,7 +6738,7 @@
           </a:prstGeom>
         </p:spPr>
         <p:txBody>
-          <a:bodyPr anchorCtr="0" anchor="t" bIns="91425" lIns="91425" rIns="91425" tIns="91425"/>
+          <a:bodyPr lIns="91425" tIns="91425" rIns="91425" bIns="91425" anchor="t" anchorCtr="0"/>
           <a:lstStyle>
             <a:lvl1pPr>
               <a:spcBef>
@@ -6397,15 +6795,19 @@
               <a:defRPr/>
             </a:lvl9pPr>
           </a:lstStyle>
-          <a:p/>
+          <a:p>
+            <a:endParaRPr/>
+          </a:p>
         </p:txBody>
       </p:sp>
       <p:sp>
         <p:nvSpPr>
           <p:cNvPr id="31" name="Shape 31"/>
-          <p:cNvSpPr txBox="1"/>
+          <p:cNvSpPr txBox="1">
+            <a:spLocks noGrp="1"/>
+          </p:cNvSpPr>
           <p:nvPr>
-            <p:ph idx="1" type="body"/>
+            <p:ph type="body" idx="1"/>
           </p:nvPr>
         </p:nvSpPr>
         <p:spPr>
@@ -6418,7 +6820,7 @@
           </a:prstGeom>
         </p:spPr>
         <p:txBody>
-          <a:bodyPr anchorCtr="0" anchor="t" bIns="91425" lIns="91425" rIns="91425" tIns="91425"/>
+          <a:bodyPr lIns="91425" tIns="91425" rIns="91425" bIns="91425" anchor="t" anchorCtr="0"/>
           <a:lstStyle>
             <a:lvl1pPr>
               <a:spcBef>
@@ -6475,15 +6877,19 @@
               <a:defRPr/>
             </a:lvl9pPr>
           </a:lstStyle>
-          <a:p/>
+          <a:p>
+            <a:endParaRPr/>
+          </a:p>
         </p:txBody>
       </p:sp>
       <p:sp>
         <p:nvSpPr>
           <p:cNvPr id="32" name="Shape 32"/>
-          <p:cNvSpPr txBox="1"/>
+          <p:cNvSpPr txBox="1">
+            <a:spLocks noGrp="1"/>
+          </p:cNvSpPr>
           <p:nvPr>
-            <p:ph idx="12" type="sldNum"/>
+            <p:ph type="sldNum" idx="12"/>
           </p:nvPr>
         </p:nvSpPr>
         <p:spPr>
@@ -6496,7 +6902,7 @@
           </a:prstGeom>
         </p:spPr>
         <p:txBody>
-          <a:bodyPr anchorCtr="0" anchor="ctr" bIns="91425" lIns="91425" rIns="91425" tIns="91425">
+          <a:bodyPr lIns="91425" tIns="91425" rIns="91425" bIns="91425" anchor="ctr" anchorCtr="0">
             <a:noAutofit/>
           </a:bodyPr>
           <a:lstStyle/>
@@ -6511,6 +6917,7 @@
               <a:rPr lang="en-US"/>
               <a:t>‹#›</a:t>
             </a:fld>
+            <a:endParaRPr lang="en-US"/>
           </a:p>
         </p:txBody>
       </p:sp>
@@ -6523,11 +6930,11 @@
 </file>
 
 <file path=ppt/slideLayouts/slideLayout4.xml><?xml version="1.0" encoding="utf-8"?>
-<p:sldLayout xmlns:a="http://schemas.openxmlformats.org/drawingml/2006/main" xmlns:r="http://schemas.openxmlformats.org/officeDocument/2006/relationships" xmlns:mc="http://schemas.openxmlformats.org/markup-compatibility/2006" xmlns:mv="urn:schemas-microsoft-com:mac:vml" xmlns:p="http://schemas.openxmlformats.org/presentationml/2006/main" xmlns:c="http://schemas.openxmlformats.org/drawingml/2006/chart" xmlns:dgm="http://schemas.openxmlformats.org/drawingml/2006/diagram" xmlns:o="urn:schemas-microsoft-com:office:office" xmlns:v="urn:schemas-microsoft-com:vml" xmlns:pvml="urn:schemas-microsoft-com:office:powerpoint" xmlns:com="http://schemas.openxmlformats.org/drawingml/2006/compatibility" xmlns:p14="http://schemas.microsoft.com/office/powerpoint/2010/main" type="twoColTx">
+<p:sldLayout xmlns:a="http://schemas.openxmlformats.org/drawingml/2006/main" xmlns:r="http://schemas.openxmlformats.org/officeDocument/2006/relationships" xmlns:p="http://schemas.openxmlformats.org/presentationml/2006/main" type="twoColTx">
   <p:cSld name="Title and two columns">
     <p:spTree>
       <p:nvGrpSpPr>
-        <p:cNvPr id="33" name="Shape 33"/>
+        <p:cNvPr id="1" name="Shape 33"/>
         <p:cNvGrpSpPr/>
         <p:nvPr/>
       </p:nvGrpSpPr>
@@ -6542,7 +6949,9 @@
       <p:sp>
         <p:nvSpPr>
           <p:cNvPr id="34" name="Shape 34"/>
-          <p:cNvSpPr txBox="1"/>
+          <p:cNvSpPr txBox="1">
+            <a:spLocks noGrp="1"/>
+          </p:cNvSpPr>
           <p:nvPr>
             <p:ph type="title"/>
           </p:nvPr>
@@ -6557,7 +6966,7 @@
           </a:prstGeom>
         </p:spPr>
         <p:txBody>
-          <a:bodyPr anchorCtr="0" anchor="t" bIns="91425" lIns="91425" rIns="91425" tIns="91425"/>
+          <a:bodyPr lIns="91425" tIns="91425" rIns="91425" bIns="91425" anchor="t" anchorCtr="0"/>
           <a:lstStyle>
             <a:lvl1pPr>
               <a:spcBef>
@@ -6614,15 +7023,19 @@
               <a:defRPr/>
             </a:lvl9pPr>
           </a:lstStyle>
-          <a:p/>
+          <a:p>
+            <a:endParaRPr/>
+          </a:p>
         </p:txBody>
       </p:sp>
       <p:sp>
         <p:nvSpPr>
           <p:cNvPr id="35" name="Shape 35"/>
-          <p:cNvSpPr txBox="1"/>
+          <p:cNvSpPr txBox="1">
+            <a:spLocks noGrp="1"/>
+          </p:cNvSpPr>
           <p:nvPr>
-            <p:ph idx="1" type="body"/>
+            <p:ph type="body" idx="1"/>
           </p:nvPr>
         </p:nvSpPr>
         <p:spPr>
@@ -6635,7 +7048,7 @@
           </a:prstGeom>
         </p:spPr>
         <p:txBody>
-          <a:bodyPr anchorCtr="0" anchor="t" bIns="91425" lIns="91425" rIns="91425" tIns="91425"/>
+          <a:bodyPr lIns="91425" tIns="91425" rIns="91425" bIns="91425" anchor="t" anchorCtr="0"/>
           <a:lstStyle>
             <a:lvl1pPr>
               <a:spcBef>
@@ -6701,15 +7114,19 @@
               <a:defRPr sz="1200"/>
             </a:lvl9pPr>
           </a:lstStyle>
-          <a:p/>
+          <a:p>
+            <a:endParaRPr/>
+          </a:p>
         </p:txBody>
       </p:sp>
       <p:sp>
         <p:nvSpPr>
           <p:cNvPr id="36" name="Shape 36"/>
-          <p:cNvSpPr txBox="1"/>
+          <p:cNvSpPr txBox="1">
+            <a:spLocks noGrp="1"/>
+          </p:cNvSpPr>
           <p:nvPr>
-            <p:ph idx="2" type="body"/>
+            <p:ph type="body" idx="2"/>
           </p:nvPr>
         </p:nvSpPr>
         <p:spPr>
@@ -6722,7 +7139,7 @@
           </a:prstGeom>
         </p:spPr>
         <p:txBody>
-          <a:bodyPr anchorCtr="0" anchor="t" bIns="91425" lIns="91425" rIns="91425" tIns="91425"/>
+          <a:bodyPr lIns="91425" tIns="91425" rIns="91425" bIns="91425" anchor="t" anchorCtr="0"/>
           <a:lstStyle>
             <a:lvl1pPr>
               <a:spcBef>
@@ -6788,15 +7205,19 @@
               <a:defRPr sz="1200"/>
             </a:lvl9pPr>
           </a:lstStyle>
-          <a:p/>
+          <a:p>
+            <a:endParaRPr/>
+          </a:p>
         </p:txBody>
       </p:sp>
       <p:sp>
         <p:nvSpPr>
           <p:cNvPr id="37" name="Shape 37"/>
-          <p:cNvSpPr txBox="1"/>
+          <p:cNvSpPr txBox="1">
+            <a:spLocks noGrp="1"/>
+          </p:cNvSpPr>
           <p:nvPr>
-            <p:ph idx="12" type="sldNum"/>
+            <p:ph type="sldNum" idx="12"/>
           </p:nvPr>
         </p:nvSpPr>
         <p:spPr>
@@ -6809,7 +7230,7 @@
           </a:prstGeom>
         </p:spPr>
         <p:txBody>
-          <a:bodyPr anchorCtr="0" anchor="ctr" bIns="91425" lIns="91425" rIns="91425" tIns="91425">
+          <a:bodyPr lIns="91425" tIns="91425" rIns="91425" bIns="91425" anchor="ctr" anchorCtr="0">
             <a:noAutofit/>
           </a:bodyPr>
           <a:lstStyle/>
@@ -6824,6 +7245,7 @@
               <a:rPr lang="en-US"/>
               <a:t>‹#›</a:t>
             </a:fld>
+            <a:endParaRPr lang="en-US"/>
           </a:p>
         </p:txBody>
       </p:sp>
@@ -6836,11 +7258,11 @@
 </file>
 
 <file path=ppt/slideLayouts/slideLayout5.xml><?xml version="1.0" encoding="utf-8"?>
-<p:sldLayout xmlns:a="http://schemas.openxmlformats.org/drawingml/2006/main" xmlns:r="http://schemas.openxmlformats.org/officeDocument/2006/relationships" xmlns:mc="http://schemas.openxmlformats.org/markup-compatibility/2006" xmlns:mv="urn:schemas-microsoft-com:mac:vml" xmlns:p="http://schemas.openxmlformats.org/presentationml/2006/main" xmlns:c="http://schemas.openxmlformats.org/drawingml/2006/chart" xmlns:dgm="http://schemas.openxmlformats.org/drawingml/2006/diagram" xmlns:o="urn:schemas-microsoft-com:office:office" xmlns:v="urn:schemas-microsoft-com:vml" xmlns:pvml="urn:schemas-microsoft-com:office:powerpoint" xmlns:com="http://schemas.openxmlformats.org/drawingml/2006/compatibility" xmlns:p14="http://schemas.microsoft.com/office/powerpoint/2010/main" type="titleOnly">
+<p:sldLayout xmlns:a="http://schemas.openxmlformats.org/drawingml/2006/main" xmlns:r="http://schemas.openxmlformats.org/officeDocument/2006/relationships" xmlns:p="http://schemas.openxmlformats.org/presentationml/2006/main" type="titleOnly">
   <p:cSld name="Title only">
     <p:spTree>
       <p:nvGrpSpPr>
-        <p:cNvPr id="38" name="Shape 38"/>
+        <p:cNvPr id="1" name="Shape 38"/>
         <p:cNvGrpSpPr/>
         <p:nvPr/>
       </p:nvGrpSpPr>
@@ -6855,7 +7277,9 @@
       <p:sp>
         <p:nvSpPr>
           <p:cNvPr id="39" name="Shape 39"/>
-          <p:cNvSpPr txBox="1"/>
+          <p:cNvSpPr txBox="1">
+            <a:spLocks noGrp="1"/>
+          </p:cNvSpPr>
           <p:nvPr>
             <p:ph type="title"/>
           </p:nvPr>
@@ -6870,7 +7294,7 @@
           </a:prstGeom>
         </p:spPr>
         <p:txBody>
-          <a:bodyPr anchorCtr="0" anchor="t" bIns="91425" lIns="91425" rIns="91425" tIns="91425"/>
+          <a:bodyPr lIns="91425" tIns="91425" rIns="91425" bIns="91425" anchor="t" anchorCtr="0"/>
           <a:lstStyle>
             <a:lvl1pPr>
               <a:spcBef>
@@ -6927,15 +7351,19 @@
               <a:defRPr/>
             </a:lvl9pPr>
           </a:lstStyle>
-          <a:p/>
+          <a:p>
+            <a:endParaRPr/>
+          </a:p>
         </p:txBody>
       </p:sp>
       <p:sp>
         <p:nvSpPr>
           <p:cNvPr id="40" name="Shape 40"/>
-          <p:cNvSpPr txBox="1"/>
+          <p:cNvSpPr txBox="1">
+            <a:spLocks noGrp="1"/>
+          </p:cNvSpPr>
           <p:nvPr>
-            <p:ph idx="12" type="sldNum"/>
+            <p:ph type="sldNum" idx="12"/>
           </p:nvPr>
         </p:nvSpPr>
         <p:spPr>
@@ -6948,7 +7376,7 @@
           </a:prstGeom>
         </p:spPr>
         <p:txBody>
-          <a:bodyPr anchorCtr="0" anchor="ctr" bIns="91425" lIns="91425" rIns="91425" tIns="91425">
+          <a:bodyPr lIns="91425" tIns="91425" rIns="91425" bIns="91425" anchor="ctr" anchorCtr="0">
             <a:noAutofit/>
           </a:bodyPr>
           <a:lstStyle/>
@@ -6963,6 +7391,7 @@
               <a:rPr lang="en-US"/>
               <a:t>‹#›</a:t>
             </a:fld>
+            <a:endParaRPr lang="en-US"/>
           </a:p>
         </p:txBody>
       </p:sp>
@@ -6975,11 +7404,11 @@
 </file>
 
 <file path=ppt/slideLayouts/slideLayout6.xml><?xml version="1.0" encoding="utf-8"?>
-<p:sldLayout xmlns:a="http://schemas.openxmlformats.org/drawingml/2006/main" xmlns:r="http://schemas.openxmlformats.org/officeDocument/2006/relationships" xmlns:mc="http://schemas.openxmlformats.org/markup-compatibility/2006" xmlns:mv="urn:schemas-microsoft-com:mac:vml" xmlns:p="http://schemas.openxmlformats.org/presentationml/2006/main" xmlns:c="http://schemas.openxmlformats.org/drawingml/2006/chart" xmlns:dgm="http://schemas.openxmlformats.org/drawingml/2006/diagram" xmlns:o="urn:schemas-microsoft-com:office:office" xmlns:v="urn:schemas-microsoft-com:vml" xmlns:pvml="urn:schemas-microsoft-com:office:powerpoint" xmlns:com="http://schemas.openxmlformats.org/drawingml/2006/compatibility" xmlns:p14="http://schemas.microsoft.com/office/powerpoint/2010/main">
+<p:sldLayout xmlns:a="http://schemas.openxmlformats.org/drawingml/2006/main" xmlns:r="http://schemas.openxmlformats.org/officeDocument/2006/relationships" xmlns:p="http://schemas.openxmlformats.org/presentationml/2006/main">
   <p:cSld name="One column text">
     <p:spTree>
       <p:nvGrpSpPr>
-        <p:cNvPr id="41" name="Shape 41"/>
+        <p:cNvPr id="1" name="Shape 41"/>
         <p:cNvGrpSpPr/>
         <p:nvPr/>
       </p:nvGrpSpPr>
@@ -6994,7 +7423,9 @@
       <p:sp>
         <p:nvSpPr>
           <p:cNvPr id="42" name="Shape 42"/>
-          <p:cNvSpPr txBox="1"/>
+          <p:cNvSpPr txBox="1">
+            <a:spLocks noGrp="1"/>
+          </p:cNvSpPr>
           <p:nvPr>
             <p:ph type="title"/>
           </p:nvPr>
@@ -7009,7 +7440,7 @@
           </a:prstGeom>
         </p:spPr>
         <p:txBody>
-          <a:bodyPr anchorCtr="0" anchor="b" bIns="91425" lIns="91425" rIns="91425" tIns="91425"/>
+          <a:bodyPr lIns="91425" tIns="91425" rIns="91425" bIns="91425" anchor="b" anchorCtr="0"/>
           <a:lstStyle>
             <a:lvl1pPr>
               <a:spcBef>
@@ -7075,15 +7506,19 @@
               <a:defRPr sz="2400"/>
             </a:lvl9pPr>
           </a:lstStyle>
-          <a:p/>
+          <a:p>
+            <a:endParaRPr/>
+          </a:p>
         </p:txBody>
       </p:sp>
       <p:sp>
         <p:nvSpPr>
           <p:cNvPr id="43" name="Shape 43"/>
-          <p:cNvSpPr txBox="1"/>
+          <p:cNvSpPr txBox="1">
+            <a:spLocks noGrp="1"/>
+          </p:cNvSpPr>
           <p:nvPr>
-            <p:ph idx="1" type="body"/>
+            <p:ph type="body" idx="1"/>
           </p:nvPr>
         </p:nvSpPr>
         <p:spPr>
@@ -7096,7 +7531,7 @@
           </a:prstGeom>
         </p:spPr>
         <p:txBody>
-          <a:bodyPr anchorCtr="0" anchor="t" bIns="91425" lIns="91425" rIns="91425" tIns="91425"/>
+          <a:bodyPr lIns="91425" tIns="91425" rIns="91425" bIns="91425" anchor="t" anchorCtr="0"/>
           <a:lstStyle>
             <a:lvl1pPr>
               <a:spcBef>
@@ -7162,15 +7597,19 @@
               <a:defRPr sz="1200"/>
             </a:lvl9pPr>
           </a:lstStyle>
-          <a:p/>
+          <a:p>
+            <a:endParaRPr/>
+          </a:p>
         </p:txBody>
       </p:sp>
       <p:sp>
         <p:nvSpPr>
           <p:cNvPr id="44" name="Shape 44"/>
-          <p:cNvSpPr txBox="1"/>
+          <p:cNvSpPr txBox="1">
+            <a:spLocks noGrp="1"/>
+          </p:cNvSpPr>
           <p:nvPr>
-            <p:ph idx="12" type="sldNum"/>
+            <p:ph type="sldNum" idx="12"/>
           </p:nvPr>
         </p:nvSpPr>
         <p:spPr>
@@ -7183,7 +7622,7 @@
           </a:prstGeom>
         </p:spPr>
         <p:txBody>
-          <a:bodyPr anchorCtr="0" anchor="ctr" bIns="91425" lIns="91425" rIns="91425" tIns="91425">
+          <a:bodyPr lIns="91425" tIns="91425" rIns="91425" bIns="91425" anchor="ctr" anchorCtr="0">
             <a:noAutofit/>
           </a:bodyPr>
           <a:lstStyle/>
@@ -7198,6 +7637,7 @@
               <a:rPr lang="en-US"/>
               <a:t>‹#›</a:t>
             </a:fld>
+            <a:endParaRPr lang="en-US"/>
           </a:p>
         </p:txBody>
       </p:sp>
@@ -7210,18 +7650,19 @@
 </file>
 
 <file path=ppt/slideLayouts/slideLayout7.xml><?xml version="1.0" encoding="utf-8"?>
-<p:sldLayout xmlns:a="http://schemas.openxmlformats.org/drawingml/2006/main" xmlns:r="http://schemas.openxmlformats.org/officeDocument/2006/relationships" xmlns:mc="http://schemas.openxmlformats.org/markup-compatibility/2006" xmlns:mv="urn:schemas-microsoft-com:mac:vml" xmlns:p="http://schemas.openxmlformats.org/presentationml/2006/main" xmlns:c="http://schemas.openxmlformats.org/drawingml/2006/chart" xmlns:dgm="http://schemas.openxmlformats.org/drawingml/2006/diagram" xmlns:o="urn:schemas-microsoft-com:office:office" xmlns:v="urn:schemas-microsoft-com:vml" xmlns:pvml="urn:schemas-microsoft-com:office:powerpoint" xmlns:com="http://schemas.openxmlformats.org/drawingml/2006/compatibility" xmlns:p14="http://schemas.microsoft.com/office/powerpoint/2010/main">
+<p:sldLayout xmlns:a="http://schemas.openxmlformats.org/drawingml/2006/main" xmlns:r="http://schemas.openxmlformats.org/officeDocument/2006/relationships" xmlns:p="http://schemas.openxmlformats.org/presentationml/2006/main">
   <p:cSld name="Main point">
     <p:bg>
       <p:bgPr>
         <a:solidFill>
           <a:schemeClr val="accent6"/>
         </a:solidFill>
+        <a:effectLst/>
       </p:bgPr>
     </p:bg>
     <p:spTree>
       <p:nvGrpSpPr>
-        <p:cNvPr id="45" name="Shape 45"/>
+        <p:cNvPr id="1" name="Shape 45"/>
         <p:cNvGrpSpPr/>
         <p:nvPr/>
       </p:nvGrpSpPr>
@@ -7236,7 +7677,9 @@
       <p:sp>
         <p:nvSpPr>
           <p:cNvPr id="46" name="Shape 46"/>
-          <p:cNvSpPr txBox="1"/>
+          <p:cNvSpPr txBox="1">
+            <a:spLocks noGrp="1"/>
+          </p:cNvSpPr>
           <p:nvPr>
             <p:ph type="title"/>
           </p:nvPr>
@@ -7251,7 +7694,7 @@
           </a:prstGeom>
         </p:spPr>
         <p:txBody>
-          <a:bodyPr anchorCtr="0" anchor="ctr" bIns="91425" lIns="91425" rIns="91425" tIns="91425"/>
+          <a:bodyPr lIns="91425" tIns="91425" rIns="91425" bIns="91425" anchor="ctr" anchorCtr="0"/>
           <a:lstStyle>
             <a:lvl1pPr>
               <a:spcBef>
@@ -7261,7 +7704,7 @@
                 <a:schemeClr val="dk2"/>
               </a:buClr>
               <a:buSzPct val="100000"/>
-              <a:defRPr b="0" sz="5400">
+              <a:defRPr sz="5400" b="0">
                 <a:solidFill>
                   <a:schemeClr val="dk2"/>
                 </a:solidFill>
@@ -7275,7 +7718,7 @@
                 <a:schemeClr val="dk2"/>
               </a:buClr>
               <a:buSzPct val="100000"/>
-              <a:defRPr b="0" sz="5400">
+              <a:defRPr sz="5400" b="0">
                 <a:solidFill>
                   <a:schemeClr val="dk2"/>
                 </a:solidFill>
@@ -7289,7 +7732,7 @@
                 <a:schemeClr val="dk2"/>
               </a:buClr>
               <a:buSzPct val="100000"/>
-              <a:defRPr b="0" sz="5400">
+              <a:defRPr sz="5400" b="0">
                 <a:solidFill>
                   <a:schemeClr val="dk2"/>
                 </a:solidFill>
@@ -7303,7 +7746,7 @@
                 <a:schemeClr val="dk2"/>
               </a:buClr>
               <a:buSzPct val="100000"/>
-              <a:defRPr b="0" sz="5400">
+              <a:defRPr sz="5400" b="0">
                 <a:solidFill>
                   <a:schemeClr val="dk2"/>
                 </a:solidFill>
@@ -7317,7 +7760,7 @@
                 <a:schemeClr val="dk2"/>
               </a:buClr>
               <a:buSzPct val="100000"/>
-              <a:defRPr b="0" sz="5400">
+              <a:defRPr sz="5400" b="0">
                 <a:solidFill>
                   <a:schemeClr val="dk2"/>
                 </a:solidFill>
@@ -7331,7 +7774,7 @@
                 <a:schemeClr val="dk2"/>
               </a:buClr>
               <a:buSzPct val="100000"/>
-              <a:defRPr b="0" sz="5400">
+              <a:defRPr sz="5400" b="0">
                 <a:solidFill>
                   <a:schemeClr val="dk2"/>
                 </a:solidFill>
@@ -7345,7 +7788,7 @@
                 <a:schemeClr val="dk2"/>
               </a:buClr>
               <a:buSzPct val="100000"/>
-              <a:defRPr b="0" sz="5400">
+              <a:defRPr sz="5400" b="0">
                 <a:solidFill>
                   <a:schemeClr val="dk2"/>
                 </a:solidFill>
@@ -7359,7 +7802,7 @@
                 <a:schemeClr val="dk2"/>
               </a:buClr>
               <a:buSzPct val="100000"/>
-              <a:defRPr b="0" sz="5400">
+              <a:defRPr sz="5400" b="0">
                 <a:solidFill>
                   <a:schemeClr val="dk2"/>
                 </a:solidFill>
@@ -7373,22 +7816,26 @@
                 <a:schemeClr val="dk2"/>
               </a:buClr>
               <a:buSzPct val="100000"/>
-              <a:defRPr b="0" sz="5400">
+              <a:defRPr sz="5400" b="0">
                 <a:solidFill>
                   <a:schemeClr val="dk2"/>
                 </a:solidFill>
               </a:defRPr>
             </a:lvl9pPr>
           </a:lstStyle>
-          <a:p/>
+          <a:p>
+            <a:endParaRPr/>
+          </a:p>
         </p:txBody>
       </p:sp>
       <p:sp>
         <p:nvSpPr>
           <p:cNvPr id="47" name="Shape 47"/>
-          <p:cNvSpPr txBox="1"/>
+          <p:cNvSpPr txBox="1">
+            <a:spLocks noGrp="1"/>
+          </p:cNvSpPr>
           <p:nvPr>
-            <p:ph idx="12" type="sldNum"/>
+            <p:ph type="sldNum" idx="12"/>
           </p:nvPr>
         </p:nvSpPr>
         <p:spPr>
@@ -7401,7 +7848,7 @@
           </a:prstGeom>
         </p:spPr>
         <p:txBody>
-          <a:bodyPr anchorCtr="0" anchor="ctr" bIns="91425" lIns="91425" rIns="91425" tIns="91425">
+          <a:bodyPr lIns="91425" tIns="91425" rIns="91425" bIns="91425" anchor="ctr" anchorCtr="0">
             <a:noAutofit/>
           </a:bodyPr>
           <a:lstStyle/>
@@ -7416,6 +7863,7 @@
               <a:rPr lang="en-US"/>
               <a:t>‹#›</a:t>
             </a:fld>
+            <a:endParaRPr lang="en-US"/>
           </a:p>
         </p:txBody>
       </p:sp>
@@ -7428,11 +7876,11 @@
 </file>
 
 <file path=ppt/slideLayouts/slideLayout8.xml><?xml version="1.0" encoding="utf-8"?>
-<p:sldLayout xmlns:a="http://schemas.openxmlformats.org/drawingml/2006/main" xmlns:r="http://schemas.openxmlformats.org/officeDocument/2006/relationships" xmlns:mc="http://schemas.openxmlformats.org/markup-compatibility/2006" xmlns:mv="urn:schemas-microsoft-com:mac:vml" xmlns:p="http://schemas.openxmlformats.org/presentationml/2006/main" xmlns:c="http://schemas.openxmlformats.org/drawingml/2006/chart" xmlns:dgm="http://schemas.openxmlformats.org/drawingml/2006/diagram" xmlns:o="urn:schemas-microsoft-com:office:office" xmlns:v="urn:schemas-microsoft-com:vml" xmlns:pvml="urn:schemas-microsoft-com:office:powerpoint" xmlns:com="http://schemas.openxmlformats.org/drawingml/2006/compatibility" xmlns:p14="http://schemas.microsoft.com/office/powerpoint/2010/main">
+<p:sldLayout xmlns:a="http://schemas.openxmlformats.org/drawingml/2006/main" xmlns:r="http://schemas.openxmlformats.org/officeDocument/2006/relationships" xmlns:p="http://schemas.openxmlformats.org/presentationml/2006/main">
   <p:cSld name="Section title and description">
     <p:spTree>
       <p:nvGrpSpPr>
-        <p:cNvPr id="48" name="Shape 48"/>
+        <p:cNvPr id="1" name="Shape 48"/>
         <p:cNvGrpSpPr/>
         <p:nvPr/>
       </p:nvGrpSpPr>
@@ -7466,7 +7914,7 @@
           </a:ln>
         </p:spPr>
         <p:txBody>
-          <a:bodyPr anchorCtr="0" anchor="ctr" bIns="91425" lIns="91425" rIns="91425" tIns="91425">
+          <a:bodyPr lIns="91425" tIns="91425" rIns="91425" bIns="91425" anchor="ctr" anchorCtr="0">
             <a:noAutofit/>
           </a:bodyPr>
           <a:lstStyle/>
@@ -7477,9 +7925,6 @@
               </a:spcBef>
               <a:buNone/>
             </a:pPr>
-            <a:r>
-              <a:t/>
-            </a:r>
             <a:endParaRPr/>
           </a:p>
         </p:txBody>
@@ -7499,21 +7944,23 @@
             <a:avLst/>
           </a:prstGeom>
           <a:noFill/>
-          <a:ln cap="flat" cmpd="sng" w="19050">
+          <a:ln w="19050" cap="flat" cmpd="sng">
             <a:solidFill>
               <a:schemeClr val="lt1"/>
             </a:solidFill>
             <a:prstDash val="solid"/>
             <a:round/>
-            <a:headEnd len="med" w="med" type="none"/>
-            <a:tailEnd len="med" w="med" type="none"/>
+            <a:headEnd type="none" w="med" len="med"/>
+            <a:tailEnd type="none" w="med" len="med"/>
           </a:ln>
         </p:spPr>
       </p:cxnSp>
       <p:sp>
         <p:nvSpPr>
           <p:cNvPr id="51" name="Shape 51"/>
-          <p:cNvSpPr txBox="1"/>
+          <p:cNvSpPr txBox="1">
+            <a:spLocks noGrp="1"/>
+          </p:cNvSpPr>
           <p:nvPr>
             <p:ph type="title"/>
           </p:nvPr>
@@ -7528,7 +7975,7 @@
           </a:prstGeom>
         </p:spPr>
         <p:txBody>
-          <a:bodyPr anchorCtr="0" anchor="b" bIns="91425" lIns="91425" rIns="91425" tIns="91425"/>
+          <a:bodyPr lIns="91425" tIns="91425" rIns="91425" bIns="91425" anchor="b" anchorCtr="0"/>
           <a:lstStyle>
             <a:lvl1pPr algn="ctr">
               <a:spcBef>
@@ -7594,15 +8041,19 @@
               <a:defRPr sz="4200"/>
             </a:lvl9pPr>
           </a:lstStyle>
-          <a:p/>
+          <a:p>
+            <a:endParaRPr/>
+          </a:p>
         </p:txBody>
       </p:sp>
       <p:sp>
         <p:nvSpPr>
           <p:cNvPr id="52" name="Shape 52"/>
-          <p:cNvSpPr txBox="1"/>
+          <p:cNvSpPr txBox="1">
+            <a:spLocks noGrp="1"/>
+          </p:cNvSpPr>
           <p:nvPr>
-            <p:ph idx="1" type="subTitle"/>
+            <p:ph type="subTitle" idx="1"/>
           </p:nvPr>
         </p:nvSpPr>
         <p:spPr>
@@ -7615,7 +8066,7 @@
           </a:prstGeom>
         </p:spPr>
         <p:txBody>
-          <a:bodyPr anchorCtr="0" anchor="t" bIns="91425" lIns="91425" rIns="91425" tIns="91425"/>
+          <a:bodyPr lIns="91425" tIns="91425" rIns="91425" bIns="91425" anchor="t" anchorCtr="0"/>
           <a:lstStyle>
             <a:lvl1pPr algn="ctr">
               <a:lnSpc>
@@ -7744,15 +8195,19 @@
               <a:defRPr sz="2100"/>
             </a:lvl9pPr>
           </a:lstStyle>
-          <a:p/>
+          <a:p>
+            <a:endParaRPr/>
+          </a:p>
         </p:txBody>
       </p:sp>
       <p:sp>
         <p:nvSpPr>
           <p:cNvPr id="53" name="Shape 53"/>
-          <p:cNvSpPr txBox="1"/>
+          <p:cNvSpPr txBox="1">
+            <a:spLocks noGrp="1"/>
+          </p:cNvSpPr>
           <p:nvPr>
-            <p:ph idx="2" type="body"/>
+            <p:ph type="body" idx="2"/>
           </p:nvPr>
         </p:nvSpPr>
         <p:spPr>
@@ -7765,7 +8220,7 @@
           </a:prstGeom>
         </p:spPr>
         <p:txBody>
-          <a:bodyPr anchorCtr="0" anchor="ctr" bIns="91425" lIns="91425" rIns="91425" tIns="91425"/>
+          <a:bodyPr lIns="91425" tIns="91425" rIns="91425" bIns="91425" anchor="ctr" anchorCtr="0"/>
           <a:lstStyle>
             <a:lvl1pPr>
               <a:spcBef>
@@ -7885,15 +8340,19 @@
               </a:defRPr>
             </a:lvl9pPr>
           </a:lstStyle>
-          <a:p/>
+          <a:p>
+            <a:endParaRPr/>
+          </a:p>
         </p:txBody>
       </p:sp>
       <p:sp>
         <p:nvSpPr>
           <p:cNvPr id="54" name="Shape 54"/>
-          <p:cNvSpPr txBox="1"/>
+          <p:cNvSpPr txBox="1">
+            <a:spLocks noGrp="1"/>
+          </p:cNvSpPr>
           <p:nvPr>
-            <p:ph idx="12" type="sldNum"/>
+            <p:ph type="sldNum" idx="12"/>
           </p:nvPr>
         </p:nvSpPr>
         <p:spPr>
@@ -7906,7 +8365,7 @@
           </a:prstGeom>
         </p:spPr>
         <p:txBody>
-          <a:bodyPr anchorCtr="0" anchor="ctr" bIns="91425" lIns="91425" rIns="91425" tIns="91425">
+          <a:bodyPr lIns="91425" tIns="91425" rIns="91425" bIns="91425" anchor="ctr" anchorCtr="0">
             <a:noAutofit/>
           </a:bodyPr>
           <a:lstStyle/>
@@ -7925,6 +8384,11 @@
               </a:rPr>
               <a:t>‹#›</a:t>
             </a:fld>
+            <a:endParaRPr lang="en-US">
+              <a:solidFill>
+                <a:schemeClr val="lt1"/>
+              </a:solidFill>
+            </a:endParaRPr>
           </a:p>
         </p:txBody>
       </p:sp>
@@ -7937,11 +8401,11 @@
 </file>
 
 <file path=ppt/slideLayouts/slideLayout9.xml><?xml version="1.0" encoding="utf-8"?>
-<p:sldLayout xmlns:a="http://schemas.openxmlformats.org/drawingml/2006/main" xmlns:r="http://schemas.openxmlformats.org/officeDocument/2006/relationships" xmlns:mc="http://schemas.openxmlformats.org/markup-compatibility/2006" xmlns:mv="urn:schemas-microsoft-com:mac:vml" xmlns:p="http://schemas.openxmlformats.org/presentationml/2006/main" xmlns:c="http://schemas.openxmlformats.org/drawingml/2006/chart" xmlns:dgm="http://schemas.openxmlformats.org/drawingml/2006/diagram" xmlns:o="urn:schemas-microsoft-com:office:office" xmlns:v="urn:schemas-microsoft-com:vml" xmlns:pvml="urn:schemas-microsoft-com:office:powerpoint" xmlns:com="http://schemas.openxmlformats.org/drawingml/2006/compatibility" xmlns:p14="http://schemas.microsoft.com/office/powerpoint/2010/main">
+<p:sldLayout xmlns:a="http://schemas.openxmlformats.org/drawingml/2006/main" xmlns:r="http://schemas.openxmlformats.org/officeDocument/2006/relationships" xmlns:p="http://schemas.openxmlformats.org/presentationml/2006/main">
   <p:cSld name="Caption">
     <p:spTree>
       <p:nvGrpSpPr>
-        <p:cNvPr id="55" name="Shape 55"/>
+        <p:cNvPr id="1" name="Shape 55"/>
         <p:cNvGrpSpPr/>
         <p:nvPr/>
       </p:nvGrpSpPr>
@@ -7956,9 +8420,11 @@
       <p:sp>
         <p:nvSpPr>
           <p:cNvPr id="56" name="Shape 56"/>
-          <p:cNvSpPr txBox="1"/>
+          <p:cNvSpPr txBox="1">
+            <a:spLocks noGrp="1"/>
+          </p:cNvSpPr>
           <p:nvPr>
-            <p:ph idx="1" type="body"/>
+            <p:ph type="body" idx="1"/>
           </p:nvPr>
         </p:nvSpPr>
         <p:spPr>
@@ -7971,7 +8437,7 @@
           </a:prstGeom>
         </p:spPr>
         <p:txBody>
-          <a:bodyPr anchorCtr="0" anchor="ctr" bIns="91425" lIns="91425" rIns="91425" tIns="91425"/>
+          <a:bodyPr lIns="91425" tIns="91425" rIns="91425" bIns="91425" anchor="ctr" anchorCtr="0"/>
           <a:lstStyle>
             <a:lvl1pPr>
               <a:lnSpc>
@@ -7994,15 +8460,19 @@
               </a:defRPr>
             </a:lvl1pPr>
           </a:lstStyle>
-          <a:p/>
+          <a:p>
+            <a:endParaRPr/>
+          </a:p>
         </p:txBody>
       </p:sp>
       <p:sp>
         <p:nvSpPr>
           <p:cNvPr id="57" name="Shape 57"/>
-          <p:cNvSpPr txBox="1"/>
+          <p:cNvSpPr txBox="1">
+            <a:spLocks noGrp="1"/>
+          </p:cNvSpPr>
           <p:nvPr>
-            <p:ph idx="12" type="sldNum"/>
+            <p:ph type="sldNum" idx="12"/>
           </p:nvPr>
         </p:nvSpPr>
         <p:spPr>
@@ -8015,7 +8485,7 @@
           </a:prstGeom>
         </p:spPr>
         <p:txBody>
-          <a:bodyPr anchorCtr="0" anchor="ctr" bIns="91425" lIns="91425" rIns="91425" tIns="91425">
+          <a:bodyPr lIns="91425" tIns="91425" rIns="91425" bIns="91425" anchor="ctr" anchorCtr="0">
             <a:noAutofit/>
           </a:bodyPr>
           <a:lstStyle/>
@@ -8030,6 +8500,7 @@
               <a:rPr lang="en-US"/>
               <a:t>‹#›</a:t>
             </a:fld>
+            <a:endParaRPr lang="en-US"/>
           </a:p>
         </p:txBody>
       </p:sp>
@@ -8042,18 +8513,19 @@
 </file>
 
 <file path=ppt/slideMasters/slideMaster1.xml><?xml version="1.0" encoding="utf-8"?>
-<p:sldMaster xmlns:a="http://schemas.openxmlformats.org/drawingml/2006/main" xmlns:r="http://schemas.openxmlformats.org/officeDocument/2006/relationships" xmlns:mc="http://schemas.openxmlformats.org/markup-compatibility/2006" xmlns:mv="urn:schemas-microsoft-com:mac:vml" xmlns:p="http://schemas.openxmlformats.org/presentationml/2006/main" xmlns:c="http://schemas.openxmlformats.org/drawingml/2006/chart" xmlns:dgm="http://schemas.openxmlformats.org/drawingml/2006/diagram" xmlns:o="urn:schemas-microsoft-com:office:office" xmlns:v="urn:schemas-microsoft-com:vml" xmlns:pvml="urn:schemas-microsoft-com:office:powerpoint" xmlns:com="http://schemas.openxmlformats.org/drawingml/2006/compatibility" xmlns:p14="http://schemas.microsoft.com/office/powerpoint/2010/main">
+<p:sldMaster xmlns:a="http://schemas.openxmlformats.org/drawingml/2006/main" xmlns:r="http://schemas.openxmlformats.org/officeDocument/2006/relationships" xmlns:p="http://schemas.openxmlformats.org/presentationml/2006/main">
   <p:cSld>
     <p:bg>
       <p:bgPr>
         <a:solidFill>
           <a:schemeClr val="lt1"/>
         </a:solidFill>
+        <a:effectLst/>
       </p:bgPr>
     </p:bg>
     <p:spTree>
       <p:nvGrpSpPr>
-        <p:cNvPr id="8" name="Shape 8"/>
+        <p:cNvPr id="1" name="Shape 8"/>
         <p:cNvGrpSpPr/>
         <p:nvPr/>
       </p:nvGrpSpPr>
@@ -8068,7 +8540,9 @@
       <p:sp>
         <p:nvSpPr>
           <p:cNvPr id="9" name="Shape 9"/>
-          <p:cNvSpPr txBox="1"/>
+          <p:cNvSpPr txBox="1">
+            <a:spLocks noGrp="1"/>
+          </p:cNvSpPr>
           <p:nvPr>
             <p:ph type="title"/>
           </p:nvPr>
@@ -8087,7 +8561,7 @@
           </a:ln>
         </p:spPr>
         <p:txBody>
-          <a:bodyPr anchorCtr="0" anchor="t" bIns="91425" lIns="91425" rIns="91425" tIns="91425"/>
+          <a:bodyPr lIns="91425" tIns="91425" rIns="91425" bIns="91425" anchor="t" anchorCtr="0"/>
           <a:lstStyle>
             <a:lvl1pPr>
               <a:spcBef>
@@ -8099,7 +8573,7 @@
               <a:buSzPct val="100000"/>
               <a:buFont typeface="PT Sans Narrow"/>
               <a:buNone/>
-              <a:defRPr b="1" sz="3600">
+              <a:defRPr sz="3600" b="1">
                 <a:solidFill>
                   <a:schemeClr val="accent1"/>
                 </a:solidFill>
@@ -8119,7 +8593,7 @@
               <a:buSzPct val="100000"/>
               <a:buFont typeface="PT Sans Narrow"/>
               <a:buNone/>
-              <a:defRPr b="1" sz="3600">
+              <a:defRPr sz="3600" b="1">
                 <a:solidFill>
                   <a:schemeClr val="accent1"/>
                 </a:solidFill>
@@ -8139,7 +8613,7 @@
               <a:buSzPct val="100000"/>
               <a:buFont typeface="PT Sans Narrow"/>
               <a:buNone/>
-              <a:defRPr b="1" sz="3600">
+              <a:defRPr sz="3600" b="1">
                 <a:solidFill>
                   <a:schemeClr val="accent1"/>
                 </a:solidFill>
@@ -8159,7 +8633,7 @@
               <a:buSzPct val="100000"/>
               <a:buFont typeface="PT Sans Narrow"/>
               <a:buNone/>
-              <a:defRPr b="1" sz="3600">
+              <a:defRPr sz="3600" b="1">
                 <a:solidFill>
                   <a:schemeClr val="accent1"/>
                 </a:solidFill>
@@ -8179,7 +8653,7 @@
               <a:buSzPct val="100000"/>
               <a:buFont typeface="PT Sans Narrow"/>
               <a:buNone/>
-              <a:defRPr b="1" sz="3600">
+              <a:defRPr sz="3600" b="1">
                 <a:solidFill>
                   <a:schemeClr val="accent1"/>
                 </a:solidFill>
@@ -8199,7 +8673,7 @@
               <a:buSzPct val="100000"/>
               <a:buFont typeface="PT Sans Narrow"/>
               <a:buNone/>
-              <a:defRPr b="1" sz="3600">
+              <a:defRPr sz="3600" b="1">
                 <a:solidFill>
                   <a:schemeClr val="accent1"/>
                 </a:solidFill>
@@ -8219,7 +8693,7 @@
               <a:buSzPct val="100000"/>
               <a:buFont typeface="PT Sans Narrow"/>
               <a:buNone/>
-              <a:defRPr b="1" sz="3600">
+              <a:defRPr sz="3600" b="1">
                 <a:solidFill>
                   <a:schemeClr val="accent1"/>
                 </a:solidFill>
@@ -8239,7 +8713,7 @@
               <a:buSzPct val="100000"/>
               <a:buFont typeface="PT Sans Narrow"/>
               <a:buNone/>
-              <a:defRPr b="1" sz="3600">
+              <a:defRPr sz="3600" b="1">
                 <a:solidFill>
                   <a:schemeClr val="accent1"/>
                 </a:solidFill>
@@ -8259,7 +8733,7 @@
               <a:buSzPct val="100000"/>
               <a:buFont typeface="PT Sans Narrow"/>
               <a:buNone/>
-              <a:defRPr b="1" sz="3600">
+              <a:defRPr sz="3600" b="1">
                 <a:solidFill>
                   <a:schemeClr val="accent1"/>
                 </a:solidFill>
@@ -8270,15 +8744,19 @@
               </a:defRPr>
             </a:lvl9pPr>
           </a:lstStyle>
-          <a:p/>
+          <a:p>
+            <a:endParaRPr/>
+          </a:p>
         </p:txBody>
       </p:sp>
       <p:sp>
         <p:nvSpPr>
           <p:cNvPr id="10" name="Shape 10"/>
-          <p:cNvSpPr txBox="1"/>
+          <p:cNvSpPr txBox="1">
+            <a:spLocks noGrp="1"/>
+          </p:cNvSpPr>
           <p:nvPr>
-            <p:ph idx="1" type="body"/>
+            <p:ph type="body" idx="1"/>
           </p:nvPr>
         </p:nvSpPr>
         <p:spPr>
@@ -8295,7 +8773,7 @@
           </a:ln>
         </p:spPr>
         <p:txBody>
-          <a:bodyPr anchorCtr="0" anchor="t" bIns="91425" lIns="91425" rIns="91425" tIns="91425"/>
+          <a:bodyPr lIns="91425" tIns="91425" rIns="91425" bIns="91425" anchor="t" anchorCtr="0"/>
           <a:lstStyle>
             <a:lvl1pPr>
               <a:lnSpc>
@@ -8515,15 +8993,19 @@
               </a:defRPr>
             </a:lvl9pPr>
           </a:lstStyle>
-          <a:p/>
+          <a:p>
+            <a:endParaRPr/>
+          </a:p>
         </p:txBody>
       </p:sp>
       <p:sp>
         <p:nvSpPr>
           <p:cNvPr id="11" name="Shape 11"/>
-          <p:cNvSpPr txBox="1"/>
+          <p:cNvSpPr txBox="1">
+            <a:spLocks noGrp="1"/>
+          </p:cNvSpPr>
           <p:nvPr>
-            <p:ph idx="12" type="sldNum"/>
+            <p:ph type="sldNum" idx="12"/>
           </p:nvPr>
         </p:nvSpPr>
         <p:spPr>
@@ -8540,7 +9022,7 @@
           </a:ln>
         </p:spPr>
         <p:txBody>
-          <a:bodyPr anchorCtr="0" anchor="ctr" bIns="91425" lIns="91425" rIns="91425" tIns="91425">
+          <a:bodyPr lIns="91425" tIns="91425" rIns="91425" bIns="91425" anchor="ctr" anchorCtr="0">
             <a:noAutofit/>
           </a:bodyPr>
           <a:lstStyle/>
@@ -8563,12 +9045,21 @@
               </a:rPr>
               <a:t>‹#›</a:t>
             </a:fld>
+            <a:endParaRPr lang="en-US" sz="1000">
+              <a:solidFill>
+                <a:schemeClr val="dk2"/>
+              </a:solidFill>
+              <a:latin typeface="Open Sans"/>
+              <a:ea typeface="Open Sans"/>
+              <a:cs typeface="Open Sans"/>
+              <a:sym typeface="Open Sans"/>
+            </a:endParaRPr>
           </a:p>
         </p:txBody>
       </p:sp>
     </p:spTree>
   </p:cSld>
-  <p:clrMap accent1="accent1" accent2="accent2" accent3="accent3" accent4="accent4" accent5="accent5" accent6="accent6" bg1="lt1" bg2="dk2" tx1="dk1" tx2="lt2" folHlink="folHlink" hlink="hlink"/>
+  <p:clrMap bg1="lt1" tx1="dk1" bg2="dk2" tx2="lt2" accent1="accent1" accent2="accent2" accent3="accent3" accent4="accent4" accent5="accent5" accent6="accent6" hlink="hlink" folHlink="folHlink"/>
   <p:sldLayoutIdLst>
     <p:sldLayoutId id="2147483648" r:id="rId1"/>
     <p:sldLayoutId id="2147483649" r:id="rId2"/>
@@ -8583,10 +9074,10 @@
     <p:sldLayoutId id="2147483658" r:id="rId11"/>
     <p:sldLayoutId id="2147483659" r:id="rId12"/>
   </p:sldLayoutIdLst>
-  <p:hf dt="0" ftr="0" hdr="0"/>
+  <p:hf hdr="0" ftr="0" dt="0"/>
   <p:txStyles>
     <p:titleStyle>
-      <a:defPPr marR="0" rtl="0" algn="l">
+      <a:defPPr marR="0" algn="l" rtl="0">
         <a:lnSpc>
           <a:spcPct val="100000"/>
         </a:lnSpc>
@@ -8597,7 +9088,7 @@
           <a:spcPts val="0"/>
         </a:spcAft>
       </a:defPPr>
-      <a:lvl1pPr marR="0" rtl="0" algn="l">
+      <a:lvl1pPr marR="0" algn="l" rtl="0">
         <a:lnSpc>
           <a:spcPct val="100000"/>
         </a:lnSpc>
@@ -8608,7 +9099,7 @@
           <a:spcPts val="0"/>
         </a:spcAft>
         <a:buNone/>
-        <a:defRPr b="0" baseline="0" i="0" sz="1400" u="none" cap="none" strike="noStrike">
+        <a:defRPr sz="1400" b="0" i="0" u="none" strike="noStrike" cap="none" baseline="0">
           <a:solidFill>
             <a:srgbClr val="000000"/>
           </a:solidFill>
@@ -8621,7 +9112,7 @@
       </a:lvl1pPr>
     </p:titleStyle>
     <p:bodyStyle>
-      <a:defPPr marR="0" rtl="0" algn="l">
+      <a:defPPr marR="0" algn="l" rtl="0">
         <a:lnSpc>
           <a:spcPct val="100000"/>
         </a:lnSpc>
@@ -8632,7 +9123,7 @@
           <a:spcPts val="0"/>
         </a:spcAft>
       </a:defPPr>
-      <a:lvl1pPr marR="0" rtl="0" algn="l">
+      <a:lvl1pPr marR="0" algn="l" rtl="0">
         <a:lnSpc>
           <a:spcPct val="100000"/>
         </a:lnSpc>
@@ -8643,7 +9134,7 @@
           <a:spcPts val="0"/>
         </a:spcAft>
         <a:buNone/>
-        <a:defRPr b="0" baseline="0" i="0" sz="1400" u="none" cap="none" strike="noStrike">
+        <a:defRPr sz="1400" b="0" i="0" u="none" strike="noStrike" cap="none" baseline="0">
           <a:solidFill>
             <a:srgbClr val="000000"/>
           </a:solidFill>
@@ -8654,7 +9145,7 @@
           <a:rtl val="0"/>
         </a:defRPr>
       </a:lvl1pPr>
-      <a:lvl2pPr marR="0" rtl="0" algn="l">
+      <a:lvl2pPr marR="0" algn="l" rtl="0">
         <a:lnSpc>
           <a:spcPct val="100000"/>
         </a:lnSpc>
@@ -8665,7 +9156,7 @@
           <a:spcPts val="0"/>
         </a:spcAft>
         <a:buNone/>
-        <a:defRPr b="0" baseline="0" i="0" sz="1400" u="none" cap="none" strike="noStrike">
+        <a:defRPr sz="1400" b="0" i="0" u="none" strike="noStrike" cap="none" baseline="0">
           <a:solidFill>
             <a:srgbClr val="000000"/>
           </a:solidFill>
@@ -8676,7 +9167,7 @@
           <a:rtl val="0"/>
         </a:defRPr>
       </a:lvl2pPr>
-      <a:lvl3pPr marR="0" rtl="0" algn="l">
+      <a:lvl3pPr marR="0" algn="l" rtl="0">
         <a:lnSpc>
           <a:spcPct val="100000"/>
         </a:lnSpc>
@@ -8687,7 +9178,7 @@
           <a:spcPts val="0"/>
         </a:spcAft>
         <a:buNone/>
-        <a:defRPr b="0" baseline="0" i="0" sz="1400" u="none" cap="none" strike="noStrike">
+        <a:defRPr sz="1400" b="0" i="0" u="none" strike="noStrike" cap="none" baseline="0">
           <a:solidFill>
             <a:srgbClr val="000000"/>
           </a:solidFill>
@@ -8698,7 +9189,7 @@
           <a:rtl val="0"/>
         </a:defRPr>
       </a:lvl3pPr>
-      <a:lvl4pPr marR="0" rtl="0" algn="l">
+      <a:lvl4pPr marR="0" algn="l" rtl="0">
         <a:lnSpc>
           <a:spcPct val="100000"/>
         </a:lnSpc>
@@ -8709,7 +9200,7 @@
           <a:spcPts val="0"/>
         </a:spcAft>
         <a:buNone/>
-        <a:defRPr b="0" baseline="0" i="0" sz="1400" u="none" cap="none" strike="noStrike">
+        <a:defRPr sz="1400" b="0" i="0" u="none" strike="noStrike" cap="none" baseline="0">
           <a:solidFill>
             <a:srgbClr val="000000"/>
           </a:solidFill>
@@ -8720,7 +9211,7 @@
           <a:rtl val="0"/>
         </a:defRPr>
       </a:lvl4pPr>
-      <a:lvl5pPr marR="0" rtl="0" algn="l">
+      <a:lvl5pPr marR="0" algn="l" rtl="0">
         <a:lnSpc>
           <a:spcPct val="100000"/>
         </a:lnSpc>
@@ -8731,7 +9222,7 @@
           <a:spcPts val="0"/>
         </a:spcAft>
         <a:buNone/>
-        <a:defRPr b="0" baseline="0" i="0" sz="1400" u="none" cap="none" strike="noStrike">
+        <a:defRPr sz="1400" b="0" i="0" u="none" strike="noStrike" cap="none" baseline="0">
           <a:solidFill>
             <a:srgbClr val="000000"/>
           </a:solidFill>
@@ -8742,7 +9233,7 @@
           <a:rtl val="0"/>
         </a:defRPr>
       </a:lvl5pPr>
-      <a:lvl6pPr marR="0" rtl="0" algn="l">
+      <a:lvl6pPr marR="0" algn="l" rtl="0">
         <a:lnSpc>
           <a:spcPct val="100000"/>
         </a:lnSpc>
@@ -8753,7 +9244,7 @@
           <a:spcPts val="0"/>
         </a:spcAft>
         <a:buNone/>
-        <a:defRPr b="0" baseline="0" i="0" sz="1400" u="none" cap="none" strike="noStrike">
+        <a:defRPr sz="1400" b="0" i="0" u="none" strike="noStrike" cap="none" baseline="0">
           <a:solidFill>
             <a:srgbClr val="000000"/>
           </a:solidFill>
@@ -8764,7 +9255,7 @@
           <a:rtl val="0"/>
         </a:defRPr>
       </a:lvl6pPr>
-      <a:lvl7pPr marR="0" rtl="0" algn="l">
+      <a:lvl7pPr marR="0" algn="l" rtl="0">
         <a:lnSpc>
           <a:spcPct val="100000"/>
         </a:lnSpc>
@@ -8775,7 +9266,7 @@
           <a:spcPts val="0"/>
         </a:spcAft>
         <a:buNone/>
-        <a:defRPr b="0" baseline="0" i="0" sz="1400" u="none" cap="none" strike="noStrike">
+        <a:defRPr sz="1400" b="0" i="0" u="none" strike="noStrike" cap="none" baseline="0">
           <a:solidFill>
             <a:srgbClr val="000000"/>
           </a:solidFill>
@@ -8786,7 +9277,7 @@
           <a:rtl val="0"/>
         </a:defRPr>
       </a:lvl7pPr>
-      <a:lvl8pPr marR="0" rtl="0" algn="l">
+      <a:lvl8pPr marR="0" algn="l" rtl="0">
         <a:lnSpc>
           <a:spcPct val="100000"/>
         </a:lnSpc>
@@ -8797,7 +9288,7 @@
           <a:spcPts val="0"/>
         </a:spcAft>
         <a:buNone/>
-        <a:defRPr b="0" baseline="0" i="0" sz="1400" u="none" cap="none" strike="noStrike">
+        <a:defRPr sz="1400" b="0" i="0" u="none" strike="noStrike" cap="none" baseline="0">
           <a:solidFill>
             <a:srgbClr val="000000"/>
           </a:solidFill>
@@ -8808,7 +9299,7 @@
           <a:rtl val="0"/>
         </a:defRPr>
       </a:lvl8pPr>
-      <a:lvl9pPr marR="0" rtl="0" algn="l">
+      <a:lvl9pPr marR="0" algn="l" rtl="0">
         <a:lnSpc>
           <a:spcPct val="100000"/>
         </a:lnSpc>
@@ -8819,7 +9310,7 @@
           <a:spcPts val="0"/>
         </a:spcAft>
         <a:buNone/>
-        <a:defRPr b="0" baseline="0" i="0" sz="1400" u="none" cap="none" strike="noStrike">
+        <a:defRPr sz="1400" b="0" i="0" u="none" strike="noStrike" cap="none" baseline="0">
           <a:solidFill>
             <a:srgbClr val="000000"/>
           </a:solidFill>
@@ -8832,7 +9323,7 @@
       </a:lvl9pPr>
     </p:bodyStyle>
     <p:otherStyle>
-      <a:defPPr marR="0" rtl="0" algn="l">
+      <a:defPPr marR="0" algn="l" rtl="0">
         <a:lnSpc>
           <a:spcPct val="100000"/>
         </a:lnSpc>
@@ -8843,7 +9334,7 @@
           <a:spcPts val="0"/>
         </a:spcAft>
       </a:defPPr>
-      <a:lvl1pPr marR="0" rtl="0" algn="l">
+      <a:lvl1pPr marR="0" algn="l" rtl="0">
         <a:lnSpc>
           <a:spcPct val="100000"/>
         </a:lnSpc>
@@ -8854,7 +9345,7 @@
           <a:spcPts val="0"/>
         </a:spcAft>
         <a:buNone/>
-        <a:defRPr b="0" baseline="0" i="0" sz="1400" u="none" cap="none" strike="noStrike">
+        <a:defRPr sz="1400" b="0" i="0" u="none" strike="noStrike" cap="none" baseline="0">
           <a:solidFill>
             <a:srgbClr val="000000"/>
           </a:solidFill>
@@ -8865,7 +9356,7 @@
           <a:rtl val="0"/>
         </a:defRPr>
       </a:lvl1pPr>
-      <a:lvl2pPr marR="0" rtl="0" algn="l">
+      <a:lvl2pPr marR="0" algn="l" rtl="0">
         <a:lnSpc>
           <a:spcPct val="100000"/>
         </a:lnSpc>
@@ -8876,7 +9367,7 @@
           <a:spcPts val="0"/>
         </a:spcAft>
         <a:buNone/>
-        <a:defRPr b="0" baseline="0" i="0" sz="1400" u="none" cap="none" strike="noStrike">
+        <a:defRPr sz="1400" b="0" i="0" u="none" strike="noStrike" cap="none" baseline="0">
           <a:solidFill>
             <a:srgbClr val="000000"/>
           </a:solidFill>
@@ -8887,7 +9378,7 @@
           <a:rtl val="0"/>
         </a:defRPr>
       </a:lvl2pPr>
-      <a:lvl3pPr marR="0" rtl="0" algn="l">
+      <a:lvl3pPr marR="0" algn="l" rtl="0">
         <a:lnSpc>
           <a:spcPct val="100000"/>
         </a:lnSpc>
@@ -8898,7 +9389,7 @@
           <a:spcPts val="0"/>
         </a:spcAft>
         <a:buNone/>
-        <a:defRPr b="0" baseline="0" i="0" sz="1400" u="none" cap="none" strike="noStrike">
+        <a:defRPr sz="1400" b="0" i="0" u="none" strike="noStrike" cap="none" baseline="0">
           <a:solidFill>
             <a:srgbClr val="000000"/>
           </a:solidFill>
@@ -8909,7 +9400,7 @@
           <a:rtl val="0"/>
         </a:defRPr>
       </a:lvl3pPr>
-      <a:lvl4pPr marR="0" rtl="0" algn="l">
+      <a:lvl4pPr marR="0" algn="l" rtl="0">
         <a:lnSpc>
           <a:spcPct val="100000"/>
         </a:lnSpc>
@@ -8920,7 +9411,7 @@
           <a:spcPts val="0"/>
         </a:spcAft>
         <a:buNone/>
-        <a:defRPr b="0" baseline="0" i="0" sz="1400" u="none" cap="none" strike="noStrike">
+        <a:defRPr sz="1400" b="0" i="0" u="none" strike="noStrike" cap="none" baseline="0">
           <a:solidFill>
             <a:srgbClr val="000000"/>
           </a:solidFill>
@@ -8931,7 +9422,7 @@
           <a:rtl val="0"/>
         </a:defRPr>
       </a:lvl4pPr>
-      <a:lvl5pPr marR="0" rtl="0" algn="l">
+      <a:lvl5pPr marR="0" algn="l" rtl="0">
         <a:lnSpc>
           <a:spcPct val="100000"/>
         </a:lnSpc>
@@ -8942,7 +9433,7 @@
           <a:spcPts val="0"/>
         </a:spcAft>
         <a:buNone/>
-        <a:defRPr b="0" baseline="0" i="0" sz="1400" u="none" cap="none" strike="noStrike">
+        <a:defRPr sz="1400" b="0" i="0" u="none" strike="noStrike" cap="none" baseline="0">
           <a:solidFill>
             <a:srgbClr val="000000"/>
           </a:solidFill>
@@ -8953,7 +9444,7 @@
           <a:rtl val="0"/>
         </a:defRPr>
       </a:lvl5pPr>
-      <a:lvl6pPr marR="0" rtl="0" algn="l">
+      <a:lvl6pPr marR="0" algn="l" rtl="0">
         <a:lnSpc>
           <a:spcPct val="100000"/>
         </a:lnSpc>
@@ -8964,7 +9455,7 @@
           <a:spcPts val="0"/>
         </a:spcAft>
         <a:buNone/>
-        <a:defRPr b="0" baseline="0" i="0" sz="1400" u="none" cap="none" strike="noStrike">
+        <a:defRPr sz="1400" b="0" i="0" u="none" strike="noStrike" cap="none" baseline="0">
           <a:solidFill>
             <a:srgbClr val="000000"/>
           </a:solidFill>
@@ -8975,7 +9466,7 @@
           <a:rtl val="0"/>
         </a:defRPr>
       </a:lvl6pPr>
-      <a:lvl7pPr marR="0" rtl="0" algn="l">
+      <a:lvl7pPr marR="0" algn="l" rtl="0">
         <a:lnSpc>
           <a:spcPct val="100000"/>
         </a:lnSpc>
@@ -8986,7 +9477,7 @@
           <a:spcPts val="0"/>
         </a:spcAft>
         <a:buNone/>
-        <a:defRPr b="0" baseline="0" i="0" sz="1400" u="none" cap="none" strike="noStrike">
+        <a:defRPr sz="1400" b="0" i="0" u="none" strike="noStrike" cap="none" baseline="0">
           <a:solidFill>
             <a:srgbClr val="000000"/>
           </a:solidFill>
@@ -8997,7 +9488,7 @@
           <a:rtl val="0"/>
         </a:defRPr>
       </a:lvl7pPr>
-      <a:lvl8pPr marR="0" rtl="0" algn="l">
+      <a:lvl8pPr marR="0" algn="l" rtl="0">
         <a:lnSpc>
           <a:spcPct val="100000"/>
         </a:lnSpc>
@@ -9008,7 +9499,7 @@
           <a:spcPts val="0"/>
         </a:spcAft>
         <a:buNone/>
-        <a:defRPr b="0" baseline="0" i="0" sz="1400" u="none" cap="none" strike="noStrike">
+        <a:defRPr sz="1400" b="0" i="0" u="none" strike="noStrike" cap="none" baseline="0">
           <a:solidFill>
             <a:srgbClr val="000000"/>
           </a:solidFill>
@@ -9019,7 +9510,7 @@
           <a:rtl val="0"/>
         </a:defRPr>
       </a:lvl8pPr>
-      <a:lvl9pPr marR="0" rtl="0" algn="l">
+      <a:lvl9pPr marR="0" algn="l" rtl="0">
         <a:lnSpc>
           <a:spcPct val="100000"/>
         </a:lnSpc>
@@ -9030,7 +9521,7 @@
           <a:spcPts val="0"/>
         </a:spcAft>
         <a:buNone/>
-        <a:defRPr b="0" baseline="0" i="0" sz="1400" u="none" cap="none" strike="noStrike">
+        <a:defRPr sz="1400" b="0" i="0" u="none" strike="noStrike" cap="none" baseline="0">
           <a:solidFill>
             <a:srgbClr val="000000"/>
           </a:solidFill>
@@ -9047,11 +9538,11 @@
 </file>
 
 <file path=ppt/slides/slide1.xml><?xml version="1.0" encoding="utf-8"?>
-<p:sld xmlns:a="http://schemas.openxmlformats.org/drawingml/2006/main" xmlns:r="http://schemas.openxmlformats.org/officeDocument/2006/relationships" xmlns:mc="http://schemas.openxmlformats.org/markup-compatibility/2006" xmlns:mv="urn:schemas-microsoft-com:mac:vml" xmlns:p="http://schemas.openxmlformats.org/presentationml/2006/main" xmlns:c="http://schemas.openxmlformats.org/drawingml/2006/chart" xmlns:dgm="http://schemas.openxmlformats.org/drawingml/2006/diagram" xmlns:o="urn:schemas-microsoft-com:office:office" xmlns:v="urn:schemas-microsoft-com:vml" xmlns:pvml="urn:schemas-microsoft-com:office:powerpoint" xmlns:com="http://schemas.openxmlformats.org/drawingml/2006/compatibility" xmlns:p14="http://schemas.microsoft.com/office/powerpoint/2010/main">
+<p:sld xmlns:a="http://schemas.openxmlformats.org/drawingml/2006/main" xmlns:r="http://schemas.openxmlformats.org/officeDocument/2006/relationships" xmlns:p="http://schemas.openxmlformats.org/presentationml/2006/main">
   <p:cSld>
     <p:spTree>
       <p:nvGrpSpPr>
-        <p:cNvPr id="76" name="Shape 76"/>
+        <p:cNvPr id="1" name="Shape 76"/>
         <p:cNvGrpSpPr/>
         <p:nvPr/>
       </p:nvGrpSpPr>
@@ -9066,9 +9557,11 @@
       <p:sp>
         <p:nvSpPr>
           <p:cNvPr id="77" name="Shape 77"/>
-          <p:cNvSpPr txBox="1"/>
+          <p:cNvSpPr txBox="1">
+            <a:spLocks noGrp="1"/>
+          </p:cNvSpPr>
           <p:nvPr>
-            <p:ph idx="1" type="subTitle"/>
+            <p:ph type="subTitle" idx="1"/>
           </p:nvPr>
         </p:nvSpPr>
         <p:spPr>
@@ -9085,12 +9578,12 @@
           </a:ln>
         </p:spPr>
         <p:txBody>
-          <a:bodyPr anchorCtr="0" anchor="t" bIns="45700" lIns="91425" rIns="91425" tIns="45700">
+          <a:bodyPr lIns="91425" tIns="45700" rIns="91425" bIns="45700" anchor="t" anchorCtr="0">
             <a:noAutofit/>
           </a:bodyPr>
           <a:lstStyle/>
           <a:p>
-            <a:pPr indent="0" lvl="0" marL="0" marR="0" rtl="0" algn="ctr">
+            <a:pPr marL="0" marR="0" lvl="0" indent="0" algn="ctr" rtl="0">
               <a:spcBef>
                 <a:spcPts val="0"/>
               </a:spcBef>
@@ -9139,12 +9632,12 @@
           </a:ln>
         </p:spPr>
         <p:txBody>
-          <a:bodyPr anchorCtr="0" anchor="b" bIns="45700" lIns="91425" rIns="91425" tIns="45700">
+          <a:bodyPr lIns="91425" tIns="45700" rIns="91425" bIns="45700" anchor="b" anchorCtr="0">
             <a:noAutofit/>
           </a:bodyPr>
           <a:lstStyle/>
           <a:p>
-            <a:pPr indent="0" lvl="0" marL="0" marR="0" rtl="0" algn="ctr">
+            <a:pPr marL="0" marR="0" lvl="0" indent="0" algn="ctr" rtl="0">
               <a:spcBef>
                 <a:spcPts val="0"/>
               </a:spcBef>
@@ -9155,7 +9648,7 @@
               <a:buNone/>
             </a:pPr>
             <a:r>
-              <a:rPr b="0" baseline="0" i="0" lang="en-US" sz="3600" u="none" cap="none" strike="noStrike">
+              <a:rPr lang="en-US" sz="3600" b="0" i="0" u="none" strike="noStrike" cap="none" baseline="0">
                 <a:solidFill>
                   <a:schemeClr val="accent1"/>
                 </a:solidFill>
@@ -9166,8 +9659,17 @@
               </a:rPr>
               <a:t>Senior Project Final Presentation</a:t>
             </a:r>
+            <a:r>
+              <a:rPr lang="en-US" sz="4400" b="0" i="0" u="none" strike="noStrike" cap="none" baseline="0">
+                <a:latin typeface="Trebuchet MS"/>
+                <a:ea typeface="Trebuchet MS"/>
+                <a:cs typeface="Trebuchet MS"/>
+                <a:sym typeface="Trebuchet MS"/>
+              </a:rPr>
+              <a:t/>
+            </a:r>
             <a:br>
-              <a:rPr b="0" baseline="0" i="0" lang="en-US" sz="4400" u="none" cap="none" strike="noStrike">
+              <a:rPr lang="en-US" sz="4400" b="0" i="0" u="none" strike="noStrike" cap="none" baseline="0">
                 <a:latin typeface="Trebuchet MS"/>
                 <a:ea typeface="Trebuchet MS"/>
                 <a:cs typeface="Trebuchet MS"/>
@@ -9189,7 +9691,9 @@
       <p:sp>
         <p:nvSpPr>
           <p:cNvPr id="79" name="Shape 79"/>
-          <p:cNvSpPr txBox="1"/>
+          <p:cNvSpPr txBox="1">
+            <a:spLocks noGrp="1"/>
+          </p:cNvSpPr>
           <p:nvPr>
             <p:ph type="ctrTitle"/>
           </p:nvPr>
@@ -9208,12 +9712,12 @@
           </a:ln>
         </p:spPr>
         <p:txBody>
-          <a:bodyPr anchorCtr="0" anchor="b" bIns="45700" lIns="91425" rIns="91425" tIns="45700">
+          <a:bodyPr lIns="91425" tIns="45700" rIns="91425" bIns="45700" anchor="b" anchorCtr="0">
             <a:noAutofit/>
           </a:bodyPr>
           <a:lstStyle/>
           <a:p>
-            <a:pPr indent="0" lvl="0" marL="0" marR="0" rtl="0" algn="ctr">
+            <a:pPr marL="0" marR="0" lvl="0" indent="0" algn="ctr" rtl="0">
               <a:spcBef>
                 <a:spcPts val="0"/>
               </a:spcBef>
@@ -9224,7 +9728,7 @@
               <a:buNone/>
             </a:pPr>
             <a:r>
-              <a:rPr b="0" lang="en-US" sz="4400">
+              <a:rPr lang="en-US" sz="4400" b="0" dirty="0" err="1">
                 <a:latin typeface="Trebuchet MS"/>
                 <a:ea typeface="Trebuchet MS"/>
                 <a:cs typeface="Trebuchet MS"/>
@@ -9232,28 +9736,25 @@
               </a:rPr>
               <a:t>RMCuff</a:t>
             </a:r>
-            <a:br>
-              <a:rPr b="0" baseline="0" i="0" lang="en-US" sz="4400" u="none" cap="none" strike="noStrike">
+            <a:r>
+              <a:rPr lang="en-US" sz="4400" b="0" i="0" u="none" strike="noStrike" cap="none" baseline="0" dirty="0">
                 <a:latin typeface="Trebuchet MS"/>
                 <a:ea typeface="Trebuchet MS"/>
                 <a:cs typeface="Trebuchet MS"/>
                 <a:sym typeface="Trebuchet MS"/>
               </a:rPr>
-            </a:br>
-            <a:r>
-              <a:rPr b="0" baseline="0" i="0" lang="en-US" sz="2800" u="none" cap="none" strike="noStrike">
-                <a:solidFill>
-                  <a:srgbClr val="000000"/>
-                </a:solidFill>
+              <a:t/>
+            </a:r>
+            <a:br>
+              <a:rPr lang="en-US" sz="4400" b="0" i="0" u="none" strike="noStrike" cap="none" baseline="0" dirty="0">
                 <a:latin typeface="Trebuchet MS"/>
                 <a:ea typeface="Trebuchet MS"/>
                 <a:cs typeface="Trebuchet MS"/>
                 <a:sym typeface="Trebuchet MS"/>
               </a:rPr>
-              <a:t>Team Member(s): </a:t>
-            </a:r>
-            <a:r>
-              <a:rPr b="0" lang="en-US" sz="2800">
+            </a:br>
+            <a:r>
+              <a:rPr lang="en-US" sz="2800" b="0" i="0" u="none" strike="noStrike" cap="none" baseline="0" dirty="0">
                 <a:solidFill>
                   <a:srgbClr val="000000"/>
                 </a:solidFill>
@@ -9262,10 +9763,10 @@
                 <a:cs typeface="Trebuchet MS"/>
                 <a:sym typeface="Trebuchet MS"/>
               </a:rPr>
-              <a:t>David Baez, Marc Roger</a:t>
-            </a:r>
-            <a:br>
-              <a:rPr b="0" baseline="0" i="0" lang="en-US" sz="2800" u="none" cap="none" strike="noStrike">
+              <a:t>Team </a:t>
+            </a:r>
+            <a:r>
+              <a:rPr lang="en-US" sz="2800" b="0" i="0" u="none" strike="noStrike" cap="none" baseline="0" dirty="0" smtClean="0">
                 <a:solidFill>
                   <a:srgbClr val="000000"/>
                 </a:solidFill>
@@ -9274,9 +9775,10 @@
                 <a:cs typeface="Trebuchet MS"/>
                 <a:sym typeface="Trebuchet MS"/>
               </a:rPr>
-            </a:br>
-            <a:r>
-              <a:rPr b="0" baseline="0" i="0" lang="en-US" sz="2800" u="none" cap="none" strike="noStrike">
+              <a:t>Members: </a:t>
+            </a:r>
+            <a:r>
+              <a:rPr lang="en-US" sz="2800" b="0" dirty="0">
                 <a:solidFill>
                   <a:srgbClr val="000000"/>
                 </a:solidFill>
@@ -9285,10 +9787,10 @@
                 <a:cs typeface="Trebuchet MS"/>
                 <a:sym typeface="Trebuchet MS"/>
               </a:rPr>
-              <a:t>Product Owner(s): </a:t>
-            </a:r>
-            <a:r>
-              <a:rPr b="0" lang="en-US" sz="2800">
+              <a:t>David Baez, Marc Roger</a:t>
+            </a:r>
+            <a:r>
+              <a:rPr lang="en-US" sz="2800" b="0" i="0" u="none" strike="noStrike" cap="none" baseline="0" dirty="0">
                 <a:solidFill>
                   <a:srgbClr val="000000"/>
                 </a:solidFill>
@@ -9297,10 +9799,10 @@
                 <a:cs typeface="Trebuchet MS"/>
                 <a:sym typeface="Trebuchet MS"/>
               </a:rPr>
-              <a:t>Peter Dickson</a:t>
+              <a:t/>
             </a:r>
             <a:br>
-              <a:rPr b="0" baseline="0" i="0" lang="en-US" sz="2800" u="none" cap="none" strike="noStrike">
+              <a:rPr lang="en-US" sz="2800" b="0" i="0" u="none" strike="noStrike" cap="none" baseline="0" dirty="0">
                 <a:solidFill>
                   <a:srgbClr val="000000"/>
                 </a:solidFill>
@@ -9311,7 +9813,7 @@
               </a:rPr>
             </a:br>
             <a:r>
-              <a:rPr b="0" baseline="0" i="0" lang="en-US" sz="2800" u="none" cap="none" strike="noStrike">
+              <a:rPr lang="en-US" sz="2800" b="0" i="0" u="none" strike="noStrike" cap="none" baseline="0" dirty="0">
                 <a:solidFill>
                   <a:srgbClr val="000000"/>
                 </a:solidFill>
@@ -9320,56 +9822,172 @@
                 <a:cs typeface="Trebuchet MS"/>
                 <a:sym typeface="Trebuchet MS"/>
               </a:rPr>
-              <a:t>Instructor: Masoud Sadjadi</a:t>
-            </a:r>
-          </a:p>
-          <a:p>
-            <a:pPr indent="0" lvl="0" marL="0" marR="0" rtl="0" algn="ctr">
-              <a:spcBef>
-                <a:spcPts val="0"/>
-              </a:spcBef>
-              <a:spcAft>
-                <a:spcPts val="0"/>
-              </a:spcAft>
-              <a:buSzPct val="25000"/>
-              <a:buNone/>
-            </a:pPr>
-            <a:br>
-              <a:rPr b="0" baseline="0" i="0" lang="en-US" sz="4400" u="none" cap="none" strike="noStrike">
-                <a:solidFill>
-                  <a:srgbClr val="001D4D"/>
+              <a:t>Product </a:t>
+            </a:r>
+            <a:r>
+              <a:rPr lang="en-US" sz="2800" b="0" i="0" u="none" strike="noStrike" cap="none" baseline="0" dirty="0" smtClean="0">
+                <a:solidFill>
+                  <a:srgbClr val="000000"/>
                 </a:solidFill>
                 <a:latin typeface="Trebuchet MS"/>
                 <a:ea typeface="Trebuchet MS"/>
                 <a:cs typeface="Trebuchet MS"/>
                 <a:sym typeface="Trebuchet MS"/>
               </a:rPr>
-            </a:br>
-            <a:r>
-              <a:rPr b="0" baseline="0" i="0" lang="en-US" sz="1800" u="none" cap="none" strike="noStrike">
-                <a:solidFill>
-                  <a:srgbClr val="001D4D"/>
+              <a:t>Owner: </a:t>
+            </a:r>
+            <a:r>
+              <a:rPr lang="en-US" sz="2800" b="0" dirty="0">
+                <a:solidFill>
+                  <a:srgbClr val="000000"/>
                 </a:solidFill>
                 <a:latin typeface="Trebuchet MS"/>
                 <a:ea typeface="Trebuchet MS"/>
                 <a:cs typeface="Trebuchet MS"/>
                 <a:sym typeface="Trebuchet MS"/>
               </a:rPr>
-              <a:t>School of Computing and Information Sciences</a:t>
-            </a:r>
-            <a:br>
-              <a:rPr b="0" baseline="0" i="0" lang="en-US" sz="1800" u="none" cap="none" strike="noStrike">
-                <a:solidFill>
-                  <a:srgbClr val="001D4D"/>
+              <a:t>Peter Dickson</a:t>
+            </a:r>
+            <a:r>
+              <a:rPr lang="en-US" sz="2800" b="0" i="0" u="none" strike="noStrike" cap="none" baseline="0" dirty="0">
+                <a:solidFill>
+                  <a:srgbClr val="000000"/>
                 </a:solidFill>
                 <a:latin typeface="Trebuchet MS"/>
                 <a:ea typeface="Trebuchet MS"/>
                 <a:cs typeface="Trebuchet MS"/>
                 <a:sym typeface="Trebuchet MS"/>
               </a:rPr>
+              <a:t/>
+            </a:r>
+            <a:br>
+              <a:rPr lang="en-US" sz="2800" b="0" i="0" u="none" strike="noStrike" cap="none" baseline="0" dirty="0">
+                <a:solidFill>
+                  <a:srgbClr val="000000"/>
+                </a:solidFill>
+                <a:latin typeface="Trebuchet MS"/>
+                <a:ea typeface="Trebuchet MS"/>
+                <a:cs typeface="Trebuchet MS"/>
+                <a:sym typeface="Trebuchet MS"/>
+              </a:rPr>
             </a:br>
             <a:r>
-              <a:rPr b="0" baseline="0" i="0" lang="en-US" sz="1800" u="none" cap="none" strike="noStrike">
+              <a:rPr lang="en-US" sz="2800" b="0" i="0" u="none" strike="noStrike" cap="none" baseline="0" dirty="0">
+                <a:solidFill>
+                  <a:srgbClr val="000000"/>
+                </a:solidFill>
+                <a:latin typeface="Trebuchet MS"/>
+                <a:ea typeface="Trebuchet MS"/>
+                <a:cs typeface="Trebuchet MS"/>
+                <a:sym typeface="Trebuchet MS"/>
+              </a:rPr>
+              <a:t>Instructor: </a:t>
+            </a:r>
+            <a:r>
+              <a:rPr lang="en-US" sz="2800" b="0" i="0" u="none" strike="noStrike" cap="none" baseline="0" dirty="0" err="1">
+                <a:solidFill>
+                  <a:srgbClr val="000000"/>
+                </a:solidFill>
+                <a:latin typeface="Trebuchet MS"/>
+                <a:ea typeface="Trebuchet MS"/>
+                <a:cs typeface="Trebuchet MS"/>
+                <a:sym typeface="Trebuchet MS"/>
+              </a:rPr>
+              <a:t>Masoud</a:t>
+            </a:r>
+            <a:r>
+              <a:rPr lang="en-US" sz="2800" b="0" i="0" u="none" strike="noStrike" cap="none" baseline="0" dirty="0">
+                <a:solidFill>
+                  <a:srgbClr val="000000"/>
+                </a:solidFill>
+                <a:latin typeface="Trebuchet MS"/>
+                <a:ea typeface="Trebuchet MS"/>
+                <a:cs typeface="Trebuchet MS"/>
+                <a:sym typeface="Trebuchet MS"/>
+              </a:rPr>
+              <a:t> </a:t>
+            </a:r>
+            <a:r>
+              <a:rPr lang="en-US" sz="2800" b="0" i="0" u="none" strike="noStrike" cap="none" baseline="0" dirty="0" err="1">
+                <a:solidFill>
+                  <a:srgbClr val="000000"/>
+                </a:solidFill>
+                <a:latin typeface="Trebuchet MS"/>
+                <a:ea typeface="Trebuchet MS"/>
+                <a:cs typeface="Trebuchet MS"/>
+                <a:sym typeface="Trebuchet MS"/>
+              </a:rPr>
+              <a:t>Sadjadi</a:t>
+            </a:r>
+            <a:endParaRPr lang="en-US" sz="2800" b="0" i="0" u="none" strike="noStrike" cap="none" baseline="0" dirty="0">
+              <a:solidFill>
+                <a:srgbClr val="000000"/>
+              </a:solidFill>
+              <a:latin typeface="Trebuchet MS"/>
+              <a:ea typeface="Trebuchet MS"/>
+              <a:cs typeface="Trebuchet MS"/>
+              <a:sym typeface="Trebuchet MS"/>
+            </a:endParaRPr>
+          </a:p>
+          <a:p>
+            <a:pPr marL="0" marR="0" lvl="0" indent="0" algn="ctr" rtl="0">
+              <a:spcBef>
+                <a:spcPts val="0"/>
+              </a:spcBef>
+              <a:spcAft>
+                <a:spcPts val="0"/>
+              </a:spcAft>
+              <a:buSzPct val="25000"/>
+              <a:buNone/>
+            </a:pPr>
+            <a:r>
+              <a:rPr lang="en-US" sz="4400" b="0" i="0" u="none" strike="noStrike" cap="none" baseline="0" dirty="0">
+                <a:solidFill>
+                  <a:srgbClr val="001D4D"/>
+                </a:solidFill>
+                <a:latin typeface="Trebuchet MS"/>
+                <a:ea typeface="Trebuchet MS"/>
+                <a:cs typeface="Trebuchet MS"/>
+                <a:sym typeface="Trebuchet MS"/>
+              </a:rPr>
+              <a:t/>
+            </a:r>
+            <a:br>
+              <a:rPr lang="en-US" sz="4400" b="0" i="0" u="none" strike="noStrike" cap="none" baseline="0" dirty="0">
+                <a:solidFill>
+                  <a:srgbClr val="001D4D"/>
+                </a:solidFill>
+                <a:latin typeface="Trebuchet MS"/>
+                <a:ea typeface="Trebuchet MS"/>
+                <a:cs typeface="Trebuchet MS"/>
+                <a:sym typeface="Trebuchet MS"/>
+              </a:rPr>
+            </a:br>
+            <a:r>
+              <a:rPr lang="en-US" sz="1800" b="0" i="0" u="none" strike="noStrike" cap="none" baseline="0" dirty="0">
+                <a:solidFill>
+                  <a:srgbClr val="001D4D"/>
+                </a:solidFill>
+                <a:latin typeface="Trebuchet MS"/>
+                <a:ea typeface="Trebuchet MS"/>
+                <a:cs typeface="Trebuchet MS"/>
+                <a:sym typeface="Trebuchet MS"/>
+              </a:rPr>
+              <a:t>School of Computing and Information Sciences</a:t>
+            </a:r>
+            <a:br>
+              <a:rPr lang="en-US" sz="1800" b="0" i="0" u="none" strike="noStrike" cap="none" baseline="0" dirty="0">
+                <a:solidFill>
+                  <a:srgbClr val="001D4D"/>
+                </a:solidFill>
+                <a:latin typeface="Trebuchet MS"/>
+                <a:ea typeface="Trebuchet MS"/>
+                <a:cs typeface="Trebuchet MS"/>
+                <a:sym typeface="Trebuchet MS"/>
+              </a:rPr>
+            </a:br>
+            <a:r>
+              <a:rPr lang="en-US" sz="1800" b="0" i="0" u="none" strike="noStrike" cap="none" baseline="0" dirty="0">
                 <a:solidFill>
                   <a:srgbClr val="001D4D"/>
                 </a:solidFill>
@@ -9386,9 +10004,11 @@
       <p:sp>
         <p:nvSpPr>
           <p:cNvPr id="80" name="Shape 80"/>
-          <p:cNvSpPr txBox="1"/>
+          <p:cNvSpPr txBox="1">
+            <a:spLocks noGrp="1"/>
+          </p:cNvSpPr>
           <p:nvPr>
-            <p:ph idx="12" type="sldNum"/>
+            <p:ph type="sldNum" idx="12"/>
           </p:nvPr>
         </p:nvSpPr>
         <p:spPr>
@@ -9401,7 +10021,7 @@
           </a:prstGeom>
         </p:spPr>
         <p:txBody>
-          <a:bodyPr anchorCtr="0" anchor="ctr" bIns="91425" lIns="91425" rIns="91425" tIns="91425">
+          <a:bodyPr lIns="91425" tIns="91425" rIns="91425" bIns="91425" anchor="ctr" anchorCtr="0">
             <a:noAutofit/>
           </a:bodyPr>
           <a:lstStyle/>
@@ -9414,8 +10034,9 @@
             </a:pPr>
             <a:fld id="{00000000-1234-1234-1234-123412341234}" type="slidenum">
               <a:rPr lang="en-US"/>
-              <a:t>‹#›</a:t>
+              <a:t>1</a:t>
             </a:fld>
+            <a:endParaRPr lang="en-US"/>
           </a:p>
         </p:txBody>
       </p:sp>
@@ -9424,18 +10045,18 @@
   <p:clrMapOvr>
     <a:masterClrMapping/>
   </p:clrMapOvr>
-  <p:transition spd="slow">
+  <p:transition xmlns:p14="http://schemas.microsoft.com/office/powerpoint/2010/main" spd="slow">
     <p:cut/>
   </p:transition>
 </p:sld>
 </file>
 
 <file path=ppt/slides/slide10.xml><?xml version="1.0" encoding="utf-8"?>
-<p:sld xmlns:a="http://schemas.openxmlformats.org/drawingml/2006/main" xmlns:r="http://schemas.openxmlformats.org/officeDocument/2006/relationships" xmlns:mc="http://schemas.openxmlformats.org/markup-compatibility/2006" xmlns:mv="urn:schemas-microsoft-com:mac:vml" xmlns:p="http://schemas.openxmlformats.org/presentationml/2006/main" xmlns:c="http://schemas.openxmlformats.org/drawingml/2006/chart" xmlns:dgm="http://schemas.openxmlformats.org/drawingml/2006/diagram" xmlns:o="urn:schemas-microsoft-com:office:office" xmlns:v="urn:schemas-microsoft-com:vml" xmlns:pvml="urn:schemas-microsoft-com:office:powerpoint" xmlns:com="http://schemas.openxmlformats.org/drawingml/2006/compatibility" xmlns:p14="http://schemas.microsoft.com/office/powerpoint/2010/main">
+<p:sld xmlns:a="http://schemas.openxmlformats.org/drawingml/2006/main" xmlns:r="http://schemas.openxmlformats.org/officeDocument/2006/relationships" xmlns:p="http://schemas.openxmlformats.org/presentationml/2006/main">
   <p:cSld>
     <p:spTree>
       <p:nvGrpSpPr>
-        <p:cNvPr id="164" name="Shape 164"/>
+        <p:cNvPr id="1" name="Shape 164"/>
         <p:cNvGrpSpPr/>
         <p:nvPr/>
       </p:nvGrpSpPr>
@@ -9450,7 +10071,9 @@
       <p:sp>
         <p:nvSpPr>
           <p:cNvPr id="165" name="Shape 165"/>
-          <p:cNvSpPr txBox="1"/>
+          <p:cNvSpPr txBox="1">
+            <a:spLocks noGrp="1"/>
+          </p:cNvSpPr>
           <p:nvPr>
             <p:ph type="title"/>
           </p:nvPr>
@@ -9469,12 +10092,12 @@
           </a:ln>
         </p:spPr>
         <p:txBody>
-          <a:bodyPr anchorCtr="0" anchor="b" bIns="45700" lIns="91425" rIns="91425" tIns="45700">
+          <a:bodyPr lIns="91425" tIns="45700" rIns="91425" bIns="45700" anchor="b" anchorCtr="0">
             <a:noAutofit/>
           </a:bodyPr>
           <a:lstStyle/>
           <a:p>
-            <a:pPr indent="0" lvl="0" marL="0" marR="0" rtl="0" algn="l">
+            <a:pPr marL="0" marR="0" lvl="0" indent="0" algn="l" rtl="0">
               <a:spcBef>
                 <a:spcPts val="0"/>
               </a:spcBef>
@@ -9485,7 +10108,7 @@
               <a:buNone/>
             </a:pPr>
             <a:r>
-              <a:rPr b="0" baseline="0" i="0" lang="en-US" sz="3800" u="none" cap="none" strike="noStrike">
+              <a:rPr lang="en-US" sz="3800" b="0" i="0" u="none" strike="noStrike" cap="none" baseline="0">
                 <a:solidFill>
                   <a:srgbClr val="001D4D"/>
                 </a:solidFill>
@@ -9502,9 +10125,11 @@
       <p:sp>
         <p:nvSpPr>
           <p:cNvPr id="166" name="Shape 166"/>
-          <p:cNvSpPr txBox="1"/>
+          <p:cNvSpPr txBox="1">
+            <a:spLocks noGrp="1"/>
+          </p:cNvSpPr>
           <p:nvPr>
-            <p:ph idx="1" type="body"/>
+            <p:ph type="body" idx="1"/>
           </p:nvPr>
         </p:nvSpPr>
         <p:spPr>
@@ -9521,7 +10146,7 @@
           </a:ln>
         </p:spPr>
         <p:txBody>
-          <a:bodyPr anchorCtr="0" anchor="t" bIns="45700" lIns="91425" rIns="91425" tIns="45700">
+          <a:bodyPr lIns="91425" tIns="45700" rIns="91425" bIns="45700" anchor="t" anchorCtr="0">
             <a:noAutofit/>
           </a:bodyPr>
           <a:lstStyle/>
@@ -9533,7 +10158,7 @@
               <a:buNone/>
             </a:pPr>
             <a:r>
-              <a:rPr b="1" lang="en-US">
+              <a:rPr lang="en-US" b="1">
                 <a:solidFill>
                   <a:srgbClr val="001D4D"/>
                 </a:solidFill>
@@ -9574,7 +10199,7 @@
             </a:r>
           </a:p>
           <a:p>
-            <a:pPr marR="0" rtl="0" algn="l">
+            <a:pPr marR="0" algn="l" rtl="0">
               <a:spcBef>
                 <a:spcPts val="2000"/>
               </a:spcBef>
@@ -9584,7 +10209,7 @@
               <a:buNone/>
             </a:pPr>
             <a:r>
-              <a:rPr b="1" baseline="0" i="0" lang="en-US" u="none" cap="none" strike="noStrike">
+              <a:rPr lang="en-US" b="1" i="0" u="none" strike="noStrike" cap="none" baseline="0">
                 <a:solidFill>
                   <a:srgbClr val="001D4D"/>
                 </a:solidFill>
@@ -9629,7 +10254,7 @@
             </a:r>
           </a:p>
           <a:p>
-            <a:pPr lvl="0" marR="0" rtl="0" algn="l">
+            <a:pPr marR="0" lvl="0" algn="l" rtl="0">
               <a:spcBef>
                 <a:spcPts val="2000"/>
               </a:spcBef>
@@ -9638,9 +10263,6 @@
               </a:spcAft>
               <a:buNone/>
             </a:pPr>
-            <a:r>
-              <a:t/>
-            </a:r>
             <a:endParaRPr b="1">
               <a:solidFill>
                 <a:srgbClr val="001D4D"/>
@@ -9656,9 +10278,11 @@
       <p:sp>
         <p:nvSpPr>
           <p:cNvPr id="167" name="Shape 167"/>
-          <p:cNvSpPr txBox="1"/>
+          <p:cNvSpPr txBox="1">
+            <a:spLocks noGrp="1"/>
+          </p:cNvSpPr>
           <p:nvPr>
-            <p:ph idx="12" type="sldNum"/>
+            <p:ph type="sldNum" idx="12"/>
           </p:nvPr>
         </p:nvSpPr>
         <p:spPr>
@@ -9671,7 +10295,7 @@
           </a:prstGeom>
         </p:spPr>
         <p:txBody>
-          <a:bodyPr anchorCtr="0" anchor="ctr" bIns="91425" lIns="91425" rIns="91425" tIns="91425">
+          <a:bodyPr lIns="91425" tIns="91425" rIns="91425" bIns="91425" anchor="ctr" anchorCtr="0">
             <a:noAutofit/>
           </a:bodyPr>
           <a:lstStyle/>
@@ -9684,8 +10308,9 @@
             </a:pPr>
             <a:fld id="{00000000-1234-1234-1234-123412341234}" type="slidenum">
               <a:rPr lang="en-US"/>
-              <a:t>‹#›</a:t>
+              <a:t>10</a:t>
             </a:fld>
+            <a:endParaRPr lang="en-US"/>
           </a:p>
         </p:txBody>
       </p:sp>
@@ -9694,18 +10319,18 @@
   <p:clrMapOvr>
     <a:masterClrMapping/>
   </p:clrMapOvr>
-  <p:transition spd="slow">
+  <p:transition xmlns:p14="http://schemas.microsoft.com/office/powerpoint/2010/main" spd="slow">
     <p:cut/>
   </p:transition>
 </p:sld>
 </file>
 
 <file path=ppt/slides/slide11.xml><?xml version="1.0" encoding="utf-8"?>
-<p:sld xmlns:a="http://schemas.openxmlformats.org/drawingml/2006/main" xmlns:r="http://schemas.openxmlformats.org/officeDocument/2006/relationships" xmlns:mc="http://schemas.openxmlformats.org/markup-compatibility/2006" xmlns:mv="urn:schemas-microsoft-com:mac:vml" xmlns:p="http://schemas.openxmlformats.org/presentationml/2006/main" xmlns:c="http://schemas.openxmlformats.org/drawingml/2006/chart" xmlns:dgm="http://schemas.openxmlformats.org/drawingml/2006/diagram" xmlns:o="urn:schemas-microsoft-com:office:office" xmlns:v="urn:schemas-microsoft-com:vml" xmlns:pvml="urn:schemas-microsoft-com:office:powerpoint" xmlns:com="http://schemas.openxmlformats.org/drawingml/2006/compatibility" xmlns:p14="http://schemas.microsoft.com/office/powerpoint/2010/main">
+<p:sld xmlns:a="http://schemas.openxmlformats.org/drawingml/2006/main" xmlns:r="http://schemas.openxmlformats.org/officeDocument/2006/relationships" xmlns:p="http://schemas.openxmlformats.org/presentationml/2006/main">
   <p:cSld>
     <p:spTree>
       <p:nvGrpSpPr>
-        <p:cNvPr id="172" name="Shape 172"/>
+        <p:cNvPr id="1" name="Shape 172"/>
         <p:cNvGrpSpPr/>
         <p:nvPr/>
       </p:nvGrpSpPr>
@@ -9720,7 +10345,9 @@
       <p:sp>
         <p:nvSpPr>
           <p:cNvPr id="173" name="Shape 173"/>
-          <p:cNvSpPr txBox="1"/>
+          <p:cNvSpPr txBox="1">
+            <a:spLocks noGrp="1"/>
+          </p:cNvSpPr>
           <p:nvPr>
             <p:ph type="title"/>
           </p:nvPr>
@@ -9739,12 +10366,12 @@
           </a:ln>
         </p:spPr>
         <p:txBody>
-          <a:bodyPr anchorCtr="0" anchor="b" bIns="45700" lIns="91425" rIns="91425" tIns="45700">
+          <a:bodyPr lIns="91425" tIns="45700" rIns="91425" bIns="45700" anchor="b" anchorCtr="0">
             <a:noAutofit/>
           </a:bodyPr>
           <a:lstStyle/>
           <a:p>
-            <a:pPr indent="0" lvl="0" marL="0" marR="0" rtl="0" algn="l">
+            <a:pPr marL="0" marR="0" lvl="0" indent="0" algn="l" rtl="0">
               <a:spcBef>
                 <a:spcPts val="0"/>
               </a:spcBef>
@@ -9755,7 +10382,7 @@
               <a:buNone/>
             </a:pPr>
             <a:r>
-              <a:rPr b="0" baseline="0" i="0" lang="en-US" sz="3800" u="none" cap="none" strike="noStrike">
+              <a:rPr lang="en-US" sz="3800" b="0" i="0" u="none" strike="noStrike" cap="none" baseline="0">
                 <a:solidFill>
                   <a:srgbClr val="001D4D"/>
                 </a:solidFill>
@@ -9772,9 +10399,11 @@
       <p:sp>
         <p:nvSpPr>
           <p:cNvPr id="174" name="Shape 174"/>
-          <p:cNvSpPr txBox="1"/>
+          <p:cNvSpPr txBox="1">
+            <a:spLocks noGrp="1"/>
+          </p:cNvSpPr>
           <p:nvPr>
-            <p:ph idx="12" type="sldNum"/>
+            <p:ph type="sldNum" idx="12"/>
           </p:nvPr>
         </p:nvSpPr>
         <p:spPr>
@@ -9787,7 +10416,7 @@
           </a:prstGeom>
         </p:spPr>
         <p:txBody>
-          <a:bodyPr anchorCtr="0" anchor="ctr" bIns="91425" lIns="91425" rIns="91425" tIns="91425">
+          <a:bodyPr lIns="91425" tIns="91425" rIns="91425" bIns="91425" anchor="ctr" anchorCtr="0">
             <a:noAutofit/>
           </a:bodyPr>
           <a:lstStyle/>
@@ -9800,8 +10429,9 @@
             </a:pPr>
             <a:fld id="{00000000-1234-1234-1234-123412341234}" type="slidenum">
               <a:rPr lang="en-US"/>
-              <a:t>‹#›</a:t>
+              <a:t>11</a:t>
             </a:fld>
+            <a:endParaRPr lang="en-US"/>
           </a:p>
         </p:txBody>
       </p:sp>
@@ -9838,18 +10468,18 @@
   <p:clrMapOvr>
     <a:masterClrMapping/>
   </p:clrMapOvr>
-  <p:transition spd="slow">
+  <p:transition xmlns:p14="http://schemas.microsoft.com/office/powerpoint/2010/main" spd="slow">
     <p:cut/>
   </p:transition>
 </p:sld>
 </file>
 
 <file path=ppt/slides/slide12.xml><?xml version="1.0" encoding="utf-8"?>
-<p:sld xmlns:a="http://schemas.openxmlformats.org/drawingml/2006/main" xmlns:r="http://schemas.openxmlformats.org/officeDocument/2006/relationships" xmlns:mc="http://schemas.openxmlformats.org/markup-compatibility/2006" xmlns:mv="urn:schemas-microsoft-com:mac:vml" xmlns:p="http://schemas.openxmlformats.org/presentationml/2006/main" xmlns:c="http://schemas.openxmlformats.org/drawingml/2006/chart" xmlns:dgm="http://schemas.openxmlformats.org/drawingml/2006/diagram" xmlns:o="urn:schemas-microsoft-com:office:office" xmlns:v="urn:schemas-microsoft-com:vml" xmlns:pvml="urn:schemas-microsoft-com:office:powerpoint" xmlns:com="http://schemas.openxmlformats.org/drawingml/2006/compatibility" xmlns:p14="http://schemas.microsoft.com/office/powerpoint/2010/main">
+<p:sld xmlns:a="http://schemas.openxmlformats.org/drawingml/2006/main" xmlns:r="http://schemas.openxmlformats.org/officeDocument/2006/relationships" xmlns:p="http://schemas.openxmlformats.org/presentationml/2006/main">
   <p:cSld>
     <p:spTree>
       <p:nvGrpSpPr>
-        <p:cNvPr id="180" name="Shape 180"/>
+        <p:cNvPr id="1" name="Shape 180"/>
         <p:cNvGrpSpPr/>
         <p:nvPr/>
       </p:nvGrpSpPr>
@@ -9864,7 +10494,9 @@
       <p:sp>
         <p:nvSpPr>
           <p:cNvPr id="181" name="Shape 181"/>
-          <p:cNvSpPr txBox="1"/>
+          <p:cNvSpPr txBox="1">
+            <a:spLocks noGrp="1"/>
+          </p:cNvSpPr>
           <p:nvPr>
             <p:ph type="title"/>
           </p:nvPr>
@@ -9883,12 +10515,12 @@
           </a:ln>
         </p:spPr>
         <p:txBody>
-          <a:bodyPr anchorCtr="0" anchor="b" bIns="45700" lIns="91425" rIns="91425" tIns="45700">
+          <a:bodyPr lIns="91425" tIns="45700" rIns="91425" bIns="45700" anchor="b" anchorCtr="0">
             <a:noAutofit/>
           </a:bodyPr>
           <a:lstStyle/>
           <a:p>
-            <a:pPr indent="0" lvl="0" marL="0" marR="0" rtl="0" algn="l">
+            <a:pPr marL="0" marR="0" lvl="0" indent="0" algn="l" rtl="0">
               <a:spcBef>
                 <a:spcPts val="0"/>
               </a:spcBef>
@@ -9899,7 +10531,7 @@
               <a:buNone/>
             </a:pPr>
             <a:r>
-              <a:rPr b="0" baseline="0" i="0" lang="en-US" sz="3800" u="none" cap="none" strike="noStrike">
+              <a:rPr lang="en-US" sz="3800" b="0" i="0" u="none" strike="noStrike" cap="none" baseline="0">
                 <a:solidFill>
                   <a:srgbClr val="001D4D"/>
                 </a:solidFill>
@@ -9916,9 +10548,11 @@
       <p:sp>
         <p:nvSpPr>
           <p:cNvPr id="182" name="Shape 182"/>
-          <p:cNvSpPr txBox="1"/>
+          <p:cNvSpPr txBox="1">
+            <a:spLocks noGrp="1"/>
+          </p:cNvSpPr>
           <p:nvPr>
-            <p:ph idx="1" type="body"/>
+            <p:ph type="body" idx="1"/>
           </p:nvPr>
         </p:nvSpPr>
         <p:spPr>
@@ -9935,7 +10569,7 @@
           </a:ln>
         </p:spPr>
         <p:txBody>
-          <a:bodyPr anchorCtr="0" anchor="t" bIns="45700" lIns="91425" rIns="91425" tIns="45700">
+          <a:bodyPr lIns="91425" tIns="45700" rIns="91425" bIns="45700" anchor="t" anchorCtr="0">
             <a:noAutofit/>
           </a:bodyPr>
           <a:lstStyle/>
@@ -9947,7 +10581,7 @@
               <a:buNone/>
             </a:pPr>
             <a:r>
-              <a:rPr b="1" lang="en-US">
+              <a:rPr lang="en-US" b="1">
                 <a:solidFill>
                   <a:srgbClr val="001D4D"/>
                 </a:solidFill>
@@ -9971,7 +10605,7 @@
               <a:t>Our automated test scripts involved the usage of an Android Emulator as well as using the </a:t>
             </a:r>
             <a:r>
-              <a:rPr b="1" lang="en-US">
+              <a:rPr lang="en-US" b="1">
                 <a:solidFill>
                   <a:srgbClr val="001D4D"/>
                 </a:solidFill>
@@ -10020,7 +10654,7 @@
             </a:r>
           </a:p>
           <a:p>
-            <a:pPr lvl="0" marR="0" rtl="0" algn="l">
+            <a:pPr marR="0" lvl="0" algn="l" rtl="0">
               <a:spcBef>
                 <a:spcPts val="2000"/>
               </a:spcBef>
@@ -10029,9 +10663,6 @@
               </a:spcAft>
               <a:buNone/>
             </a:pPr>
-            <a:r>
-              <a:t/>
-            </a:r>
             <a:endParaRPr sz="2200">
               <a:solidFill>
                 <a:srgbClr val="001D4D"/>
@@ -10043,9 +10674,11 @@
       <p:sp>
         <p:nvSpPr>
           <p:cNvPr id="183" name="Shape 183"/>
-          <p:cNvSpPr txBox="1"/>
+          <p:cNvSpPr txBox="1">
+            <a:spLocks noGrp="1"/>
+          </p:cNvSpPr>
           <p:nvPr>
-            <p:ph idx="12" type="sldNum"/>
+            <p:ph type="sldNum" idx="12"/>
           </p:nvPr>
         </p:nvSpPr>
         <p:spPr>
@@ -10058,7 +10691,7 @@
           </a:prstGeom>
         </p:spPr>
         <p:txBody>
-          <a:bodyPr anchorCtr="0" anchor="ctr" bIns="91425" lIns="91425" rIns="91425" tIns="91425">
+          <a:bodyPr lIns="91425" tIns="91425" rIns="91425" bIns="91425" anchor="ctr" anchorCtr="0">
             <a:noAutofit/>
           </a:bodyPr>
           <a:lstStyle/>
@@ -10071,8 +10704,9 @@
             </a:pPr>
             <a:fld id="{00000000-1234-1234-1234-123412341234}" type="slidenum">
               <a:rPr lang="en-US"/>
-              <a:t>‹#›</a:t>
+              <a:t>12</a:t>
             </a:fld>
+            <a:endParaRPr lang="en-US"/>
           </a:p>
         </p:txBody>
       </p:sp>
@@ -10081,18 +10715,18 @@
   <p:clrMapOvr>
     <a:masterClrMapping/>
   </p:clrMapOvr>
-  <p:transition spd="slow">
+  <p:transition xmlns:p14="http://schemas.microsoft.com/office/powerpoint/2010/main" spd="slow">
     <p:cut/>
   </p:transition>
 </p:sld>
 </file>
 
 <file path=ppt/slides/slide13.xml><?xml version="1.0" encoding="utf-8"?>
-<p:sld xmlns:a="http://schemas.openxmlformats.org/drawingml/2006/main" xmlns:r="http://schemas.openxmlformats.org/officeDocument/2006/relationships" xmlns:mc="http://schemas.openxmlformats.org/markup-compatibility/2006" xmlns:mv="urn:schemas-microsoft-com:mac:vml" xmlns:p="http://schemas.openxmlformats.org/presentationml/2006/main" xmlns:c="http://schemas.openxmlformats.org/drawingml/2006/chart" xmlns:dgm="http://schemas.openxmlformats.org/drawingml/2006/diagram" xmlns:o="urn:schemas-microsoft-com:office:office" xmlns:v="urn:schemas-microsoft-com:vml" xmlns:pvml="urn:schemas-microsoft-com:office:powerpoint" xmlns:com="http://schemas.openxmlformats.org/drawingml/2006/compatibility" xmlns:p14="http://schemas.microsoft.com/office/powerpoint/2010/main">
+<p:sld xmlns:a="http://schemas.openxmlformats.org/drawingml/2006/main" xmlns:r="http://schemas.openxmlformats.org/officeDocument/2006/relationships" xmlns:p="http://schemas.openxmlformats.org/presentationml/2006/main">
   <p:cSld>
     <p:spTree>
       <p:nvGrpSpPr>
-        <p:cNvPr id="188" name="Shape 188"/>
+        <p:cNvPr id="1" name="Shape 188"/>
         <p:cNvGrpSpPr/>
         <p:nvPr/>
       </p:nvGrpSpPr>
@@ -10107,7 +10741,9 @@
       <p:sp>
         <p:nvSpPr>
           <p:cNvPr id="189" name="Shape 189"/>
-          <p:cNvSpPr txBox="1"/>
+          <p:cNvSpPr txBox="1">
+            <a:spLocks noGrp="1"/>
+          </p:cNvSpPr>
           <p:nvPr>
             <p:ph type="title"/>
           </p:nvPr>
@@ -10126,12 +10762,12 @@
           </a:ln>
         </p:spPr>
         <p:txBody>
-          <a:bodyPr anchorCtr="0" anchor="b" bIns="45700" lIns="91425" rIns="91425" tIns="45700">
+          <a:bodyPr lIns="91425" tIns="45700" rIns="91425" bIns="45700" anchor="b" anchorCtr="0">
             <a:noAutofit/>
           </a:bodyPr>
           <a:lstStyle/>
           <a:p>
-            <a:pPr indent="0" lvl="0" marL="0" marR="0" rtl="0" algn="l">
+            <a:pPr marL="0" marR="0" lvl="0" indent="0" algn="l" rtl="0">
               <a:spcBef>
                 <a:spcPts val="0"/>
               </a:spcBef>
@@ -10142,7 +10778,7 @@
               <a:buNone/>
             </a:pPr>
             <a:r>
-              <a:rPr b="0" baseline="0" i="0" lang="en-US" sz="3800" u="none" cap="none" strike="noStrike">
+              <a:rPr lang="en-US" sz="3800" b="0" i="0" u="none" strike="noStrike" cap="none" baseline="0">
                 <a:solidFill>
                   <a:srgbClr val="001D4D"/>
                 </a:solidFill>
@@ -10159,9 +10795,11 @@
       <p:sp>
         <p:nvSpPr>
           <p:cNvPr id="190" name="Shape 190"/>
-          <p:cNvSpPr txBox="1"/>
+          <p:cNvSpPr txBox="1">
+            <a:spLocks noGrp="1"/>
+          </p:cNvSpPr>
           <p:nvPr>
-            <p:ph idx="1" type="body"/>
+            <p:ph type="body" idx="1"/>
           </p:nvPr>
         </p:nvSpPr>
         <p:spPr>
@@ -10178,12 +10816,12 @@
           </a:ln>
         </p:spPr>
         <p:txBody>
-          <a:bodyPr anchorCtr="0" anchor="t" bIns="45700" lIns="91425" rIns="91425" tIns="45700">
+          <a:bodyPr lIns="91425" tIns="45700" rIns="91425" bIns="45700" anchor="t" anchorCtr="0">
             <a:noAutofit/>
           </a:bodyPr>
           <a:lstStyle/>
           <a:p>
-            <a:pPr marR="0" rtl="0" algn="l">
+            <a:pPr marR="0" algn="l" rtl="0">
               <a:spcBef>
                 <a:spcPts val="0"/>
               </a:spcBef>
@@ -10206,7 +10844,7 @@
             </a:r>
           </a:p>
           <a:p>
-            <a:pPr indent="-311150" lvl="1" marL="577850" rtl="0">
+            <a:pPr marL="577850" lvl="1" indent="-311150" rtl="0">
               <a:spcBef>
                 <a:spcPts val="600"/>
               </a:spcBef>
@@ -10230,7 +10868,7 @@
             </a:r>
           </a:p>
           <a:p>
-            <a:pPr indent="-311150" lvl="1" marL="577850" rtl="0">
+            <a:pPr marL="577850" lvl="1" indent="-311150" rtl="0">
               <a:spcBef>
                 <a:spcPts val="600"/>
               </a:spcBef>
@@ -10254,7 +10892,7 @@
             </a:r>
           </a:p>
           <a:p>
-            <a:pPr indent="-311150" lvl="1" marL="577850" rtl="0">
+            <a:pPr marL="577850" lvl="1" indent="-311150" rtl="0">
               <a:spcBef>
                 <a:spcPts val="600"/>
               </a:spcBef>
@@ -10278,7 +10916,7 @@
             </a:r>
           </a:p>
           <a:p>
-            <a:pPr indent="-311150" lvl="1" marL="577850" rtl="0">
+            <a:pPr marL="577850" lvl="1" indent="-311150" rtl="0">
               <a:spcBef>
                 <a:spcPts val="600"/>
               </a:spcBef>
@@ -10302,7 +10940,7 @@
             </a:r>
           </a:p>
           <a:p>
-            <a:pPr indent="0" marL="0" rtl="0">
+            <a:pPr marL="0" indent="0" rtl="0">
               <a:spcBef>
                 <a:spcPts val="600"/>
               </a:spcBef>
@@ -10311,9 +10949,6 @@
               </a:spcAft>
               <a:buNone/>
             </a:pPr>
-            <a:r>
-              <a:t/>
-            </a:r>
             <a:endParaRPr>
               <a:solidFill>
                 <a:srgbClr val="001D4D"/>
@@ -10321,7 +10956,7 @@
             </a:endParaRPr>
           </a:p>
           <a:p>
-            <a:pPr indent="0" lvl="0" marL="0" rtl="0">
+            <a:pPr marL="0" lvl="0" indent="0" rtl="0">
               <a:spcBef>
                 <a:spcPts val="600"/>
               </a:spcBef>
@@ -10340,7 +10975,7 @@
             </a:r>
           </a:p>
           <a:p>
-            <a:pPr marR="0" rtl="0" algn="ctr">
+            <a:pPr marR="0" algn="ctr" rtl="0">
               <a:spcBef>
                 <a:spcPts val="2000"/>
               </a:spcBef>
@@ -10363,7 +10998,7 @@
             </a:r>
           </a:p>
           <a:p>
-            <a:pPr marR="0" rtl="0" algn="ctr">
+            <a:pPr marR="0" algn="ctr" rtl="0">
               <a:spcBef>
                 <a:spcPts val="0"/>
               </a:spcBef>
@@ -10386,7 +11021,7 @@
             </a:r>
           </a:p>
           <a:p>
-            <a:pPr marR="0" rtl="0" algn="ctr">
+            <a:pPr marR="0" algn="ctr" rtl="0">
               <a:spcBef>
                 <a:spcPts val="0"/>
               </a:spcBef>
@@ -10409,7 +11044,7 @@
             </a:r>
           </a:p>
           <a:p>
-            <a:pPr marR="0" rtl="0" algn="ctr">
+            <a:pPr marR="0" algn="ctr" rtl="0">
               <a:spcBef>
                 <a:spcPts val="0"/>
               </a:spcBef>
@@ -10432,7 +11067,7 @@
             </a:r>
           </a:p>
           <a:p>
-            <a:pPr lvl="0" marR="0" rtl="0" algn="l">
+            <a:pPr marR="0" lvl="0" algn="l" rtl="0">
               <a:spcBef>
                 <a:spcPts val="2000"/>
               </a:spcBef>
@@ -10441,10 +11076,7 @@
               </a:spcAft>
               <a:buNone/>
             </a:pPr>
-            <a:r>
-              <a:t/>
-            </a:r>
-            <a:endParaRPr b="0" baseline="0" i="0" u="none" cap="none" strike="noStrike">
+            <a:endParaRPr b="0" i="0" u="none" strike="noStrike" cap="none" baseline="0">
               <a:solidFill>
                 <a:srgbClr val="001D4D"/>
               </a:solidFill>
@@ -10459,9 +11091,11 @@
       <p:sp>
         <p:nvSpPr>
           <p:cNvPr id="191" name="Shape 191"/>
-          <p:cNvSpPr txBox="1"/>
+          <p:cNvSpPr txBox="1">
+            <a:spLocks noGrp="1"/>
+          </p:cNvSpPr>
           <p:nvPr>
-            <p:ph idx="12" type="sldNum"/>
+            <p:ph type="sldNum" idx="12"/>
           </p:nvPr>
         </p:nvSpPr>
         <p:spPr>
@@ -10474,7 +11108,7 @@
           </a:prstGeom>
         </p:spPr>
         <p:txBody>
-          <a:bodyPr anchorCtr="0" anchor="ctr" bIns="91425" lIns="91425" rIns="91425" tIns="91425">
+          <a:bodyPr lIns="91425" tIns="91425" rIns="91425" bIns="91425" anchor="ctr" anchorCtr="0">
             <a:noAutofit/>
           </a:bodyPr>
           <a:lstStyle/>
@@ -10487,8 +11121,9 @@
             </a:pPr>
             <a:fld id="{00000000-1234-1234-1234-123412341234}" type="slidenum">
               <a:rPr lang="en-US"/>
-              <a:t>‹#›</a:t>
+              <a:t>13</a:t>
             </a:fld>
+            <a:endParaRPr lang="en-US"/>
           </a:p>
         </p:txBody>
       </p:sp>
@@ -10497,18 +11132,18 @@
   <p:clrMapOvr>
     <a:masterClrMapping/>
   </p:clrMapOvr>
-  <p:transition spd="slow">
+  <p:transition xmlns:p14="http://schemas.microsoft.com/office/powerpoint/2010/main" spd="slow">
     <p:cut/>
   </p:transition>
 </p:sld>
 </file>
 
 <file path=ppt/slides/slide2.xml><?xml version="1.0" encoding="utf-8"?>
-<p:sld xmlns:a="http://schemas.openxmlformats.org/drawingml/2006/main" xmlns:r="http://schemas.openxmlformats.org/officeDocument/2006/relationships" xmlns:mc="http://schemas.openxmlformats.org/markup-compatibility/2006" xmlns:mv="urn:schemas-microsoft-com:mac:vml" xmlns:p="http://schemas.openxmlformats.org/presentationml/2006/main" xmlns:c="http://schemas.openxmlformats.org/drawingml/2006/chart" xmlns:dgm="http://schemas.openxmlformats.org/drawingml/2006/diagram" xmlns:o="urn:schemas-microsoft-com:office:office" xmlns:v="urn:schemas-microsoft-com:vml" xmlns:pvml="urn:schemas-microsoft-com:office:powerpoint" xmlns:com="http://schemas.openxmlformats.org/drawingml/2006/compatibility" xmlns:p14="http://schemas.microsoft.com/office/powerpoint/2010/main">
+<p:sld xmlns:a="http://schemas.openxmlformats.org/drawingml/2006/main" xmlns:r="http://schemas.openxmlformats.org/officeDocument/2006/relationships" xmlns:p="http://schemas.openxmlformats.org/presentationml/2006/main">
   <p:cSld>
     <p:spTree>
       <p:nvGrpSpPr>
-        <p:cNvPr id="85" name="Shape 85"/>
+        <p:cNvPr id="1" name="Shape 85"/>
         <p:cNvGrpSpPr/>
         <p:nvPr/>
       </p:nvGrpSpPr>
@@ -10523,7 +11158,9 @@
       <p:sp>
         <p:nvSpPr>
           <p:cNvPr id="86" name="Shape 86"/>
-          <p:cNvSpPr txBox="1"/>
+          <p:cNvSpPr txBox="1">
+            <a:spLocks noGrp="1"/>
+          </p:cNvSpPr>
           <p:nvPr>
             <p:ph type="title"/>
           </p:nvPr>
@@ -10542,12 +11179,12 @@
           </a:ln>
         </p:spPr>
         <p:txBody>
-          <a:bodyPr anchorCtr="0" anchor="b" bIns="45700" lIns="91425" rIns="91425" tIns="45700">
+          <a:bodyPr lIns="91425" tIns="45700" rIns="91425" bIns="45700" anchor="b" anchorCtr="0">
             <a:noAutofit/>
           </a:bodyPr>
           <a:lstStyle/>
           <a:p>
-            <a:pPr indent="0" lvl="0" marL="0" marR="0" rtl="0" algn="l">
+            <a:pPr marL="0" marR="0" lvl="0" indent="0" algn="l" rtl="0">
               <a:spcBef>
                 <a:spcPts val="0"/>
               </a:spcBef>
@@ -10558,7 +11195,7 @@
               <a:buNone/>
             </a:pPr>
             <a:r>
-              <a:rPr b="0" baseline="0" i="0" lang="en-US" sz="3800" u="none" cap="none" strike="noStrike">
+              <a:rPr lang="en-US" sz="3800" b="0" i="0" u="none" strike="noStrike" cap="none" baseline="0">
                 <a:solidFill>
                   <a:srgbClr val="001D4D"/>
                 </a:solidFill>
@@ -10575,9 +11212,11 @@
       <p:sp>
         <p:nvSpPr>
           <p:cNvPr id="87" name="Shape 87"/>
-          <p:cNvSpPr txBox="1"/>
+          <p:cNvSpPr txBox="1">
+            <a:spLocks noGrp="1"/>
+          </p:cNvSpPr>
           <p:nvPr>
-            <p:ph idx="1" type="body"/>
+            <p:ph type="body" idx="1"/>
           </p:nvPr>
         </p:nvSpPr>
         <p:spPr>
@@ -10594,12 +11233,12 @@
           </a:ln>
         </p:spPr>
         <p:txBody>
-          <a:bodyPr anchorCtr="0" anchor="t" bIns="45700" lIns="91425" rIns="91425" tIns="45700">
+          <a:bodyPr lIns="91425" tIns="45700" rIns="91425" bIns="45700" anchor="t" anchorCtr="0">
             <a:noAutofit/>
           </a:bodyPr>
           <a:lstStyle/>
           <a:p>
-            <a:pPr indent="-282575" lvl="0" marL="282575" marR="0" rtl="0" algn="l">
+            <a:pPr marL="282575" marR="0" lvl="0" indent="-282575" algn="l" rtl="0">
               <a:spcBef>
                 <a:spcPts val="0"/>
               </a:spcBef>
@@ -10614,7 +11253,7 @@
               <a:buChar char="●"/>
             </a:pPr>
             <a:r>
-              <a:rPr b="0" baseline="0" i="0" lang="en-US" sz="1800" u="none" cap="none" strike="noStrike">
+              <a:rPr lang="en-US" sz="1800" b="0" i="0" u="none" strike="noStrike" cap="none" baseline="0">
                 <a:solidFill>
                   <a:srgbClr val="001D4D"/>
                 </a:solidFill>
@@ -10623,7 +11262,7 @@
             </a:r>
           </a:p>
           <a:p>
-            <a:pPr indent="-298450" lvl="1" marL="577850" rtl="0">
+            <a:pPr marL="577850" lvl="1" indent="-298450" rtl="0">
               <a:lnSpc>
                 <a:spcPct val="115000"/>
               </a:lnSpc>
@@ -10650,7 +11289,7 @@
             </a:r>
           </a:p>
           <a:p>
-            <a:pPr indent="-298450" lvl="1" marL="577850" marR="0" rtl="0" algn="l">
+            <a:pPr marL="577850" marR="0" lvl="1" indent="-298450" algn="l" rtl="0">
               <a:spcBef>
                 <a:spcPts val="600"/>
               </a:spcBef>
@@ -10674,7 +11313,7 @@
             </a:r>
           </a:p>
           <a:p>
-            <a:pPr indent="-298450" lvl="1" marL="577850" marR="0" rtl="0" algn="l">
+            <a:pPr marL="577850" marR="0" lvl="1" indent="-298450" algn="l" rtl="0">
               <a:spcBef>
                 <a:spcPts val="600"/>
               </a:spcBef>
@@ -10698,7 +11337,7 @@
             </a:r>
           </a:p>
           <a:p>
-            <a:pPr indent="-282575" lvl="0" marL="282575" marR="0" rtl="0" algn="l">
+            <a:pPr marL="282575" marR="0" lvl="0" indent="-282575" algn="l" rtl="0">
               <a:spcBef>
                 <a:spcPts val="2000"/>
               </a:spcBef>
@@ -10713,7 +11352,7 @@
               <a:buChar char="●"/>
             </a:pPr>
             <a:r>
-              <a:rPr b="0" baseline="0" i="0" lang="en-US" sz="1800" u="none" cap="none" strike="noStrike">
+              <a:rPr lang="en-US" sz="1800" b="0" i="0" u="none" strike="noStrike" cap="none" baseline="0">
                 <a:solidFill>
                   <a:srgbClr val="001D4D"/>
                 </a:solidFill>
@@ -10722,7 +11361,7 @@
             </a:r>
           </a:p>
           <a:p>
-            <a:pPr indent="-311150" lvl="1" marL="577850" marR="0" rtl="0" algn="l">
+            <a:pPr marL="577850" marR="0" lvl="1" indent="-311150" algn="l" rtl="0">
               <a:spcBef>
                 <a:spcPts val="600"/>
               </a:spcBef>
@@ -10746,7 +11385,7 @@
             </a:r>
           </a:p>
           <a:p>
-            <a:pPr indent="-311150" lvl="1" marL="577850" marR="0" rtl="0" algn="l">
+            <a:pPr marL="577850" marR="0" lvl="1" indent="-311150" algn="l" rtl="0">
               <a:spcBef>
                 <a:spcPts val="600"/>
               </a:spcBef>
@@ -10770,7 +11409,7 @@
             </a:r>
           </a:p>
           <a:p>
-            <a:pPr indent="-311150" lvl="1" marL="577850" marR="0" rtl="0" algn="l">
+            <a:pPr marL="577850" marR="0" lvl="1" indent="-311150" algn="l" rtl="0">
               <a:spcBef>
                 <a:spcPts val="600"/>
               </a:spcBef>
@@ -10794,7 +11433,7 @@
             </a:r>
           </a:p>
           <a:p>
-            <a:pPr indent="-311150" lvl="1" marL="577850" marR="0" rtl="0" algn="l">
+            <a:pPr marL="577850" marR="0" lvl="1" indent="-311150" algn="l" rtl="0">
               <a:spcBef>
                 <a:spcPts val="600"/>
               </a:spcBef>
@@ -10822,9 +11461,11 @@
       <p:sp>
         <p:nvSpPr>
           <p:cNvPr id="88" name="Shape 88"/>
-          <p:cNvSpPr txBox="1"/>
+          <p:cNvSpPr txBox="1">
+            <a:spLocks noGrp="1"/>
+          </p:cNvSpPr>
           <p:nvPr>
-            <p:ph idx="12" type="sldNum"/>
+            <p:ph type="sldNum" idx="12"/>
           </p:nvPr>
         </p:nvSpPr>
         <p:spPr>
@@ -10837,7 +11478,7 @@
           </a:prstGeom>
         </p:spPr>
         <p:txBody>
-          <a:bodyPr anchorCtr="0" anchor="ctr" bIns="91425" lIns="91425" rIns="91425" tIns="91425">
+          <a:bodyPr lIns="91425" tIns="91425" rIns="91425" bIns="91425" anchor="ctr" anchorCtr="0">
             <a:noAutofit/>
           </a:bodyPr>
           <a:lstStyle/>
@@ -10850,8 +11491,9 @@
             </a:pPr>
             <a:fld id="{00000000-1234-1234-1234-123412341234}" type="slidenum">
               <a:rPr lang="en-US"/>
-              <a:t>‹#›</a:t>
+              <a:t>2</a:t>
             </a:fld>
+            <a:endParaRPr lang="en-US"/>
           </a:p>
         </p:txBody>
       </p:sp>
@@ -10860,18 +11502,18 @@
   <p:clrMapOvr>
     <a:masterClrMapping/>
   </p:clrMapOvr>
-  <p:transition spd="slow">
+  <p:transition xmlns:p14="http://schemas.microsoft.com/office/powerpoint/2010/main" spd="slow">
     <p:cut/>
   </p:transition>
 </p:sld>
 </file>
 
 <file path=ppt/slides/slide3.xml><?xml version="1.0" encoding="utf-8"?>
-<p:sld xmlns:a="http://schemas.openxmlformats.org/drawingml/2006/main" xmlns:r="http://schemas.openxmlformats.org/officeDocument/2006/relationships" xmlns:mc="http://schemas.openxmlformats.org/markup-compatibility/2006" xmlns:mv="urn:schemas-microsoft-com:mac:vml" xmlns:p="http://schemas.openxmlformats.org/presentationml/2006/main" xmlns:c="http://schemas.openxmlformats.org/drawingml/2006/chart" xmlns:dgm="http://schemas.openxmlformats.org/drawingml/2006/diagram" xmlns:o="urn:schemas-microsoft-com:office:office" xmlns:v="urn:schemas-microsoft-com:vml" xmlns:pvml="urn:schemas-microsoft-com:office:powerpoint" xmlns:com="http://schemas.openxmlformats.org/drawingml/2006/compatibility" xmlns:p14="http://schemas.microsoft.com/office/powerpoint/2010/main">
+<p:sld xmlns:a="http://schemas.openxmlformats.org/drawingml/2006/main" xmlns:r="http://schemas.openxmlformats.org/officeDocument/2006/relationships" xmlns:p="http://schemas.openxmlformats.org/presentationml/2006/main">
   <p:cSld>
     <p:spTree>
       <p:nvGrpSpPr>
-        <p:cNvPr id="93" name="Shape 93"/>
+        <p:cNvPr id="1" name="Shape 93"/>
         <p:cNvGrpSpPr/>
         <p:nvPr/>
       </p:nvGrpSpPr>
@@ -10886,7 +11528,9 @@
       <p:sp>
         <p:nvSpPr>
           <p:cNvPr id="94" name="Shape 94"/>
-          <p:cNvSpPr txBox="1"/>
+          <p:cNvSpPr txBox="1">
+            <a:spLocks noGrp="1"/>
+          </p:cNvSpPr>
           <p:nvPr>
             <p:ph type="title"/>
           </p:nvPr>
@@ -10905,12 +11549,12 @@
           </a:ln>
         </p:spPr>
         <p:txBody>
-          <a:bodyPr anchorCtr="0" anchor="b" bIns="45700" lIns="91425" rIns="91425" tIns="45700">
+          <a:bodyPr lIns="91425" tIns="45700" rIns="91425" bIns="45700" anchor="b" anchorCtr="0">
             <a:noAutofit/>
           </a:bodyPr>
           <a:lstStyle/>
           <a:p>
-            <a:pPr indent="0" lvl="0" marL="0" marR="0" rtl="0" algn="l">
+            <a:pPr marL="0" marR="0" lvl="0" indent="0" algn="l" rtl="0">
               <a:spcBef>
                 <a:spcPts val="0"/>
               </a:spcBef>
@@ -10921,7 +11565,7 @@
               <a:buNone/>
             </a:pPr>
             <a:r>
-              <a:rPr b="0" baseline="0" i="0" lang="en-US" sz="3800" u="none" cap="none" strike="noStrike">
+              <a:rPr lang="en-US" sz="3800" b="0" i="0" u="none" strike="noStrike" cap="none" baseline="0">
                 <a:solidFill>
                   <a:srgbClr val="001D4D"/>
                 </a:solidFill>
@@ -10938,9 +11582,11 @@
       <p:sp>
         <p:nvSpPr>
           <p:cNvPr id="95" name="Shape 95"/>
-          <p:cNvSpPr txBox="1"/>
+          <p:cNvSpPr txBox="1">
+            <a:spLocks noGrp="1"/>
+          </p:cNvSpPr>
           <p:nvPr>
-            <p:ph idx="1" type="body"/>
+            <p:ph type="body" idx="1"/>
           </p:nvPr>
         </p:nvSpPr>
         <p:spPr>
@@ -10957,12 +11603,12 @@
           </a:ln>
         </p:spPr>
         <p:txBody>
-          <a:bodyPr anchorCtr="0" anchor="t" bIns="45700" lIns="91425" rIns="91425" tIns="45700">
+          <a:bodyPr lIns="91425" tIns="45700" rIns="91425" bIns="45700" anchor="t" anchorCtr="0">
             <a:noAutofit/>
           </a:bodyPr>
           <a:lstStyle/>
           <a:p>
-            <a:pPr lvl="0" marR="0" rtl="0" algn="l">
+            <a:pPr marR="0" lvl="0" algn="l" rtl="0">
               <a:spcBef>
                 <a:spcPts val="0"/>
               </a:spcBef>
@@ -10996,7 +11642,7 @@
           <a:blip r:embed="rId3">
             <a:alphaModFix/>
           </a:blip>
-          <a:srcRect b="0" l="0" r="5276" t="0"/>
+          <a:srcRect r="5276"/>
           <a:stretch/>
         </p:blipFill>
         <p:spPr>
@@ -11016,9 +11662,11 @@
       <p:sp>
         <p:nvSpPr>
           <p:cNvPr id="97" name="Shape 97"/>
-          <p:cNvSpPr txBox="1"/>
+          <p:cNvSpPr txBox="1">
+            <a:spLocks noGrp="1"/>
+          </p:cNvSpPr>
           <p:nvPr>
-            <p:ph idx="12" type="sldNum"/>
+            <p:ph type="sldNum" idx="12"/>
           </p:nvPr>
         </p:nvSpPr>
         <p:spPr>
@@ -11031,7 +11679,7 @@
           </a:prstGeom>
         </p:spPr>
         <p:txBody>
-          <a:bodyPr anchorCtr="0" anchor="ctr" bIns="91425" lIns="91425" rIns="91425" tIns="91425">
+          <a:bodyPr lIns="91425" tIns="91425" rIns="91425" bIns="91425" anchor="ctr" anchorCtr="0">
             <a:noAutofit/>
           </a:bodyPr>
           <a:lstStyle/>
@@ -11044,8 +11692,9 @@
             </a:pPr>
             <a:fld id="{00000000-1234-1234-1234-123412341234}" type="slidenum">
               <a:rPr lang="en-US"/>
-              <a:t>‹#›</a:t>
+              <a:t>3</a:t>
             </a:fld>
+            <a:endParaRPr lang="en-US"/>
           </a:p>
         </p:txBody>
       </p:sp>
@@ -11054,18 +11703,18 @@
   <p:clrMapOvr>
     <a:masterClrMapping/>
   </p:clrMapOvr>
-  <p:transition spd="slow">
+  <p:transition xmlns:p14="http://schemas.microsoft.com/office/powerpoint/2010/main" spd="slow">
     <p:cut/>
   </p:transition>
 </p:sld>
 </file>
 
 <file path=ppt/slides/slide4.xml><?xml version="1.0" encoding="utf-8"?>
-<p:sld xmlns:a="http://schemas.openxmlformats.org/drawingml/2006/main" xmlns:r="http://schemas.openxmlformats.org/officeDocument/2006/relationships" xmlns:mc="http://schemas.openxmlformats.org/markup-compatibility/2006" xmlns:mv="urn:schemas-microsoft-com:mac:vml" xmlns:p="http://schemas.openxmlformats.org/presentationml/2006/main" xmlns:c="http://schemas.openxmlformats.org/drawingml/2006/chart" xmlns:dgm="http://schemas.openxmlformats.org/drawingml/2006/diagram" xmlns:o="urn:schemas-microsoft-com:office:office" xmlns:v="urn:schemas-microsoft-com:vml" xmlns:pvml="urn:schemas-microsoft-com:office:powerpoint" xmlns:com="http://schemas.openxmlformats.org/drawingml/2006/compatibility" xmlns:p14="http://schemas.microsoft.com/office/powerpoint/2010/main">
+<p:sld xmlns:a="http://schemas.openxmlformats.org/drawingml/2006/main" xmlns:r="http://schemas.openxmlformats.org/officeDocument/2006/relationships" xmlns:p="http://schemas.openxmlformats.org/presentationml/2006/main">
   <p:cSld>
     <p:spTree>
       <p:nvGrpSpPr>
-        <p:cNvPr id="102" name="Shape 102"/>
+        <p:cNvPr id="1" name="Shape 102"/>
         <p:cNvGrpSpPr/>
         <p:nvPr/>
       </p:nvGrpSpPr>
@@ -11080,7 +11729,9 @@
       <p:sp>
         <p:nvSpPr>
           <p:cNvPr id="103" name="Shape 103"/>
-          <p:cNvSpPr txBox="1"/>
+          <p:cNvSpPr txBox="1">
+            <a:spLocks noGrp="1"/>
+          </p:cNvSpPr>
           <p:nvPr>
             <p:ph type="title"/>
           </p:nvPr>
@@ -11099,12 +11750,12 @@
           </a:ln>
         </p:spPr>
         <p:txBody>
-          <a:bodyPr anchorCtr="0" anchor="b" bIns="45700" lIns="91425" rIns="91425" tIns="45700">
+          <a:bodyPr lIns="91425" tIns="45700" rIns="91425" bIns="45700" anchor="b" anchorCtr="0">
             <a:noAutofit/>
           </a:bodyPr>
           <a:lstStyle/>
           <a:p>
-            <a:pPr indent="0" lvl="0" marL="0" marR="0" rtl="0" algn="l">
+            <a:pPr marL="0" marR="0" lvl="0" indent="0" algn="l" rtl="0">
               <a:spcBef>
                 <a:spcPts val="0"/>
               </a:spcBef>
@@ -11115,7 +11766,7 @@
               <a:buNone/>
             </a:pPr>
             <a:r>
-              <a:rPr b="0" baseline="0" i="0" lang="en-US" sz="3800" u="none" cap="none" strike="noStrike">
+              <a:rPr lang="en-US" sz="3800" b="0" i="0" u="none" strike="noStrike" cap="none" baseline="0">
                 <a:solidFill>
                   <a:srgbClr val="001D4D"/>
                 </a:solidFill>
@@ -11132,9 +11783,11 @@
       <p:sp>
         <p:nvSpPr>
           <p:cNvPr id="104" name="Shape 104"/>
-          <p:cNvSpPr txBox="1"/>
+          <p:cNvSpPr txBox="1">
+            <a:spLocks noGrp="1"/>
+          </p:cNvSpPr>
           <p:nvPr>
-            <p:ph idx="1" type="body"/>
+            <p:ph type="body" idx="1"/>
           </p:nvPr>
         </p:nvSpPr>
         <p:spPr>
@@ -11151,7 +11804,7 @@
           </a:ln>
         </p:spPr>
         <p:txBody>
-          <a:bodyPr anchorCtr="0" anchor="t" bIns="45700" lIns="91425" rIns="91425" tIns="45700">
+          <a:bodyPr lIns="91425" tIns="45700" rIns="91425" bIns="45700" anchor="t" anchorCtr="0">
             <a:noAutofit/>
           </a:bodyPr>
           <a:lstStyle/>
@@ -11169,7 +11822,7 @@
               <a:buNone/>
             </a:pPr>
             <a:r>
-              <a:rPr b="1" lang="en-US">
+              <a:rPr lang="en-US" b="1">
                 <a:solidFill>
                   <a:srgbClr val="001D4D"/>
                 </a:solidFill>
@@ -11212,9 +11865,6 @@
               </a:spcAft>
               <a:buNone/>
             </a:pPr>
-            <a:r>
-              <a:t/>
-            </a:r>
             <a:endParaRPr>
               <a:solidFill>
                 <a:srgbClr val="001D4D"/>
@@ -11235,7 +11885,7 @@
               <a:buNone/>
             </a:pPr>
             <a:r>
-              <a:rPr b="1" lang="en-US">
+              <a:rPr lang="en-US" b="1">
                 <a:solidFill>
                   <a:srgbClr val="001D4D"/>
                 </a:solidFill>
@@ -11278,9 +11928,6 @@
               </a:spcAft>
               <a:buNone/>
             </a:pPr>
-            <a:r>
-              <a:t/>
-            </a:r>
             <a:endParaRPr b="1">
               <a:solidFill>
                 <a:srgbClr val="001D4D"/>
@@ -11301,7 +11948,7 @@
               <a:buNone/>
             </a:pPr>
             <a:r>
-              <a:rPr b="1" lang="en-US">
+              <a:rPr lang="en-US" b="1">
                 <a:solidFill>
                   <a:srgbClr val="001D4D"/>
                 </a:solidFill>
@@ -11322,9 +11969,6 @@
               </a:spcAft>
               <a:buNone/>
             </a:pPr>
-            <a:r>
-              <a:t/>
-            </a:r>
             <a:endParaRPr b="1">
               <a:solidFill>
                 <a:srgbClr val="001D4D"/>
@@ -11345,7 +11989,7 @@
               <a:buNone/>
             </a:pPr>
             <a:r>
-              <a:rPr b="1" lang="en-US">
+              <a:rPr lang="en-US" b="1">
                 <a:solidFill>
                   <a:srgbClr val="001D4D"/>
                 </a:solidFill>
@@ -11366,9 +12010,6 @@
               </a:spcAft>
               <a:buNone/>
             </a:pPr>
-            <a:r>
-              <a:t/>
-            </a:r>
             <a:endParaRPr b="1">
               <a:solidFill>
                 <a:srgbClr val="001D4D"/>
@@ -11389,7 +12030,7 @@
               <a:buNone/>
             </a:pPr>
             <a:r>
-              <a:rPr b="1" lang="en-US">
+              <a:rPr lang="en-US" b="1">
                 <a:solidFill>
                   <a:srgbClr val="001D4D"/>
                 </a:solidFill>
@@ -11410,10 +12051,7 @@
               </a:spcAft>
               <a:buNone/>
             </a:pPr>
-            <a:r>
-              <a:t/>
-            </a:r>
-            <a:endParaRPr b="1" sz="1600">
+            <a:endParaRPr sz="1600" b="1">
               <a:solidFill>
                 <a:srgbClr val="001D4D"/>
               </a:solidFill>
@@ -11432,10 +12070,7 @@
               </a:spcAft>
               <a:buNone/>
             </a:pPr>
-            <a:r>
-              <a:t/>
-            </a:r>
-            <a:endParaRPr b="1" sz="1600">
+            <a:endParaRPr sz="1600" b="1">
               <a:solidFill>
                 <a:srgbClr val="001D4D"/>
               </a:solidFill>
@@ -11446,9 +12081,11 @@
       <p:sp>
         <p:nvSpPr>
           <p:cNvPr id="105" name="Shape 105"/>
-          <p:cNvSpPr txBox="1"/>
+          <p:cNvSpPr txBox="1">
+            <a:spLocks noGrp="1"/>
+          </p:cNvSpPr>
           <p:nvPr>
-            <p:ph idx="12" type="sldNum"/>
+            <p:ph type="sldNum" idx="12"/>
           </p:nvPr>
         </p:nvSpPr>
         <p:spPr>
@@ -11461,7 +12098,7 @@
           </a:prstGeom>
         </p:spPr>
         <p:txBody>
-          <a:bodyPr anchorCtr="0" anchor="ctr" bIns="91425" lIns="91425" rIns="91425" tIns="91425">
+          <a:bodyPr lIns="91425" tIns="91425" rIns="91425" bIns="91425" anchor="ctr" anchorCtr="0">
             <a:noAutofit/>
           </a:bodyPr>
           <a:lstStyle/>
@@ -11474,8 +12111,9 @@
             </a:pPr>
             <a:fld id="{00000000-1234-1234-1234-123412341234}" type="slidenum">
               <a:rPr lang="en-US"/>
-              <a:t>‹#›</a:t>
+              <a:t>4</a:t>
             </a:fld>
+            <a:endParaRPr lang="en-US"/>
           </a:p>
         </p:txBody>
       </p:sp>
@@ -11484,18 +12122,18 @@
   <p:clrMapOvr>
     <a:masterClrMapping/>
   </p:clrMapOvr>
-  <p:transition spd="slow">
+  <p:transition xmlns:p14="http://schemas.microsoft.com/office/powerpoint/2010/main" spd="slow">
     <p:cut/>
   </p:transition>
 </p:sld>
 </file>
 
 <file path=ppt/slides/slide5.xml><?xml version="1.0" encoding="utf-8"?>
-<p:sld xmlns:a="http://schemas.openxmlformats.org/drawingml/2006/main" xmlns:r="http://schemas.openxmlformats.org/officeDocument/2006/relationships" xmlns:mc="http://schemas.openxmlformats.org/markup-compatibility/2006" xmlns:mv="urn:schemas-microsoft-com:mac:vml" xmlns:p="http://schemas.openxmlformats.org/presentationml/2006/main" xmlns:c="http://schemas.openxmlformats.org/drawingml/2006/chart" xmlns:dgm="http://schemas.openxmlformats.org/drawingml/2006/diagram" xmlns:o="urn:schemas-microsoft-com:office:office" xmlns:v="urn:schemas-microsoft-com:vml" xmlns:pvml="urn:schemas-microsoft-com:office:powerpoint" xmlns:com="http://schemas.openxmlformats.org/drawingml/2006/compatibility" xmlns:p14="http://schemas.microsoft.com/office/powerpoint/2010/main">
+<p:sld xmlns:a="http://schemas.openxmlformats.org/drawingml/2006/main" xmlns:r="http://schemas.openxmlformats.org/officeDocument/2006/relationships" xmlns:p="http://schemas.openxmlformats.org/presentationml/2006/main">
   <p:cSld>
     <p:spTree>
       <p:nvGrpSpPr>
-        <p:cNvPr id="110" name="Shape 110"/>
+        <p:cNvPr id="1" name="Shape 110"/>
         <p:cNvGrpSpPr/>
         <p:nvPr/>
       </p:nvGrpSpPr>
@@ -11510,7 +12148,9 @@
       <p:sp>
         <p:nvSpPr>
           <p:cNvPr id="111" name="Shape 111"/>
-          <p:cNvSpPr txBox="1"/>
+          <p:cNvSpPr txBox="1">
+            <a:spLocks noGrp="1"/>
+          </p:cNvSpPr>
           <p:nvPr>
             <p:ph type="title"/>
           </p:nvPr>
@@ -11529,12 +12169,12 @@
           </a:ln>
         </p:spPr>
         <p:txBody>
-          <a:bodyPr anchorCtr="0" anchor="b" bIns="45700" lIns="91425" rIns="91425" tIns="45700">
+          <a:bodyPr lIns="91425" tIns="45700" rIns="91425" bIns="45700" anchor="b" anchorCtr="0">
             <a:noAutofit/>
           </a:bodyPr>
           <a:lstStyle/>
           <a:p>
-            <a:pPr indent="0" lvl="0" marL="0" marR="0" rtl="0" algn="l">
+            <a:pPr marL="0" marR="0" lvl="0" indent="0" algn="l" rtl="0">
               <a:spcBef>
                 <a:spcPts val="0"/>
               </a:spcBef>
@@ -11545,7 +12185,7 @@
               <a:buNone/>
             </a:pPr>
             <a:r>
-              <a:rPr b="0" baseline="0" i="0" lang="en-US" sz="3800" u="none" cap="none" strike="noStrike">
+              <a:rPr lang="en-US" sz="3800" b="0" i="0" u="none" strike="noStrike" cap="none" baseline="0">
                 <a:solidFill>
                   <a:srgbClr val="001D4D"/>
                 </a:solidFill>
@@ -11562,9 +12202,11 @@
       <p:sp>
         <p:nvSpPr>
           <p:cNvPr id="112" name="Shape 112"/>
-          <p:cNvSpPr txBox="1"/>
+          <p:cNvSpPr txBox="1">
+            <a:spLocks noGrp="1"/>
+          </p:cNvSpPr>
           <p:nvPr>
-            <p:ph idx="12" type="sldNum"/>
+            <p:ph type="sldNum" idx="12"/>
           </p:nvPr>
         </p:nvSpPr>
         <p:spPr>
@@ -11577,7 +12219,7 @@
           </a:prstGeom>
         </p:spPr>
         <p:txBody>
-          <a:bodyPr anchorCtr="0" anchor="ctr" bIns="91425" lIns="91425" rIns="91425" tIns="91425">
+          <a:bodyPr lIns="91425" tIns="91425" rIns="91425" bIns="91425" anchor="ctr" anchorCtr="0">
             <a:noAutofit/>
           </a:bodyPr>
           <a:lstStyle/>
@@ -11590,8 +12232,9 @@
             </a:pPr>
             <a:fld id="{00000000-1234-1234-1234-123412341234}" type="slidenum">
               <a:rPr lang="en-US"/>
-              <a:t>‹#›</a:t>
+              <a:t>5</a:t>
             </a:fld>
+            <a:endParaRPr lang="en-US"/>
           </a:p>
         </p:txBody>
       </p:sp>
@@ -11630,7 +12273,7 @@
           <p:nvPr/>
         </p:nvCxnSpPr>
         <p:spPr>
-          <a:xfrm flipH="1" rot="10800000">
+          <a:xfrm rot="10800000" flipH="1">
             <a:off x="2807225" y="2093124"/>
             <a:ext cx="566400" cy="12300"/>
           </a:xfrm>
@@ -11638,14 +12281,14 @@
             <a:avLst/>
           </a:prstGeom>
           <a:noFill/>
-          <a:ln cap="flat" cmpd="sng" w="38100">
+          <a:ln w="38100" cap="flat" cmpd="sng">
             <a:solidFill>
               <a:schemeClr val="accent1"/>
             </a:solidFill>
             <a:prstDash val="solid"/>
             <a:round/>
-            <a:headEnd len="lg" w="lg" type="none"/>
-            <a:tailEnd len="lg" w="lg" type="none"/>
+            <a:headEnd type="none" w="lg" len="lg"/>
+            <a:tailEnd type="none" w="lg" len="lg"/>
           </a:ln>
         </p:spPr>
       </p:cxnSp>
@@ -11656,7 +12299,7 @@
           <p:nvPr/>
         </p:nvCxnSpPr>
         <p:spPr>
-          <a:xfrm flipH="1" rot="10800000">
+          <a:xfrm rot="10800000" flipH="1">
             <a:off x="6673325" y="3619849"/>
             <a:ext cx="578700" cy="12300"/>
           </a:xfrm>
@@ -11664,14 +12307,14 @@
             <a:avLst/>
           </a:prstGeom>
           <a:noFill/>
-          <a:ln cap="flat" cmpd="sng" w="38100">
+          <a:ln w="38100" cap="flat" cmpd="sng">
             <a:solidFill>
               <a:schemeClr val="accent1"/>
             </a:solidFill>
             <a:prstDash val="solid"/>
             <a:round/>
-            <a:headEnd len="lg" w="lg" type="none"/>
-            <a:tailEnd len="lg" w="lg" type="none"/>
+            <a:headEnd type="none" w="lg" len="lg"/>
+            <a:tailEnd type="none" w="lg" len="lg"/>
           </a:ln>
         </p:spPr>
       </p:cxnSp>
@@ -11682,7 +12325,7 @@
           <p:nvPr/>
         </p:nvCxnSpPr>
         <p:spPr>
-          <a:xfrm flipH="1" rot="10800000">
+          <a:xfrm rot="10800000" flipH="1">
             <a:off x="3127350" y="6205449"/>
             <a:ext cx="800399" cy="12300"/>
           </a:xfrm>
@@ -11690,14 +12333,14 @@
             <a:avLst/>
           </a:prstGeom>
           <a:noFill/>
-          <a:ln cap="flat" cmpd="sng" w="38100">
+          <a:ln w="38100" cap="flat" cmpd="sng">
             <a:solidFill>
               <a:schemeClr val="accent1"/>
             </a:solidFill>
             <a:prstDash val="solid"/>
             <a:round/>
-            <a:headEnd len="lg" w="lg" type="none"/>
-            <a:tailEnd len="lg" w="lg" type="none"/>
+            <a:headEnd type="none" w="lg" len="lg"/>
+            <a:tailEnd type="none" w="lg" len="lg"/>
           </a:ln>
         </p:spPr>
       </p:cxnSp>
@@ -11716,14 +12359,14 @@
             <a:avLst/>
           </a:prstGeom>
           <a:noFill/>
-          <a:ln cap="flat" cmpd="sng" w="38100">
+          <a:ln w="38100" cap="flat" cmpd="sng">
             <a:solidFill>
               <a:schemeClr val="accent1"/>
             </a:solidFill>
             <a:prstDash val="solid"/>
             <a:round/>
-            <a:headEnd len="lg" w="lg" type="none"/>
-            <a:tailEnd len="lg" w="lg" type="none"/>
+            <a:headEnd type="none" w="lg" len="lg"/>
+            <a:tailEnd type="none" w="lg" len="lg"/>
           </a:ln>
         </p:spPr>
       </p:cxnSp>
@@ -11742,14 +12385,14 @@
             <a:avLst/>
           </a:prstGeom>
           <a:noFill/>
-          <a:ln cap="flat" cmpd="sng" w="38100">
+          <a:ln w="38100" cap="flat" cmpd="sng">
             <a:solidFill>
               <a:schemeClr val="accent1"/>
             </a:solidFill>
             <a:prstDash val="solid"/>
             <a:round/>
-            <a:headEnd len="lg" w="lg" type="none"/>
-            <a:tailEnd len="lg" w="lg" type="none"/>
+            <a:headEnd type="none" w="lg" len="lg"/>
+            <a:tailEnd type="none" w="lg" len="lg"/>
           </a:ln>
         </p:spPr>
       </p:cxnSp>
@@ -11758,18 +12401,18 @@
   <p:clrMapOvr>
     <a:masterClrMapping/>
   </p:clrMapOvr>
-  <p:transition spd="slow">
+  <p:transition xmlns:p14="http://schemas.microsoft.com/office/powerpoint/2010/main" spd="slow">
     <p:cut/>
   </p:transition>
 </p:sld>
 </file>
 
 <file path=ppt/slides/slide6.xml><?xml version="1.0" encoding="utf-8"?>
-<p:sld xmlns:a="http://schemas.openxmlformats.org/drawingml/2006/main" xmlns:r="http://schemas.openxmlformats.org/officeDocument/2006/relationships" xmlns:mc="http://schemas.openxmlformats.org/markup-compatibility/2006" xmlns:mv="urn:schemas-microsoft-com:mac:vml" xmlns:p="http://schemas.openxmlformats.org/presentationml/2006/main" xmlns:c="http://schemas.openxmlformats.org/drawingml/2006/chart" xmlns:dgm="http://schemas.openxmlformats.org/drawingml/2006/diagram" xmlns:o="urn:schemas-microsoft-com:office:office" xmlns:v="urn:schemas-microsoft-com:vml" xmlns:pvml="urn:schemas-microsoft-com:office:powerpoint" xmlns:com="http://schemas.openxmlformats.org/drawingml/2006/compatibility" xmlns:p14="http://schemas.microsoft.com/office/powerpoint/2010/main">
+<p:sld xmlns:a="http://schemas.openxmlformats.org/drawingml/2006/main" xmlns:r="http://schemas.openxmlformats.org/officeDocument/2006/relationships" xmlns:p="http://schemas.openxmlformats.org/presentationml/2006/main">
   <p:cSld>
     <p:spTree>
       <p:nvGrpSpPr>
-        <p:cNvPr id="123" name="Shape 123"/>
+        <p:cNvPr id="1" name="Shape 123"/>
         <p:cNvGrpSpPr/>
         <p:nvPr/>
       </p:nvGrpSpPr>
@@ -11784,7 +12427,9 @@
       <p:sp>
         <p:nvSpPr>
           <p:cNvPr id="124" name="Shape 124"/>
-          <p:cNvSpPr txBox="1"/>
+          <p:cNvSpPr txBox="1">
+            <a:spLocks noGrp="1"/>
+          </p:cNvSpPr>
           <p:nvPr>
             <p:ph type="title"/>
           </p:nvPr>
@@ -11803,12 +12448,12 @@
           </a:ln>
         </p:spPr>
         <p:txBody>
-          <a:bodyPr anchorCtr="0" anchor="b" bIns="45700" lIns="91425" rIns="91425" tIns="45700">
+          <a:bodyPr lIns="91425" tIns="45700" rIns="91425" bIns="45700" anchor="b" anchorCtr="0">
             <a:noAutofit/>
           </a:bodyPr>
           <a:lstStyle/>
           <a:p>
-            <a:pPr indent="0" lvl="0" marL="0" marR="0" rtl="0" algn="l">
+            <a:pPr marL="0" marR="0" lvl="0" indent="0" algn="l" rtl="0">
               <a:spcBef>
                 <a:spcPts val="0"/>
               </a:spcBef>
@@ -11819,7 +12464,7 @@
               <a:buNone/>
             </a:pPr>
             <a:r>
-              <a:rPr b="0" baseline="0" i="0" lang="en-US" sz="3800" u="none" cap="none" strike="noStrike">
+              <a:rPr lang="en-US" sz="3800" b="0" i="0" u="none" strike="noStrike" cap="none" baseline="0">
                 <a:solidFill>
                   <a:srgbClr val="001D4D"/>
                 </a:solidFill>
@@ -11831,7 +12476,7 @@
               <a:t>Requirements: Use Cases (</a:t>
             </a:r>
             <a:r>
-              <a:rPr b="0" lang="en-US" sz="3800">
+              <a:rPr lang="en-US" sz="3800" b="0">
                 <a:solidFill>
                   <a:srgbClr val="001D4D"/>
                 </a:solidFill>
@@ -11843,7 +12488,7 @@
               <a:t>Caregiver</a:t>
             </a:r>
             <a:r>
-              <a:rPr b="0" baseline="0" i="0" lang="en-US" sz="3800" u="none" cap="none" strike="noStrike">
+              <a:rPr lang="en-US" sz="3800" b="0" i="0" u="none" strike="noStrike" cap="none" baseline="0">
                 <a:solidFill>
                   <a:srgbClr val="001D4D"/>
                 </a:solidFill>
@@ -11860,9 +12505,11 @@
       <p:sp>
         <p:nvSpPr>
           <p:cNvPr id="125" name="Shape 125"/>
-          <p:cNvSpPr txBox="1"/>
+          <p:cNvSpPr txBox="1">
+            <a:spLocks noGrp="1"/>
+          </p:cNvSpPr>
           <p:nvPr>
-            <p:ph idx="12" type="sldNum"/>
+            <p:ph type="sldNum" idx="12"/>
           </p:nvPr>
         </p:nvSpPr>
         <p:spPr>
@@ -11875,7 +12522,7 @@
           </a:prstGeom>
         </p:spPr>
         <p:txBody>
-          <a:bodyPr anchorCtr="0" anchor="ctr" bIns="91425" lIns="91425" rIns="91425" tIns="91425">
+          <a:bodyPr lIns="91425" tIns="91425" rIns="91425" bIns="91425" anchor="ctr" anchorCtr="0">
             <a:noAutofit/>
           </a:bodyPr>
           <a:lstStyle/>
@@ -11888,8 +12535,9 @@
             </a:pPr>
             <a:fld id="{00000000-1234-1234-1234-123412341234}" type="slidenum">
               <a:rPr lang="en-US"/>
-              <a:t>‹#›</a:t>
+              <a:t>6</a:t>
             </a:fld>
+            <a:endParaRPr lang="en-US"/>
           </a:p>
         </p:txBody>
       </p:sp>
@@ -11936,14 +12584,14 @@
             <a:avLst/>
           </a:prstGeom>
           <a:noFill/>
-          <a:ln cap="flat" cmpd="sng" w="38100">
+          <a:ln w="38100" cap="flat" cmpd="sng">
             <a:solidFill>
               <a:schemeClr val="accent1"/>
             </a:solidFill>
             <a:prstDash val="solid"/>
             <a:round/>
-            <a:headEnd len="lg" w="lg" type="none"/>
-            <a:tailEnd len="lg" w="lg" type="none"/>
+            <a:headEnd type="none" w="lg" len="lg"/>
+            <a:tailEnd type="none" w="lg" len="lg"/>
           </a:ln>
         </p:spPr>
       </p:cxnSp>
@@ -11962,14 +12610,14 @@
             <a:avLst/>
           </a:prstGeom>
           <a:noFill/>
-          <a:ln cap="flat" cmpd="sng" w="38100">
+          <a:ln w="38100" cap="flat" cmpd="sng">
             <a:solidFill>
               <a:schemeClr val="accent1"/>
             </a:solidFill>
             <a:prstDash val="solid"/>
             <a:round/>
-            <a:headEnd len="lg" w="lg" type="none"/>
-            <a:tailEnd len="lg" w="lg" type="none"/>
+            <a:headEnd type="none" w="lg" len="lg"/>
+            <a:tailEnd type="none" w="lg" len="lg"/>
           </a:ln>
         </p:spPr>
       </p:cxnSp>
@@ -11988,14 +12636,14 @@
             <a:avLst/>
           </a:prstGeom>
           <a:noFill/>
-          <a:ln cap="flat" cmpd="sng" w="38100">
+          <a:ln w="38100" cap="flat" cmpd="sng">
             <a:solidFill>
               <a:schemeClr val="accent1"/>
             </a:solidFill>
             <a:prstDash val="solid"/>
             <a:round/>
-            <a:headEnd len="lg" w="lg" type="none"/>
-            <a:tailEnd len="lg" w="lg" type="none"/>
+            <a:headEnd type="none" w="lg" len="lg"/>
+            <a:tailEnd type="none" w="lg" len="lg"/>
           </a:ln>
         </p:spPr>
       </p:cxnSp>
@@ -12006,7 +12654,7 @@
           <p:nvPr/>
         </p:nvCxnSpPr>
         <p:spPr>
-          <a:xfrm flipH="1" rot="10800000">
+          <a:xfrm rot="10800000" flipH="1">
             <a:off x="2536350" y="5565224"/>
             <a:ext cx="689400" cy="24600"/>
           </a:xfrm>
@@ -12014,14 +12662,14 @@
             <a:avLst/>
           </a:prstGeom>
           <a:noFill/>
-          <a:ln cap="flat" cmpd="sng" w="38100">
+          <a:ln w="38100" cap="flat" cmpd="sng">
             <a:solidFill>
               <a:schemeClr val="accent1"/>
             </a:solidFill>
             <a:prstDash val="solid"/>
             <a:round/>
-            <a:headEnd len="lg" w="lg" type="none"/>
-            <a:tailEnd len="lg" w="lg" type="none"/>
+            <a:headEnd type="none" w="lg" len="lg"/>
+            <a:tailEnd type="none" w="lg" len="lg"/>
           </a:ln>
         </p:spPr>
       </p:cxnSp>
@@ -12032,7 +12680,7 @@
           <p:nvPr/>
         </p:nvCxnSpPr>
         <p:spPr>
-          <a:xfrm flipH="1" rot="10800000">
+          <a:xfrm rot="10800000" flipH="1">
             <a:off x="3866100" y="6340924"/>
             <a:ext cx="652500" cy="49200"/>
           </a:xfrm>
@@ -12040,14 +12688,14 @@
             <a:avLst/>
           </a:prstGeom>
           <a:noFill/>
-          <a:ln cap="flat" cmpd="sng" w="38100">
+          <a:ln w="38100" cap="flat" cmpd="sng">
             <a:solidFill>
               <a:srgbClr val="FF9900"/>
             </a:solidFill>
             <a:prstDash val="solid"/>
             <a:round/>
-            <a:headEnd len="lg" w="lg" type="none"/>
-            <a:tailEnd len="lg" w="lg" type="none"/>
+            <a:headEnd type="none" w="lg" len="lg"/>
+            <a:tailEnd type="none" w="lg" len="lg"/>
           </a:ln>
         </p:spPr>
       </p:cxnSp>
@@ -12058,7 +12706,7 @@
           <p:nvPr/>
         </p:nvCxnSpPr>
         <p:spPr>
-          <a:xfrm flipH="1" rot="10800000">
+          <a:xfrm rot="10800000" flipH="1">
             <a:off x="4543275" y="5503649"/>
             <a:ext cx="775799" cy="12300"/>
           </a:xfrm>
@@ -12066,14 +12714,14 @@
             <a:avLst/>
           </a:prstGeom>
           <a:noFill/>
-          <a:ln cap="flat" cmpd="sng" w="38100">
+          <a:ln w="38100" cap="flat" cmpd="sng">
             <a:solidFill>
               <a:schemeClr val="accent1"/>
             </a:solidFill>
             <a:prstDash val="solid"/>
             <a:round/>
-            <a:headEnd len="lg" w="lg" type="none"/>
-            <a:tailEnd len="lg" w="lg" type="none"/>
+            <a:headEnd type="none" w="lg" len="lg"/>
+            <a:tailEnd type="none" w="lg" len="lg"/>
           </a:ln>
         </p:spPr>
       </p:cxnSp>
@@ -12082,18 +12730,18 @@
   <p:clrMapOvr>
     <a:masterClrMapping/>
   </p:clrMapOvr>
-  <p:transition spd="slow">
+  <p:transition xmlns:p14="http://schemas.microsoft.com/office/powerpoint/2010/main" spd="slow">
     <p:cut/>
   </p:transition>
 </p:sld>
 </file>
 
 <file path=ppt/slides/slide7.xml><?xml version="1.0" encoding="utf-8"?>
-<p:sld xmlns:a="http://schemas.openxmlformats.org/drawingml/2006/main" xmlns:r="http://schemas.openxmlformats.org/officeDocument/2006/relationships" xmlns:mc="http://schemas.openxmlformats.org/markup-compatibility/2006" xmlns:mv="urn:schemas-microsoft-com:mac:vml" xmlns:p="http://schemas.openxmlformats.org/presentationml/2006/main" xmlns:c="http://schemas.openxmlformats.org/drawingml/2006/chart" xmlns:dgm="http://schemas.openxmlformats.org/drawingml/2006/diagram" xmlns:o="urn:schemas-microsoft-com:office:office" xmlns:v="urn:schemas-microsoft-com:vml" xmlns:pvml="urn:schemas-microsoft-com:office:powerpoint" xmlns:com="http://schemas.openxmlformats.org/drawingml/2006/compatibility" xmlns:p14="http://schemas.microsoft.com/office/powerpoint/2010/main">
+<p:sld xmlns:a="http://schemas.openxmlformats.org/drawingml/2006/main" xmlns:r="http://schemas.openxmlformats.org/officeDocument/2006/relationships" xmlns:p="http://schemas.openxmlformats.org/presentationml/2006/main">
   <p:cSld>
     <p:spTree>
       <p:nvGrpSpPr>
-        <p:cNvPr id="137" name="Shape 137"/>
+        <p:cNvPr id="1" name="Shape 137"/>
         <p:cNvGrpSpPr/>
         <p:nvPr/>
       </p:nvGrpSpPr>
@@ -12108,7 +12756,9 @@
       <p:sp>
         <p:nvSpPr>
           <p:cNvPr id="138" name="Shape 138"/>
-          <p:cNvSpPr txBox="1"/>
+          <p:cNvSpPr txBox="1">
+            <a:spLocks noGrp="1"/>
+          </p:cNvSpPr>
           <p:nvPr>
             <p:ph type="title"/>
           </p:nvPr>
@@ -12127,12 +12777,12 @@
           </a:ln>
         </p:spPr>
         <p:txBody>
-          <a:bodyPr anchorCtr="0" anchor="b" bIns="45700" lIns="91425" rIns="91425" tIns="45700">
+          <a:bodyPr lIns="91425" tIns="45700" rIns="91425" bIns="45700" anchor="b" anchorCtr="0">
             <a:noAutofit/>
           </a:bodyPr>
           <a:lstStyle/>
           <a:p>
-            <a:pPr indent="0" lvl="0" marL="0" marR="0" rtl="0" algn="l">
+            <a:pPr marL="0" marR="0" lvl="0" indent="0" algn="l" rtl="0">
               <a:spcBef>
                 <a:spcPts val="0"/>
               </a:spcBef>
@@ -12143,7 +12793,7 @@
               <a:buNone/>
             </a:pPr>
             <a:r>
-              <a:rPr b="0" baseline="0" i="0" lang="en-US" sz="3800" u="none" cap="none" strike="noStrike">
+              <a:rPr lang="en-US" sz="3800" b="0" i="0" u="none" strike="noStrike" cap="none" baseline="0">
                 <a:solidFill>
                   <a:srgbClr val="001D4D"/>
                 </a:solidFill>
@@ -12160,9 +12810,11 @@
       <p:sp>
         <p:nvSpPr>
           <p:cNvPr id="139" name="Shape 139"/>
-          <p:cNvSpPr txBox="1"/>
+          <p:cNvSpPr txBox="1">
+            <a:spLocks noGrp="1"/>
+          </p:cNvSpPr>
           <p:nvPr>
-            <p:ph idx="1" type="body"/>
+            <p:ph type="body" idx="1"/>
           </p:nvPr>
         </p:nvSpPr>
         <p:spPr>
@@ -12179,7 +12831,7 @@
           </a:ln>
         </p:spPr>
         <p:txBody>
-          <a:bodyPr anchorCtr="0" anchor="t" bIns="45700" lIns="91425" rIns="91425" tIns="45700">
+          <a:bodyPr lIns="91425" tIns="45700" rIns="91425" bIns="45700" anchor="t" anchorCtr="0">
             <a:noAutofit/>
           </a:bodyPr>
           <a:lstStyle/>
@@ -12191,7 +12843,7 @@
               <a:buNone/>
             </a:pPr>
             <a:r>
-              <a:rPr b="1" lang="en-US" sz="2000">
+              <a:rPr lang="en-US" sz="2000" b="1">
                 <a:solidFill>
                   <a:srgbClr val="001D4D"/>
                 </a:solidFill>
@@ -12215,7 +12867,7 @@
               <a:buNone/>
             </a:pPr>
             <a:r>
-              <a:rPr b="1" lang="en-US" sz="2000">
+              <a:rPr lang="en-US" sz="2000" b="1">
                 <a:solidFill>
                   <a:srgbClr val="001D4D"/>
                 </a:solidFill>
@@ -12232,7 +12884,7 @@
             </a:r>
           </a:p>
           <a:p>
-            <a:pPr lvl="0" marR="0" rtl="0" algn="l">
+            <a:pPr marR="0" lvl="0" algn="l" rtl="0">
               <a:spcBef>
                 <a:spcPts val="2000"/>
               </a:spcBef>
@@ -12241,9 +12893,6 @@
               </a:spcAft>
               <a:buNone/>
             </a:pPr>
-            <a:r>
-              <a:t/>
-            </a:r>
             <a:endParaRPr sz="2200">
               <a:solidFill>
                 <a:srgbClr val="001D4D"/>
@@ -12259,9 +12908,11 @@
       <p:sp>
         <p:nvSpPr>
           <p:cNvPr id="140" name="Shape 140"/>
-          <p:cNvSpPr txBox="1"/>
+          <p:cNvSpPr txBox="1">
+            <a:spLocks noGrp="1"/>
+          </p:cNvSpPr>
           <p:nvPr>
-            <p:ph idx="12" type="sldNum"/>
+            <p:ph type="sldNum" idx="12"/>
           </p:nvPr>
         </p:nvSpPr>
         <p:spPr>
@@ -12274,7 +12925,7 @@
           </a:prstGeom>
         </p:spPr>
         <p:txBody>
-          <a:bodyPr anchorCtr="0" anchor="ctr" bIns="91425" lIns="91425" rIns="91425" tIns="91425">
+          <a:bodyPr lIns="91425" tIns="91425" rIns="91425" bIns="91425" anchor="ctr" anchorCtr="0">
             <a:noAutofit/>
           </a:bodyPr>
           <a:lstStyle/>
@@ -12287,8 +12938,9 @@
             </a:pPr>
             <a:fld id="{00000000-1234-1234-1234-123412341234}" type="slidenum">
               <a:rPr lang="en-US"/>
-              <a:t>‹#›</a:t>
+              <a:t>7</a:t>
             </a:fld>
+            <a:endParaRPr lang="en-US"/>
           </a:p>
         </p:txBody>
       </p:sp>
@@ -12297,18 +12949,18 @@
   <p:clrMapOvr>
     <a:masterClrMapping/>
   </p:clrMapOvr>
-  <p:transition spd="slow">
+  <p:transition xmlns:p14="http://schemas.microsoft.com/office/powerpoint/2010/main" spd="slow">
     <p:cut/>
   </p:transition>
 </p:sld>
 </file>
 
 <file path=ppt/slides/slide8.xml><?xml version="1.0" encoding="utf-8"?>
-<p:sld xmlns:a="http://schemas.openxmlformats.org/drawingml/2006/main" xmlns:r="http://schemas.openxmlformats.org/officeDocument/2006/relationships" xmlns:mc="http://schemas.openxmlformats.org/markup-compatibility/2006" xmlns:mv="urn:schemas-microsoft-com:mac:vml" xmlns:p="http://schemas.openxmlformats.org/presentationml/2006/main" xmlns:c="http://schemas.openxmlformats.org/drawingml/2006/chart" xmlns:dgm="http://schemas.openxmlformats.org/drawingml/2006/diagram" xmlns:o="urn:schemas-microsoft-com:office:office" xmlns:v="urn:schemas-microsoft-com:vml" xmlns:pvml="urn:schemas-microsoft-com:office:powerpoint" xmlns:com="http://schemas.openxmlformats.org/drawingml/2006/compatibility" xmlns:p14="http://schemas.microsoft.com/office/powerpoint/2010/main">
+<p:sld xmlns:a="http://schemas.openxmlformats.org/drawingml/2006/main" xmlns:r="http://schemas.openxmlformats.org/officeDocument/2006/relationships" xmlns:p="http://schemas.openxmlformats.org/presentationml/2006/main">
   <p:cSld>
     <p:spTree>
       <p:nvGrpSpPr>
-        <p:cNvPr id="145" name="Shape 145"/>
+        <p:cNvPr id="1" name="Shape 145"/>
         <p:cNvGrpSpPr/>
         <p:nvPr/>
       </p:nvGrpSpPr>
@@ -12323,7 +12975,9 @@
       <p:sp>
         <p:nvSpPr>
           <p:cNvPr id="146" name="Shape 146"/>
-          <p:cNvSpPr txBox="1"/>
+          <p:cNvSpPr txBox="1">
+            <a:spLocks noGrp="1"/>
+          </p:cNvSpPr>
           <p:nvPr>
             <p:ph type="title"/>
           </p:nvPr>
@@ -12342,12 +12996,12 @@
           </a:ln>
         </p:spPr>
         <p:txBody>
-          <a:bodyPr anchorCtr="0" anchor="b" bIns="45700" lIns="91425" rIns="91425" tIns="45700">
+          <a:bodyPr lIns="91425" tIns="45700" rIns="91425" bIns="45700" anchor="b" anchorCtr="0">
             <a:noAutofit/>
           </a:bodyPr>
           <a:lstStyle/>
           <a:p>
-            <a:pPr indent="0" lvl="0" marL="0" marR="0" rtl="0" algn="l">
+            <a:pPr marL="0" marR="0" lvl="0" indent="0" algn="l" rtl="0">
               <a:spcBef>
                 <a:spcPts val="0"/>
               </a:spcBef>
@@ -12358,7 +13012,7 @@
               <a:buNone/>
             </a:pPr>
             <a:r>
-              <a:rPr baseline="0" i="0" lang="en-US" sz="2400" u="none" cap="none" strike="noStrike">
+              <a:rPr lang="en-US" sz="2400" i="0" u="none" strike="noStrike" cap="none" baseline="0">
                 <a:solidFill>
                   <a:srgbClr val="001D4D"/>
                 </a:solidFill>
@@ -12375,9 +13029,11 @@
       <p:sp>
         <p:nvSpPr>
           <p:cNvPr id="147" name="Shape 147"/>
-          <p:cNvSpPr txBox="1"/>
+          <p:cNvSpPr txBox="1">
+            <a:spLocks noGrp="1"/>
+          </p:cNvSpPr>
           <p:nvPr>
-            <p:ph idx="1" type="body"/>
+            <p:ph type="body" idx="1"/>
           </p:nvPr>
         </p:nvSpPr>
         <p:spPr>
@@ -12394,12 +13050,12 @@
           </a:ln>
         </p:spPr>
         <p:txBody>
-          <a:bodyPr anchorCtr="0" anchor="t" bIns="45700" lIns="91425" rIns="91425" tIns="45700">
+          <a:bodyPr lIns="91425" tIns="45700" rIns="91425" bIns="45700" anchor="t" anchorCtr="0">
             <a:noAutofit/>
           </a:bodyPr>
           <a:lstStyle/>
           <a:p>
-            <a:pPr marR="0" rtl="0" algn="l">
+            <a:pPr marR="0" algn="l" rtl="0">
               <a:spcBef>
                 <a:spcPts val="0"/>
               </a:spcBef>
@@ -12421,7 +13077,7 @@
               <a:t>UML </a:t>
             </a:r>
             <a:r>
-              <a:rPr b="0" baseline="0" i="0" lang="en-US" sz="2200" u="none" cap="none" strike="noStrike">
+              <a:rPr lang="en-US" sz="2200" b="0" i="0" u="none" strike="noStrike" cap="none" baseline="0">
                 <a:solidFill>
                   <a:srgbClr val="001D4D"/>
                 </a:solidFill>
@@ -12434,17 +13090,17 @@
             </a:r>
           </a:p>
           <a:p>
-            <a:pPr lvl="0" marR="0" rtl="0" algn="l">
-              <a:spcBef>
-                <a:spcPts val="0"/>
-              </a:spcBef>
-              <a:spcAft>
-                <a:spcPts val="0"/>
-              </a:spcAft>
-              <a:buNone/>
-            </a:pPr>
-            <a:r>
-              <a:rPr b="0" baseline="0" i="0" lang="en-US" sz="2200" u="none" cap="none" strike="noStrike">
+            <a:pPr marR="0" lvl="0" algn="l" rtl="0">
+              <a:spcBef>
+                <a:spcPts val="0"/>
+              </a:spcBef>
+              <a:spcAft>
+                <a:spcPts val="0"/>
+              </a:spcAft>
+              <a:buNone/>
+            </a:pPr>
+            <a:r>
+              <a:rPr lang="en-US" sz="2200" b="0" i="0" u="none" strike="noStrike" cap="none" baseline="0">
                 <a:solidFill>
                   <a:srgbClr val="001D4D"/>
                 </a:solidFill>
@@ -12457,7 +13113,7 @@
             </a:r>
           </a:p>
           <a:p>
-            <a:pPr lvl="0" marR="0" rtl="0" algn="l">
+            <a:pPr marR="0" lvl="0" algn="l" rtl="0">
               <a:spcBef>
                 <a:spcPts val="2000"/>
               </a:spcBef>
@@ -12466,10 +13122,7 @@
               </a:spcAft>
               <a:buNone/>
             </a:pPr>
-            <a:r>
-              <a:t/>
-            </a:r>
-            <a:endParaRPr b="0" baseline="0" i="0" sz="2200" u="none" cap="none" strike="noStrike">
+            <a:endParaRPr sz="2200" b="0" i="0" u="none" strike="noStrike" cap="none" baseline="0">
               <a:solidFill>
                 <a:srgbClr val="001D4D"/>
               </a:solidFill>
@@ -12524,18 +13177,18 @@
             <a:avLst/>
           </a:prstGeom>
           <a:noFill/>
-          <a:ln cap="flat" cmpd="sng" w="9525">
+          <a:ln w="9525" cap="flat" cmpd="sng">
             <a:solidFill>
               <a:schemeClr val="accent1"/>
             </a:solidFill>
             <a:prstDash val="solid"/>
             <a:round/>
-            <a:headEnd len="med" w="med" type="none"/>
-            <a:tailEnd len="med" w="med" type="none"/>
+            <a:headEnd type="none" w="med" len="med"/>
+            <a:tailEnd type="none" w="med" len="med"/>
           </a:ln>
         </p:spPr>
         <p:txBody>
-          <a:bodyPr anchorCtr="0" anchor="ctr" bIns="91425" lIns="91425" rIns="91425" tIns="91425">
+          <a:bodyPr lIns="91425" tIns="91425" rIns="91425" bIns="91425" anchor="ctr" anchorCtr="0">
             <a:noAutofit/>
           </a:bodyPr>
           <a:lstStyle/>
@@ -12546,9 +13199,6 @@
               </a:spcBef>
               <a:buNone/>
             </a:pPr>
-            <a:r>
-              <a:t/>
-            </a:r>
             <a:endParaRPr/>
           </a:p>
         </p:txBody>
@@ -12573,12 +13223,12 @@
           </a:ln>
         </p:spPr>
         <p:txBody>
-          <a:bodyPr anchorCtr="0" anchor="t" bIns="91425" lIns="91425" rIns="91425" tIns="91425">
+          <a:bodyPr lIns="91425" tIns="91425" rIns="91425" bIns="91425" anchor="t" anchorCtr="0">
             <a:noAutofit/>
           </a:bodyPr>
           <a:lstStyle/>
           <a:p>
-            <a:pPr rtl="0" algn="ctr">
+            <a:pPr algn="ctr" rtl="0">
               <a:spcBef>
                 <a:spcPts val="0"/>
               </a:spcBef>
@@ -12614,9 +13264,11 @@
       <p:sp>
         <p:nvSpPr>
           <p:cNvPr id="151" name="Shape 151"/>
-          <p:cNvSpPr txBox="1"/>
+          <p:cNvSpPr txBox="1">
+            <a:spLocks noGrp="1"/>
+          </p:cNvSpPr>
           <p:nvPr>
-            <p:ph idx="12" type="sldNum"/>
+            <p:ph type="sldNum" idx="12"/>
           </p:nvPr>
         </p:nvSpPr>
         <p:spPr>
@@ -12629,7 +13281,7 @@
           </a:prstGeom>
         </p:spPr>
         <p:txBody>
-          <a:bodyPr anchorCtr="0" anchor="ctr" bIns="91425" lIns="91425" rIns="91425" tIns="91425">
+          <a:bodyPr lIns="91425" tIns="91425" rIns="91425" bIns="91425" anchor="ctr" anchorCtr="0">
             <a:noAutofit/>
           </a:bodyPr>
           <a:lstStyle/>
@@ -12642,8 +13294,9 @@
             </a:pPr>
             <a:fld id="{00000000-1234-1234-1234-123412341234}" type="slidenum">
               <a:rPr lang="en-US"/>
-              <a:t>‹#›</a:t>
+              <a:t>8</a:t>
             </a:fld>
+            <a:endParaRPr lang="en-US"/>
           </a:p>
         </p:txBody>
       </p:sp>
@@ -12652,18 +13305,18 @@
   <p:clrMapOvr>
     <a:masterClrMapping/>
   </p:clrMapOvr>
-  <p:transition spd="slow">
+  <p:transition xmlns:p14="http://schemas.microsoft.com/office/powerpoint/2010/main" spd="slow">
     <p:cut/>
   </p:transition>
 </p:sld>
 </file>
 
 <file path=ppt/slides/slide9.xml><?xml version="1.0" encoding="utf-8"?>
-<p:sld xmlns:a="http://schemas.openxmlformats.org/drawingml/2006/main" xmlns:r="http://schemas.openxmlformats.org/officeDocument/2006/relationships" xmlns:mc="http://schemas.openxmlformats.org/markup-compatibility/2006" xmlns:mv="urn:schemas-microsoft-com:mac:vml" xmlns:p="http://schemas.openxmlformats.org/presentationml/2006/main" xmlns:c="http://schemas.openxmlformats.org/drawingml/2006/chart" xmlns:dgm="http://schemas.openxmlformats.org/drawingml/2006/diagram" xmlns:o="urn:schemas-microsoft-com:office:office" xmlns:v="urn:schemas-microsoft-com:vml" xmlns:pvml="urn:schemas-microsoft-com:office:powerpoint" xmlns:com="http://schemas.openxmlformats.org/drawingml/2006/compatibility" xmlns:p14="http://schemas.microsoft.com/office/powerpoint/2010/main">
+<p:sld xmlns:a="http://schemas.openxmlformats.org/drawingml/2006/main" xmlns:r="http://schemas.openxmlformats.org/officeDocument/2006/relationships" xmlns:p="http://schemas.openxmlformats.org/presentationml/2006/main">
   <p:cSld>
     <p:spTree>
       <p:nvGrpSpPr>
-        <p:cNvPr id="156" name="Shape 156"/>
+        <p:cNvPr id="1" name="Shape 156"/>
         <p:cNvGrpSpPr/>
         <p:nvPr/>
       </p:nvGrpSpPr>
@@ -12678,7 +13331,9 @@
       <p:sp>
         <p:nvSpPr>
           <p:cNvPr id="157" name="Shape 157"/>
-          <p:cNvSpPr txBox="1"/>
+          <p:cNvSpPr txBox="1">
+            <a:spLocks noGrp="1"/>
+          </p:cNvSpPr>
           <p:nvPr>
             <p:ph type="title"/>
           </p:nvPr>
@@ -12697,12 +13352,12 @@
           </a:ln>
         </p:spPr>
         <p:txBody>
-          <a:bodyPr anchorCtr="0" anchor="b" bIns="45700" lIns="91425" rIns="91425" tIns="45700">
+          <a:bodyPr lIns="91425" tIns="45700" rIns="91425" bIns="45700" anchor="b" anchorCtr="0">
             <a:noAutofit/>
           </a:bodyPr>
           <a:lstStyle/>
           <a:p>
-            <a:pPr indent="0" lvl="0" marL="0" marR="0" rtl="0" algn="l">
+            <a:pPr marL="0" marR="0" lvl="0" indent="0" algn="l" rtl="0">
               <a:spcBef>
                 <a:spcPts val="0"/>
               </a:spcBef>
@@ -12713,7 +13368,7 @@
               <a:buNone/>
             </a:pPr>
             <a:r>
-              <a:rPr b="0" baseline="0" i="0" lang="en-US" sz="3200" u="none" cap="none" strike="noStrike">
+              <a:rPr lang="en-US" sz="3200" b="0" i="0" u="none" strike="noStrike" cap="none" baseline="0">
                 <a:solidFill>
                   <a:srgbClr val="001D4D"/>
                 </a:solidFill>
@@ -12725,7 +13380,7 @@
               <a:t>System Design: </a:t>
             </a:r>
             <a:r>
-              <a:rPr b="0" lang="en-US" sz="3200">
+              <a:rPr lang="en-US" sz="3200" b="0">
                 <a:solidFill>
                   <a:srgbClr val="001D4D"/>
                 </a:solidFill>
@@ -12742,9 +13397,11 @@
       <p:sp>
         <p:nvSpPr>
           <p:cNvPr id="158" name="Shape 158"/>
-          <p:cNvSpPr txBox="1"/>
+          <p:cNvSpPr txBox="1">
+            <a:spLocks noGrp="1"/>
+          </p:cNvSpPr>
           <p:nvPr>
-            <p:ph idx="1" type="body"/>
+            <p:ph type="body" idx="1"/>
           </p:nvPr>
         </p:nvSpPr>
         <p:spPr>
@@ -12761,7 +13418,7 @@
           </a:ln>
         </p:spPr>
         <p:txBody>
-          <a:bodyPr anchorCtr="0" anchor="t" bIns="45700" lIns="91425" rIns="91425" tIns="45700">
+          <a:bodyPr lIns="91425" tIns="45700" rIns="91425" bIns="45700" anchor="t" anchorCtr="0">
             <a:noAutofit/>
           </a:bodyPr>
           <a:lstStyle/>
@@ -12800,9 +13457,6 @@
               </a:spcAft>
               <a:buNone/>
             </a:pPr>
-            <a:r>
-              <a:t/>
-            </a:r>
             <a:endParaRPr sz="1500">
               <a:solidFill>
                 <a:srgbClr val="001D4D"/>
@@ -12810,7 +13464,7 @@
             </a:endParaRPr>
           </a:p>
           <a:p>
-            <a:pPr indent="-323850" lvl="0" marL="457200" rtl="0">
+            <a:pPr marL="457200" lvl="0" indent="-323850" rtl="0">
               <a:lnSpc>
                 <a:spcPct val="100000"/>
               </a:lnSpc>
@@ -12827,7 +13481,7 @@
               <a:buChar char="●"/>
             </a:pPr>
             <a:r>
-              <a:rPr b="1" lang="en-US" sz="1500">
+              <a:rPr lang="en-US" sz="1500" b="1">
                 <a:solidFill>
                   <a:srgbClr val="001D4D"/>
                 </a:solidFill>
@@ -12844,7 +13498,7 @@
             </a:r>
           </a:p>
           <a:p>
-            <a:pPr indent="-323850" lvl="0" marL="457200" rtl="0">
+            <a:pPr marL="457200" lvl="0" indent="-323850" rtl="0">
               <a:lnSpc>
                 <a:spcPct val="100000"/>
               </a:lnSpc>
@@ -12861,7 +13515,7 @@
               <a:buChar char="●"/>
             </a:pPr>
             <a:r>
-              <a:rPr b="1" lang="en-US" sz="1500">
+              <a:rPr lang="en-US" sz="1500" b="1">
                 <a:solidFill>
                   <a:srgbClr val="001D4D"/>
                 </a:solidFill>
@@ -12878,7 +13532,7 @@
             </a:r>
           </a:p>
           <a:p>
-            <a:pPr indent="-323850" lvl="0" marL="457200" rtl="0">
+            <a:pPr marL="457200" lvl="0" indent="-323850" rtl="0">
               <a:lnSpc>
                 <a:spcPct val="100000"/>
               </a:lnSpc>
@@ -12895,7 +13549,7 @@
               <a:buChar char="●"/>
             </a:pPr>
             <a:r>
-              <a:rPr b="1" lang="en-US" sz="1500">
+              <a:rPr lang="en-US" sz="1500" b="1">
                 <a:solidFill>
                   <a:srgbClr val="001D4D"/>
                 </a:solidFill>
@@ -12912,7 +13566,7 @@
             </a:r>
           </a:p>
           <a:p>
-            <a:pPr indent="-323850" lvl="0" marL="457200" rtl="0">
+            <a:pPr marL="457200" lvl="0" indent="-323850" rtl="0">
               <a:lnSpc>
                 <a:spcPct val="100000"/>
               </a:lnSpc>
@@ -12929,7 +13583,7 @@
               <a:buChar char="●"/>
             </a:pPr>
             <a:r>
-              <a:rPr b="1" lang="en-US" sz="1500">
+              <a:rPr lang="en-US" sz="1500" b="1">
                 <a:solidFill>
                   <a:srgbClr val="001D4D"/>
                 </a:solidFill>
@@ -12946,7 +13600,7 @@
             </a:r>
           </a:p>
           <a:p>
-            <a:pPr indent="-323850" lvl="0" marL="457200" rtl="0">
+            <a:pPr marL="457200" lvl="0" indent="-323850" rtl="0">
               <a:lnSpc>
                 <a:spcPct val="100000"/>
               </a:lnSpc>
@@ -12963,7 +13617,7 @@
               <a:buChar char="●"/>
             </a:pPr>
             <a:r>
-              <a:rPr b="1" lang="en-US" sz="1500">
+              <a:rPr lang="en-US" sz="1500" b="1">
                 <a:solidFill>
                   <a:srgbClr val="001D4D"/>
                 </a:solidFill>
@@ -12980,7 +13634,7 @@
             </a:r>
           </a:p>
           <a:p>
-            <a:pPr indent="-323850" lvl="0" marL="457200" rtl="0">
+            <a:pPr marL="457200" lvl="0" indent="-323850" rtl="0">
               <a:lnSpc>
                 <a:spcPct val="100000"/>
               </a:lnSpc>
@@ -12997,7 +13651,7 @@
               <a:buChar char="●"/>
             </a:pPr>
             <a:r>
-              <a:rPr b="1" lang="en-US" sz="1500">
+              <a:rPr lang="en-US" sz="1500" b="1">
                 <a:solidFill>
                   <a:srgbClr val="001D4D"/>
                 </a:solidFill>
@@ -13014,7 +13668,7 @@
             </a:r>
           </a:p>
           <a:p>
-            <a:pPr indent="-323850" lvl="0" marL="457200" rtl="0">
+            <a:pPr marL="457200" lvl="0" indent="-323850" rtl="0">
               <a:lnSpc>
                 <a:spcPct val="100000"/>
               </a:lnSpc>
@@ -13031,7 +13685,7 @@
               <a:buChar char="●"/>
             </a:pPr>
             <a:r>
-              <a:rPr b="1" lang="en-US" sz="1500">
+              <a:rPr lang="en-US" sz="1500" b="1">
                 <a:solidFill>
                   <a:srgbClr val="001D4D"/>
                 </a:solidFill>
@@ -13048,7 +13702,7 @@
             </a:r>
           </a:p>
           <a:p>
-            <a:pPr indent="-323850" lvl="0" marL="457200" rtl="0">
+            <a:pPr marL="457200" lvl="0" indent="-323850" rtl="0">
               <a:lnSpc>
                 <a:spcPct val="100000"/>
               </a:lnSpc>
@@ -13065,7 +13719,7 @@
               <a:buChar char="●"/>
             </a:pPr>
             <a:r>
-              <a:rPr b="1" lang="en-US" sz="1500">
+              <a:rPr lang="en-US" sz="1500" b="1">
                 <a:solidFill>
                   <a:srgbClr val="001D4D"/>
                 </a:solidFill>
@@ -13094,9 +13748,6 @@
               </a:spcAft>
               <a:buNone/>
             </a:pPr>
-            <a:r>
-              <a:t/>
-            </a:r>
             <a:endParaRPr sz="1500">
               <a:solidFill>
                 <a:srgbClr val="001D4D"/>
@@ -13138,9 +13789,6 @@
               </a:spcAft>
               <a:buNone/>
             </a:pPr>
-            <a:r>
-              <a:t/>
-            </a:r>
             <a:endParaRPr sz="1500">
               <a:solidFill>
                 <a:srgbClr val="001D4D"/>
@@ -13148,7 +13796,7 @@
             </a:endParaRPr>
           </a:p>
           <a:p>
-            <a:pPr indent="-323850" lvl="0" marL="457200" rtl="0">
+            <a:pPr marL="457200" lvl="0" indent="-323850" rtl="0">
               <a:lnSpc>
                 <a:spcPct val="100000"/>
               </a:lnSpc>
@@ -13174,7 +13822,7 @@
             </a:r>
           </a:p>
           <a:p>
-            <a:pPr indent="-323850" lvl="0" marL="457200" rtl="0">
+            <a:pPr marL="457200" lvl="0" indent="-323850" rtl="0">
               <a:lnSpc>
                 <a:spcPct val="100000"/>
               </a:lnSpc>
@@ -13200,7 +13848,7 @@
             </a:r>
           </a:p>
           <a:p>
-            <a:pPr indent="-323850" lvl="0" marL="457200" rtl="0">
+            <a:pPr marL="457200" lvl="0" indent="-323850" rtl="0">
               <a:lnSpc>
                 <a:spcPct val="100000"/>
               </a:lnSpc>
@@ -13226,18 +13874,15 @@
             </a:r>
           </a:p>
           <a:p>
-            <a:pPr lvl="0" marR="0" rtl="0" algn="l">
-              <a:spcBef>
-                <a:spcPts val="0"/>
-              </a:spcBef>
-              <a:spcAft>
-                <a:spcPts val="0"/>
-              </a:spcAft>
-              <a:buNone/>
-            </a:pPr>
-            <a:r>
-              <a:t/>
-            </a:r>
+            <a:pPr marR="0" lvl="0" algn="l" rtl="0">
+              <a:spcBef>
+                <a:spcPts val="0"/>
+              </a:spcBef>
+              <a:spcAft>
+                <a:spcPts val="0"/>
+              </a:spcAft>
+              <a:buNone/>
+            </a:pPr>
             <a:endParaRPr sz="2200">
               <a:solidFill>
                 <a:srgbClr val="001D4D"/>
@@ -13249,7 +13894,7 @@
             </a:endParaRPr>
           </a:p>
           <a:p>
-            <a:pPr lvl="0" marR="0" rtl="0" algn="l">
+            <a:pPr marR="0" lvl="0" algn="l" rtl="0">
               <a:spcBef>
                 <a:spcPts val="2000"/>
               </a:spcBef>
@@ -13258,10 +13903,7 @@
               </a:spcAft>
               <a:buNone/>
             </a:pPr>
-            <a:r>
-              <a:t/>
-            </a:r>
-            <a:endParaRPr b="0" baseline="0" i="0" sz="2200" u="none" cap="none" strike="noStrike">
+            <a:endParaRPr sz="2200" b="0" i="0" u="none" strike="noStrike" cap="none" baseline="0">
               <a:solidFill>
                 <a:srgbClr val="001D4D"/>
               </a:solidFill>
@@ -13276,9 +13918,11 @@
       <p:sp>
         <p:nvSpPr>
           <p:cNvPr id="159" name="Shape 159"/>
-          <p:cNvSpPr txBox="1"/>
+          <p:cNvSpPr txBox="1">
+            <a:spLocks noGrp="1"/>
+          </p:cNvSpPr>
           <p:nvPr>
-            <p:ph idx="12" type="sldNum"/>
+            <p:ph type="sldNum" idx="12"/>
           </p:nvPr>
         </p:nvSpPr>
         <p:spPr>
@@ -13291,7 +13935,7 @@
           </a:prstGeom>
         </p:spPr>
         <p:txBody>
-          <a:bodyPr anchorCtr="0" anchor="ctr" bIns="91425" lIns="91425" rIns="91425" tIns="91425">
+          <a:bodyPr lIns="91425" tIns="91425" rIns="91425" bIns="91425" anchor="ctr" anchorCtr="0">
             <a:noAutofit/>
           </a:bodyPr>
           <a:lstStyle/>
@@ -13304,8 +13948,9 @@
             </a:pPr>
             <a:fld id="{00000000-1234-1234-1234-123412341234}" type="slidenum">
               <a:rPr lang="en-US"/>
-              <a:t>‹#›</a:t>
+              <a:t>9</a:t>
             </a:fld>
+            <a:endParaRPr lang="en-US"/>
           </a:p>
         </p:txBody>
       </p:sp>
@@ -13314,14 +13959,14 @@
   <p:clrMapOvr>
     <a:masterClrMapping/>
   </p:clrMapOvr>
-  <p:transition spd="slow">
+  <p:transition xmlns:p14="http://schemas.microsoft.com/office/powerpoint/2010/main" spd="slow">
     <p:cut/>
   </p:transition>
 </p:sld>
 </file>
 
 <file path=ppt/theme/theme1.xml><?xml version="1.0" encoding="utf-8"?>
-<a:theme xmlns:a="http://schemas.openxmlformats.org/drawingml/2006/main" xmlns:r="http://schemas.openxmlformats.org/officeDocument/2006/relationships" name="tropic">
+<a:theme xmlns:a="http://schemas.openxmlformats.org/drawingml/2006/main" name="tropic">
   <a:themeElements>
     <a:clrScheme name="Tropic">
       <a:dk1>
@@ -13596,11 +14241,13 @@
       </a:bgFillStyleLst>
     </a:fmtScheme>
   </a:themeElements>
+  <a:objectDefaults/>
+  <a:extraClrSchemeLst/>
 </a:theme>
 </file>
 
 <file path=ppt/theme/theme2.xml><?xml version="1.0" encoding="utf-8"?>
-<a:theme xmlns:a="http://schemas.openxmlformats.org/drawingml/2006/main" xmlns:r="http://schemas.openxmlformats.org/officeDocument/2006/relationships" name="Custom Theme">
+<a:theme xmlns:a="http://schemas.openxmlformats.org/drawingml/2006/main" name="Custom Theme">
   <a:themeElements>
     <a:clrScheme name="Default">
       <a:dk1>
@@ -13875,5 +14522,7 @@
       </a:bgFillStyleLst>
     </a:fmtScheme>
   </a:themeElements>
+  <a:objectDefaults/>
+  <a:extraClrSchemeLst/>
 </a:theme>
 </file>